--- a/Part_1_Resources_for_computational_modellers/Introduction/Introduction.pptx
+++ b/Part_1_Resources_for_computational_modellers/Introduction/Introduction.pptx
@@ -11,6 +11,8 @@
   <p:sldIdLst>
     <p:sldId id="256" r:id="rId5"/>
     <p:sldId id="257" r:id="rId6"/>
+    <p:sldId id="258" r:id="rId7"/>
+    <p:sldId id="259" r:id="rId8"/>
   </p:sldIdLst>
   <p:sldSz cx="10080625" cy="7559675"/>
   <p:notesSz cx="7559675" cy="10691812"/>
@@ -36,7 +38,7 @@
       </p:grpSpPr>
       <p:sp>
         <p:nvSpPr>
-          <p:cNvPr id="78" name="PlaceHolder 1"/>
+          <p:cNvPr id="72" name="PlaceHolder 1"/>
           <p:cNvSpPr>
             <a:spLocks noGrp="1"/>
           </p:cNvSpPr>
@@ -86,7 +88,7 @@
       </p:sp>
       <p:sp>
         <p:nvSpPr>
-          <p:cNvPr id="79" name="PlaceHolder 2"/>
+          <p:cNvPr id="73" name="PlaceHolder 2"/>
           <p:cNvSpPr>
             <a:spLocks noGrp="1"/>
           </p:cNvSpPr>
@@ -118,7 +120,7 @@
                 </a:uFill>
                 <a:latin typeface="Times New Roman"/>
               </a:rPr>
-              <a:t>&lt;header&gt;</a:t>
+              <a:t> </a:t>
             </a:r>
             <a:endParaRPr b="0" lang="en-GB" sz="1400" spc="-1" strike="noStrike">
               <a:solidFill>
@@ -136,7 +138,7 @@
       </p:sp>
       <p:sp>
         <p:nvSpPr>
-          <p:cNvPr id="80" name="PlaceHolder 3"/>
+          <p:cNvPr id="74" name="PlaceHolder 3"/>
           <p:cNvSpPr>
             <a:spLocks noGrp="1"/>
           </p:cNvSpPr>
@@ -169,7 +171,7 @@
                 </a:uFill>
                 <a:latin typeface="Times New Roman"/>
               </a:rPr>
-              <a:t>&lt;date/time&gt;</a:t>
+              <a:t> </a:t>
             </a:r>
             <a:endParaRPr b="0" lang="en-GB" sz="1400" spc="-1" strike="noStrike">
               <a:solidFill>
@@ -187,7 +189,7 @@
       </p:sp>
       <p:sp>
         <p:nvSpPr>
-          <p:cNvPr id="81" name="PlaceHolder 4"/>
+          <p:cNvPr id="75" name="PlaceHolder 4"/>
           <p:cNvSpPr>
             <a:spLocks noGrp="1"/>
           </p:cNvSpPr>
@@ -219,7 +221,7 @@
                 </a:uFill>
                 <a:latin typeface="Times New Roman"/>
               </a:rPr>
-              <a:t>&lt;footer&gt;</a:t>
+              <a:t> </a:t>
             </a:r>
             <a:endParaRPr b="0" lang="en-GB" sz="1400" spc="-1" strike="noStrike">
               <a:solidFill>
@@ -237,7 +239,7 @@
       </p:sp>
       <p:sp>
         <p:nvSpPr>
-          <p:cNvPr id="82" name="PlaceHolder 5"/>
+          <p:cNvPr id="76" name="PlaceHolder 5"/>
           <p:cNvSpPr>
             <a:spLocks noGrp="1"/>
           </p:cNvSpPr>
@@ -258,7 +260,7 @@
           <a:bodyPr lIns="0" rIns="0" tIns="0" bIns="0" anchor="b"/>
           <a:p>
             <a:pPr algn="r"/>
-            <a:fld id="{FD9DAE16-7AED-463B-B3A4-8FEF4F409E32}" type="slidenum">
+            <a:fld id="{E16B90CE-D2D8-4286-88E6-9B87F7A40F18}" type="slidenum">
               <a:rPr b="0" lang="en-GB" sz="1400" spc="-1" strike="noStrike">
                 <a:solidFill>
                   <a:srgbClr val="000000"/>
@@ -270,7 +272,7 @@
                 </a:uFill>
                 <a:latin typeface="Times New Roman"/>
               </a:rPr>
-              <a:t>&lt;number&gt;</a:t>
+              <a:t>1</a:t>
             </a:fld>
             <a:endParaRPr b="0" lang="en-GB" sz="1400" spc="-1" strike="noStrike">
               <a:solidFill>
@@ -311,14 +313,14 @@
       </p:grpSpPr>
       <p:sp>
         <p:nvSpPr>
-          <p:cNvPr id="90" name="TextShape 1"/>
-          <p:cNvSpPr txBox="1"/>
+          <p:cNvPr id="91" name="CustomShape 1"/>
+          <p:cNvSpPr/>
           <p:nvPr/>
         </p:nvSpPr>
         <p:spPr>
           <a:xfrm>
             <a:off x="4278240" y="10156680"/>
-            <a:ext cx="3279240" cy="533160"/>
+            <a:ext cx="3278880" cy="532800"/>
           </a:xfrm>
           <a:prstGeom prst="rect">
             <a:avLst/>
@@ -328,6 +330,12 @@
             <a:noFill/>
           </a:ln>
         </p:spPr>
+        <p:style>
+          <a:lnRef idx="0"/>
+          <a:fillRef idx="0"/>
+          <a:effectRef idx="0"/>
+          <a:fontRef idx="minor"/>
+        </p:style>
         <p:txBody>
           <a:bodyPr lIns="0" rIns="0" tIns="0" bIns="0" anchor="b"/>
           <a:p>
@@ -336,7 +344,7 @@
                 <a:spcPct val="100000"/>
               </a:lnSpc>
             </a:pPr>
-            <a:fld id="{5C6B385E-2E91-49D3-8079-8471637AFF77}" type="slidenum">
+            <a:fld id="{F671EF06-9C29-4A1B-A889-862FF4A73215}" type="slidenum">
               <a:rPr b="0" lang="en-GB" sz="1400" spc="-1" strike="noStrike">
                 <a:solidFill>
                   <a:srgbClr val="000000"/>
@@ -349,25 +357,25 @@
                 <a:latin typeface="Times New Roman"/>
                 <a:ea typeface="DejaVu Sans"/>
               </a:rPr>
-              <a:t>&lt;number&gt;</a:t>
+              <a:t>1</a:t>
             </a:fld>
-            <a:endParaRPr b="0" lang="en-GB" sz="1400" spc="-1" strike="noStrike">
-              <a:solidFill>
-                <a:srgbClr val="000000"/>
-              </a:solidFill>
-              <a:uFill>
-                <a:solidFill>
-                  <a:srgbClr val="ffffff"/>
-                </a:solidFill>
-              </a:uFill>
-              <a:latin typeface="Times New Roman"/>
-            </a:endParaRPr>
-          </a:p>
-        </p:txBody>
-      </p:sp>
-      <p:sp>
-        <p:nvSpPr>
-          <p:cNvPr id="91" name="PlaceHolder 2"/>
+            <a:endParaRPr b="0" lang="en-GB" sz="1800" spc="-1" strike="noStrike">
+              <a:solidFill>
+                <a:srgbClr val="000000"/>
+              </a:solidFill>
+              <a:uFill>
+                <a:solidFill>
+                  <a:srgbClr val="ffffff"/>
+                </a:solidFill>
+              </a:uFill>
+              <a:latin typeface="Arial"/>
+            </a:endParaRPr>
+          </a:p>
+        </p:txBody>
+      </p:sp>
+      <p:sp>
+        <p:nvSpPr>
+          <p:cNvPr id="92" name="PlaceHolder 2"/>
           <p:cNvSpPr>
             <a:spLocks noGrp="1"/>
           </p:cNvSpPr>
@@ -378,7 +386,7 @@
         <p:spPr>
           <a:xfrm>
             <a:off x="755640" y="5078520"/>
-            <a:ext cx="6048000" cy="4811400"/>
+            <a:ext cx="6047640" cy="4811040"/>
           </a:xfrm>
           <a:prstGeom prst="rect">
             <a:avLst/>
@@ -425,14 +433,14 @@
       </p:grpSpPr>
       <p:sp>
         <p:nvSpPr>
-          <p:cNvPr id="92" name="TextShape 1"/>
-          <p:cNvSpPr txBox="1"/>
+          <p:cNvPr id="93" name="CustomShape 1"/>
+          <p:cNvSpPr/>
           <p:nvPr/>
         </p:nvSpPr>
         <p:spPr>
           <a:xfrm>
             <a:off x="4278240" y="10156680"/>
-            <a:ext cx="3279240" cy="533160"/>
+            <a:ext cx="3278880" cy="532800"/>
           </a:xfrm>
           <a:prstGeom prst="rect">
             <a:avLst/>
@@ -442,6 +450,12 @@
             <a:noFill/>
           </a:ln>
         </p:spPr>
+        <p:style>
+          <a:lnRef idx="0"/>
+          <a:fillRef idx="0"/>
+          <a:effectRef idx="0"/>
+          <a:fontRef idx="minor"/>
+        </p:style>
         <p:txBody>
           <a:bodyPr lIns="0" rIns="0" tIns="0" bIns="0" anchor="b"/>
           <a:p>
@@ -450,7 +464,247 @@
                 <a:spcPct val="100000"/>
               </a:lnSpc>
             </a:pPr>
-            <a:fld id="{F1BDF4D3-1EB3-44B2-8786-139DD7617742}" type="slidenum">
+            <a:fld id="{41743767-D5E6-4BCB-A477-ADBBCF7C5917}" type="slidenum">
+              <a:rPr b="0" lang="en-GB" sz="1400" spc="-1" strike="noStrike">
+                <a:solidFill>
+                  <a:srgbClr val="000000"/>
+                </a:solidFill>
+                <a:uFill>
+                  <a:solidFill>
+                    <a:srgbClr val="ffffff"/>
+                  </a:solidFill>
+                </a:uFill>
+                <a:latin typeface="Times New Roman"/>
+                <a:ea typeface="DejaVu Sans"/>
+              </a:rPr>
+              <a:t>1</a:t>
+            </a:fld>
+            <a:endParaRPr b="0" lang="en-GB" sz="1800" spc="-1" strike="noStrike">
+              <a:solidFill>
+                <a:srgbClr val="000000"/>
+              </a:solidFill>
+              <a:uFill>
+                <a:solidFill>
+                  <a:srgbClr val="ffffff"/>
+                </a:solidFill>
+              </a:uFill>
+              <a:latin typeface="Arial"/>
+            </a:endParaRPr>
+          </a:p>
+        </p:txBody>
+      </p:sp>
+      <p:sp>
+        <p:nvSpPr>
+          <p:cNvPr id="94" name="PlaceHolder 2"/>
+          <p:cNvSpPr>
+            <a:spLocks noGrp="1"/>
+          </p:cNvSpPr>
+          <p:nvPr>
+            <p:ph type="body"/>
+          </p:nvPr>
+        </p:nvSpPr>
+        <p:spPr>
+          <a:xfrm>
+            <a:off x="755640" y="5078520"/>
+            <a:ext cx="6047640" cy="4811040"/>
+          </a:xfrm>
+          <a:prstGeom prst="rect">
+            <a:avLst/>
+          </a:prstGeom>
+        </p:spPr>
+        <p:txBody>
+          <a:bodyPr lIns="0" rIns="0" tIns="0" bIns="0" anchor="ctr"/>
+          <a:p>
+            <a:endParaRPr b="0" lang="en-GB" sz="2000" spc="-1" strike="noStrike">
+              <a:solidFill>
+                <a:srgbClr val="000000"/>
+              </a:solidFill>
+              <a:uFill>
+                <a:solidFill>
+                  <a:srgbClr val="ffffff"/>
+                </a:solidFill>
+              </a:uFill>
+              <a:latin typeface="Arial"/>
+            </a:endParaRPr>
+          </a:p>
+        </p:txBody>
+      </p:sp>
+    </p:spTree>
+  </p:cSld>
+</p:notes>
+</file>
+
+<file path=ppt/notesSlides/notesSlide3.xml><?xml version="1.0" encoding="utf-8"?>
+<p:notes xmlns:a="http://schemas.openxmlformats.org/drawingml/2006/main" xmlns:p="http://schemas.openxmlformats.org/presentationml/2006/main" xmlns:r="http://schemas.openxmlformats.org/officeDocument/2006/relationships" xmlns:p14="http://schemas.microsoft.com/office/powerpoint/2010/main" xmlns:p15="http://schemas.microsoft.com/office/powerpoint/2012/main" xmlns:mc="http://schemas.openxmlformats.org/markup-compatibility/2006">
+  <p:cSld>
+    <p:spTree>
+      <p:nvGrpSpPr>
+        <p:cNvPr id="1" name=""/>
+        <p:cNvGrpSpPr/>
+        <p:nvPr/>
+      </p:nvGrpSpPr>
+      <p:grpSpPr>
+        <a:xfrm>
+          <a:off x="0" y="0"/>
+          <a:ext cx="0" cy="0"/>
+          <a:chOff x="0" y="0"/>
+          <a:chExt cx="0" cy="0"/>
+        </a:xfrm>
+      </p:grpSpPr>
+      <p:sp>
+        <p:nvSpPr>
+          <p:cNvPr id="95" name="CustomShape 1"/>
+          <p:cNvSpPr/>
+          <p:nvPr/>
+        </p:nvSpPr>
+        <p:spPr>
+          <a:xfrm>
+            <a:off x="4278240" y="10156680"/>
+            <a:ext cx="3278880" cy="532800"/>
+          </a:xfrm>
+          <a:prstGeom prst="rect">
+            <a:avLst/>
+          </a:prstGeom>
+          <a:noFill/>
+          <a:ln>
+            <a:noFill/>
+          </a:ln>
+        </p:spPr>
+        <p:style>
+          <a:lnRef idx="0"/>
+          <a:fillRef idx="0"/>
+          <a:effectRef idx="0"/>
+          <a:fontRef idx="minor"/>
+        </p:style>
+        <p:txBody>
+          <a:bodyPr lIns="0" rIns="0" tIns="0" bIns="0" anchor="b"/>
+          <a:p>
+            <a:pPr algn="r">
+              <a:lnSpc>
+                <a:spcPct val="100000"/>
+              </a:lnSpc>
+            </a:pPr>
+            <a:fld id="{62818F99-7DF5-43F7-909F-B79134330570}" type="slidenum">
+              <a:rPr b="0" lang="en-GB" sz="1400" spc="-1" strike="noStrike">
+                <a:solidFill>
+                  <a:srgbClr val="000000"/>
+                </a:solidFill>
+                <a:uFill>
+                  <a:solidFill>
+                    <a:srgbClr val="ffffff"/>
+                  </a:solidFill>
+                </a:uFill>
+                <a:latin typeface="Times New Roman"/>
+                <a:ea typeface="DejaVu Sans"/>
+              </a:rPr>
+              <a:t>1</a:t>
+            </a:fld>
+            <a:endParaRPr b="0" lang="en-GB" sz="1800" spc="-1" strike="noStrike">
+              <a:solidFill>
+                <a:srgbClr val="000000"/>
+              </a:solidFill>
+              <a:uFill>
+                <a:solidFill>
+                  <a:srgbClr val="ffffff"/>
+                </a:solidFill>
+              </a:uFill>
+              <a:latin typeface="Arial"/>
+            </a:endParaRPr>
+          </a:p>
+        </p:txBody>
+      </p:sp>
+      <p:sp>
+        <p:nvSpPr>
+          <p:cNvPr id="96" name="PlaceHolder 2"/>
+          <p:cNvSpPr>
+            <a:spLocks noGrp="1"/>
+          </p:cNvSpPr>
+          <p:nvPr>
+            <p:ph type="body"/>
+          </p:nvPr>
+        </p:nvSpPr>
+        <p:spPr>
+          <a:xfrm>
+            <a:off x="755640" y="5078520"/>
+            <a:ext cx="6047640" cy="4811040"/>
+          </a:xfrm>
+          <a:prstGeom prst="rect">
+            <a:avLst/>
+          </a:prstGeom>
+        </p:spPr>
+        <p:txBody>
+          <a:bodyPr lIns="0" rIns="0" tIns="0" bIns="0" anchor="ctr"/>
+          <a:p>
+            <a:endParaRPr b="0" lang="en-GB" sz="2000" spc="-1" strike="noStrike">
+              <a:solidFill>
+                <a:srgbClr val="000000"/>
+              </a:solidFill>
+              <a:uFill>
+                <a:solidFill>
+                  <a:srgbClr val="ffffff"/>
+                </a:solidFill>
+              </a:uFill>
+              <a:latin typeface="Arial"/>
+            </a:endParaRPr>
+          </a:p>
+        </p:txBody>
+      </p:sp>
+    </p:spTree>
+  </p:cSld>
+</p:notes>
+</file>
+
+<file path=ppt/notesSlides/notesSlide4.xml><?xml version="1.0" encoding="utf-8"?>
+<p:notes xmlns:a="http://schemas.openxmlformats.org/drawingml/2006/main" xmlns:p="http://schemas.openxmlformats.org/presentationml/2006/main" xmlns:r="http://schemas.openxmlformats.org/officeDocument/2006/relationships" xmlns:p14="http://schemas.microsoft.com/office/powerpoint/2010/main" xmlns:p15="http://schemas.microsoft.com/office/powerpoint/2012/main" xmlns:mc="http://schemas.openxmlformats.org/markup-compatibility/2006">
+  <p:cSld>
+    <p:spTree>
+      <p:nvGrpSpPr>
+        <p:cNvPr id="1" name=""/>
+        <p:cNvGrpSpPr/>
+        <p:nvPr/>
+      </p:nvGrpSpPr>
+      <p:grpSpPr>
+        <a:xfrm>
+          <a:off x="0" y="0"/>
+          <a:ext cx="0" cy="0"/>
+          <a:chOff x="0" y="0"/>
+          <a:chExt cx="0" cy="0"/>
+        </a:xfrm>
+      </p:grpSpPr>
+      <p:sp>
+        <p:nvSpPr>
+          <p:cNvPr id="97" name="CustomShape 1"/>
+          <p:cNvSpPr/>
+          <p:nvPr/>
+        </p:nvSpPr>
+        <p:spPr>
+          <a:xfrm>
+            <a:off x="4278240" y="10156680"/>
+            <a:ext cx="3278880" cy="532800"/>
+          </a:xfrm>
+          <a:prstGeom prst="rect">
+            <a:avLst/>
+          </a:prstGeom>
+          <a:noFill/>
+          <a:ln>
+            <a:noFill/>
+          </a:ln>
+        </p:spPr>
+        <p:style>
+          <a:lnRef idx="0"/>
+          <a:fillRef idx="0"/>
+          <a:effectRef idx="0"/>
+          <a:fontRef idx="minor"/>
+        </p:style>
+        <p:txBody>
+          <a:bodyPr lIns="0" rIns="0" tIns="0" bIns="0" anchor="b"/>
+          <a:p>
+            <a:pPr algn="r">
+              <a:lnSpc>
+                <a:spcPct val="100000"/>
+              </a:lnSpc>
+            </a:pPr>
+            <a:fld id="{0FDAFC21-F44F-4637-90CD-9D5A0D1A751E}" type="slidenum">
               <a:rPr b="0" lang="en-GB" sz="1400" spc="-1" strike="noStrike">
                 <a:solidFill>
                   <a:srgbClr val="000000"/>
@@ -465,23 +719,23 @@
               </a:rPr>
               <a:t>&lt;number&gt;</a:t>
             </a:fld>
-            <a:endParaRPr b="0" lang="en-GB" sz="1400" spc="-1" strike="noStrike">
-              <a:solidFill>
-                <a:srgbClr val="000000"/>
-              </a:solidFill>
-              <a:uFill>
-                <a:solidFill>
-                  <a:srgbClr val="ffffff"/>
-                </a:solidFill>
-              </a:uFill>
-              <a:latin typeface="Times New Roman"/>
-            </a:endParaRPr>
-          </a:p>
-        </p:txBody>
-      </p:sp>
-      <p:sp>
-        <p:nvSpPr>
-          <p:cNvPr id="93" name="PlaceHolder 2"/>
+            <a:endParaRPr b="0" lang="en-GB" sz="1800" spc="-1" strike="noStrike">
+              <a:solidFill>
+                <a:srgbClr val="000000"/>
+              </a:solidFill>
+              <a:uFill>
+                <a:solidFill>
+                  <a:srgbClr val="ffffff"/>
+                </a:solidFill>
+              </a:uFill>
+              <a:latin typeface="Arial"/>
+            </a:endParaRPr>
+          </a:p>
+        </p:txBody>
+      </p:sp>
+      <p:sp>
+        <p:nvSpPr>
+          <p:cNvPr id="98" name="PlaceHolder 2"/>
           <p:cNvSpPr>
             <a:spLocks noGrp="1"/>
           </p:cNvSpPr>
@@ -492,7 +746,7 @@
         <p:spPr>
           <a:xfrm>
             <a:off x="755640" y="5078520"/>
-            <a:ext cx="6048000" cy="4811400"/>
+            <a:ext cx="6047640" cy="4811040"/>
           </a:xfrm>
           <a:prstGeom prst="rect">
             <a:avLst/>
@@ -561,7 +815,7 @@
       </p:grpSpPr>
       <p:sp>
         <p:nvSpPr>
-          <p:cNvPr id="26" name="PlaceHolder 1"/>
+          <p:cNvPr id="23" name="PlaceHolder 1"/>
           <p:cNvSpPr>
             <a:spLocks noGrp="1"/>
           </p:cNvSpPr>
@@ -571,8 +825,8 @@
         </p:nvSpPr>
         <p:spPr>
           <a:xfrm>
-            <a:off x="503280" y="301680"/>
-            <a:ext cx="9069120" cy="1260000"/>
+            <a:off x="504000" y="301320"/>
+            <a:ext cx="9072000" cy="1261800"/>
           </a:xfrm>
           <a:prstGeom prst="rect">
             <a:avLst/>
@@ -581,6 +835,7 @@
         <p:txBody>
           <a:bodyPr lIns="0" rIns="0" tIns="0" bIns="0" anchor="ctr"/>
           <a:p>
+            <a:pPr algn="ctr"/>
             <a:endParaRPr b="0" lang="en-GB" sz="4400" spc="-1" strike="noStrike">
               <a:solidFill>
                 <a:srgbClr val="000000"/>
@@ -597,7 +852,7 @@
       </p:sp>
       <p:sp>
         <p:nvSpPr>
-          <p:cNvPr id="27" name="PlaceHolder 2"/>
+          <p:cNvPr id="24" name="PlaceHolder 2"/>
           <p:cNvSpPr>
             <a:spLocks noGrp="1"/>
           </p:cNvSpPr>
@@ -607,8 +862,8 @@
         </p:nvSpPr>
         <p:spPr>
           <a:xfrm>
-            <a:off x="503280" y="1768320"/>
-            <a:ext cx="9069120" cy="2090160"/>
+            <a:off x="504000" y="1768680"/>
+            <a:ext cx="9072000" cy="2090880"/>
           </a:xfrm>
           <a:prstGeom prst="rect">
             <a:avLst/>
@@ -633,7 +888,7 @@
       </p:sp>
       <p:sp>
         <p:nvSpPr>
-          <p:cNvPr id="28" name="PlaceHolder 3"/>
+          <p:cNvPr id="25" name="PlaceHolder 3"/>
           <p:cNvSpPr>
             <a:spLocks noGrp="1"/>
           </p:cNvSpPr>
@@ -643,8 +898,8 @@
         </p:nvSpPr>
         <p:spPr>
           <a:xfrm>
-            <a:off x="503280" y="4057560"/>
-            <a:ext cx="9069120" cy="2090160"/>
+            <a:off x="504000" y="4058640"/>
+            <a:ext cx="9072000" cy="2090880"/>
           </a:xfrm>
           <a:prstGeom prst="rect">
             <a:avLst/>
@@ -691,7 +946,7 @@
       </p:grpSpPr>
       <p:sp>
         <p:nvSpPr>
-          <p:cNvPr id="29" name="PlaceHolder 1"/>
+          <p:cNvPr id="26" name="PlaceHolder 1"/>
           <p:cNvSpPr>
             <a:spLocks noGrp="1"/>
           </p:cNvSpPr>
@@ -701,8 +956,8 @@
         </p:nvSpPr>
         <p:spPr>
           <a:xfrm>
-            <a:off x="503280" y="301680"/>
-            <a:ext cx="9069120" cy="1260000"/>
+            <a:off x="504000" y="301320"/>
+            <a:ext cx="9072000" cy="1261800"/>
           </a:xfrm>
           <a:prstGeom prst="rect">
             <a:avLst/>
@@ -711,6 +966,7 @@
         <p:txBody>
           <a:bodyPr lIns="0" rIns="0" tIns="0" bIns="0" anchor="ctr"/>
           <a:p>
+            <a:pPr algn="ctr"/>
             <a:endParaRPr b="0" lang="en-GB" sz="4400" spc="-1" strike="noStrike">
               <a:solidFill>
                 <a:srgbClr val="000000"/>
@@ -727,7 +983,7 @@
       </p:sp>
       <p:sp>
         <p:nvSpPr>
-          <p:cNvPr id="30" name="PlaceHolder 2"/>
+          <p:cNvPr id="27" name="PlaceHolder 2"/>
           <p:cNvSpPr>
             <a:spLocks noGrp="1"/>
           </p:cNvSpPr>
@@ -737,8 +993,8 @@
         </p:nvSpPr>
         <p:spPr>
           <a:xfrm>
-            <a:off x="503280" y="1768320"/>
-            <a:ext cx="4425480" cy="2090160"/>
+            <a:off x="504000" y="1768680"/>
+            <a:ext cx="4426920" cy="2090880"/>
           </a:xfrm>
           <a:prstGeom prst="rect">
             <a:avLst/>
@@ -763,7 +1019,7 @@
       </p:sp>
       <p:sp>
         <p:nvSpPr>
-          <p:cNvPr id="31" name="PlaceHolder 3"/>
+          <p:cNvPr id="28" name="PlaceHolder 3"/>
           <p:cNvSpPr>
             <a:spLocks noGrp="1"/>
           </p:cNvSpPr>
@@ -773,8 +1029,8 @@
         </p:nvSpPr>
         <p:spPr>
           <a:xfrm>
-            <a:off x="5150520" y="1768320"/>
-            <a:ext cx="4425480" cy="2090160"/>
+            <a:off x="5152680" y="1768680"/>
+            <a:ext cx="4426920" cy="2090880"/>
           </a:xfrm>
           <a:prstGeom prst="rect">
             <a:avLst/>
@@ -799,7 +1055,7 @@
       </p:sp>
       <p:sp>
         <p:nvSpPr>
-          <p:cNvPr id="32" name="PlaceHolder 4"/>
+          <p:cNvPr id="29" name="PlaceHolder 4"/>
           <p:cNvSpPr>
             <a:spLocks noGrp="1"/>
           </p:cNvSpPr>
@@ -809,8 +1065,8 @@
         </p:nvSpPr>
         <p:spPr>
           <a:xfrm>
-            <a:off x="5150520" y="4057560"/>
-            <a:ext cx="4425480" cy="2090160"/>
+            <a:off x="5152680" y="4058640"/>
+            <a:ext cx="4426920" cy="2090880"/>
           </a:xfrm>
           <a:prstGeom prst="rect">
             <a:avLst/>
@@ -835,7 +1091,7 @@
       </p:sp>
       <p:sp>
         <p:nvSpPr>
-          <p:cNvPr id="33" name="PlaceHolder 5"/>
+          <p:cNvPr id="30" name="PlaceHolder 5"/>
           <p:cNvSpPr>
             <a:spLocks noGrp="1"/>
           </p:cNvSpPr>
@@ -845,8 +1101,8 @@
         </p:nvSpPr>
         <p:spPr>
           <a:xfrm>
-            <a:off x="503280" y="4057560"/>
-            <a:ext cx="4425480" cy="2090160"/>
+            <a:off x="504000" y="4058640"/>
+            <a:ext cx="4426920" cy="2090880"/>
           </a:xfrm>
           <a:prstGeom prst="rect">
             <a:avLst/>
@@ -893,7 +1149,7 @@
       </p:grpSpPr>
       <p:sp>
         <p:nvSpPr>
-          <p:cNvPr id="34" name="PlaceHolder 1"/>
+          <p:cNvPr id="31" name="PlaceHolder 1"/>
           <p:cNvSpPr>
             <a:spLocks noGrp="1"/>
           </p:cNvSpPr>
@@ -903,8 +1159,8 @@
         </p:nvSpPr>
         <p:spPr>
           <a:xfrm>
-            <a:off x="503280" y="301680"/>
-            <a:ext cx="9069120" cy="1260000"/>
+            <a:off x="504000" y="301320"/>
+            <a:ext cx="9072000" cy="1261800"/>
           </a:xfrm>
           <a:prstGeom prst="rect">
             <a:avLst/>
@@ -913,6 +1169,7 @@
         <p:txBody>
           <a:bodyPr lIns="0" rIns="0" tIns="0" bIns="0" anchor="ctr"/>
           <a:p>
+            <a:pPr algn="ctr"/>
             <a:endParaRPr b="0" lang="en-GB" sz="4400" spc="-1" strike="noStrike">
               <a:solidFill>
                 <a:srgbClr val="000000"/>
@@ -929,7 +1186,7 @@
       </p:sp>
       <p:sp>
         <p:nvSpPr>
-          <p:cNvPr id="35" name="PlaceHolder 2"/>
+          <p:cNvPr id="32" name="PlaceHolder 2"/>
           <p:cNvSpPr>
             <a:spLocks noGrp="1"/>
           </p:cNvSpPr>
@@ -939,8 +1196,8 @@
         </p:nvSpPr>
         <p:spPr>
           <a:xfrm>
-            <a:off x="503280" y="1768320"/>
-            <a:ext cx="9069120" cy="4382640"/>
+            <a:off x="504000" y="1768680"/>
+            <a:ext cx="9072000" cy="4384080"/>
           </a:xfrm>
           <a:prstGeom prst="rect">
             <a:avLst/>
@@ -965,7 +1222,7 @@
       </p:sp>
       <p:sp>
         <p:nvSpPr>
-          <p:cNvPr id="36" name="PlaceHolder 3"/>
+          <p:cNvPr id="33" name="PlaceHolder 3"/>
           <p:cNvSpPr>
             <a:spLocks noGrp="1"/>
           </p:cNvSpPr>
@@ -975,8 +1232,8 @@
         </p:nvSpPr>
         <p:spPr>
           <a:xfrm>
-            <a:off x="503280" y="1768320"/>
-            <a:ext cx="9069120" cy="4382640"/>
+            <a:off x="504000" y="1768680"/>
+            <a:ext cx="9072000" cy="4384080"/>
           </a:xfrm>
           <a:prstGeom prst="rect">
             <a:avLst/>
@@ -1001,7 +1258,7 @@
       </p:sp>
       <p:pic>
         <p:nvPicPr>
-          <p:cNvPr id="37" name="" descr=""/>
+          <p:cNvPr id="34" name="" descr=""/>
           <p:cNvPicPr/>
           <p:nvPr/>
         </p:nvPicPr>
@@ -1011,8 +1268,8 @@
         </p:blipFill>
         <p:spPr>
           <a:xfrm>
-            <a:off x="2291400" y="1768320"/>
-            <a:ext cx="5492880" cy="4382640"/>
+            <a:off x="2292480" y="1768680"/>
+            <a:ext cx="5494680" cy="4384080"/>
           </a:xfrm>
           <a:prstGeom prst="rect">
             <a:avLst/>
@@ -1024,7 +1281,7 @@
       </p:pic>
       <p:pic>
         <p:nvPicPr>
-          <p:cNvPr id="38" name="" descr=""/>
+          <p:cNvPr id="35" name="" descr=""/>
           <p:cNvPicPr/>
           <p:nvPr/>
         </p:nvPicPr>
@@ -1034,8 +1291,8 @@
         </p:blipFill>
         <p:spPr>
           <a:xfrm>
-            <a:off x="2291400" y="1768320"/>
-            <a:ext cx="5492880" cy="4382640"/>
+            <a:off x="2292480" y="1768680"/>
+            <a:ext cx="5494680" cy="4384080"/>
           </a:xfrm>
           <a:prstGeom prst="rect">
             <a:avLst/>
@@ -1091,7 +1348,7 @@
       </p:grpSpPr>
       <p:sp>
         <p:nvSpPr>
-          <p:cNvPr id="44" name="PlaceHolder 1"/>
+          <p:cNvPr id="38" name="PlaceHolder 1"/>
           <p:cNvSpPr>
             <a:spLocks noGrp="1"/>
           </p:cNvSpPr>
@@ -1101,8 +1358,8 @@
         </p:nvSpPr>
         <p:spPr>
           <a:xfrm>
-            <a:off x="503280" y="301680"/>
-            <a:ext cx="9069120" cy="1260000"/>
+            <a:off x="504000" y="301320"/>
+            <a:ext cx="9072000" cy="1261800"/>
           </a:xfrm>
           <a:prstGeom prst="rect">
             <a:avLst/>
@@ -1111,6 +1368,7 @@
         <p:txBody>
           <a:bodyPr lIns="0" rIns="0" tIns="0" bIns="0" anchor="ctr"/>
           <a:p>
+            <a:pPr algn="ctr"/>
             <a:endParaRPr b="0" lang="en-GB" sz="4400" spc="-1" strike="noStrike">
               <a:solidFill>
                 <a:srgbClr val="000000"/>
@@ -1127,7 +1385,7 @@
       </p:sp>
       <p:sp>
         <p:nvSpPr>
-          <p:cNvPr id="45" name="PlaceHolder 2"/>
+          <p:cNvPr id="39" name="PlaceHolder 2"/>
           <p:cNvSpPr>
             <a:spLocks noGrp="1"/>
           </p:cNvSpPr>
@@ -1137,8 +1395,8 @@
         </p:nvSpPr>
         <p:spPr>
           <a:xfrm>
-            <a:off x="503280" y="1768320"/>
-            <a:ext cx="9069120" cy="4382640"/>
+            <a:off x="504000" y="1768680"/>
+            <a:ext cx="9072000" cy="4384080"/>
           </a:xfrm>
           <a:prstGeom prst="rect">
             <a:avLst/>
@@ -1186,7 +1444,7 @@
       </p:grpSpPr>
       <p:sp>
         <p:nvSpPr>
-          <p:cNvPr id="46" name="PlaceHolder 1"/>
+          <p:cNvPr id="40" name="PlaceHolder 1"/>
           <p:cNvSpPr>
             <a:spLocks noGrp="1"/>
           </p:cNvSpPr>
@@ -1196,8 +1454,8 @@
         </p:nvSpPr>
         <p:spPr>
           <a:xfrm>
-            <a:off x="503280" y="301680"/>
-            <a:ext cx="9069120" cy="1260000"/>
+            <a:off x="504000" y="301320"/>
+            <a:ext cx="9072000" cy="1261800"/>
           </a:xfrm>
           <a:prstGeom prst="rect">
             <a:avLst/>
@@ -1206,6 +1464,7 @@
         <p:txBody>
           <a:bodyPr lIns="0" rIns="0" tIns="0" bIns="0" anchor="ctr"/>
           <a:p>
+            <a:pPr algn="ctr"/>
             <a:endParaRPr b="0" lang="en-GB" sz="4400" spc="-1" strike="noStrike">
               <a:solidFill>
                 <a:srgbClr val="000000"/>
@@ -1222,7 +1481,7 @@
       </p:sp>
       <p:sp>
         <p:nvSpPr>
-          <p:cNvPr id="47" name="PlaceHolder 2"/>
+          <p:cNvPr id="41" name="PlaceHolder 2"/>
           <p:cNvSpPr>
             <a:spLocks noGrp="1"/>
           </p:cNvSpPr>
@@ -1232,8 +1491,8 @@
         </p:nvSpPr>
         <p:spPr>
           <a:xfrm>
-            <a:off x="503280" y="1768320"/>
-            <a:ext cx="9069120" cy="4382640"/>
+            <a:off x="504000" y="1768680"/>
+            <a:ext cx="9072000" cy="4384080"/>
           </a:xfrm>
           <a:prstGeom prst="rect">
             <a:avLst/>
@@ -1280,7 +1539,7 @@
       </p:grpSpPr>
       <p:sp>
         <p:nvSpPr>
-          <p:cNvPr id="48" name="PlaceHolder 1"/>
+          <p:cNvPr id="42" name="PlaceHolder 1"/>
           <p:cNvSpPr>
             <a:spLocks noGrp="1"/>
           </p:cNvSpPr>
@@ -1290,8 +1549,8 @@
         </p:nvSpPr>
         <p:spPr>
           <a:xfrm>
-            <a:off x="503280" y="301680"/>
-            <a:ext cx="9069120" cy="1260000"/>
+            <a:off x="504000" y="301320"/>
+            <a:ext cx="9072000" cy="1261800"/>
           </a:xfrm>
           <a:prstGeom prst="rect">
             <a:avLst/>
@@ -1300,6 +1559,7 @@
         <p:txBody>
           <a:bodyPr lIns="0" rIns="0" tIns="0" bIns="0" anchor="ctr"/>
           <a:p>
+            <a:pPr algn="ctr"/>
             <a:endParaRPr b="0" lang="en-GB" sz="4400" spc="-1" strike="noStrike">
               <a:solidFill>
                 <a:srgbClr val="000000"/>
@@ -1316,7 +1576,7 @@
       </p:sp>
       <p:sp>
         <p:nvSpPr>
-          <p:cNvPr id="49" name="PlaceHolder 2"/>
+          <p:cNvPr id="43" name="PlaceHolder 2"/>
           <p:cNvSpPr>
             <a:spLocks noGrp="1"/>
           </p:cNvSpPr>
@@ -1326,8 +1586,8 @@
         </p:nvSpPr>
         <p:spPr>
           <a:xfrm>
-            <a:off x="503280" y="1768320"/>
-            <a:ext cx="4425480" cy="4382640"/>
+            <a:off x="504000" y="1768680"/>
+            <a:ext cx="4426920" cy="4384080"/>
           </a:xfrm>
           <a:prstGeom prst="rect">
             <a:avLst/>
@@ -1352,7 +1612,7 @@
       </p:sp>
       <p:sp>
         <p:nvSpPr>
-          <p:cNvPr id="50" name="PlaceHolder 3"/>
+          <p:cNvPr id="44" name="PlaceHolder 3"/>
           <p:cNvSpPr>
             <a:spLocks noGrp="1"/>
           </p:cNvSpPr>
@@ -1362,8 +1622,8 @@
         </p:nvSpPr>
         <p:spPr>
           <a:xfrm>
-            <a:off x="5150520" y="1768320"/>
-            <a:ext cx="4425480" cy="4382640"/>
+            <a:off x="5152680" y="1768680"/>
+            <a:ext cx="4426920" cy="4384080"/>
           </a:xfrm>
           <a:prstGeom prst="rect">
             <a:avLst/>
@@ -1410,7 +1670,7 @@
       </p:grpSpPr>
       <p:sp>
         <p:nvSpPr>
-          <p:cNvPr id="51" name="PlaceHolder 1"/>
+          <p:cNvPr id="45" name="PlaceHolder 1"/>
           <p:cNvSpPr>
             <a:spLocks noGrp="1"/>
           </p:cNvSpPr>
@@ -1420,8 +1680,8 @@
         </p:nvSpPr>
         <p:spPr>
           <a:xfrm>
-            <a:off x="503280" y="301680"/>
-            <a:ext cx="9069120" cy="1260000"/>
+            <a:off x="504000" y="301320"/>
+            <a:ext cx="9072000" cy="1261800"/>
           </a:xfrm>
           <a:prstGeom prst="rect">
             <a:avLst/>
@@ -1430,6 +1690,7 @@
         <p:txBody>
           <a:bodyPr lIns="0" rIns="0" tIns="0" bIns="0" anchor="ctr"/>
           <a:p>
+            <a:pPr algn="ctr"/>
             <a:endParaRPr b="0" lang="en-GB" sz="4400" spc="-1" strike="noStrike">
               <a:solidFill>
                 <a:srgbClr val="000000"/>
@@ -1468,7 +1729,7 @@
       </p:grpSpPr>
       <p:sp>
         <p:nvSpPr>
-          <p:cNvPr id="52" name="PlaceHolder 1"/>
+          <p:cNvPr id="46" name="PlaceHolder 1"/>
           <p:cNvSpPr>
             <a:spLocks noGrp="1"/>
           </p:cNvSpPr>
@@ -1478,8 +1739,8 @@
         </p:nvSpPr>
         <p:spPr>
           <a:xfrm>
-            <a:off x="503280" y="301680"/>
-            <a:ext cx="9069120" cy="5842080"/>
+            <a:off x="504000" y="301320"/>
+            <a:ext cx="9072000" cy="5850360"/>
           </a:xfrm>
           <a:prstGeom prst="rect">
             <a:avLst/>
@@ -1527,7 +1788,7 @@
       </p:grpSpPr>
       <p:sp>
         <p:nvSpPr>
-          <p:cNvPr id="53" name="PlaceHolder 1"/>
+          <p:cNvPr id="47" name="PlaceHolder 1"/>
           <p:cNvSpPr>
             <a:spLocks noGrp="1"/>
           </p:cNvSpPr>
@@ -1537,8 +1798,8 @@
         </p:nvSpPr>
         <p:spPr>
           <a:xfrm>
-            <a:off x="503280" y="301680"/>
-            <a:ext cx="9069120" cy="1260000"/>
+            <a:off x="504000" y="301320"/>
+            <a:ext cx="9072000" cy="1261800"/>
           </a:xfrm>
           <a:prstGeom prst="rect">
             <a:avLst/>
@@ -1547,6 +1808,7 @@
         <p:txBody>
           <a:bodyPr lIns="0" rIns="0" tIns="0" bIns="0" anchor="ctr"/>
           <a:p>
+            <a:pPr algn="ctr"/>
             <a:endParaRPr b="0" lang="en-GB" sz="4400" spc="-1" strike="noStrike">
               <a:solidFill>
                 <a:srgbClr val="000000"/>
@@ -1563,7 +1825,7 @@
       </p:sp>
       <p:sp>
         <p:nvSpPr>
-          <p:cNvPr id="54" name="PlaceHolder 2"/>
+          <p:cNvPr id="48" name="PlaceHolder 2"/>
           <p:cNvSpPr>
             <a:spLocks noGrp="1"/>
           </p:cNvSpPr>
@@ -1573,8 +1835,8 @@
         </p:nvSpPr>
         <p:spPr>
           <a:xfrm>
-            <a:off x="503280" y="1768320"/>
-            <a:ext cx="4425480" cy="2090160"/>
+            <a:off x="504000" y="1768680"/>
+            <a:ext cx="4426920" cy="2090880"/>
           </a:xfrm>
           <a:prstGeom prst="rect">
             <a:avLst/>
@@ -1599,7 +1861,7 @@
       </p:sp>
       <p:sp>
         <p:nvSpPr>
-          <p:cNvPr id="55" name="PlaceHolder 3"/>
+          <p:cNvPr id="49" name="PlaceHolder 3"/>
           <p:cNvSpPr>
             <a:spLocks noGrp="1"/>
           </p:cNvSpPr>
@@ -1609,8 +1871,8 @@
         </p:nvSpPr>
         <p:spPr>
           <a:xfrm>
-            <a:off x="503280" y="4057560"/>
-            <a:ext cx="4425480" cy="2090160"/>
+            <a:off x="504000" y="4058640"/>
+            <a:ext cx="4426920" cy="2090880"/>
           </a:xfrm>
           <a:prstGeom prst="rect">
             <a:avLst/>
@@ -1635,7 +1897,7 @@
       </p:sp>
       <p:sp>
         <p:nvSpPr>
-          <p:cNvPr id="56" name="PlaceHolder 4"/>
+          <p:cNvPr id="50" name="PlaceHolder 4"/>
           <p:cNvSpPr>
             <a:spLocks noGrp="1"/>
           </p:cNvSpPr>
@@ -1645,8 +1907,8 @@
         </p:nvSpPr>
         <p:spPr>
           <a:xfrm>
-            <a:off x="5150520" y="1768320"/>
-            <a:ext cx="4425480" cy="4382640"/>
+            <a:off x="5152680" y="1768680"/>
+            <a:ext cx="4426920" cy="4384080"/>
           </a:xfrm>
           <a:prstGeom prst="rect">
             <a:avLst/>
@@ -1693,7 +1955,7 @@
       </p:grpSpPr>
       <p:sp>
         <p:nvSpPr>
-          <p:cNvPr id="5" name="PlaceHolder 1"/>
+          <p:cNvPr id="2" name="PlaceHolder 1"/>
           <p:cNvSpPr>
             <a:spLocks noGrp="1"/>
           </p:cNvSpPr>
@@ -1703,8 +1965,8 @@
         </p:nvSpPr>
         <p:spPr>
           <a:xfrm>
-            <a:off x="503280" y="301680"/>
-            <a:ext cx="9069120" cy="1260000"/>
+            <a:off x="504000" y="301320"/>
+            <a:ext cx="9072000" cy="1261800"/>
           </a:xfrm>
           <a:prstGeom prst="rect">
             <a:avLst/>
@@ -1713,6 +1975,7 @@
         <p:txBody>
           <a:bodyPr lIns="0" rIns="0" tIns="0" bIns="0" anchor="ctr"/>
           <a:p>
+            <a:pPr algn="ctr"/>
             <a:endParaRPr b="0" lang="en-GB" sz="4400" spc="-1" strike="noStrike">
               <a:solidFill>
                 <a:srgbClr val="000000"/>
@@ -1729,7 +1992,7 @@
       </p:sp>
       <p:sp>
         <p:nvSpPr>
-          <p:cNvPr id="6" name="PlaceHolder 2"/>
+          <p:cNvPr id="3" name="PlaceHolder 2"/>
           <p:cNvSpPr>
             <a:spLocks noGrp="1"/>
           </p:cNvSpPr>
@@ -1739,8 +2002,8 @@
         </p:nvSpPr>
         <p:spPr>
           <a:xfrm>
-            <a:off x="503280" y="1768320"/>
-            <a:ext cx="9069120" cy="4382640"/>
+            <a:off x="504000" y="1768680"/>
+            <a:ext cx="9072000" cy="4384080"/>
           </a:xfrm>
           <a:prstGeom prst="rect">
             <a:avLst/>
@@ -1788,7 +2051,7 @@
       </p:grpSpPr>
       <p:sp>
         <p:nvSpPr>
-          <p:cNvPr id="57" name="PlaceHolder 1"/>
+          <p:cNvPr id="51" name="PlaceHolder 1"/>
           <p:cNvSpPr>
             <a:spLocks noGrp="1"/>
           </p:cNvSpPr>
@@ -1798,8 +2061,8 @@
         </p:nvSpPr>
         <p:spPr>
           <a:xfrm>
-            <a:off x="503280" y="301680"/>
-            <a:ext cx="9069120" cy="1260000"/>
+            <a:off x="504000" y="301320"/>
+            <a:ext cx="9072000" cy="1261800"/>
           </a:xfrm>
           <a:prstGeom prst="rect">
             <a:avLst/>
@@ -1808,6 +2071,7 @@
         <p:txBody>
           <a:bodyPr lIns="0" rIns="0" tIns="0" bIns="0" anchor="ctr"/>
           <a:p>
+            <a:pPr algn="ctr"/>
             <a:endParaRPr b="0" lang="en-GB" sz="4400" spc="-1" strike="noStrike">
               <a:solidFill>
                 <a:srgbClr val="000000"/>
@@ -1824,7 +2088,7 @@
       </p:sp>
       <p:sp>
         <p:nvSpPr>
-          <p:cNvPr id="58" name="PlaceHolder 2"/>
+          <p:cNvPr id="52" name="PlaceHolder 2"/>
           <p:cNvSpPr>
             <a:spLocks noGrp="1"/>
           </p:cNvSpPr>
@@ -1834,8 +2098,8 @@
         </p:nvSpPr>
         <p:spPr>
           <a:xfrm>
-            <a:off x="503280" y="1768320"/>
-            <a:ext cx="4425480" cy="4382640"/>
+            <a:off x="504000" y="1768680"/>
+            <a:ext cx="4426920" cy="4384080"/>
           </a:xfrm>
           <a:prstGeom prst="rect">
             <a:avLst/>
@@ -1860,7 +2124,7 @@
       </p:sp>
       <p:sp>
         <p:nvSpPr>
-          <p:cNvPr id="59" name="PlaceHolder 3"/>
+          <p:cNvPr id="53" name="PlaceHolder 3"/>
           <p:cNvSpPr>
             <a:spLocks noGrp="1"/>
           </p:cNvSpPr>
@@ -1870,8 +2134,8 @@
         </p:nvSpPr>
         <p:spPr>
           <a:xfrm>
-            <a:off x="5150520" y="1768320"/>
-            <a:ext cx="4425480" cy="2090160"/>
+            <a:off x="5152680" y="1768680"/>
+            <a:ext cx="4426920" cy="2090880"/>
           </a:xfrm>
           <a:prstGeom prst="rect">
             <a:avLst/>
@@ -1896,7 +2160,7 @@
       </p:sp>
       <p:sp>
         <p:nvSpPr>
-          <p:cNvPr id="60" name="PlaceHolder 4"/>
+          <p:cNvPr id="54" name="PlaceHolder 4"/>
           <p:cNvSpPr>
             <a:spLocks noGrp="1"/>
           </p:cNvSpPr>
@@ -1906,8 +2170,8 @@
         </p:nvSpPr>
         <p:spPr>
           <a:xfrm>
-            <a:off x="5150520" y="4057560"/>
-            <a:ext cx="4425480" cy="2090160"/>
+            <a:off x="5152680" y="4058640"/>
+            <a:ext cx="4426920" cy="2090880"/>
           </a:xfrm>
           <a:prstGeom prst="rect">
             <a:avLst/>
@@ -1954,7 +2218,7 @@
       </p:grpSpPr>
       <p:sp>
         <p:nvSpPr>
-          <p:cNvPr id="61" name="PlaceHolder 1"/>
+          <p:cNvPr id="55" name="PlaceHolder 1"/>
           <p:cNvSpPr>
             <a:spLocks noGrp="1"/>
           </p:cNvSpPr>
@@ -1964,8 +2228,8 @@
         </p:nvSpPr>
         <p:spPr>
           <a:xfrm>
-            <a:off x="503280" y="301680"/>
-            <a:ext cx="9069120" cy="1260000"/>
+            <a:off x="504000" y="301320"/>
+            <a:ext cx="9072000" cy="1261800"/>
           </a:xfrm>
           <a:prstGeom prst="rect">
             <a:avLst/>
@@ -1974,6 +2238,7 @@
         <p:txBody>
           <a:bodyPr lIns="0" rIns="0" tIns="0" bIns="0" anchor="ctr"/>
           <a:p>
+            <a:pPr algn="ctr"/>
             <a:endParaRPr b="0" lang="en-GB" sz="4400" spc="-1" strike="noStrike">
               <a:solidFill>
                 <a:srgbClr val="000000"/>
@@ -1990,7 +2255,7 @@
       </p:sp>
       <p:sp>
         <p:nvSpPr>
-          <p:cNvPr id="62" name="PlaceHolder 2"/>
+          <p:cNvPr id="56" name="PlaceHolder 2"/>
           <p:cNvSpPr>
             <a:spLocks noGrp="1"/>
           </p:cNvSpPr>
@@ -2000,8 +2265,8 @@
         </p:nvSpPr>
         <p:spPr>
           <a:xfrm>
-            <a:off x="503280" y="1768320"/>
-            <a:ext cx="4425480" cy="2090160"/>
+            <a:off x="504000" y="1768680"/>
+            <a:ext cx="4426920" cy="2090880"/>
           </a:xfrm>
           <a:prstGeom prst="rect">
             <a:avLst/>
@@ -2026,7 +2291,7 @@
       </p:sp>
       <p:sp>
         <p:nvSpPr>
-          <p:cNvPr id="63" name="PlaceHolder 3"/>
+          <p:cNvPr id="57" name="PlaceHolder 3"/>
           <p:cNvSpPr>
             <a:spLocks noGrp="1"/>
           </p:cNvSpPr>
@@ -2036,8 +2301,8 @@
         </p:nvSpPr>
         <p:spPr>
           <a:xfrm>
-            <a:off x="5150520" y="1768320"/>
-            <a:ext cx="4425480" cy="2090160"/>
+            <a:off x="5152680" y="1768680"/>
+            <a:ext cx="4426920" cy="2090880"/>
           </a:xfrm>
           <a:prstGeom prst="rect">
             <a:avLst/>
@@ -2062,7 +2327,7 @@
       </p:sp>
       <p:sp>
         <p:nvSpPr>
-          <p:cNvPr id="64" name="PlaceHolder 4"/>
+          <p:cNvPr id="58" name="PlaceHolder 4"/>
           <p:cNvSpPr>
             <a:spLocks noGrp="1"/>
           </p:cNvSpPr>
@@ -2072,8 +2337,8 @@
         </p:nvSpPr>
         <p:spPr>
           <a:xfrm>
-            <a:off x="503280" y="4057560"/>
-            <a:ext cx="9069120" cy="2090160"/>
+            <a:off x="504000" y="4058640"/>
+            <a:ext cx="9072000" cy="2090880"/>
           </a:xfrm>
           <a:prstGeom prst="rect">
             <a:avLst/>
@@ -2120,7 +2385,7 @@
       </p:grpSpPr>
       <p:sp>
         <p:nvSpPr>
-          <p:cNvPr id="65" name="PlaceHolder 1"/>
+          <p:cNvPr id="59" name="PlaceHolder 1"/>
           <p:cNvSpPr>
             <a:spLocks noGrp="1"/>
           </p:cNvSpPr>
@@ -2130,8 +2395,8 @@
         </p:nvSpPr>
         <p:spPr>
           <a:xfrm>
-            <a:off x="503280" y="301680"/>
-            <a:ext cx="9069120" cy="1260000"/>
+            <a:off x="504000" y="301320"/>
+            <a:ext cx="9072000" cy="1261800"/>
           </a:xfrm>
           <a:prstGeom prst="rect">
             <a:avLst/>
@@ -2140,6 +2405,7 @@
         <p:txBody>
           <a:bodyPr lIns="0" rIns="0" tIns="0" bIns="0" anchor="ctr"/>
           <a:p>
+            <a:pPr algn="ctr"/>
             <a:endParaRPr b="0" lang="en-GB" sz="4400" spc="-1" strike="noStrike">
               <a:solidFill>
                 <a:srgbClr val="000000"/>
@@ -2156,7 +2422,7 @@
       </p:sp>
       <p:sp>
         <p:nvSpPr>
-          <p:cNvPr id="66" name="PlaceHolder 2"/>
+          <p:cNvPr id="60" name="PlaceHolder 2"/>
           <p:cNvSpPr>
             <a:spLocks noGrp="1"/>
           </p:cNvSpPr>
@@ -2166,8 +2432,8 @@
         </p:nvSpPr>
         <p:spPr>
           <a:xfrm>
-            <a:off x="503280" y="1768320"/>
-            <a:ext cx="9069120" cy="2090160"/>
+            <a:off x="504000" y="1768680"/>
+            <a:ext cx="9072000" cy="2090880"/>
           </a:xfrm>
           <a:prstGeom prst="rect">
             <a:avLst/>
@@ -2192,7 +2458,7 @@
       </p:sp>
       <p:sp>
         <p:nvSpPr>
-          <p:cNvPr id="67" name="PlaceHolder 3"/>
+          <p:cNvPr id="61" name="PlaceHolder 3"/>
           <p:cNvSpPr>
             <a:spLocks noGrp="1"/>
           </p:cNvSpPr>
@@ -2202,8 +2468,8 @@
         </p:nvSpPr>
         <p:spPr>
           <a:xfrm>
-            <a:off x="503280" y="4057560"/>
-            <a:ext cx="9069120" cy="2090160"/>
+            <a:off x="504000" y="4058640"/>
+            <a:ext cx="9072000" cy="2090880"/>
           </a:xfrm>
           <a:prstGeom prst="rect">
             <a:avLst/>
@@ -2250,7 +2516,7 @@
       </p:grpSpPr>
       <p:sp>
         <p:nvSpPr>
-          <p:cNvPr id="68" name="PlaceHolder 1"/>
+          <p:cNvPr id="62" name="PlaceHolder 1"/>
           <p:cNvSpPr>
             <a:spLocks noGrp="1"/>
           </p:cNvSpPr>
@@ -2260,8 +2526,8 @@
         </p:nvSpPr>
         <p:spPr>
           <a:xfrm>
-            <a:off x="503280" y="301680"/>
-            <a:ext cx="9069120" cy="1260000"/>
+            <a:off x="504000" y="301320"/>
+            <a:ext cx="9072000" cy="1261800"/>
           </a:xfrm>
           <a:prstGeom prst="rect">
             <a:avLst/>
@@ -2270,6 +2536,7 @@
         <p:txBody>
           <a:bodyPr lIns="0" rIns="0" tIns="0" bIns="0" anchor="ctr"/>
           <a:p>
+            <a:pPr algn="ctr"/>
             <a:endParaRPr b="0" lang="en-GB" sz="4400" spc="-1" strike="noStrike">
               <a:solidFill>
                 <a:srgbClr val="000000"/>
@@ -2286,7 +2553,7 @@
       </p:sp>
       <p:sp>
         <p:nvSpPr>
-          <p:cNvPr id="69" name="PlaceHolder 2"/>
+          <p:cNvPr id="63" name="PlaceHolder 2"/>
           <p:cNvSpPr>
             <a:spLocks noGrp="1"/>
           </p:cNvSpPr>
@@ -2296,8 +2563,8 @@
         </p:nvSpPr>
         <p:spPr>
           <a:xfrm>
-            <a:off x="503280" y="1768320"/>
-            <a:ext cx="4425480" cy="2090160"/>
+            <a:off x="504000" y="1768680"/>
+            <a:ext cx="4426920" cy="2090880"/>
           </a:xfrm>
           <a:prstGeom prst="rect">
             <a:avLst/>
@@ -2322,7 +2589,7 @@
       </p:sp>
       <p:sp>
         <p:nvSpPr>
-          <p:cNvPr id="70" name="PlaceHolder 3"/>
+          <p:cNvPr id="64" name="PlaceHolder 3"/>
           <p:cNvSpPr>
             <a:spLocks noGrp="1"/>
           </p:cNvSpPr>
@@ -2332,8 +2599,8 @@
         </p:nvSpPr>
         <p:spPr>
           <a:xfrm>
-            <a:off x="5150520" y="1768320"/>
-            <a:ext cx="4425480" cy="2090160"/>
+            <a:off x="5152680" y="1768680"/>
+            <a:ext cx="4426920" cy="2090880"/>
           </a:xfrm>
           <a:prstGeom prst="rect">
             <a:avLst/>
@@ -2358,7 +2625,7 @@
       </p:sp>
       <p:sp>
         <p:nvSpPr>
-          <p:cNvPr id="71" name="PlaceHolder 4"/>
+          <p:cNvPr id="65" name="PlaceHolder 4"/>
           <p:cNvSpPr>
             <a:spLocks noGrp="1"/>
           </p:cNvSpPr>
@@ -2368,8 +2635,8 @@
         </p:nvSpPr>
         <p:spPr>
           <a:xfrm>
-            <a:off x="5150520" y="4057560"/>
-            <a:ext cx="4425480" cy="2090160"/>
+            <a:off x="5152680" y="4058640"/>
+            <a:ext cx="4426920" cy="2090880"/>
           </a:xfrm>
           <a:prstGeom prst="rect">
             <a:avLst/>
@@ -2394,7 +2661,7 @@
       </p:sp>
       <p:sp>
         <p:nvSpPr>
-          <p:cNvPr id="72" name="PlaceHolder 5"/>
+          <p:cNvPr id="66" name="PlaceHolder 5"/>
           <p:cNvSpPr>
             <a:spLocks noGrp="1"/>
           </p:cNvSpPr>
@@ -2404,8 +2671,8 @@
         </p:nvSpPr>
         <p:spPr>
           <a:xfrm>
-            <a:off x="503280" y="4057560"/>
-            <a:ext cx="4425480" cy="2090160"/>
+            <a:off x="504000" y="4058640"/>
+            <a:ext cx="4426920" cy="2090880"/>
           </a:xfrm>
           <a:prstGeom prst="rect">
             <a:avLst/>
@@ -2452,7 +2719,7 @@
       </p:grpSpPr>
       <p:sp>
         <p:nvSpPr>
-          <p:cNvPr id="73" name="PlaceHolder 1"/>
+          <p:cNvPr id="67" name="PlaceHolder 1"/>
           <p:cNvSpPr>
             <a:spLocks noGrp="1"/>
           </p:cNvSpPr>
@@ -2462,8 +2729,8 @@
         </p:nvSpPr>
         <p:spPr>
           <a:xfrm>
-            <a:off x="503280" y="301680"/>
-            <a:ext cx="9069120" cy="1260000"/>
+            <a:off x="504000" y="301320"/>
+            <a:ext cx="9072000" cy="1261800"/>
           </a:xfrm>
           <a:prstGeom prst="rect">
             <a:avLst/>
@@ -2472,6 +2739,7 @@
         <p:txBody>
           <a:bodyPr lIns="0" rIns="0" tIns="0" bIns="0" anchor="ctr"/>
           <a:p>
+            <a:pPr algn="ctr"/>
             <a:endParaRPr b="0" lang="en-GB" sz="4400" spc="-1" strike="noStrike">
               <a:solidFill>
                 <a:srgbClr val="000000"/>
@@ -2488,7 +2756,7 @@
       </p:sp>
       <p:sp>
         <p:nvSpPr>
-          <p:cNvPr id="74" name="PlaceHolder 2"/>
+          <p:cNvPr id="68" name="PlaceHolder 2"/>
           <p:cNvSpPr>
             <a:spLocks noGrp="1"/>
           </p:cNvSpPr>
@@ -2498,8 +2766,8 @@
         </p:nvSpPr>
         <p:spPr>
           <a:xfrm>
-            <a:off x="503280" y="1768320"/>
-            <a:ext cx="9069120" cy="4382640"/>
+            <a:off x="504000" y="1768680"/>
+            <a:ext cx="9072000" cy="4384080"/>
           </a:xfrm>
           <a:prstGeom prst="rect">
             <a:avLst/>
@@ -2524,7 +2792,7 @@
       </p:sp>
       <p:sp>
         <p:nvSpPr>
-          <p:cNvPr id="75" name="PlaceHolder 3"/>
+          <p:cNvPr id="69" name="PlaceHolder 3"/>
           <p:cNvSpPr>
             <a:spLocks noGrp="1"/>
           </p:cNvSpPr>
@@ -2534,8 +2802,8 @@
         </p:nvSpPr>
         <p:spPr>
           <a:xfrm>
-            <a:off x="503280" y="1768320"/>
-            <a:ext cx="9069120" cy="4382640"/>
+            <a:off x="504000" y="1768680"/>
+            <a:ext cx="9072000" cy="4384080"/>
           </a:xfrm>
           <a:prstGeom prst="rect">
             <a:avLst/>
@@ -2560,7 +2828,7 @@
       </p:sp>
       <p:pic>
         <p:nvPicPr>
-          <p:cNvPr id="76" name="" descr=""/>
+          <p:cNvPr id="70" name="" descr=""/>
           <p:cNvPicPr/>
           <p:nvPr/>
         </p:nvPicPr>
@@ -2570,8 +2838,8 @@
         </p:blipFill>
         <p:spPr>
           <a:xfrm>
-            <a:off x="2291400" y="1768320"/>
-            <a:ext cx="5492880" cy="4382640"/>
+            <a:off x="2292480" y="1768680"/>
+            <a:ext cx="5494680" cy="4384080"/>
           </a:xfrm>
           <a:prstGeom prst="rect">
             <a:avLst/>
@@ -2583,7 +2851,7 @@
       </p:pic>
       <p:pic>
         <p:nvPicPr>
-          <p:cNvPr id="77" name="" descr=""/>
+          <p:cNvPr id="71" name="" descr=""/>
           <p:cNvPicPr/>
           <p:nvPr/>
         </p:nvPicPr>
@@ -2593,8 +2861,8 @@
         </p:blipFill>
         <p:spPr>
           <a:xfrm>
-            <a:off x="2291400" y="1768320"/>
-            <a:ext cx="5492880" cy="4382640"/>
+            <a:off x="2292480" y="1768680"/>
+            <a:ext cx="5494680" cy="4384080"/>
           </a:xfrm>
           <a:prstGeom prst="rect">
             <a:avLst/>
@@ -2628,7 +2896,7 @@
       </p:grpSpPr>
       <p:sp>
         <p:nvSpPr>
-          <p:cNvPr id="7" name="PlaceHolder 1"/>
+          <p:cNvPr id="4" name="PlaceHolder 1"/>
           <p:cNvSpPr>
             <a:spLocks noGrp="1"/>
           </p:cNvSpPr>
@@ -2638,8 +2906,8 @@
         </p:nvSpPr>
         <p:spPr>
           <a:xfrm>
-            <a:off x="503280" y="301680"/>
-            <a:ext cx="9069120" cy="1260000"/>
+            <a:off x="504000" y="301320"/>
+            <a:ext cx="9072000" cy="1261800"/>
           </a:xfrm>
           <a:prstGeom prst="rect">
             <a:avLst/>
@@ -2648,6 +2916,7 @@
         <p:txBody>
           <a:bodyPr lIns="0" rIns="0" tIns="0" bIns="0" anchor="ctr"/>
           <a:p>
+            <a:pPr algn="ctr"/>
             <a:endParaRPr b="0" lang="en-GB" sz="4400" spc="-1" strike="noStrike">
               <a:solidFill>
                 <a:srgbClr val="000000"/>
@@ -2664,7 +2933,7 @@
       </p:sp>
       <p:sp>
         <p:nvSpPr>
-          <p:cNvPr id="8" name="PlaceHolder 2"/>
+          <p:cNvPr id="5" name="PlaceHolder 2"/>
           <p:cNvSpPr>
             <a:spLocks noGrp="1"/>
           </p:cNvSpPr>
@@ -2674,8 +2943,8 @@
         </p:nvSpPr>
         <p:spPr>
           <a:xfrm>
-            <a:off x="503280" y="1768320"/>
-            <a:ext cx="9069120" cy="4382640"/>
+            <a:off x="504000" y="1768680"/>
+            <a:ext cx="9072000" cy="4384080"/>
           </a:xfrm>
           <a:prstGeom prst="rect">
             <a:avLst/>
@@ -2722,7 +2991,7 @@
       </p:grpSpPr>
       <p:sp>
         <p:nvSpPr>
-          <p:cNvPr id="9" name="PlaceHolder 1"/>
+          <p:cNvPr id="6" name="PlaceHolder 1"/>
           <p:cNvSpPr>
             <a:spLocks noGrp="1"/>
           </p:cNvSpPr>
@@ -2732,8 +3001,8 @@
         </p:nvSpPr>
         <p:spPr>
           <a:xfrm>
-            <a:off x="503280" y="301680"/>
-            <a:ext cx="9069120" cy="1260000"/>
+            <a:off x="504000" y="301320"/>
+            <a:ext cx="9072000" cy="1261800"/>
           </a:xfrm>
           <a:prstGeom prst="rect">
             <a:avLst/>
@@ -2742,6 +3011,7 @@
         <p:txBody>
           <a:bodyPr lIns="0" rIns="0" tIns="0" bIns="0" anchor="ctr"/>
           <a:p>
+            <a:pPr algn="ctr"/>
             <a:endParaRPr b="0" lang="en-GB" sz="4400" spc="-1" strike="noStrike">
               <a:solidFill>
                 <a:srgbClr val="000000"/>
@@ -2758,7 +3028,7 @@
       </p:sp>
       <p:sp>
         <p:nvSpPr>
-          <p:cNvPr id="10" name="PlaceHolder 2"/>
+          <p:cNvPr id="7" name="PlaceHolder 2"/>
           <p:cNvSpPr>
             <a:spLocks noGrp="1"/>
           </p:cNvSpPr>
@@ -2768,8 +3038,8 @@
         </p:nvSpPr>
         <p:spPr>
           <a:xfrm>
-            <a:off x="503280" y="1768320"/>
-            <a:ext cx="4425480" cy="4382640"/>
+            <a:off x="504000" y="1768680"/>
+            <a:ext cx="4426920" cy="4384080"/>
           </a:xfrm>
           <a:prstGeom prst="rect">
             <a:avLst/>
@@ -2794,7 +3064,7 @@
       </p:sp>
       <p:sp>
         <p:nvSpPr>
-          <p:cNvPr id="11" name="PlaceHolder 3"/>
+          <p:cNvPr id="8" name="PlaceHolder 3"/>
           <p:cNvSpPr>
             <a:spLocks noGrp="1"/>
           </p:cNvSpPr>
@@ -2804,8 +3074,8 @@
         </p:nvSpPr>
         <p:spPr>
           <a:xfrm>
-            <a:off x="5150520" y="1768320"/>
-            <a:ext cx="4425480" cy="4382640"/>
+            <a:off x="5152680" y="1768680"/>
+            <a:ext cx="4426920" cy="4384080"/>
           </a:xfrm>
           <a:prstGeom prst="rect">
             <a:avLst/>
@@ -2852,7 +3122,7 @@
       </p:grpSpPr>
       <p:sp>
         <p:nvSpPr>
-          <p:cNvPr id="12" name="PlaceHolder 1"/>
+          <p:cNvPr id="9" name="PlaceHolder 1"/>
           <p:cNvSpPr>
             <a:spLocks noGrp="1"/>
           </p:cNvSpPr>
@@ -2862,8 +3132,8 @@
         </p:nvSpPr>
         <p:spPr>
           <a:xfrm>
-            <a:off x="503280" y="301680"/>
-            <a:ext cx="9069120" cy="1260000"/>
+            <a:off x="504000" y="301320"/>
+            <a:ext cx="9072000" cy="1261800"/>
           </a:xfrm>
           <a:prstGeom prst="rect">
             <a:avLst/>
@@ -2872,6 +3142,7 @@
         <p:txBody>
           <a:bodyPr lIns="0" rIns="0" tIns="0" bIns="0" anchor="ctr"/>
           <a:p>
+            <a:pPr algn="ctr"/>
             <a:endParaRPr b="0" lang="en-GB" sz="4400" spc="-1" strike="noStrike">
               <a:solidFill>
                 <a:srgbClr val="000000"/>
@@ -2910,7 +3181,7 @@
       </p:grpSpPr>
       <p:sp>
         <p:nvSpPr>
-          <p:cNvPr id="13" name="PlaceHolder 1"/>
+          <p:cNvPr id="10" name="PlaceHolder 1"/>
           <p:cNvSpPr>
             <a:spLocks noGrp="1"/>
           </p:cNvSpPr>
@@ -2920,8 +3191,8 @@
         </p:nvSpPr>
         <p:spPr>
           <a:xfrm>
-            <a:off x="503280" y="301680"/>
-            <a:ext cx="9069120" cy="5842080"/>
+            <a:off x="504000" y="301320"/>
+            <a:ext cx="9072000" cy="5850360"/>
           </a:xfrm>
           <a:prstGeom prst="rect">
             <a:avLst/>
@@ -2969,7 +3240,7 @@
       </p:grpSpPr>
       <p:sp>
         <p:nvSpPr>
-          <p:cNvPr id="14" name="PlaceHolder 1"/>
+          <p:cNvPr id="11" name="PlaceHolder 1"/>
           <p:cNvSpPr>
             <a:spLocks noGrp="1"/>
           </p:cNvSpPr>
@@ -2979,8 +3250,8 @@
         </p:nvSpPr>
         <p:spPr>
           <a:xfrm>
-            <a:off x="503280" y="301680"/>
-            <a:ext cx="9069120" cy="1260000"/>
+            <a:off x="504000" y="301320"/>
+            <a:ext cx="9072000" cy="1261800"/>
           </a:xfrm>
           <a:prstGeom prst="rect">
             <a:avLst/>
@@ -2989,6 +3260,7 @@
         <p:txBody>
           <a:bodyPr lIns="0" rIns="0" tIns="0" bIns="0" anchor="ctr"/>
           <a:p>
+            <a:pPr algn="ctr"/>
             <a:endParaRPr b="0" lang="en-GB" sz="4400" spc="-1" strike="noStrike">
               <a:solidFill>
                 <a:srgbClr val="000000"/>
@@ -3005,7 +3277,7 @@
       </p:sp>
       <p:sp>
         <p:nvSpPr>
-          <p:cNvPr id="15" name="PlaceHolder 2"/>
+          <p:cNvPr id="12" name="PlaceHolder 2"/>
           <p:cNvSpPr>
             <a:spLocks noGrp="1"/>
           </p:cNvSpPr>
@@ -3015,8 +3287,8 @@
         </p:nvSpPr>
         <p:spPr>
           <a:xfrm>
-            <a:off x="503280" y="1768320"/>
-            <a:ext cx="4425480" cy="2090160"/>
+            <a:off x="504000" y="1768680"/>
+            <a:ext cx="4426920" cy="2090880"/>
           </a:xfrm>
           <a:prstGeom prst="rect">
             <a:avLst/>
@@ -3041,7 +3313,7 @@
       </p:sp>
       <p:sp>
         <p:nvSpPr>
-          <p:cNvPr id="16" name="PlaceHolder 3"/>
+          <p:cNvPr id="13" name="PlaceHolder 3"/>
           <p:cNvSpPr>
             <a:spLocks noGrp="1"/>
           </p:cNvSpPr>
@@ -3051,8 +3323,8 @@
         </p:nvSpPr>
         <p:spPr>
           <a:xfrm>
-            <a:off x="503280" y="4057560"/>
-            <a:ext cx="4425480" cy="2090160"/>
+            <a:off x="504000" y="4058640"/>
+            <a:ext cx="4426920" cy="2090880"/>
           </a:xfrm>
           <a:prstGeom prst="rect">
             <a:avLst/>
@@ -3077,7 +3349,7 @@
       </p:sp>
       <p:sp>
         <p:nvSpPr>
-          <p:cNvPr id="17" name="PlaceHolder 4"/>
+          <p:cNvPr id="14" name="PlaceHolder 4"/>
           <p:cNvSpPr>
             <a:spLocks noGrp="1"/>
           </p:cNvSpPr>
@@ -3087,8 +3359,8 @@
         </p:nvSpPr>
         <p:spPr>
           <a:xfrm>
-            <a:off x="5150520" y="1768320"/>
-            <a:ext cx="4425480" cy="4382640"/>
+            <a:off x="5152680" y="1768680"/>
+            <a:ext cx="4426920" cy="4384080"/>
           </a:xfrm>
           <a:prstGeom prst="rect">
             <a:avLst/>
@@ -3135,7 +3407,7 @@
       </p:grpSpPr>
       <p:sp>
         <p:nvSpPr>
-          <p:cNvPr id="18" name="PlaceHolder 1"/>
+          <p:cNvPr id="15" name="PlaceHolder 1"/>
           <p:cNvSpPr>
             <a:spLocks noGrp="1"/>
           </p:cNvSpPr>
@@ -3145,8 +3417,8 @@
         </p:nvSpPr>
         <p:spPr>
           <a:xfrm>
-            <a:off x="503280" y="301680"/>
-            <a:ext cx="9069120" cy="1260000"/>
+            <a:off x="504000" y="301320"/>
+            <a:ext cx="9072000" cy="1261800"/>
           </a:xfrm>
           <a:prstGeom prst="rect">
             <a:avLst/>
@@ -3155,6 +3427,7 @@
         <p:txBody>
           <a:bodyPr lIns="0" rIns="0" tIns="0" bIns="0" anchor="ctr"/>
           <a:p>
+            <a:pPr algn="ctr"/>
             <a:endParaRPr b="0" lang="en-GB" sz="4400" spc="-1" strike="noStrike">
               <a:solidFill>
                 <a:srgbClr val="000000"/>
@@ -3171,7 +3444,7 @@
       </p:sp>
       <p:sp>
         <p:nvSpPr>
-          <p:cNvPr id="19" name="PlaceHolder 2"/>
+          <p:cNvPr id="16" name="PlaceHolder 2"/>
           <p:cNvSpPr>
             <a:spLocks noGrp="1"/>
           </p:cNvSpPr>
@@ -3181,8 +3454,8 @@
         </p:nvSpPr>
         <p:spPr>
           <a:xfrm>
-            <a:off x="503280" y="1768320"/>
-            <a:ext cx="4425480" cy="4382640"/>
+            <a:off x="504000" y="1768680"/>
+            <a:ext cx="4426920" cy="4384080"/>
           </a:xfrm>
           <a:prstGeom prst="rect">
             <a:avLst/>
@@ -3207,7 +3480,7 @@
       </p:sp>
       <p:sp>
         <p:nvSpPr>
-          <p:cNvPr id="20" name="PlaceHolder 3"/>
+          <p:cNvPr id="17" name="PlaceHolder 3"/>
           <p:cNvSpPr>
             <a:spLocks noGrp="1"/>
           </p:cNvSpPr>
@@ -3217,8 +3490,8 @@
         </p:nvSpPr>
         <p:spPr>
           <a:xfrm>
-            <a:off x="5150520" y="1768320"/>
-            <a:ext cx="4425480" cy="2090160"/>
+            <a:off x="5152680" y="1768680"/>
+            <a:ext cx="4426920" cy="2090880"/>
           </a:xfrm>
           <a:prstGeom prst="rect">
             <a:avLst/>
@@ -3243,7 +3516,7 @@
       </p:sp>
       <p:sp>
         <p:nvSpPr>
-          <p:cNvPr id="21" name="PlaceHolder 4"/>
+          <p:cNvPr id="18" name="PlaceHolder 4"/>
           <p:cNvSpPr>
             <a:spLocks noGrp="1"/>
           </p:cNvSpPr>
@@ -3253,8 +3526,8 @@
         </p:nvSpPr>
         <p:spPr>
           <a:xfrm>
-            <a:off x="5150520" y="4057560"/>
-            <a:ext cx="4425480" cy="2090160"/>
+            <a:off x="5152680" y="4058640"/>
+            <a:ext cx="4426920" cy="2090880"/>
           </a:xfrm>
           <a:prstGeom prst="rect">
             <a:avLst/>
@@ -3301,7 +3574,7 @@
       </p:grpSpPr>
       <p:sp>
         <p:nvSpPr>
-          <p:cNvPr id="22" name="PlaceHolder 1"/>
+          <p:cNvPr id="19" name="PlaceHolder 1"/>
           <p:cNvSpPr>
             <a:spLocks noGrp="1"/>
           </p:cNvSpPr>
@@ -3311,8 +3584,8 @@
         </p:nvSpPr>
         <p:spPr>
           <a:xfrm>
-            <a:off x="503280" y="301680"/>
-            <a:ext cx="9069120" cy="1260000"/>
+            <a:off x="504000" y="301320"/>
+            <a:ext cx="9072000" cy="1261800"/>
           </a:xfrm>
           <a:prstGeom prst="rect">
             <a:avLst/>
@@ -3321,6 +3594,7 @@
         <p:txBody>
           <a:bodyPr lIns="0" rIns="0" tIns="0" bIns="0" anchor="ctr"/>
           <a:p>
+            <a:pPr algn="ctr"/>
             <a:endParaRPr b="0" lang="en-GB" sz="4400" spc="-1" strike="noStrike">
               <a:solidFill>
                 <a:srgbClr val="000000"/>
@@ -3337,7 +3611,7 @@
       </p:sp>
       <p:sp>
         <p:nvSpPr>
-          <p:cNvPr id="23" name="PlaceHolder 2"/>
+          <p:cNvPr id="20" name="PlaceHolder 2"/>
           <p:cNvSpPr>
             <a:spLocks noGrp="1"/>
           </p:cNvSpPr>
@@ -3347,8 +3621,8 @@
         </p:nvSpPr>
         <p:spPr>
           <a:xfrm>
-            <a:off x="503280" y="1768320"/>
-            <a:ext cx="4425480" cy="2090160"/>
+            <a:off x="504000" y="1768680"/>
+            <a:ext cx="4426920" cy="2090880"/>
           </a:xfrm>
           <a:prstGeom prst="rect">
             <a:avLst/>
@@ -3373,7 +3647,7 @@
       </p:sp>
       <p:sp>
         <p:nvSpPr>
-          <p:cNvPr id="24" name="PlaceHolder 3"/>
+          <p:cNvPr id="21" name="PlaceHolder 3"/>
           <p:cNvSpPr>
             <a:spLocks noGrp="1"/>
           </p:cNvSpPr>
@@ -3383,8 +3657,8 @@
         </p:nvSpPr>
         <p:spPr>
           <a:xfrm>
-            <a:off x="5150520" y="1768320"/>
-            <a:ext cx="4425480" cy="2090160"/>
+            <a:off x="5152680" y="1768680"/>
+            <a:ext cx="4426920" cy="2090880"/>
           </a:xfrm>
           <a:prstGeom prst="rect">
             <a:avLst/>
@@ -3409,7 +3683,7 @@
       </p:sp>
       <p:sp>
         <p:nvSpPr>
-          <p:cNvPr id="25" name="PlaceHolder 4"/>
+          <p:cNvPr id="22" name="PlaceHolder 4"/>
           <p:cNvSpPr>
             <a:spLocks noGrp="1"/>
           </p:cNvSpPr>
@@ -3419,8 +3693,8 @@
         </p:nvSpPr>
         <p:spPr>
           <a:xfrm>
-            <a:off x="503280" y="4057560"/>
-            <a:ext cx="9069120" cy="2090160"/>
+            <a:off x="504000" y="4058640"/>
+            <a:ext cx="9072000" cy="2090880"/>
           </a:xfrm>
           <a:prstGeom prst="rect">
             <a:avLst/>
@@ -3484,8 +3758,8 @@
         </p:nvSpPr>
         <p:spPr>
           <a:xfrm>
-            <a:off x="503280" y="301680"/>
-            <a:ext cx="9069120" cy="1260000"/>
+            <a:off x="504000" y="301320"/>
+            <a:ext cx="9072000" cy="1261800"/>
           </a:xfrm>
           <a:prstGeom prst="rect">
             <a:avLst/>
@@ -3494,11 +3768,7 @@
         <p:txBody>
           <a:bodyPr lIns="0" rIns="0" tIns="0" bIns="0" anchor="ctr"/>
           <a:p>
-            <a:pPr algn="ctr">
-              <a:lnSpc>
-                <a:spcPct val="93000"/>
-              </a:lnSpc>
-            </a:pPr>
+            <a:pPr algn="ctr"/>
             <a:r>
               <a:rPr b="0" lang="en-GB" sz="4400" spc="-1" strike="noStrike">
                 <a:solidFill>
@@ -3510,7 +3780,6 @@
                   </a:solidFill>
                 </a:uFill>
                 <a:latin typeface="Arial"/>
-                <a:ea typeface="Noto Sans CJK SC Regular"/>
               </a:rPr>
               <a:t>Click to </a:t>
             </a:r>
@@ -3525,9 +3794,8 @@
                   </a:solidFill>
                 </a:uFill>
                 <a:latin typeface="Arial"/>
-                <a:ea typeface="Noto Sans CJK SC Regular"/>
               </a:rPr>
-              <a:t>edit Master </a:t>
+              <a:t>edit the </a:t>
             </a:r>
             <a:r>
               <a:rPr b="0" lang="en-GB" sz="4400" spc="-1" strike="noStrike">
@@ -3540,125 +3808,11 @@
                   </a:solidFill>
                 </a:uFill>
                 <a:latin typeface="Arial"/>
-                <a:ea typeface="Noto Sans CJK SC Regular"/>
               </a:rPr>
-              <a:t>title style</a:t>
+              <a:t>title text </a:t>
             </a:r>
-            <a:endParaRPr b="0" lang="en-GB" sz="4400" spc="-1" strike="noStrike">
-              <a:solidFill>
-                <a:srgbClr val="000000"/>
-              </a:solidFill>
-              <a:uFill>
-                <a:solidFill>
-                  <a:srgbClr val="ffffff"/>
-                </a:solidFill>
-              </a:uFill>
-              <a:latin typeface="Arial"/>
-            </a:endParaRPr>
-          </a:p>
-        </p:txBody>
-      </p:sp>
-      <p:sp>
-        <p:nvSpPr>
-          <p:cNvPr id="1" name="PlaceHolder 2"/>
-          <p:cNvSpPr>
-            <a:spLocks noGrp="1"/>
-          </p:cNvSpPr>
-          <p:nvPr>
-            <p:ph type="dt"/>
-          </p:nvPr>
-        </p:nvSpPr>
-        <p:spPr>
-          <a:xfrm>
-            <a:off x="503280" y="6886440"/>
-            <a:ext cx="2346120" cy="518760"/>
-          </a:xfrm>
-          <a:prstGeom prst="rect">
-            <a:avLst/>
-          </a:prstGeom>
-        </p:spPr>
-        <p:txBody>
-          <a:bodyPr lIns="0" rIns="0" tIns="0" bIns="0"/>
-          <a:p>
-            <a:endParaRPr b="0" lang="en-GB" sz="2400" spc="-1" strike="noStrike">
-              <a:solidFill>
-                <a:srgbClr val="000000"/>
-              </a:solidFill>
-              <a:uFill>
-                <a:solidFill>
-                  <a:srgbClr val="ffffff"/>
-                </a:solidFill>
-              </a:uFill>
-              <a:latin typeface="Times New Roman"/>
-            </a:endParaRPr>
-          </a:p>
-        </p:txBody>
-      </p:sp>
-      <p:sp>
-        <p:nvSpPr>
-          <p:cNvPr id="2" name="PlaceHolder 3"/>
-          <p:cNvSpPr>
-            <a:spLocks noGrp="1"/>
-          </p:cNvSpPr>
-          <p:nvPr>
-            <p:ph type="ftr"/>
-          </p:nvPr>
-        </p:nvSpPr>
-        <p:spPr>
-          <a:xfrm>
-            <a:off x="3448080" y="6886440"/>
-            <a:ext cx="3193560" cy="518760"/>
-          </a:xfrm>
-          <a:prstGeom prst="rect">
-            <a:avLst/>
-          </a:prstGeom>
-        </p:spPr>
-        <p:txBody>
-          <a:bodyPr lIns="0" rIns="0" tIns="0" bIns="0"/>
-          <a:p>
-            <a:endParaRPr b="0" lang="en-GB" sz="2400" spc="-1" strike="noStrike">
-              <a:solidFill>
-                <a:srgbClr val="000000"/>
-              </a:solidFill>
-              <a:uFill>
-                <a:solidFill>
-                  <a:srgbClr val="ffffff"/>
-                </a:solidFill>
-              </a:uFill>
-              <a:latin typeface="Times New Roman"/>
-            </a:endParaRPr>
-          </a:p>
-        </p:txBody>
-      </p:sp>
-      <p:sp>
-        <p:nvSpPr>
-          <p:cNvPr id="3" name="PlaceHolder 4"/>
-          <p:cNvSpPr>
-            <a:spLocks noGrp="1"/>
-          </p:cNvSpPr>
-          <p:nvPr>
-            <p:ph type="sldNum"/>
-          </p:nvPr>
-        </p:nvSpPr>
-        <p:spPr>
-          <a:xfrm>
-            <a:off x="7227720" y="6886440"/>
-            <a:ext cx="2346120" cy="518760"/>
-          </a:xfrm>
-          <a:prstGeom prst="rect">
-            <a:avLst/>
-          </a:prstGeom>
-        </p:spPr>
-        <p:txBody>
-          <a:bodyPr lIns="0" rIns="0" tIns="0" bIns="0"/>
-          <a:p>
-            <a:pPr algn="r">
-              <a:lnSpc>
-                <a:spcPct val="100000"/>
-              </a:lnSpc>
-            </a:pPr>
-            <a:fld id="{6D1B2709-7B49-42A3-863A-6583080173DC}" type="slidenum">
-              <a:rPr b="0" lang="en-GB" sz="1400" spc="-1" strike="noStrike">
+            <a:r>
+              <a:rPr b="0" lang="en-GB" sz="4400" spc="-1" strike="noStrike">
                 <a:solidFill>
                   <a:srgbClr val="000000"/>
                 </a:solidFill>
@@ -3667,28 +3821,27 @@
                     <a:srgbClr val="ffffff"/>
                   </a:solidFill>
                 </a:uFill>
-                <a:latin typeface="Times New Roman"/>
-                <a:ea typeface="DejaVu Sans"/>
+                <a:latin typeface="Arial"/>
               </a:rPr>
-              <a:t>&lt;number&gt;</a:t>
-            </a:fld>
-            <a:endParaRPr b="0" lang="en-GB" sz="1400" spc="-1" strike="noStrike">
-              <a:solidFill>
-                <a:srgbClr val="000000"/>
-              </a:solidFill>
-              <a:uFill>
-                <a:solidFill>
-                  <a:srgbClr val="ffffff"/>
-                </a:solidFill>
-              </a:uFill>
-              <a:latin typeface="Times New Roman"/>
-            </a:endParaRPr>
-          </a:p>
-        </p:txBody>
-      </p:sp>
-      <p:sp>
-        <p:nvSpPr>
-          <p:cNvPr id="4" name="PlaceHolder 5"/>
+              <a:t>format</a:t>
+            </a:r>
+            <a:endParaRPr b="0" lang="en-GB" sz="4400" spc="-1" strike="noStrike">
+              <a:solidFill>
+                <a:srgbClr val="000000"/>
+              </a:solidFill>
+              <a:uFill>
+                <a:solidFill>
+                  <a:srgbClr val="ffffff"/>
+                </a:solidFill>
+              </a:uFill>
+              <a:latin typeface="Arial"/>
+            </a:endParaRPr>
+          </a:p>
+        </p:txBody>
+      </p:sp>
+      <p:sp>
+        <p:nvSpPr>
+          <p:cNvPr id="1" name="PlaceHolder 2"/>
           <p:cNvSpPr>
             <a:spLocks noGrp="1"/>
           </p:cNvSpPr>
@@ -3752,7 +3905,7 @@
               <a:buChar char=""/>
             </a:pPr>
             <a:r>
-              <a:rPr b="0" lang="en-GB" sz="2400" spc="-1" strike="noStrike">
+              <a:rPr b="0" lang="en-GB" sz="2800" spc="-1" strike="noStrike">
                 <a:solidFill>
                   <a:srgbClr val="000000"/>
                 </a:solidFill>
@@ -3765,7 +3918,7 @@
               </a:rPr>
               <a:t>Second Outline Level</a:t>
             </a:r>
-            <a:endParaRPr b="0" lang="en-GB" sz="2400" spc="-1" strike="noStrike">
+            <a:endParaRPr b="0" lang="en-GB" sz="2800" spc="-1" strike="noStrike">
               <a:solidFill>
                 <a:srgbClr val="000000"/>
               </a:solidFill>
@@ -3787,7 +3940,7 @@
               <a:buChar char=""/>
             </a:pPr>
             <a:r>
-              <a:rPr b="0" lang="en-GB" sz="2000" spc="-1" strike="noStrike">
+              <a:rPr b="0" lang="en-GB" sz="2400" spc="-1" strike="noStrike">
                 <a:solidFill>
                   <a:srgbClr val="000000"/>
                 </a:solidFill>
@@ -3800,7 +3953,7 @@
               </a:rPr>
               <a:t>Third Outline Level</a:t>
             </a:r>
-            <a:endParaRPr b="0" lang="en-GB" sz="2000" spc="-1" strike="noStrike">
+            <a:endParaRPr b="0" lang="en-GB" sz="2400" spc="-1" strike="noStrike">
               <a:solidFill>
                 <a:srgbClr val="000000"/>
               </a:solidFill>
@@ -4000,7 +4153,7 @@
       </p:grpSpPr>
       <p:sp>
         <p:nvSpPr>
-          <p:cNvPr id="39" name="PlaceHolder 1"/>
+          <p:cNvPr id="36" name="PlaceHolder 1"/>
           <p:cNvSpPr>
             <a:spLocks noGrp="1"/>
           </p:cNvSpPr>
@@ -4010,8 +4163,8 @@
         </p:nvSpPr>
         <p:spPr>
           <a:xfrm>
-            <a:off x="503280" y="301680"/>
-            <a:ext cx="9069120" cy="1260000"/>
+            <a:off x="504000" y="301320"/>
+            <a:ext cx="9072000" cy="1261800"/>
           </a:xfrm>
           <a:prstGeom prst="rect">
             <a:avLst/>
@@ -4020,11 +4173,7 @@
         <p:txBody>
           <a:bodyPr lIns="0" rIns="0" tIns="0" bIns="0" anchor="ctr"/>
           <a:p>
-            <a:pPr algn="ctr">
-              <a:lnSpc>
-                <a:spcPct val="93000"/>
-              </a:lnSpc>
-            </a:pPr>
+            <a:pPr algn="ctr"/>
             <a:r>
               <a:rPr b="0" lang="en-GB" sz="4400" spc="-1" strike="noStrike">
                 <a:solidFill>
@@ -4036,9 +4185,8 @@
                   </a:solidFill>
                 </a:uFill>
                 <a:latin typeface="Arial"/>
-                <a:ea typeface="Noto Sans CJK SC Regular"/>
               </a:rPr>
-              <a:t>Click to edit Master title style</a:t>
+              <a:t>Click to edit the title text format</a:t>
             </a:r>
             <a:endParaRPr b="0" lang="en-GB" sz="4400" spc="-1" strike="noStrike">
               <a:solidFill>
@@ -4056,7 +4204,7 @@
       </p:sp>
       <p:sp>
         <p:nvSpPr>
-          <p:cNvPr id="40" name="PlaceHolder 2"/>
+          <p:cNvPr id="37" name="PlaceHolder 2"/>
           <p:cNvSpPr>
             <a:spLocks noGrp="1"/>
           </p:cNvSpPr>
@@ -4066,15 +4214,15 @@
         </p:nvSpPr>
         <p:spPr>
           <a:xfrm>
-            <a:off x="503280" y="1768320"/>
-            <a:ext cx="9069120" cy="4382640"/>
-          </a:xfrm>
-          <a:prstGeom prst="rect">
-            <a:avLst/>
-          </a:prstGeom>
-        </p:spPr>
-        <p:txBody>
-          <a:bodyPr lIns="0" rIns="0" tIns="28440" bIns="0"/>
+            <a:off x="504000" y="1768680"/>
+            <a:ext cx="9072000" cy="4384080"/>
+          </a:xfrm>
+          <a:prstGeom prst="rect">
+            <a:avLst/>
+          </a:prstGeom>
+        </p:spPr>
+        <p:txBody>
+          <a:bodyPr lIns="0" rIns="0" tIns="0" bIns="0"/>
           <a:p>
             <a:pPr marL="432000" indent="-324000">
               <a:buClr>
@@ -4095,7 +4243,6 @@
                   </a:solidFill>
                 </a:uFill>
                 <a:latin typeface="Arial"/>
-                <a:ea typeface="Noto Sans CJK SC Regular"/>
               </a:rPr>
               <a:t>Click to edit the outline text format</a:t>
             </a:r>
@@ -4121,7 +4268,7 @@
               <a:buChar char=""/>
             </a:pPr>
             <a:r>
-              <a:rPr b="0" lang="en-GB" sz="3200" spc="-1" strike="noStrike">
+              <a:rPr b="0" lang="en-GB" sz="2800" spc="-1" strike="noStrike">
                 <a:solidFill>
                   <a:srgbClr val="000000"/>
                 </a:solidFill>
@@ -4131,11 +4278,10 @@
                   </a:solidFill>
                 </a:uFill>
                 <a:latin typeface="Arial"/>
-                <a:ea typeface="Noto Sans CJK SC Regular"/>
               </a:rPr>
               <a:t>Second Outline Level</a:t>
             </a:r>
-            <a:endParaRPr b="0" lang="en-GB" sz="3200" spc="-1" strike="noStrike">
+            <a:endParaRPr b="0" lang="en-GB" sz="2800" spc="-1" strike="noStrike">
               <a:solidFill>
                 <a:srgbClr val="000000"/>
               </a:solidFill>
@@ -4157,7 +4303,7 @@
               <a:buChar char=""/>
             </a:pPr>
             <a:r>
-              <a:rPr b="0" lang="en-GB" sz="3200" spc="-1" strike="noStrike">
+              <a:rPr b="0" lang="en-GB" sz="2400" spc="-1" strike="noStrike">
                 <a:solidFill>
                   <a:srgbClr val="000000"/>
                 </a:solidFill>
@@ -4167,11 +4313,10 @@
                   </a:solidFill>
                 </a:uFill>
                 <a:latin typeface="Arial"/>
-                <a:ea typeface="Noto Sans CJK SC Regular"/>
               </a:rPr>
               <a:t>Third Outline Level</a:t>
             </a:r>
-            <a:endParaRPr b="0" lang="en-GB" sz="3200" spc="-1" strike="noStrike">
+            <a:endParaRPr b="0" lang="en-GB" sz="2400" spc="-1" strike="noStrike">
               <a:solidFill>
                 <a:srgbClr val="000000"/>
               </a:solidFill>
@@ -4193,7 +4338,7 @@
               <a:buChar char=""/>
             </a:pPr>
             <a:r>
-              <a:rPr b="0" lang="en-GB" sz="3200" spc="-1" strike="noStrike">
+              <a:rPr b="0" lang="en-GB" sz="2000" spc="-1" strike="noStrike">
                 <a:solidFill>
                   <a:srgbClr val="000000"/>
                 </a:solidFill>
@@ -4203,11 +4348,10 @@
                   </a:solidFill>
                 </a:uFill>
                 <a:latin typeface="Arial"/>
-                <a:ea typeface="Noto Sans CJK SC Regular"/>
               </a:rPr>
               <a:t>Fourth Outline Level</a:t>
             </a:r>
-            <a:endParaRPr b="0" lang="en-GB" sz="3200" spc="-1" strike="noStrike">
+            <a:endParaRPr b="0" lang="en-GB" sz="2000" spc="-1" strike="noStrike">
               <a:solidFill>
                 <a:srgbClr val="000000"/>
               </a:solidFill>
@@ -4229,7 +4373,7 @@
               <a:buChar char=""/>
             </a:pPr>
             <a:r>
-              <a:rPr b="0" lang="en-GB" sz="3200" spc="-1" strike="noStrike">
+              <a:rPr b="0" lang="en-GB" sz="2000" spc="-1" strike="noStrike">
                 <a:solidFill>
                   <a:srgbClr val="000000"/>
                 </a:solidFill>
@@ -4239,11 +4383,10 @@
                   </a:solidFill>
                 </a:uFill>
                 <a:latin typeface="Arial"/>
-                <a:ea typeface="Noto Sans CJK SC Regular"/>
               </a:rPr>
               <a:t>Fifth Outline Level</a:t>
             </a:r>
-            <a:endParaRPr b="0" lang="en-GB" sz="3200" spc="-1" strike="noStrike">
+            <a:endParaRPr b="0" lang="en-GB" sz="2000" spc="-1" strike="noStrike">
               <a:solidFill>
                 <a:srgbClr val="000000"/>
               </a:solidFill>
@@ -4265,7 +4408,7 @@
               <a:buChar char=""/>
             </a:pPr>
             <a:r>
-              <a:rPr b="0" lang="en-GB" sz="3200" spc="-1" strike="noStrike">
+              <a:rPr b="0" lang="en-GB" sz="2000" spc="-1" strike="noStrike">
                 <a:solidFill>
                   <a:srgbClr val="000000"/>
                 </a:solidFill>
@@ -4275,30 +4418,32 @@
                   </a:solidFill>
                 </a:uFill>
                 <a:latin typeface="Arial"/>
-                <a:ea typeface="Noto Sans CJK SC Regular"/>
               </a:rPr>
               <a:t>Sixth Outline Level</a:t>
             </a:r>
-            <a:endParaRPr b="0" lang="en-GB" sz="3200" spc="-1" strike="noStrike">
-              <a:solidFill>
-                <a:srgbClr val="000000"/>
-              </a:solidFill>
-              <a:uFill>
-                <a:solidFill>
-                  <a:srgbClr val="ffffff"/>
-                </a:solidFill>
-              </a:uFill>
-              <a:latin typeface="Arial"/>
-            </a:endParaRPr>
-          </a:p>
-          <a:p>
-            <a:pPr marL="343080" indent="-342720">
-              <a:lnSpc>
-                <a:spcPct val="100000"/>
-              </a:lnSpc>
+            <a:endParaRPr b="0" lang="en-GB" sz="2000" spc="-1" strike="noStrike">
+              <a:solidFill>
+                <a:srgbClr val="000000"/>
+              </a:solidFill>
+              <a:uFill>
+                <a:solidFill>
+                  <a:srgbClr val="ffffff"/>
+                </a:solidFill>
+              </a:uFill>
+              <a:latin typeface="Arial"/>
+            </a:endParaRPr>
+          </a:p>
+          <a:p>
+            <a:pPr lvl="6" marL="3024000" indent="-216000">
+              <a:buClr>
+                <a:srgbClr val="000000"/>
+              </a:buClr>
+              <a:buSzPct val="45000"/>
+              <a:buFont typeface="Wingdings" charset="2"/>
+              <a:buChar char=""/>
             </a:pPr>
             <a:r>
-              <a:rPr b="0" lang="en-GB" sz="3200" spc="-1" strike="noStrike">
+              <a:rPr b="0" lang="en-GB" sz="2000" spc="-1" strike="noStrike">
                 <a:solidFill>
                   <a:srgbClr val="000000"/>
                 </a:solidFill>
@@ -4308,260 +4453,19 @@
                   </a:solidFill>
                 </a:uFill>
                 <a:latin typeface="Arial"/>
-                <a:ea typeface="Noto Sans CJK SC Regular"/>
               </a:rPr>
-              <a:t>Seventh Outline LevelClick to edit Master text styles</a:t>
+              <a:t>Seventh Outline Level</a:t>
             </a:r>
-            <a:endParaRPr b="0" lang="en-GB" sz="3200" spc="-1" strike="noStrike">
-              <a:solidFill>
-                <a:srgbClr val="000000"/>
-              </a:solidFill>
-              <a:uFill>
-                <a:solidFill>
-                  <a:srgbClr val="ffffff"/>
-                </a:solidFill>
-              </a:uFill>
-              <a:latin typeface="Arial"/>
-            </a:endParaRPr>
-          </a:p>
-          <a:p>
-            <a:r>
-              <a:rPr b="0" lang="en-GB" sz="2800" spc="-1" strike="noStrike">
-                <a:solidFill>
-                  <a:srgbClr val="000000"/>
-                </a:solidFill>
-                <a:uFill>
-                  <a:solidFill>
-                    <a:srgbClr val="ffffff"/>
-                  </a:solidFill>
-                </a:uFill>
-                <a:latin typeface="Arial"/>
-                <a:ea typeface="Noto Sans CJK SC Regular"/>
-              </a:rPr>
-              <a:t>Second level</a:t>
-            </a:r>
-            <a:endParaRPr b="0" lang="en-GB" sz="3200" spc="-1" strike="noStrike">
-              <a:solidFill>
-                <a:srgbClr val="000000"/>
-              </a:solidFill>
-              <a:uFill>
-                <a:solidFill>
-                  <a:srgbClr val="ffffff"/>
-                </a:solidFill>
-              </a:uFill>
-              <a:latin typeface="Arial"/>
-            </a:endParaRPr>
-          </a:p>
-          <a:p>
-            <a:r>
-              <a:rPr b="0" lang="en-GB" sz="2400" spc="-1" strike="noStrike">
-                <a:solidFill>
-                  <a:srgbClr val="000000"/>
-                </a:solidFill>
-                <a:uFill>
-                  <a:solidFill>
-                    <a:srgbClr val="ffffff"/>
-                  </a:solidFill>
-                </a:uFill>
-                <a:latin typeface="Arial"/>
-                <a:ea typeface="Noto Sans CJK SC Regular"/>
-              </a:rPr>
-              <a:t>Third level</a:t>
-            </a:r>
-            <a:endParaRPr b="0" lang="en-GB" sz="3200" spc="-1" strike="noStrike">
-              <a:solidFill>
-                <a:srgbClr val="000000"/>
-              </a:solidFill>
-              <a:uFill>
-                <a:solidFill>
-                  <a:srgbClr val="ffffff"/>
-                </a:solidFill>
-              </a:uFill>
-              <a:latin typeface="Arial"/>
-            </a:endParaRPr>
-          </a:p>
-          <a:p>
-            <a:r>
-              <a:rPr b="0" lang="en-GB" sz="2000" spc="-1" strike="noStrike">
-                <a:solidFill>
-                  <a:srgbClr val="000000"/>
-                </a:solidFill>
-                <a:uFill>
-                  <a:solidFill>
-                    <a:srgbClr val="ffffff"/>
-                  </a:solidFill>
-                </a:uFill>
-                <a:latin typeface="Arial"/>
-                <a:ea typeface="Noto Sans CJK SC Regular"/>
-              </a:rPr>
-              <a:t>Fourth level</a:t>
-            </a:r>
-            <a:endParaRPr b="0" lang="en-GB" sz="3200" spc="-1" strike="noStrike">
-              <a:solidFill>
-                <a:srgbClr val="000000"/>
-              </a:solidFill>
-              <a:uFill>
-                <a:solidFill>
-                  <a:srgbClr val="ffffff"/>
-                </a:solidFill>
-              </a:uFill>
-              <a:latin typeface="Arial"/>
-            </a:endParaRPr>
-          </a:p>
-          <a:p>
-            <a:r>
-              <a:rPr b="0" lang="en-GB" sz="2000" spc="-1" strike="noStrike">
-                <a:solidFill>
-                  <a:srgbClr val="000000"/>
-                </a:solidFill>
-                <a:uFill>
-                  <a:solidFill>
-                    <a:srgbClr val="ffffff"/>
-                  </a:solidFill>
-                </a:uFill>
-                <a:latin typeface="Arial"/>
-                <a:ea typeface="Noto Sans CJK SC Regular"/>
-              </a:rPr>
-              <a:t>Fifth level</a:t>
-            </a:r>
-            <a:endParaRPr b="0" lang="en-GB" sz="3200" spc="-1" strike="noStrike">
-              <a:solidFill>
-                <a:srgbClr val="000000"/>
-              </a:solidFill>
-              <a:uFill>
-                <a:solidFill>
-                  <a:srgbClr val="ffffff"/>
-                </a:solidFill>
-              </a:uFill>
-              <a:latin typeface="Arial"/>
-            </a:endParaRPr>
-          </a:p>
-        </p:txBody>
-      </p:sp>
-      <p:sp>
-        <p:nvSpPr>
-          <p:cNvPr id="41" name="PlaceHolder 3"/>
-          <p:cNvSpPr>
-            <a:spLocks noGrp="1"/>
-          </p:cNvSpPr>
-          <p:nvPr>
-            <p:ph type="dt"/>
-          </p:nvPr>
-        </p:nvSpPr>
-        <p:spPr>
-          <a:xfrm>
-            <a:off x="503280" y="6886440"/>
-            <a:ext cx="2346120" cy="518760"/>
-          </a:xfrm>
-          <a:prstGeom prst="rect">
-            <a:avLst/>
-          </a:prstGeom>
-        </p:spPr>
-        <p:txBody>
-          <a:bodyPr lIns="0" rIns="0" tIns="0" bIns="0"/>
-          <a:p>
-            <a:endParaRPr b="0" lang="en-GB" sz="2400" spc="-1" strike="noStrike">
-              <a:solidFill>
-                <a:srgbClr val="000000"/>
-              </a:solidFill>
-              <a:uFill>
-                <a:solidFill>
-                  <a:srgbClr val="ffffff"/>
-                </a:solidFill>
-              </a:uFill>
-              <a:latin typeface="Times New Roman"/>
-            </a:endParaRPr>
-          </a:p>
-        </p:txBody>
-      </p:sp>
-      <p:sp>
-        <p:nvSpPr>
-          <p:cNvPr id="42" name="PlaceHolder 4"/>
-          <p:cNvSpPr>
-            <a:spLocks noGrp="1"/>
-          </p:cNvSpPr>
-          <p:nvPr>
-            <p:ph type="ftr"/>
-          </p:nvPr>
-        </p:nvSpPr>
-        <p:spPr>
-          <a:xfrm>
-            <a:off x="3448080" y="6886440"/>
-            <a:ext cx="3193560" cy="518760"/>
-          </a:xfrm>
-          <a:prstGeom prst="rect">
-            <a:avLst/>
-          </a:prstGeom>
-        </p:spPr>
-        <p:txBody>
-          <a:bodyPr lIns="0" rIns="0" tIns="0" bIns="0"/>
-          <a:p>
-            <a:endParaRPr b="0" lang="en-GB" sz="2400" spc="-1" strike="noStrike">
-              <a:solidFill>
-                <a:srgbClr val="000000"/>
-              </a:solidFill>
-              <a:uFill>
-                <a:solidFill>
-                  <a:srgbClr val="ffffff"/>
-                </a:solidFill>
-              </a:uFill>
-              <a:latin typeface="Times New Roman"/>
-            </a:endParaRPr>
-          </a:p>
-        </p:txBody>
-      </p:sp>
-      <p:sp>
-        <p:nvSpPr>
-          <p:cNvPr id="43" name="PlaceHolder 5"/>
-          <p:cNvSpPr>
-            <a:spLocks noGrp="1"/>
-          </p:cNvSpPr>
-          <p:nvPr>
-            <p:ph type="sldNum"/>
-          </p:nvPr>
-        </p:nvSpPr>
-        <p:spPr>
-          <a:xfrm>
-            <a:off x="7227720" y="6886440"/>
-            <a:ext cx="2346120" cy="518760"/>
-          </a:xfrm>
-          <a:prstGeom prst="rect">
-            <a:avLst/>
-          </a:prstGeom>
-        </p:spPr>
-        <p:txBody>
-          <a:bodyPr lIns="0" rIns="0" tIns="0" bIns="0"/>
-          <a:p>
-            <a:pPr algn="r">
-              <a:lnSpc>
-                <a:spcPct val="100000"/>
-              </a:lnSpc>
-            </a:pPr>
-            <a:fld id="{9CDBBC3B-CF6D-4D4F-81A1-DFA25991C4C8}" type="slidenum">
-              <a:rPr b="0" lang="en-GB" sz="1400" spc="-1" strike="noStrike">
-                <a:solidFill>
-                  <a:srgbClr val="000000"/>
-                </a:solidFill>
-                <a:uFill>
-                  <a:solidFill>
-                    <a:srgbClr val="ffffff"/>
-                  </a:solidFill>
-                </a:uFill>
-                <a:latin typeface="Times New Roman"/>
-                <a:ea typeface="DejaVu Sans"/>
-              </a:rPr>
-              <a:t>&lt;number&gt;</a:t>
-            </a:fld>
-            <a:endParaRPr b="0" lang="en-GB" sz="1400" spc="-1" strike="noStrike">
-              <a:solidFill>
-                <a:srgbClr val="000000"/>
-              </a:solidFill>
-              <a:uFill>
-                <a:solidFill>
-                  <a:srgbClr val="ffffff"/>
-                </a:solidFill>
-              </a:uFill>
-              <a:latin typeface="Times New Roman"/>
+            <a:endParaRPr b="0" lang="en-GB" sz="2000" spc="-1" strike="noStrike">
+              <a:solidFill>
+                <a:srgbClr val="000000"/>
+              </a:solidFill>
+              <a:uFill>
+                <a:solidFill>
+                  <a:srgbClr val="ffffff"/>
+                </a:solidFill>
+              </a:uFill>
+              <a:latin typeface="Arial"/>
             </a:endParaRPr>
           </a:p>
         </p:txBody>
@@ -4605,14 +4509,14 @@
       </p:grpSpPr>
       <p:sp>
         <p:nvSpPr>
-          <p:cNvPr id="83" name="TextShape 1"/>
-          <p:cNvSpPr txBox="1"/>
+          <p:cNvPr id="77" name="CustomShape 1"/>
+          <p:cNvSpPr/>
           <p:nvPr/>
         </p:nvSpPr>
         <p:spPr>
           <a:xfrm>
             <a:off x="503280" y="1474920"/>
-            <a:ext cx="9070560" cy="1261800"/>
+            <a:ext cx="9070200" cy="1261440"/>
           </a:xfrm>
           <a:prstGeom prst="rect">
             <a:avLst/>
@@ -4622,6 +4526,12 @@
             <a:noFill/>
           </a:ln>
         </p:spPr>
+        <p:style>
+          <a:lnRef idx="0"/>
+          <a:fillRef idx="0"/>
+          <a:effectRef idx="0"/>
+          <a:fontRef idx="minor"/>
+        </p:style>
         <p:txBody>
           <a:bodyPr lIns="0" rIns="0" tIns="39240" bIns="0" anchor="ctr"/>
           <a:p>
@@ -4645,67 +4555,30 @@
               </a:rPr>
               <a:t>Neuroinformatics resources for computational modellers</a:t>
             </a:r>
-            <a:endParaRPr b="0" lang="en-GB" sz="4400" spc="-1" strike="noStrike">
-              <a:solidFill>
-                <a:srgbClr val="000000"/>
-              </a:solidFill>
-              <a:uFill>
-                <a:solidFill>
-                  <a:srgbClr val="ffffff"/>
-                </a:solidFill>
-              </a:uFill>
-              <a:latin typeface="Arial"/>
-            </a:endParaRPr>
-          </a:p>
-        </p:txBody>
-      </p:sp>
-      <p:sp>
-        <p:nvSpPr>
-          <p:cNvPr id="84" name="TextShape 2"/>
-          <p:cNvSpPr txBox="1"/>
-          <p:nvPr/>
-        </p:nvSpPr>
-        <p:spPr>
-          <a:xfrm>
-            <a:off x="503280" y="3059280"/>
-            <a:ext cx="9070560" cy="649080"/>
-          </a:xfrm>
-          <a:prstGeom prst="rect">
-            <a:avLst/>
-          </a:prstGeom>
-          <a:noFill/>
-          <a:ln>
-            <a:noFill/>
-          </a:ln>
-        </p:spPr>
-        <p:txBody>
-          <a:bodyPr lIns="0" rIns="0" tIns="28440" bIns="0" anchor="ctr"/>
-          <a:p>
-            <a:pPr algn="ctr"/>
-            <a:endParaRPr b="0" lang="en-GB" sz="3200" spc="-1" strike="noStrike">
-              <a:solidFill>
-                <a:srgbClr val="000000"/>
-              </a:solidFill>
-              <a:uFill>
-                <a:solidFill>
-                  <a:srgbClr val="ffffff"/>
-                </a:solidFill>
-              </a:uFill>
-              <a:latin typeface="Arial"/>
-            </a:endParaRPr>
-          </a:p>
-        </p:txBody>
-      </p:sp>
-      <p:sp>
-        <p:nvSpPr>
-          <p:cNvPr id="85" name="CustomShape 3"/>
+            <a:endParaRPr b="0" lang="en-GB" sz="1800" spc="-1" strike="noStrike">
+              <a:solidFill>
+                <a:srgbClr val="000000"/>
+              </a:solidFill>
+              <a:uFill>
+                <a:solidFill>
+                  <a:srgbClr val="ffffff"/>
+                </a:solidFill>
+              </a:uFill>
+              <a:latin typeface="Arial"/>
+            </a:endParaRPr>
+          </a:p>
+        </p:txBody>
+      </p:sp>
+      <p:sp>
+        <p:nvSpPr>
+          <p:cNvPr id="78" name="CustomShape 2"/>
           <p:cNvSpPr/>
           <p:nvPr/>
         </p:nvSpPr>
         <p:spPr>
           <a:xfrm>
             <a:off x="216000" y="7020000"/>
-            <a:ext cx="2879280" cy="396360"/>
+            <a:ext cx="2878920" cy="396000"/>
           </a:xfrm>
           <a:prstGeom prst="rect">
             <a:avLst/>
@@ -4760,14 +4633,14 @@
       </p:sp>
       <p:sp>
         <p:nvSpPr>
-          <p:cNvPr id="86" name="CustomShape 4"/>
+          <p:cNvPr id="79" name="CustomShape 3"/>
           <p:cNvSpPr/>
           <p:nvPr/>
         </p:nvSpPr>
         <p:spPr>
           <a:xfrm>
-            <a:off x="1295280" y="4932360"/>
-            <a:ext cx="7488000" cy="1250640"/>
+            <a:off x="648000" y="3816000"/>
+            <a:ext cx="8568000" cy="2736000"/>
           </a:xfrm>
           <a:prstGeom prst="rect">
             <a:avLst/>
@@ -4804,12 +4677,96 @@
                 <a:latin typeface="Arial"/>
                 <a:ea typeface="Noto Sans CJK SC Regular"/>
               </a:rPr>
-              <a:t>Please add a brief introduction to your resource (~2 sentences) here. This will also be used in the README.md on </a:t>
+              <a:t>Padraig Gleeson (University College London, UK)</a:t>
             </a:r>
+            <a:endParaRPr b="0" lang="en-GB" sz="1800" spc="-1" strike="noStrike">
+              <a:solidFill>
+                <a:srgbClr val="000000"/>
+              </a:solidFill>
+              <a:uFill>
+                <a:solidFill>
+                  <a:srgbClr val="ffffff"/>
+                </a:solidFill>
+              </a:uFill>
+              <a:latin typeface="Arial"/>
+            </a:endParaRPr>
+          </a:p>
+          <a:p>
+            <a:pPr algn="just">
+              <a:lnSpc>
+                <a:spcPct val="93000"/>
+              </a:lnSpc>
+            </a:pPr>
             <a:r>
-              <a:rPr b="0" lang="en-GB" sz="1800" spc="-1" strike="noStrike" u="sng">
-                <a:solidFill>
-                  <a:srgbClr val="ccccff"/>
+              <a:rPr b="0" lang="en-GB" sz="1800" spc="-1" strike="noStrike">
+                <a:solidFill>
+                  <a:srgbClr val="000000"/>
+                </a:solidFill>
+                <a:uFill>
+                  <a:solidFill>
+                    <a:srgbClr val="ffffff"/>
+                  </a:solidFill>
+                </a:uFill>
+                <a:latin typeface="Arial"/>
+                <a:ea typeface="Noto Sans CJK SC Regular"/>
+              </a:rPr>
+              <a:t>Andrew Davison (CNRS, Gif-sur-Yvette, France)</a:t>
+            </a:r>
+            <a:endParaRPr b="0" lang="en-GB" sz="1800" spc="-1" strike="noStrike">
+              <a:solidFill>
+                <a:srgbClr val="000000"/>
+              </a:solidFill>
+              <a:uFill>
+                <a:solidFill>
+                  <a:srgbClr val="ffffff"/>
+                </a:solidFill>
+              </a:uFill>
+              <a:latin typeface="Arial"/>
+            </a:endParaRPr>
+          </a:p>
+          <a:p>
+            <a:pPr algn="just">
+              <a:lnSpc>
+                <a:spcPct val="93000"/>
+              </a:lnSpc>
+            </a:pPr>
+            <a:r>
+              <a:rPr b="0" lang="en-GB" sz="1800" spc="-1" strike="noStrike">
+                <a:solidFill>
+                  <a:srgbClr val="000000"/>
+                </a:solidFill>
+                <a:uFill>
+                  <a:solidFill>
+                    <a:srgbClr val="ffffff"/>
+                  </a:solidFill>
+                </a:uFill>
+                <a:latin typeface="Arial"/>
+                <a:ea typeface="Noto Sans CJK SC Regular"/>
+              </a:rPr>
+              <a:t>&amp;</a:t>
+            </a:r>
+            <a:endParaRPr b="0" lang="en-GB" sz="1800" spc="-1" strike="noStrike">
+              <a:solidFill>
+                <a:srgbClr val="000000"/>
+              </a:solidFill>
+              <a:uFill>
+                <a:solidFill>
+                  <a:srgbClr val="ffffff"/>
+                </a:solidFill>
+              </a:uFill>
+              <a:latin typeface="Arial"/>
+            </a:endParaRPr>
+          </a:p>
+          <a:p>
+            <a:pPr algn="just">
+              <a:lnSpc>
+                <a:spcPct val="93000"/>
+              </a:lnSpc>
+            </a:pPr>
+            <a:r>
+              <a:rPr b="0" lang="en-GB" sz="1500" spc="-1" strike="noStrike">
+                <a:solidFill>
+                  <a:srgbClr val="3333ff"/>
                 </a:solidFill>
                 <a:uFill>
                   <a:solidFill>
@@ -4820,7 +4777,22 @@
                 <a:ea typeface="Noto Sans CJK SC Regular"/>
                 <a:hlinkClick r:id="rId1"/>
               </a:rPr>
-              <a:t>Github</a:t>
+              <a:t>https://github.com/NeuralEnsemble/NeuroinformaticsTutorial/blob/master/CONTRIBUTORS.md</a:t>
+            </a:r>
+            <a:r>
+              <a:rPr b="0" lang="en-GB" sz="1500" spc="-1" strike="noStrike">
+                <a:solidFill>
+                  <a:srgbClr val="3333ff"/>
+                </a:solidFill>
+                <a:uFill>
+                  <a:solidFill>
+                    <a:srgbClr val="ffffff"/>
+                  </a:solidFill>
+                </a:uFill>
+                <a:latin typeface="Arial"/>
+                <a:ea typeface="Noto Sans CJK SC Regular"/>
+              </a:rPr>
+              <a:t> </a:t>
             </a:r>
             <a:endParaRPr b="0" lang="en-GB" sz="1800" spc="-1" strike="noStrike">
               <a:solidFill>
@@ -4838,7 +4810,7 @@
       </p:sp>
       <p:sp>
         <p:nvSpPr>
-          <p:cNvPr id="87" name="Line 5"/>
+          <p:cNvPr id="80" name="Line 4"/>
           <p:cNvSpPr/>
           <p:nvPr/>
         </p:nvSpPr>
@@ -4864,6 +4836,29 @@
           <a:fontRef idx="minor"/>
         </p:style>
       </p:sp>
+      <p:pic>
+        <p:nvPicPr>
+          <p:cNvPr id="81" name="" descr=""/>
+          <p:cNvPicPr/>
+          <p:nvPr/>
+        </p:nvPicPr>
+        <p:blipFill>
+          <a:blip r:embed="rId2"/>
+          <a:stretch/>
+        </p:blipFill>
+        <p:spPr>
+          <a:xfrm>
+            <a:off x="9098280" y="7121160"/>
+            <a:ext cx="837720" cy="294840"/>
+          </a:xfrm>
+          <a:prstGeom prst="rect">
+            <a:avLst/>
+          </a:prstGeom>
+          <a:ln>
+            <a:noFill/>
+          </a:ln>
+        </p:spPr>
+      </p:pic>
     </p:spTree>
   </p:cSld>
   <p:timing>
@@ -4915,14 +4910,14 @@
       </p:grpSpPr>
       <p:sp>
         <p:nvSpPr>
-          <p:cNvPr id="88" name="TextShape 1"/>
-          <p:cNvSpPr txBox="1"/>
+          <p:cNvPr id="82" name="CustomShape 1"/>
+          <p:cNvSpPr/>
           <p:nvPr/>
         </p:nvSpPr>
         <p:spPr>
           <a:xfrm>
             <a:off x="503280" y="301680"/>
-            <a:ext cx="9069120" cy="1260000"/>
+            <a:ext cx="9068760" cy="1259640"/>
           </a:xfrm>
           <a:prstGeom prst="rect">
             <a:avLst/>
@@ -4932,6 +4927,12 @@
             <a:noFill/>
           </a:ln>
         </p:spPr>
+        <p:style>
+          <a:lnRef idx="0"/>
+          <a:fillRef idx="0"/>
+          <a:effectRef idx="0"/>
+          <a:fontRef idx="minor"/>
+        </p:style>
         <p:txBody>
           <a:bodyPr lIns="0" rIns="0" tIns="0" bIns="0" anchor="ctr"/>
           <a:p>
@@ -4955,30 +4956,30 @@
               </a:rPr>
               <a:t>Introduction</a:t>
             </a:r>
-            <a:endParaRPr b="0" lang="en-GB" sz="4400" spc="-1" strike="noStrike">
-              <a:solidFill>
-                <a:srgbClr val="000000"/>
-              </a:solidFill>
-              <a:uFill>
-                <a:solidFill>
-                  <a:srgbClr val="ffffff"/>
-                </a:solidFill>
-              </a:uFill>
-              <a:latin typeface="Arial"/>
-            </a:endParaRPr>
-          </a:p>
-        </p:txBody>
-      </p:sp>
-      <p:sp>
-        <p:nvSpPr>
-          <p:cNvPr id="89" name="TextShape 2"/>
-          <p:cNvSpPr txBox="1"/>
+            <a:endParaRPr b="0" lang="en-GB" sz="1800" spc="-1" strike="noStrike">
+              <a:solidFill>
+                <a:srgbClr val="000000"/>
+              </a:solidFill>
+              <a:uFill>
+                <a:solidFill>
+                  <a:srgbClr val="ffffff"/>
+                </a:solidFill>
+              </a:uFill>
+              <a:latin typeface="Arial"/>
+            </a:endParaRPr>
+          </a:p>
+        </p:txBody>
+      </p:sp>
+      <p:sp>
+        <p:nvSpPr>
+          <p:cNvPr id="83" name="CustomShape 2"/>
+          <p:cNvSpPr/>
           <p:nvPr/>
         </p:nvSpPr>
         <p:spPr>
           <a:xfrm>
             <a:off x="503280" y="1768320"/>
-            <a:ext cx="9069120" cy="4382640"/>
+            <a:ext cx="9068760" cy="4382280"/>
           </a:xfrm>
           <a:prstGeom prst="rect">
             <a:avLst/>
@@ -4988,16 +4989,22 @@
             <a:noFill/>
           </a:ln>
         </p:spPr>
+        <p:style>
+          <a:lnRef idx="0"/>
+          <a:fillRef idx="0"/>
+          <a:effectRef idx="0"/>
+          <a:fontRef idx="minor"/>
+        </p:style>
         <p:txBody>
           <a:bodyPr lIns="0" rIns="0" tIns="28440" bIns="0"/>
           <a:p>
-            <a:pPr marL="343080" indent="-342720">
+            <a:pPr marL="343080" indent="-342360">
               <a:lnSpc>
                 <a:spcPct val="93000"/>
               </a:lnSpc>
             </a:pPr>
             <a:r>
-              <a:rPr b="0" lang="en-GB" sz="3200" spc="-1" strike="noStrike">
+              <a:rPr b="0" lang="en-GB" sz="2600" spc="-1" strike="noStrike">
                 <a:solidFill>
                   <a:srgbClr val="000000"/>
                 </a:solidFill>
@@ -5009,11 +5016,305 @@
                 <a:latin typeface="Arial"/>
                 <a:ea typeface="Noto Sans CJK SC Regular"/>
               </a:rPr>
-              <a:t>Neuroinformatics…</a:t>
+              <a:t>Neuroinformatics </a:t>
             </a:r>
-            <a:endParaRPr b="0" lang="en-GB" sz="3200" spc="-1" strike="noStrike">
-              <a:solidFill>
-                <a:srgbClr val="000000"/>
+            <a:r>
+              <a:rPr b="0" lang="en-GB" sz="2600" spc="-1" strike="noStrike">
+                <a:solidFill>
+                  <a:srgbClr val="000000"/>
+                </a:solidFill>
+                <a:uFill>
+                  <a:solidFill>
+                    <a:srgbClr val="ffffff"/>
+                  </a:solidFill>
+                </a:uFill>
+                <a:latin typeface="Arial"/>
+                <a:ea typeface="Noto Sans CJK SC Regular"/>
+              </a:rPr>
+              <a:t>(like computational neuroscience, connectomics, etc.) </a:t>
+            </a:r>
+            <a:r>
+              <a:rPr b="0" lang="en-GB" sz="2600" spc="-1" strike="noStrike">
+                <a:solidFill>
+                  <a:srgbClr val="000000"/>
+                </a:solidFill>
+                <a:uFill>
+                  <a:solidFill>
+                    <a:srgbClr val="ffffff"/>
+                  </a:solidFill>
+                </a:uFill>
+                <a:latin typeface="Arial"/>
+                <a:ea typeface="Noto Sans CJK SC Regular"/>
+              </a:rPr>
+              <a:t>means many different things to different people… </a:t>
+            </a:r>
+            <a:endParaRPr b="0" lang="en-GB" sz="1800" spc="-1" strike="noStrike">
+              <a:solidFill>
+                <a:srgbClr val="000000"/>
+              </a:solidFill>
+              <a:uFill>
+                <a:solidFill>
+                  <a:srgbClr val="ffffff"/>
+                </a:solidFill>
+              </a:uFill>
+              <a:latin typeface="Arial"/>
+            </a:endParaRPr>
+          </a:p>
+          <a:p>
+            <a:pPr marL="343080" indent="-342360">
+              <a:lnSpc>
+                <a:spcPct val="93000"/>
+              </a:lnSpc>
+            </a:pPr>
+            <a:endParaRPr b="0" lang="en-GB" sz="1800" spc="-1" strike="noStrike">
+              <a:solidFill>
+                <a:srgbClr val="000000"/>
+              </a:solidFill>
+              <a:uFill>
+                <a:solidFill>
+                  <a:srgbClr val="ffffff"/>
+                </a:solidFill>
+              </a:uFill>
+              <a:latin typeface="Arial"/>
+            </a:endParaRPr>
+          </a:p>
+          <a:p>
+            <a:pPr marL="343080" indent="-342360">
+              <a:lnSpc>
+                <a:spcPct val="93000"/>
+              </a:lnSpc>
+            </a:pPr>
+            <a:endParaRPr b="0" lang="en-GB" sz="1800" spc="-1" strike="noStrike">
+              <a:solidFill>
+                <a:srgbClr val="000000"/>
+              </a:solidFill>
+              <a:uFill>
+                <a:solidFill>
+                  <a:srgbClr val="ffffff"/>
+                </a:solidFill>
+              </a:uFill>
+              <a:latin typeface="Arial"/>
+            </a:endParaRPr>
+          </a:p>
+        </p:txBody>
+      </p:sp>
+      <p:sp>
+        <p:nvSpPr>
+          <p:cNvPr id="84" name="CustomShape 3"/>
+          <p:cNvSpPr/>
+          <p:nvPr/>
+        </p:nvSpPr>
+        <p:spPr>
+          <a:xfrm rot="20785800">
+            <a:off x="287640" y="3527640"/>
+            <a:ext cx="3456000" cy="1080000"/>
+          </a:xfrm>
+          <a:prstGeom prst="ellipse">
+            <a:avLst/>
+          </a:prstGeom>
+          <a:solidFill>
+            <a:srgbClr val="faebb0"/>
+          </a:solidFill>
+          <a:ln w="36000">
+            <a:solidFill>
+              <a:srgbClr val="666666"/>
+            </a:solidFill>
+            <a:round/>
+          </a:ln>
+        </p:spPr>
+        <p:style>
+          <a:lnRef idx="0"/>
+          <a:fillRef idx="0"/>
+          <a:effectRef idx="0"/>
+          <a:fontRef idx="minor"/>
+        </p:style>
+        <p:txBody>
+          <a:bodyPr wrap="none" lIns="108000" rIns="108000" tIns="63000" bIns="63000" anchor="ctr"/>
+          <a:p>
+            <a:pPr algn="ctr"/>
+            <a:r>
+              <a:rPr b="1" lang="en-GB" sz="1800" spc="-1" strike="noStrike">
+                <a:solidFill>
+                  <a:srgbClr val="333333"/>
+                </a:solidFill>
+                <a:uFill>
+                  <a:solidFill>
+                    <a:srgbClr val="ffffff"/>
+                  </a:solidFill>
+                </a:uFill>
+                <a:latin typeface="Arial"/>
+              </a:rPr>
+              <a:t>Brain Atlases</a:t>
+            </a:r>
+            <a:endParaRPr b="1" lang="en-GB" sz="1800" spc="-1" strike="noStrike">
+              <a:solidFill>
+                <a:srgbClr val="333333"/>
+              </a:solidFill>
+              <a:uFill>
+                <a:solidFill>
+                  <a:srgbClr val="ffffff"/>
+                </a:solidFill>
+              </a:uFill>
+              <a:latin typeface="Arial"/>
+            </a:endParaRPr>
+          </a:p>
+        </p:txBody>
+      </p:sp>
+      <p:sp>
+        <p:nvSpPr>
+          <p:cNvPr id="85" name="CustomShape 4"/>
+          <p:cNvSpPr/>
+          <p:nvPr/>
+        </p:nvSpPr>
+        <p:spPr>
+          <a:xfrm rot="21139200">
+            <a:off x="704520" y="5587200"/>
+            <a:ext cx="3398400" cy="1319400"/>
+          </a:xfrm>
+          <a:prstGeom prst="ellipse">
+            <a:avLst/>
+          </a:prstGeom>
+          <a:solidFill>
+            <a:srgbClr val="cc9900"/>
+          </a:solidFill>
+          <a:ln w="36000">
+            <a:solidFill>
+              <a:srgbClr val="666666"/>
+            </a:solidFill>
+            <a:round/>
+          </a:ln>
+        </p:spPr>
+        <p:style>
+          <a:lnRef idx="0"/>
+          <a:fillRef idx="0"/>
+          <a:effectRef idx="0"/>
+          <a:fontRef idx="minor"/>
+        </p:style>
+        <p:txBody>
+          <a:bodyPr wrap="none" lIns="108000" rIns="108000" tIns="63000" bIns="63000" anchor="ctr"/>
+          <a:p>
+            <a:pPr algn="ctr"/>
+            <a:r>
+              <a:rPr b="1" lang="en-GB" sz="1800" spc="-1" strike="noStrike">
+                <a:solidFill>
+                  <a:srgbClr val="333333"/>
+                </a:solidFill>
+                <a:uFill>
+                  <a:solidFill>
+                    <a:srgbClr val="ffffff"/>
+                  </a:solidFill>
+                </a:uFill>
+                <a:latin typeface="Arial"/>
+              </a:rPr>
+              <a:t>Electrophysiology</a:t>
+            </a:r>
+            <a:endParaRPr b="1" lang="en-GB" sz="1800" spc="-1" strike="noStrike">
+              <a:solidFill>
+                <a:srgbClr val="333333"/>
+              </a:solidFill>
+              <a:uFill>
+                <a:solidFill>
+                  <a:srgbClr val="ffffff"/>
+                </a:solidFill>
+              </a:uFill>
+              <a:latin typeface="Arial"/>
+            </a:endParaRPr>
+          </a:p>
+          <a:p>
+            <a:pPr algn="ctr"/>
+            <a:r>
+              <a:rPr b="1" lang="en-GB" sz="1800" spc="-1" strike="noStrike">
+                <a:solidFill>
+                  <a:srgbClr val="333333"/>
+                </a:solidFill>
+                <a:uFill>
+                  <a:solidFill>
+                    <a:srgbClr val="ffffff"/>
+                  </a:solidFill>
+                </a:uFill>
+                <a:latin typeface="Arial"/>
+              </a:rPr>
+              <a:t> </a:t>
+            </a:r>
+            <a:r>
+              <a:rPr b="1" lang="en-GB" sz="1800" spc="-1" strike="noStrike">
+                <a:solidFill>
+                  <a:srgbClr val="333333"/>
+                </a:solidFill>
+                <a:uFill>
+                  <a:solidFill>
+                    <a:srgbClr val="ffffff"/>
+                  </a:solidFill>
+                </a:uFill>
+                <a:latin typeface="Arial"/>
+              </a:rPr>
+              <a:t>data sharing</a:t>
+            </a:r>
+            <a:endParaRPr b="1" lang="en-GB" sz="1800" spc="-1" strike="noStrike">
+              <a:solidFill>
+                <a:srgbClr val="333333"/>
+              </a:solidFill>
+              <a:uFill>
+                <a:solidFill>
+                  <a:srgbClr val="ffffff"/>
+                </a:solidFill>
+              </a:uFill>
+              <a:latin typeface="Arial"/>
+            </a:endParaRPr>
+          </a:p>
+        </p:txBody>
+      </p:sp>
+      <p:sp>
+        <p:nvSpPr>
+          <p:cNvPr id="86" name="CustomShape 5"/>
+          <p:cNvSpPr/>
+          <p:nvPr/>
+        </p:nvSpPr>
+        <p:spPr>
+          <a:xfrm rot="275400">
+            <a:off x="6370200" y="3031200"/>
+            <a:ext cx="3456000" cy="1080000"/>
+          </a:xfrm>
+          <a:prstGeom prst="ellipse">
+            <a:avLst/>
+          </a:prstGeom>
+          <a:solidFill>
+            <a:srgbClr val="99ffff"/>
+          </a:solidFill>
+          <a:ln w="36000">
+            <a:solidFill>
+              <a:srgbClr val="666666"/>
+            </a:solidFill>
+            <a:round/>
+          </a:ln>
+        </p:spPr>
+        <p:style>
+          <a:lnRef idx="0"/>
+          <a:fillRef idx="0"/>
+          <a:effectRef idx="0"/>
+          <a:fontRef idx="minor"/>
+        </p:style>
+        <p:txBody>
+          <a:bodyPr wrap="none" lIns="108000" rIns="108000" tIns="63000" bIns="63000" anchor="ctr"/>
+          <a:p>
+            <a:pPr algn="ctr"/>
+            <a:r>
+              <a:rPr b="1" lang="en-GB" sz="1800" spc="-1" strike="noStrike">
+                <a:solidFill>
+                  <a:srgbClr val="333333"/>
+                </a:solidFill>
+                <a:uFill>
+                  <a:solidFill>
+                    <a:srgbClr val="ffffff"/>
+                  </a:solidFill>
+                </a:uFill>
+                <a:latin typeface="Arial"/>
+              </a:rPr>
+              <a:t>Neuroimaging</a:t>
+            </a:r>
+            <a:endParaRPr b="1" lang="en-GB" sz="1800" spc="-1" strike="noStrike">
+              <a:solidFill>
+                <a:srgbClr val="333333"/>
               </a:solidFill>
               <a:uFill>
                 <a:solidFill>
@@ -5034,6 +5335,700 @@
           <p:childTnLst>
             <p:seq>
               <p:cTn id="4" nodeType="mainSeq"/>
+              <p:prevCondLst>
+                <p:cond delay="0" evt="onPrev">
+                  <p:tgtEl>
+                    <p:sldTgt/>
+                  </p:tgtEl>
+                </p:cond>
+              </p:prevCondLst>
+              <p:nextCondLst>
+                <p:cond delay="0" evt="onNext">
+                  <p:tgtEl>
+                    <p:sldTgt/>
+                  </p:tgtEl>
+                </p:cond>
+              </p:nextCondLst>
+            </p:seq>
+          </p:childTnLst>
+        </p:cTn>
+      </p:par>
+    </p:tnLst>
+  </p:timing>
+</p:sld>
+</file>
+
+<file path=ppt/slides/slide3.xml><?xml version="1.0" encoding="utf-8"?>
+<p:sld xmlns:a="http://schemas.openxmlformats.org/drawingml/2006/main" xmlns:p="http://schemas.openxmlformats.org/presentationml/2006/main" xmlns:r="http://schemas.openxmlformats.org/officeDocument/2006/relationships" xmlns:p14="http://schemas.microsoft.com/office/powerpoint/2010/main" xmlns:p15="http://schemas.microsoft.com/office/powerpoint/2012/main" xmlns:mc="http://schemas.openxmlformats.org/markup-compatibility/2006">
+  <p:cSld>
+    <p:spTree>
+      <p:nvGrpSpPr>
+        <p:cNvPr id="1" name=""/>
+        <p:cNvGrpSpPr/>
+        <p:nvPr/>
+      </p:nvGrpSpPr>
+      <p:grpSpPr>
+        <a:xfrm>
+          <a:off x="0" y="0"/>
+          <a:ext cx="0" cy="0"/>
+          <a:chOff x="0" y="0"/>
+          <a:chExt cx="0" cy="0"/>
+        </a:xfrm>
+      </p:grpSpPr>
+      <p:sp>
+        <p:nvSpPr>
+          <p:cNvPr id="87" name="CustomShape 1"/>
+          <p:cNvSpPr/>
+          <p:nvPr/>
+        </p:nvSpPr>
+        <p:spPr>
+          <a:xfrm>
+            <a:off x="503280" y="301680"/>
+            <a:ext cx="9068760" cy="1259640"/>
+          </a:xfrm>
+          <a:prstGeom prst="rect">
+            <a:avLst/>
+          </a:prstGeom>
+          <a:noFill/>
+          <a:ln>
+            <a:noFill/>
+          </a:ln>
+        </p:spPr>
+        <p:style>
+          <a:lnRef idx="0"/>
+          <a:fillRef idx="0"/>
+          <a:effectRef idx="0"/>
+          <a:fontRef idx="minor"/>
+        </p:style>
+        <p:txBody>
+          <a:bodyPr lIns="0" rIns="0" tIns="0" bIns="0" anchor="ctr"/>
+          <a:p>
+            <a:pPr algn="ctr">
+              <a:lnSpc>
+                <a:spcPct val="93000"/>
+              </a:lnSpc>
+            </a:pPr>
+            <a:r>
+              <a:rPr b="0" lang="en-GB" sz="4400" spc="-1" strike="noStrike">
+                <a:solidFill>
+                  <a:srgbClr val="000000"/>
+                </a:solidFill>
+                <a:uFill>
+                  <a:solidFill>
+                    <a:srgbClr val="ffffff"/>
+                  </a:solidFill>
+                </a:uFill>
+                <a:latin typeface="Arial"/>
+                <a:ea typeface="Noto Sans CJK SC Regular"/>
+              </a:rPr>
+              <a:t>Current tutorial</a:t>
+            </a:r>
+            <a:endParaRPr b="0" lang="en-GB" sz="1800" spc="-1" strike="noStrike">
+              <a:solidFill>
+                <a:srgbClr val="000000"/>
+              </a:solidFill>
+              <a:uFill>
+                <a:solidFill>
+                  <a:srgbClr val="ffffff"/>
+                </a:solidFill>
+              </a:uFill>
+              <a:latin typeface="Arial"/>
+            </a:endParaRPr>
+          </a:p>
+        </p:txBody>
+      </p:sp>
+      <p:sp>
+        <p:nvSpPr>
+          <p:cNvPr id="88" name="CustomShape 2"/>
+          <p:cNvSpPr/>
+          <p:nvPr/>
+        </p:nvSpPr>
+        <p:spPr>
+          <a:xfrm>
+            <a:off x="503280" y="1768320"/>
+            <a:ext cx="9068760" cy="4382280"/>
+          </a:xfrm>
+          <a:prstGeom prst="rect">
+            <a:avLst/>
+          </a:prstGeom>
+          <a:noFill/>
+          <a:ln>
+            <a:noFill/>
+          </a:ln>
+        </p:spPr>
+        <p:style>
+          <a:lnRef idx="0"/>
+          <a:fillRef idx="0"/>
+          <a:effectRef idx="0"/>
+          <a:fontRef idx="minor"/>
+        </p:style>
+        <p:txBody>
+          <a:bodyPr lIns="0" rIns="0" tIns="28440" bIns="0"/>
+          <a:p>
+            <a:pPr marL="343080" indent="-342360">
+              <a:lnSpc>
+                <a:spcPct val="93000"/>
+              </a:lnSpc>
+            </a:pPr>
+            <a:r>
+              <a:rPr b="0" lang="en-GB" sz="3200" spc="-1" strike="noStrike">
+                <a:solidFill>
+                  <a:srgbClr val="000000"/>
+                </a:solidFill>
+                <a:uFill>
+                  <a:solidFill>
+                    <a:srgbClr val="ffffff"/>
+                  </a:solidFill>
+                </a:uFill>
+                <a:latin typeface="Arial"/>
+                <a:ea typeface="Noto Sans CJK SC Regular"/>
+              </a:rPr>
+              <a:t>Focus on </a:t>
+            </a:r>
+            <a:r>
+              <a:rPr b="1" lang="en-GB" sz="3200" spc="-1" strike="noStrike">
+                <a:solidFill>
+                  <a:srgbClr val="000000"/>
+                </a:solidFill>
+                <a:uFill>
+                  <a:solidFill>
+                    <a:srgbClr val="ffffff"/>
+                  </a:solidFill>
+                </a:uFill>
+                <a:latin typeface="Arial"/>
+                <a:ea typeface="Noto Sans CJK SC Regular"/>
+              </a:rPr>
+              <a:t>neuroinformatics resources</a:t>
+            </a:r>
+            <a:r>
+              <a:rPr b="0" lang="en-GB" sz="3200" spc="-1" strike="noStrike">
+                <a:solidFill>
+                  <a:srgbClr val="000000"/>
+                </a:solidFill>
+                <a:uFill>
+                  <a:solidFill>
+                    <a:srgbClr val="ffffff"/>
+                  </a:solidFill>
+                </a:uFill>
+                <a:latin typeface="Arial"/>
+                <a:ea typeface="Noto Sans CJK SC Regular"/>
+              </a:rPr>
+              <a:t> which may be of use for those </a:t>
+            </a:r>
+            <a:r>
+              <a:rPr b="1" lang="en-GB" sz="3200" spc="-1" strike="noStrike">
+                <a:solidFill>
+                  <a:srgbClr val="000000"/>
+                </a:solidFill>
+                <a:uFill>
+                  <a:solidFill>
+                    <a:srgbClr val="ffffff"/>
+                  </a:solidFill>
+                </a:uFill>
+                <a:latin typeface="Arial"/>
+                <a:ea typeface="Noto Sans CJK SC Regular"/>
+              </a:rPr>
+              <a:t>creating and analysing computational models of neuronal systems</a:t>
+            </a:r>
+            <a:endParaRPr b="0" lang="en-GB" sz="1800" spc="-1" strike="noStrike">
+              <a:solidFill>
+                <a:srgbClr val="000000"/>
+              </a:solidFill>
+              <a:uFill>
+                <a:solidFill>
+                  <a:srgbClr val="ffffff"/>
+                </a:solidFill>
+              </a:uFill>
+              <a:latin typeface="Arial"/>
+            </a:endParaRPr>
+          </a:p>
+          <a:p>
+            <a:pPr marL="343080" indent="-342360">
+              <a:lnSpc>
+                <a:spcPct val="93000"/>
+              </a:lnSpc>
+            </a:pPr>
+            <a:endParaRPr b="0" lang="en-GB" sz="1800" spc="-1" strike="noStrike">
+              <a:solidFill>
+                <a:srgbClr val="000000"/>
+              </a:solidFill>
+              <a:uFill>
+                <a:solidFill>
+                  <a:srgbClr val="ffffff"/>
+                </a:solidFill>
+              </a:uFill>
+              <a:latin typeface="Arial"/>
+            </a:endParaRPr>
+          </a:p>
+          <a:p>
+            <a:pPr marL="343080" indent="-342360">
+              <a:lnSpc>
+                <a:spcPct val="93000"/>
+              </a:lnSpc>
+            </a:pPr>
+            <a:endParaRPr b="0" lang="en-GB" sz="1800" spc="-1" strike="noStrike">
+              <a:solidFill>
+                <a:srgbClr val="000000"/>
+              </a:solidFill>
+              <a:uFill>
+                <a:solidFill>
+                  <a:srgbClr val="ffffff"/>
+                </a:solidFill>
+              </a:uFill>
+              <a:latin typeface="Arial"/>
+            </a:endParaRPr>
+          </a:p>
+        </p:txBody>
+      </p:sp>
+    </p:spTree>
+  </p:cSld>
+  <p:timing>
+    <p:tnLst>
+      <p:par>
+        <p:cTn id="5" dur="indefinite" restart="never" nodeType="tmRoot">
+          <p:childTnLst>
+            <p:seq>
+              <p:cTn id="6" nodeType="mainSeq"/>
+              <p:prevCondLst>
+                <p:cond delay="0" evt="onPrev">
+                  <p:tgtEl>
+                    <p:sldTgt/>
+                  </p:tgtEl>
+                </p:cond>
+              </p:prevCondLst>
+              <p:nextCondLst>
+                <p:cond delay="0" evt="onNext">
+                  <p:tgtEl>
+                    <p:sldTgt/>
+                  </p:tgtEl>
+                </p:cond>
+              </p:nextCondLst>
+            </p:seq>
+          </p:childTnLst>
+        </p:cTn>
+      </p:par>
+    </p:tnLst>
+  </p:timing>
+</p:sld>
+</file>
+
+<file path=ppt/slides/slide4.xml><?xml version="1.0" encoding="utf-8"?>
+<p:sld xmlns:a="http://schemas.openxmlformats.org/drawingml/2006/main" xmlns:p="http://schemas.openxmlformats.org/presentationml/2006/main" xmlns:r="http://schemas.openxmlformats.org/officeDocument/2006/relationships" xmlns:p14="http://schemas.microsoft.com/office/powerpoint/2010/main" xmlns:p15="http://schemas.microsoft.com/office/powerpoint/2012/main" xmlns:mc="http://schemas.openxmlformats.org/markup-compatibility/2006">
+  <p:cSld>
+    <p:spTree>
+      <p:nvGrpSpPr>
+        <p:cNvPr id="1" name=""/>
+        <p:cNvGrpSpPr/>
+        <p:nvPr/>
+      </p:nvGrpSpPr>
+      <p:grpSpPr>
+        <a:xfrm>
+          <a:off x="0" y="0"/>
+          <a:ext cx="0" cy="0"/>
+          <a:chOff x="0" y="0"/>
+          <a:chExt cx="0" cy="0"/>
+        </a:xfrm>
+      </p:grpSpPr>
+      <p:sp>
+        <p:nvSpPr>
+          <p:cNvPr id="89" name="CustomShape 1"/>
+          <p:cNvSpPr/>
+          <p:nvPr/>
+        </p:nvSpPr>
+        <p:spPr>
+          <a:xfrm>
+            <a:off x="503280" y="301680"/>
+            <a:ext cx="9068760" cy="1259640"/>
+          </a:xfrm>
+          <a:prstGeom prst="rect">
+            <a:avLst/>
+          </a:prstGeom>
+          <a:noFill/>
+          <a:ln>
+            <a:noFill/>
+          </a:ln>
+        </p:spPr>
+        <p:style>
+          <a:lnRef idx="0"/>
+          <a:fillRef idx="0"/>
+          <a:effectRef idx="0"/>
+          <a:fontRef idx="minor"/>
+        </p:style>
+        <p:txBody>
+          <a:bodyPr lIns="0" rIns="0" tIns="0" bIns="0" anchor="ctr"/>
+          <a:p>
+            <a:pPr algn="ctr">
+              <a:lnSpc>
+                <a:spcPct val="93000"/>
+              </a:lnSpc>
+            </a:pPr>
+            <a:r>
+              <a:rPr b="0" lang="en-GB" sz="4400" spc="-1" strike="noStrike">
+                <a:solidFill>
+                  <a:srgbClr val="000000"/>
+                </a:solidFill>
+                <a:uFill>
+                  <a:solidFill>
+                    <a:srgbClr val="ffffff"/>
+                  </a:solidFill>
+                </a:uFill>
+                <a:latin typeface="Arial"/>
+                <a:ea typeface="Noto Sans CJK SC Regular"/>
+              </a:rPr>
+              <a:t>Topics</a:t>
+            </a:r>
+            <a:endParaRPr b="0" lang="en-GB" sz="1800" spc="-1" strike="noStrike">
+              <a:solidFill>
+                <a:srgbClr val="000000"/>
+              </a:solidFill>
+              <a:uFill>
+                <a:solidFill>
+                  <a:srgbClr val="ffffff"/>
+                </a:solidFill>
+              </a:uFill>
+              <a:latin typeface="Arial"/>
+            </a:endParaRPr>
+          </a:p>
+        </p:txBody>
+      </p:sp>
+      <p:sp>
+        <p:nvSpPr>
+          <p:cNvPr id="90" name="CustomShape 2"/>
+          <p:cNvSpPr/>
+          <p:nvPr/>
+        </p:nvSpPr>
+        <p:spPr>
+          <a:xfrm>
+            <a:off x="503280" y="1768320"/>
+            <a:ext cx="9068760" cy="4382280"/>
+          </a:xfrm>
+          <a:prstGeom prst="rect">
+            <a:avLst/>
+          </a:prstGeom>
+          <a:noFill/>
+          <a:ln>
+            <a:noFill/>
+          </a:ln>
+        </p:spPr>
+        <p:style>
+          <a:lnRef idx="0"/>
+          <a:fillRef idx="0"/>
+          <a:effectRef idx="0"/>
+          <a:fontRef idx="minor"/>
+        </p:style>
+        <p:txBody>
+          <a:bodyPr lIns="0" rIns="0" tIns="28440" bIns="0"/>
+          <a:p>
+            <a:pPr marL="343080" indent="-342360">
+              <a:lnSpc>
+                <a:spcPct val="150000"/>
+              </a:lnSpc>
+            </a:pPr>
+            <a:r>
+              <a:rPr b="0" lang="en-GB" sz="2800" spc="-1" strike="noStrike">
+                <a:solidFill>
+                  <a:srgbClr val="000000"/>
+                </a:solidFill>
+                <a:uFill>
+                  <a:solidFill>
+                    <a:srgbClr val="ffffff"/>
+                  </a:solidFill>
+                </a:uFill>
+                <a:latin typeface="Arial"/>
+                <a:ea typeface="Noto Sans CJK SC Regular"/>
+              </a:rPr>
+              <a:t>Experimental datasets</a:t>
+            </a:r>
+            <a:endParaRPr b="0" lang="en-GB" sz="1800" spc="-1" strike="noStrike">
+              <a:solidFill>
+                <a:srgbClr val="000000"/>
+              </a:solidFill>
+              <a:uFill>
+                <a:solidFill>
+                  <a:srgbClr val="ffffff"/>
+                </a:solidFill>
+              </a:uFill>
+              <a:latin typeface="Arial"/>
+            </a:endParaRPr>
+          </a:p>
+          <a:p>
+            <a:pPr marL="343080" indent="-342360">
+              <a:lnSpc>
+                <a:spcPct val="150000"/>
+              </a:lnSpc>
+            </a:pPr>
+            <a:r>
+              <a:rPr b="0" lang="en-GB" sz="2800" spc="-1" strike="noStrike">
+                <a:solidFill>
+                  <a:srgbClr val="000000"/>
+                </a:solidFill>
+                <a:uFill>
+                  <a:solidFill>
+                    <a:srgbClr val="ffffff"/>
+                  </a:solidFill>
+                </a:uFill>
+                <a:latin typeface="Arial"/>
+                <a:ea typeface="Noto Sans CJK SC Regular"/>
+              </a:rPr>
+              <a:t>Structured data from literature</a:t>
+            </a:r>
+            <a:endParaRPr b="0" lang="en-GB" sz="1800" spc="-1" strike="noStrike">
+              <a:solidFill>
+                <a:srgbClr val="000000"/>
+              </a:solidFill>
+              <a:uFill>
+                <a:solidFill>
+                  <a:srgbClr val="ffffff"/>
+                </a:solidFill>
+              </a:uFill>
+              <a:latin typeface="Arial"/>
+            </a:endParaRPr>
+          </a:p>
+          <a:p>
+            <a:pPr marL="343080" indent="-342360">
+              <a:lnSpc>
+                <a:spcPct val="150000"/>
+              </a:lnSpc>
+            </a:pPr>
+            <a:r>
+              <a:rPr b="0" lang="en-GB" sz="2800" spc="-1" strike="noStrike">
+                <a:solidFill>
+                  <a:srgbClr val="000000"/>
+                </a:solidFill>
+                <a:uFill>
+                  <a:solidFill>
+                    <a:srgbClr val="ffffff"/>
+                  </a:solidFill>
+                </a:uFill>
+                <a:latin typeface="Arial"/>
+                <a:ea typeface="Noto Sans CJK SC Regular"/>
+              </a:rPr>
+              <a:t>Analysis tools</a:t>
+            </a:r>
+            <a:endParaRPr b="0" lang="en-GB" sz="1800" spc="-1" strike="noStrike">
+              <a:solidFill>
+                <a:srgbClr val="000000"/>
+              </a:solidFill>
+              <a:uFill>
+                <a:solidFill>
+                  <a:srgbClr val="ffffff"/>
+                </a:solidFill>
+              </a:uFill>
+              <a:latin typeface="Arial"/>
+            </a:endParaRPr>
+          </a:p>
+          <a:p>
+            <a:pPr marL="343080" indent="-342360">
+              <a:lnSpc>
+                <a:spcPct val="150000"/>
+              </a:lnSpc>
+            </a:pPr>
+            <a:r>
+              <a:rPr b="0" lang="en-GB" sz="2800" spc="-1" strike="noStrike">
+                <a:solidFill>
+                  <a:srgbClr val="000000"/>
+                </a:solidFill>
+                <a:uFill>
+                  <a:solidFill>
+                    <a:srgbClr val="ffffff"/>
+                  </a:solidFill>
+                </a:uFill>
+                <a:latin typeface="Arial"/>
+                <a:ea typeface="Noto Sans CJK SC Regular"/>
+              </a:rPr>
+              <a:t>Simulation environments</a:t>
+            </a:r>
+            <a:endParaRPr b="0" lang="en-GB" sz="1800" spc="-1" strike="noStrike">
+              <a:solidFill>
+                <a:srgbClr val="000000"/>
+              </a:solidFill>
+              <a:uFill>
+                <a:solidFill>
+                  <a:srgbClr val="ffffff"/>
+                </a:solidFill>
+              </a:uFill>
+              <a:latin typeface="Arial"/>
+            </a:endParaRPr>
+          </a:p>
+          <a:p>
+            <a:pPr marL="343080" indent="-342360">
+              <a:lnSpc>
+                <a:spcPct val="150000"/>
+              </a:lnSpc>
+            </a:pPr>
+            <a:r>
+              <a:rPr b="0" lang="en-GB" sz="2800" spc="-1" strike="noStrike">
+                <a:solidFill>
+                  <a:srgbClr val="000000"/>
+                </a:solidFill>
+                <a:uFill>
+                  <a:solidFill>
+                    <a:srgbClr val="ffffff"/>
+                  </a:solidFill>
+                </a:uFill>
+                <a:latin typeface="Arial"/>
+                <a:ea typeface="Noto Sans CJK SC Regular"/>
+              </a:rPr>
+              <a:t>Model sharing</a:t>
+            </a:r>
+            <a:endParaRPr b="0" lang="en-GB" sz="1800" spc="-1" strike="noStrike">
+              <a:solidFill>
+                <a:srgbClr val="000000"/>
+              </a:solidFill>
+              <a:uFill>
+                <a:solidFill>
+                  <a:srgbClr val="ffffff"/>
+                </a:solidFill>
+              </a:uFill>
+              <a:latin typeface="Arial"/>
+            </a:endParaRPr>
+          </a:p>
+          <a:p>
+            <a:pPr marL="343080" indent="-342360">
+              <a:lnSpc>
+                <a:spcPct val="150000"/>
+              </a:lnSpc>
+            </a:pPr>
+            <a:r>
+              <a:rPr b="0" lang="en-GB" sz="2800" spc="-1" strike="noStrike">
+                <a:solidFill>
+                  <a:srgbClr val="000000"/>
+                </a:solidFill>
+                <a:uFill>
+                  <a:solidFill>
+                    <a:srgbClr val="ffffff"/>
+                  </a:solidFill>
+                </a:uFill>
+                <a:latin typeface="Arial"/>
+                <a:ea typeface="Noto Sans CJK SC Regular"/>
+              </a:rPr>
+              <a:t>Computing infrastructure</a:t>
+            </a:r>
+            <a:endParaRPr b="0" lang="en-GB" sz="1800" spc="-1" strike="noStrike">
+              <a:solidFill>
+                <a:srgbClr val="000000"/>
+              </a:solidFill>
+              <a:uFill>
+                <a:solidFill>
+                  <a:srgbClr val="ffffff"/>
+                </a:solidFill>
+              </a:uFill>
+              <a:latin typeface="Arial"/>
+            </a:endParaRPr>
+          </a:p>
+          <a:p>
+            <a:pPr marL="343080" indent="-342360">
+              <a:lnSpc>
+                <a:spcPct val="150000"/>
+              </a:lnSpc>
+            </a:pPr>
+            <a:r>
+              <a:rPr b="0" lang="en-GB" sz="2800" spc="-1" strike="noStrike">
+                <a:solidFill>
+                  <a:srgbClr val="000000"/>
+                </a:solidFill>
+                <a:uFill>
+                  <a:solidFill>
+                    <a:srgbClr val="ffffff"/>
+                  </a:solidFill>
+                </a:uFill>
+                <a:latin typeface="Arial"/>
+                <a:ea typeface="Noto Sans CJK SC Regular"/>
+              </a:rPr>
+              <a:t>Open source initiatives</a:t>
+            </a:r>
+            <a:endParaRPr b="0" lang="en-GB" sz="1800" spc="-1" strike="noStrike">
+              <a:solidFill>
+                <a:srgbClr val="000000"/>
+              </a:solidFill>
+              <a:uFill>
+                <a:solidFill>
+                  <a:srgbClr val="ffffff"/>
+                </a:solidFill>
+              </a:uFill>
+              <a:latin typeface="Arial"/>
+            </a:endParaRPr>
+          </a:p>
+          <a:p>
+            <a:pPr marL="343080" indent="-342360">
+              <a:lnSpc>
+                <a:spcPct val="150000"/>
+              </a:lnSpc>
+            </a:pPr>
+            <a:r>
+              <a:rPr b="0" lang="en-GB" sz="2800" spc="-1" strike="noStrike">
+                <a:solidFill>
+                  <a:srgbClr val="000000"/>
+                </a:solidFill>
+                <a:uFill>
+                  <a:solidFill>
+                    <a:srgbClr val="ffffff"/>
+                  </a:solidFill>
+                </a:uFill>
+                <a:latin typeface="Arial"/>
+                <a:ea typeface="Noto Sans CJK SC Regular"/>
+              </a:rPr>
+              <a:t>Web portals</a:t>
+            </a:r>
+            <a:endParaRPr b="0" lang="en-GB" sz="1800" spc="-1" strike="noStrike">
+              <a:solidFill>
+                <a:srgbClr val="000000"/>
+              </a:solidFill>
+              <a:uFill>
+                <a:solidFill>
+                  <a:srgbClr val="ffffff"/>
+                </a:solidFill>
+              </a:uFill>
+              <a:latin typeface="Arial"/>
+            </a:endParaRPr>
+          </a:p>
+          <a:p>
+            <a:pPr marL="343080" indent="-342360">
+              <a:lnSpc>
+                <a:spcPct val="93000"/>
+              </a:lnSpc>
+            </a:pPr>
+            <a:endParaRPr b="0" lang="en-GB" sz="1800" spc="-1" strike="noStrike">
+              <a:solidFill>
+                <a:srgbClr val="000000"/>
+              </a:solidFill>
+              <a:uFill>
+                <a:solidFill>
+                  <a:srgbClr val="ffffff"/>
+                </a:solidFill>
+              </a:uFill>
+              <a:latin typeface="Arial"/>
+            </a:endParaRPr>
+          </a:p>
+          <a:p>
+            <a:pPr marL="343080" indent="-342360">
+              <a:lnSpc>
+                <a:spcPct val="93000"/>
+              </a:lnSpc>
+            </a:pPr>
+            <a:endParaRPr b="0" lang="en-GB" sz="1800" spc="-1" strike="noStrike">
+              <a:solidFill>
+                <a:srgbClr val="000000"/>
+              </a:solidFill>
+              <a:uFill>
+                <a:solidFill>
+                  <a:srgbClr val="ffffff"/>
+                </a:solidFill>
+              </a:uFill>
+              <a:latin typeface="Arial"/>
+            </a:endParaRPr>
+          </a:p>
+        </p:txBody>
+      </p:sp>
+    </p:spTree>
+  </p:cSld>
+  <p:timing>
+    <p:tnLst>
+      <p:par>
+        <p:cTn id="7" dur="indefinite" restart="never" nodeType="tmRoot">
+          <p:childTnLst>
+            <p:seq>
+              <p:cTn id="8" nodeType="mainSeq"/>
               <p:prevCondLst>
                 <p:cond delay="0" evt="onPrev">
                   <p:tgtEl>

--- a/Part_1_Resources_for_computational_modellers/Introduction/Introduction.pptx
+++ b/Part_1_Resources_for_computational_modellers/Introduction/Introduction.pptx
@@ -13,6 +13,9 @@
     <p:sldId id="257" r:id="rId6"/>
     <p:sldId id="258" r:id="rId7"/>
     <p:sldId id="259" r:id="rId8"/>
+    <p:sldId id="260" r:id="rId9"/>
+    <p:sldId id="261" r:id="rId10"/>
+    <p:sldId id="262" r:id="rId11"/>
   </p:sldIdLst>
   <p:sldSz cx="10080625" cy="7559675"/>
   <p:notesSz cx="7559675" cy="10691812"/>
@@ -260,7 +263,7 @@
           <a:bodyPr lIns="0" rIns="0" tIns="0" bIns="0" anchor="b"/>
           <a:p>
             <a:pPr algn="r"/>
-            <a:fld id="{E16B90CE-D2D8-4286-88E6-9B87F7A40F18}" type="slidenum">
+            <a:fld id="{6024B6E8-0DED-48C7-A886-AEEB2F794E05}" type="slidenum">
               <a:rPr b="0" lang="en-GB" sz="1400" spc="-1" strike="noStrike">
                 <a:solidFill>
                   <a:srgbClr val="000000"/>
@@ -313,14 +316,14 @@
       </p:grpSpPr>
       <p:sp>
         <p:nvSpPr>
-          <p:cNvPr id="91" name="CustomShape 1"/>
+          <p:cNvPr id="98" name="CustomShape 1"/>
           <p:cNvSpPr/>
           <p:nvPr/>
         </p:nvSpPr>
         <p:spPr>
           <a:xfrm>
             <a:off x="4278240" y="10156680"/>
-            <a:ext cx="3278880" cy="532800"/>
+            <a:ext cx="3278520" cy="532440"/>
           </a:xfrm>
           <a:prstGeom prst="rect">
             <a:avLst/>
@@ -344,7 +347,7 @@
                 <a:spcPct val="100000"/>
               </a:lnSpc>
             </a:pPr>
-            <a:fld id="{F671EF06-9C29-4A1B-A889-862FF4A73215}" type="slidenum">
+            <a:fld id="{82C0E4AD-D4A5-474D-A987-75ADCC424041}" type="slidenum">
               <a:rPr b="0" lang="en-GB" sz="1400" spc="-1" strike="noStrike">
                 <a:solidFill>
                   <a:srgbClr val="000000"/>
@@ -375,7 +378,7 @@
       </p:sp>
       <p:sp>
         <p:nvSpPr>
-          <p:cNvPr id="92" name="PlaceHolder 2"/>
+          <p:cNvPr id="99" name="PlaceHolder 2"/>
           <p:cNvSpPr>
             <a:spLocks noGrp="1"/>
           </p:cNvSpPr>
@@ -386,7 +389,7 @@
         <p:spPr>
           <a:xfrm>
             <a:off x="755640" y="5078520"/>
-            <a:ext cx="6047640" cy="4811040"/>
+            <a:ext cx="6047280" cy="4810680"/>
           </a:xfrm>
           <a:prstGeom prst="rect">
             <a:avLst/>
@@ -433,14 +436,14 @@
       </p:grpSpPr>
       <p:sp>
         <p:nvSpPr>
-          <p:cNvPr id="93" name="CustomShape 1"/>
+          <p:cNvPr id="100" name="CustomShape 1"/>
           <p:cNvSpPr/>
           <p:nvPr/>
         </p:nvSpPr>
         <p:spPr>
           <a:xfrm>
             <a:off x="4278240" y="10156680"/>
-            <a:ext cx="3278880" cy="532800"/>
+            <a:ext cx="3278520" cy="532440"/>
           </a:xfrm>
           <a:prstGeom prst="rect">
             <a:avLst/>
@@ -464,7 +467,7 @@
                 <a:spcPct val="100000"/>
               </a:lnSpc>
             </a:pPr>
-            <a:fld id="{41743767-D5E6-4BCB-A477-ADBBCF7C5917}" type="slidenum">
+            <a:fld id="{3B3A073B-EDCA-41B8-B71E-588B5F81167A}" type="slidenum">
               <a:rPr b="0" lang="en-GB" sz="1400" spc="-1" strike="noStrike">
                 <a:solidFill>
                   <a:srgbClr val="000000"/>
@@ -495,7 +498,7 @@
       </p:sp>
       <p:sp>
         <p:nvSpPr>
-          <p:cNvPr id="94" name="PlaceHolder 2"/>
+          <p:cNvPr id="101" name="PlaceHolder 2"/>
           <p:cNvSpPr>
             <a:spLocks noGrp="1"/>
           </p:cNvSpPr>
@@ -506,7 +509,7 @@
         <p:spPr>
           <a:xfrm>
             <a:off x="755640" y="5078520"/>
-            <a:ext cx="6047640" cy="4811040"/>
+            <a:ext cx="6047280" cy="4810680"/>
           </a:xfrm>
           <a:prstGeom prst="rect">
             <a:avLst/>
@@ -553,14 +556,14 @@
       </p:grpSpPr>
       <p:sp>
         <p:nvSpPr>
-          <p:cNvPr id="95" name="CustomShape 1"/>
+          <p:cNvPr id="102" name="CustomShape 1"/>
           <p:cNvSpPr/>
           <p:nvPr/>
         </p:nvSpPr>
         <p:spPr>
           <a:xfrm>
             <a:off x="4278240" y="10156680"/>
-            <a:ext cx="3278880" cy="532800"/>
+            <a:ext cx="3278520" cy="532440"/>
           </a:xfrm>
           <a:prstGeom prst="rect">
             <a:avLst/>
@@ -584,7 +587,7 @@
                 <a:spcPct val="100000"/>
               </a:lnSpc>
             </a:pPr>
-            <a:fld id="{62818F99-7DF5-43F7-909F-B79134330570}" type="slidenum">
+            <a:fld id="{9C5F1106-781F-4584-B7D9-8069DBE4A4A1}" type="slidenum">
               <a:rPr b="0" lang="en-GB" sz="1400" spc="-1" strike="noStrike">
                 <a:solidFill>
                   <a:srgbClr val="000000"/>
@@ -615,7 +618,7 @@
       </p:sp>
       <p:sp>
         <p:nvSpPr>
-          <p:cNvPr id="96" name="PlaceHolder 2"/>
+          <p:cNvPr id="103" name="PlaceHolder 2"/>
           <p:cNvSpPr>
             <a:spLocks noGrp="1"/>
           </p:cNvSpPr>
@@ -626,7 +629,7 @@
         <p:spPr>
           <a:xfrm>
             <a:off x="755640" y="5078520"/>
-            <a:ext cx="6047640" cy="4811040"/>
+            <a:ext cx="6047280" cy="4810680"/>
           </a:xfrm>
           <a:prstGeom prst="rect">
             <a:avLst/>
@@ -673,14 +676,14 @@
       </p:grpSpPr>
       <p:sp>
         <p:nvSpPr>
-          <p:cNvPr id="97" name="CustomShape 1"/>
+          <p:cNvPr id="104" name="CustomShape 1"/>
           <p:cNvSpPr/>
           <p:nvPr/>
         </p:nvSpPr>
         <p:spPr>
           <a:xfrm>
             <a:off x="4278240" y="10156680"/>
-            <a:ext cx="3278880" cy="532800"/>
+            <a:ext cx="3278520" cy="532440"/>
           </a:xfrm>
           <a:prstGeom prst="rect">
             <a:avLst/>
@@ -704,7 +707,367 @@
                 <a:spcPct val="100000"/>
               </a:lnSpc>
             </a:pPr>
-            <a:fld id="{0FDAFC21-F44F-4637-90CD-9D5A0D1A751E}" type="slidenum">
+            <a:fld id="{C8F4BAE3-D6F8-4D7A-B3AF-8CF65C596FB5}" type="slidenum">
+              <a:rPr b="0" lang="en-GB" sz="1400" spc="-1" strike="noStrike">
+                <a:solidFill>
+                  <a:srgbClr val="000000"/>
+                </a:solidFill>
+                <a:uFill>
+                  <a:solidFill>
+                    <a:srgbClr val="ffffff"/>
+                  </a:solidFill>
+                </a:uFill>
+                <a:latin typeface="Times New Roman"/>
+                <a:ea typeface="DejaVu Sans"/>
+              </a:rPr>
+              <a:t>1</a:t>
+            </a:fld>
+            <a:endParaRPr b="0" lang="en-GB" sz="1800" spc="-1" strike="noStrike">
+              <a:solidFill>
+                <a:srgbClr val="000000"/>
+              </a:solidFill>
+              <a:uFill>
+                <a:solidFill>
+                  <a:srgbClr val="ffffff"/>
+                </a:solidFill>
+              </a:uFill>
+              <a:latin typeface="Arial"/>
+            </a:endParaRPr>
+          </a:p>
+        </p:txBody>
+      </p:sp>
+      <p:sp>
+        <p:nvSpPr>
+          <p:cNvPr id="105" name="PlaceHolder 2"/>
+          <p:cNvSpPr>
+            <a:spLocks noGrp="1"/>
+          </p:cNvSpPr>
+          <p:nvPr>
+            <p:ph type="body"/>
+          </p:nvPr>
+        </p:nvSpPr>
+        <p:spPr>
+          <a:xfrm>
+            <a:off x="755640" y="5078520"/>
+            <a:ext cx="6047280" cy="4810680"/>
+          </a:xfrm>
+          <a:prstGeom prst="rect">
+            <a:avLst/>
+          </a:prstGeom>
+        </p:spPr>
+        <p:txBody>
+          <a:bodyPr lIns="0" rIns="0" tIns="0" bIns="0" anchor="ctr"/>
+          <a:p>
+            <a:endParaRPr b="0" lang="en-GB" sz="2000" spc="-1" strike="noStrike">
+              <a:solidFill>
+                <a:srgbClr val="000000"/>
+              </a:solidFill>
+              <a:uFill>
+                <a:solidFill>
+                  <a:srgbClr val="ffffff"/>
+                </a:solidFill>
+              </a:uFill>
+              <a:latin typeface="Arial"/>
+            </a:endParaRPr>
+          </a:p>
+        </p:txBody>
+      </p:sp>
+    </p:spTree>
+  </p:cSld>
+</p:notes>
+</file>
+
+<file path=ppt/notesSlides/notesSlide5.xml><?xml version="1.0" encoding="utf-8"?>
+<p:notes xmlns:a="http://schemas.openxmlformats.org/drawingml/2006/main" xmlns:p="http://schemas.openxmlformats.org/presentationml/2006/main" xmlns:r="http://schemas.openxmlformats.org/officeDocument/2006/relationships" xmlns:p14="http://schemas.microsoft.com/office/powerpoint/2010/main" xmlns:p15="http://schemas.microsoft.com/office/powerpoint/2012/main" xmlns:mc="http://schemas.openxmlformats.org/markup-compatibility/2006">
+  <p:cSld>
+    <p:spTree>
+      <p:nvGrpSpPr>
+        <p:cNvPr id="1" name=""/>
+        <p:cNvGrpSpPr/>
+        <p:nvPr/>
+      </p:nvGrpSpPr>
+      <p:grpSpPr>
+        <a:xfrm>
+          <a:off x="0" y="0"/>
+          <a:ext cx="0" cy="0"/>
+          <a:chOff x="0" y="0"/>
+          <a:chExt cx="0" cy="0"/>
+        </a:xfrm>
+      </p:grpSpPr>
+      <p:sp>
+        <p:nvSpPr>
+          <p:cNvPr id="106" name="CustomShape 1"/>
+          <p:cNvSpPr/>
+          <p:nvPr/>
+        </p:nvSpPr>
+        <p:spPr>
+          <a:xfrm>
+            <a:off x="4278240" y="10156680"/>
+            <a:ext cx="3278520" cy="532440"/>
+          </a:xfrm>
+          <a:prstGeom prst="rect">
+            <a:avLst/>
+          </a:prstGeom>
+          <a:noFill/>
+          <a:ln>
+            <a:noFill/>
+          </a:ln>
+        </p:spPr>
+        <p:style>
+          <a:lnRef idx="0"/>
+          <a:fillRef idx="0"/>
+          <a:effectRef idx="0"/>
+          <a:fontRef idx="minor"/>
+        </p:style>
+        <p:txBody>
+          <a:bodyPr lIns="0" rIns="0" tIns="0" bIns="0" anchor="b"/>
+          <a:p>
+            <a:pPr algn="r">
+              <a:lnSpc>
+                <a:spcPct val="100000"/>
+              </a:lnSpc>
+            </a:pPr>
+            <a:fld id="{5A7AFFD4-BA31-44ED-B3D3-1F5663BBAF9A}" type="slidenum">
+              <a:rPr b="0" lang="en-GB" sz="1400" spc="-1" strike="noStrike">
+                <a:solidFill>
+                  <a:srgbClr val="000000"/>
+                </a:solidFill>
+                <a:uFill>
+                  <a:solidFill>
+                    <a:srgbClr val="ffffff"/>
+                  </a:solidFill>
+                </a:uFill>
+                <a:latin typeface="Times New Roman"/>
+                <a:ea typeface="DejaVu Sans"/>
+              </a:rPr>
+              <a:t>1</a:t>
+            </a:fld>
+            <a:endParaRPr b="0" lang="en-GB" sz="1800" spc="-1" strike="noStrike">
+              <a:solidFill>
+                <a:srgbClr val="000000"/>
+              </a:solidFill>
+              <a:uFill>
+                <a:solidFill>
+                  <a:srgbClr val="ffffff"/>
+                </a:solidFill>
+              </a:uFill>
+              <a:latin typeface="Arial"/>
+            </a:endParaRPr>
+          </a:p>
+        </p:txBody>
+      </p:sp>
+      <p:sp>
+        <p:nvSpPr>
+          <p:cNvPr id="107" name="PlaceHolder 2"/>
+          <p:cNvSpPr>
+            <a:spLocks noGrp="1"/>
+          </p:cNvSpPr>
+          <p:nvPr>
+            <p:ph type="body"/>
+          </p:nvPr>
+        </p:nvSpPr>
+        <p:spPr>
+          <a:xfrm>
+            <a:off x="755640" y="5078520"/>
+            <a:ext cx="6047280" cy="4810680"/>
+          </a:xfrm>
+          <a:prstGeom prst="rect">
+            <a:avLst/>
+          </a:prstGeom>
+        </p:spPr>
+        <p:txBody>
+          <a:bodyPr lIns="0" rIns="0" tIns="0" bIns="0" anchor="ctr"/>
+          <a:p>
+            <a:endParaRPr b="0" lang="en-GB" sz="2000" spc="-1" strike="noStrike">
+              <a:solidFill>
+                <a:srgbClr val="000000"/>
+              </a:solidFill>
+              <a:uFill>
+                <a:solidFill>
+                  <a:srgbClr val="ffffff"/>
+                </a:solidFill>
+              </a:uFill>
+              <a:latin typeface="Arial"/>
+            </a:endParaRPr>
+          </a:p>
+        </p:txBody>
+      </p:sp>
+    </p:spTree>
+  </p:cSld>
+</p:notes>
+</file>
+
+<file path=ppt/notesSlides/notesSlide6.xml><?xml version="1.0" encoding="utf-8"?>
+<p:notes xmlns:a="http://schemas.openxmlformats.org/drawingml/2006/main" xmlns:p="http://schemas.openxmlformats.org/presentationml/2006/main" xmlns:r="http://schemas.openxmlformats.org/officeDocument/2006/relationships" xmlns:p14="http://schemas.microsoft.com/office/powerpoint/2010/main" xmlns:p15="http://schemas.microsoft.com/office/powerpoint/2012/main" xmlns:mc="http://schemas.openxmlformats.org/markup-compatibility/2006">
+  <p:cSld>
+    <p:spTree>
+      <p:nvGrpSpPr>
+        <p:cNvPr id="1" name=""/>
+        <p:cNvGrpSpPr/>
+        <p:nvPr/>
+      </p:nvGrpSpPr>
+      <p:grpSpPr>
+        <a:xfrm>
+          <a:off x="0" y="0"/>
+          <a:ext cx="0" cy="0"/>
+          <a:chOff x="0" y="0"/>
+          <a:chExt cx="0" cy="0"/>
+        </a:xfrm>
+      </p:grpSpPr>
+      <p:sp>
+        <p:nvSpPr>
+          <p:cNvPr id="108" name="CustomShape 1"/>
+          <p:cNvSpPr/>
+          <p:nvPr/>
+        </p:nvSpPr>
+        <p:spPr>
+          <a:xfrm>
+            <a:off x="4278240" y="10156680"/>
+            <a:ext cx="3278520" cy="532440"/>
+          </a:xfrm>
+          <a:prstGeom prst="rect">
+            <a:avLst/>
+          </a:prstGeom>
+          <a:noFill/>
+          <a:ln>
+            <a:noFill/>
+          </a:ln>
+        </p:spPr>
+        <p:style>
+          <a:lnRef idx="0"/>
+          <a:fillRef idx="0"/>
+          <a:effectRef idx="0"/>
+          <a:fontRef idx="minor"/>
+        </p:style>
+        <p:txBody>
+          <a:bodyPr lIns="0" rIns="0" tIns="0" bIns="0" anchor="b"/>
+          <a:p>
+            <a:pPr algn="r">
+              <a:lnSpc>
+                <a:spcPct val="100000"/>
+              </a:lnSpc>
+            </a:pPr>
+            <a:fld id="{41E66431-DCD9-4EE3-B08C-D1DD931234E9}" type="slidenum">
+              <a:rPr b="0" lang="en-GB" sz="1400" spc="-1" strike="noStrike">
+                <a:solidFill>
+                  <a:srgbClr val="000000"/>
+                </a:solidFill>
+                <a:uFill>
+                  <a:solidFill>
+                    <a:srgbClr val="ffffff"/>
+                  </a:solidFill>
+                </a:uFill>
+                <a:latin typeface="Times New Roman"/>
+                <a:ea typeface="DejaVu Sans"/>
+              </a:rPr>
+              <a:t>1</a:t>
+            </a:fld>
+            <a:endParaRPr b="0" lang="en-GB" sz="1800" spc="-1" strike="noStrike">
+              <a:solidFill>
+                <a:srgbClr val="000000"/>
+              </a:solidFill>
+              <a:uFill>
+                <a:solidFill>
+                  <a:srgbClr val="ffffff"/>
+                </a:solidFill>
+              </a:uFill>
+              <a:latin typeface="Arial"/>
+            </a:endParaRPr>
+          </a:p>
+        </p:txBody>
+      </p:sp>
+      <p:sp>
+        <p:nvSpPr>
+          <p:cNvPr id="109" name="PlaceHolder 2"/>
+          <p:cNvSpPr>
+            <a:spLocks noGrp="1"/>
+          </p:cNvSpPr>
+          <p:nvPr>
+            <p:ph type="body"/>
+          </p:nvPr>
+        </p:nvSpPr>
+        <p:spPr>
+          <a:xfrm>
+            <a:off x="755640" y="5078520"/>
+            <a:ext cx="6047280" cy="4810680"/>
+          </a:xfrm>
+          <a:prstGeom prst="rect">
+            <a:avLst/>
+          </a:prstGeom>
+        </p:spPr>
+        <p:txBody>
+          <a:bodyPr lIns="0" rIns="0" tIns="0" bIns="0" anchor="ctr"/>
+          <a:p>
+            <a:endParaRPr b="0" lang="en-GB" sz="2000" spc="-1" strike="noStrike">
+              <a:solidFill>
+                <a:srgbClr val="000000"/>
+              </a:solidFill>
+              <a:uFill>
+                <a:solidFill>
+                  <a:srgbClr val="ffffff"/>
+                </a:solidFill>
+              </a:uFill>
+              <a:latin typeface="Arial"/>
+            </a:endParaRPr>
+          </a:p>
+        </p:txBody>
+      </p:sp>
+    </p:spTree>
+  </p:cSld>
+</p:notes>
+</file>
+
+<file path=ppt/notesSlides/notesSlide7.xml><?xml version="1.0" encoding="utf-8"?>
+<p:notes xmlns:a="http://schemas.openxmlformats.org/drawingml/2006/main" xmlns:p="http://schemas.openxmlformats.org/presentationml/2006/main" xmlns:r="http://schemas.openxmlformats.org/officeDocument/2006/relationships" xmlns:p14="http://schemas.microsoft.com/office/powerpoint/2010/main" xmlns:p15="http://schemas.microsoft.com/office/powerpoint/2012/main" xmlns:mc="http://schemas.openxmlformats.org/markup-compatibility/2006">
+  <p:cSld>
+    <p:spTree>
+      <p:nvGrpSpPr>
+        <p:cNvPr id="1" name=""/>
+        <p:cNvGrpSpPr/>
+        <p:nvPr/>
+      </p:nvGrpSpPr>
+      <p:grpSpPr>
+        <a:xfrm>
+          <a:off x="0" y="0"/>
+          <a:ext cx="0" cy="0"/>
+          <a:chOff x="0" y="0"/>
+          <a:chExt cx="0" cy="0"/>
+        </a:xfrm>
+      </p:grpSpPr>
+      <p:sp>
+        <p:nvSpPr>
+          <p:cNvPr id="110" name="CustomShape 1"/>
+          <p:cNvSpPr/>
+          <p:nvPr/>
+        </p:nvSpPr>
+        <p:spPr>
+          <a:xfrm>
+            <a:off x="4278240" y="10156680"/>
+            <a:ext cx="3278520" cy="532440"/>
+          </a:xfrm>
+          <a:prstGeom prst="rect">
+            <a:avLst/>
+          </a:prstGeom>
+          <a:noFill/>
+          <a:ln>
+            <a:noFill/>
+          </a:ln>
+        </p:spPr>
+        <p:style>
+          <a:lnRef idx="0"/>
+          <a:fillRef idx="0"/>
+          <a:effectRef idx="0"/>
+          <a:fontRef idx="minor"/>
+        </p:style>
+        <p:txBody>
+          <a:bodyPr lIns="0" rIns="0" tIns="0" bIns="0" anchor="b"/>
+          <a:p>
+            <a:pPr algn="r">
+              <a:lnSpc>
+                <a:spcPct val="100000"/>
+              </a:lnSpc>
+            </a:pPr>
+            <a:fld id="{7693987A-F301-4C4A-8534-9150F1187B63}" type="slidenum">
               <a:rPr b="0" lang="en-GB" sz="1400" spc="-1" strike="noStrike">
                 <a:solidFill>
                   <a:srgbClr val="000000"/>
@@ -735,7 +1098,7 @@
       </p:sp>
       <p:sp>
         <p:nvSpPr>
-          <p:cNvPr id="98" name="PlaceHolder 2"/>
+          <p:cNvPr id="111" name="PlaceHolder 2"/>
           <p:cNvSpPr>
             <a:spLocks noGrp="1"/>
           </p:cNvSpPr>
@@ -746,7 +1109,7 @@
         <p:spPr>
           <a:xfrm>
             <a:off x="755640" y="5078520"/>
-            <a:ext cx="6047640" cy="4811040"/>
+            <a:ext cx="6047280" cy="4810680"/>
           </a:xfrm>
           <a:prstGeom prst="rect">
             <a:avLst/>
@@ -3781,49 +4144,7 @@
                 </a:uFill>
                 <a:latin typeface="Arial"/>
               </a:rPr>
-              <a:t>Click to </a:t>
-            </a:r>
-            <a:r>
-              <a:rPr b="0" lang="en-GB" sz="4400" spc="-1" strike="noStrike">
-                <a:solidFill>
-                  <a:srgbClr val="000000"/>
-                </a:solidFill>
-                <a:uFill>
-                  <a:solidFill>
-                    <a:srgbClr val="ffffff"/>
-                  </a:solidFill>
-                </a:uFill>
-                <a:latin typeface="Arial"/>
-              </a:rPr>
-              <a:t>edit the </a:t>
-            </a:r>
-            <a:r>
-              <a:rPr b="0" lang="en-GB" sz="4400" spc="-1" strike="noStrike">
-                <a:solidFill>
-                  <a:srgbClr val="000000"/>
-                </a:solidFill>
-                <a:uFill>
-                  <a:solidFill>
-                    <a:srgbClr val="ffffff"/>
-                  </a:solidFill>
-                </a:uFill>
-                <a:latin typeface="Arial"/>
-              </a:rPr>
-              <a:t>title text </a:t>
-            </a:r>
-            <a:r>
-              <a:rPr b="0" lang="en-GB" sz="4400" spc="-1" strike="noStrike">
-                <a:solidFill>
-                  <a:srgbClr val="000000"/>
-                </a:solidFill>
-                <a:uFill>
-                  <a:solidFill>
-                    <a:srgbClr val="ffffff"/>
-                  </a:solidFill>
-                </a:uFill>
-                <a:latin typeface="Arial"/>
-              </a:rPr>
-              <a:t>format</a:t>
+              <a:t>Click to edit the title text format</a:t>
             </a:r>
             <a:endParaRPr b="0" lang="en-GB" sz="4400" spc="-1" strike="noStrike">
               <a:solidFill>
@@ -4516,7 +4837,7 @@
         <p:spPr>
           <a:xfrm>
             <a:off x="503280" y="1474920"/>
-            <a:ext cx="9070200" cy="1261440"/>
+            <a:ext cx="9069840" cy="1261080"/>
           </a:xfrm>
           <a:prstGeom prst="rect">
             <a:avLst/>
@@ -4578,7 +4899,7 @@
         <p:spPr>
           <a:xfrm>
             <a:off x="216000" y="7020000"/>
-            <a:ext cx="2878920" cy="396000"/>
+            <a:ext cx="2878560" cy="395640"/>
           </a:xfrm>
           <a:prstGeom prst="rect">
             <a:avLst/>
@@ -4640,7 +4961,7 @@
         <p:spPr>
           <a:xfrm>
             <a:off x="648000" y="3816000"/>
-            <a:ext cx="8568000" cy="2736000"/>
+            <a:ext cx="8567640" cy="2735640"/>
           </a:xfrm>
           <a:prstGeom prst="rect">
             <a:avLst/>
@@ -4764,9 +5085,9 @@
               </a:lnSpc>
             </a:pPr>
             <a:r>
-              <a:rPr b="0" lang="en-GB" sz="1500" spc="-1" strike="noStrike">
-                <a:solidFill>
-                  <a:srgbClr val="3333ff"/>
+              <a:rPr b="0" lang="en-GB" sz="1500" spc="-1" strike="noStrike" u="sng">
+                <a:solidFill>
+                  <a:srgbClr val="0000ff"/>
                 </a:solidFill>
                 <a:uFill>
                   <a:solidFill>
@@ -4849,7 +5170,7 @@
         <p:spPr>
           <a:xfrm>
             <a:off x="9098280" y="7121160"/>
-            <a:ext cx="837720" cy="294840"/>
+            <a:ext cx="837360" cy="294480"/>
           </a:xfrm>
           <a:prstGeom prst="rect">
             <a:avLst/>
@@ -4917,7 +5238,7 @@
         <p:spPr>
           <a:xfrm>
             <a:off x="503280" y="301680"/>
-            <a:ext cx="9068760" cy="1259640"/>
+            <a:ext cx="9068400" cy="1259280"/>
           </a:xfrm>
           <a:prstGeom prst="rect">
             <a:avLst/>
@@ -4979,7 +5300,7 @@
         <p:spPr>
           <a:xfrm>
             <a:off x="503280" y="1768320"/>
-            <a:ext cx="9068760" cy="4382280"/>
+            <a:ext cx="9068400" cy="4381920"/>
           </a:xfrm>
           <a:prstGeom prst="rect">
             <a:avLst/>
@@ -4998,7 +5319,7 @@
         <p:txBody>
           <a:bodyPr lIns="0" rIns="0" tIns="28440" bIns="0"/>
           <a:p>
-            <a:pPr marL="343080" indent="-342360">
+            <a:pPr marL="343080" indent="-342000">
               <a:lnSpc>
                 <a:spcPct val="93000"/>
               </a:lnSpc>
@@ -5016,37 +5337,7 @@
                 <a:latin typeface="Arial"/>
                 <a:ea typeface="Noto Sans CJK SC Regular"/>
               </a:rPr>
-              <a:t>Neuroinformatics </a:t>
-            </a:r>
-            <a:r>
-              <a:rPr b="0" lang="en-GB" sz="2600" spc="-1" strike="noStrike">
-                <a:solidFill>
-                  <a:srgbClr val="000000"/>
-                </a:solidFill>
-                <a:uFill>
-                  <a:solidFill>
-                    <a:srgbClr val="ffffff"/>
-                  </a:solidFill>
-                </a:uFill>
-                <a:latin typeface="Arial"/>
-                <a:ea typeface="Noto Sans CJK SC Regular"/>
-              </a:rPr>
-              <a:t>(like computational neuroscience, connectomics, etc.) </a:t>
-            </a:r>
-            <a:r>
-              <a:rPr b="0" lang="en-GB" sz="2600" spc="-1" strike="noStrike">
-                <a:solidFill>
-                  <a:srgbClr val="000000"/>
-                </a:solidFill>
-                <a:uFill>
-                  <a:solidFill>
-                    <a:srgbClr val="ffffff"/>
-                  </a:solidFill>
-                </a:uFill>
-                <a:latin typeface="Arial"/>
-                <a:ea typeface="Noto Sans CJK SC Regular"/>
-              </a:rPr>
-              <a:t>means many different things to different people… </a:t>
+              <a:t>Neuroinformatics (like computational neuroscience, connectomics, etc.) means many different things to different people… </a:t>
             </a:r>
             <a:endParaRPr b="0" lang="en-GB" sz="1800" spc="-1" strike="noStrike">
               <a:solidFill>
@@ -5061,7 +5352,7 @@
             </a:endParaRPr>
           </a:p>
           <a:p>
-            <a:pPr marL="343080" indent="-342360">
+            <a:pPr marL="343080" indent="-342000">
               <a:lnSpc>
                 <a:spcPct val="93000"/>
               </a:lnSpc>
@@ -5079,7 +5370,7 @@
             </a:endParaRPr>
           </a:p>
           <a:p>
-            <a:pPr marL="343080" indent="-342360">
+            <a:pPr marL="343080" indent="-342000">
               <a:lnSpc>
                 <a:spcPct val="93000"/>
               </a:lnSpc>
@@ -5106,8 +5397,8 @@
         </p:nvSpPr>
         <p:spPr>
           <a:xfrm rot="20785800">
-            <a:off x="287640" y="3527640"/>
-            <a:ext cx="3456000" cy="1080000"/>
+            <a:off x="287280" y="3527640"/>
+            <a:ext cx="3455640" cy="1079640"/>
           </a:xfrm>
           <a:prstGeom prst="ellipse">
             <a:avLst/>
@@ -5131,7 +5422,11 @@
         <p:txBody>
           <a:bodyPr wrap="none" lIns="108000" rIns="108000" tIns="63000" bIns="63000" anchor="ctr"/>
           <a:p>
-            <a:pPr algn="ctr"/>
+            <a:pPr algn="ctr">
+              <a:lnSpc>
+                <a:spcPct val="100000"/>
+              </a:lnSpc>
+            </a:pPr>
             <a:r>
               <a:rPr b="1" lang="en-GB" sz="1800" spc="-1" strike="noStrike">
                 <a:solidFill>
@@ -5143,12 +5438,13 @@
                   </a:solidFill>
                 </a:uFill>
                 <a:latin typeface="Arial"/>
+                <a:ea typeface="DejaVu Sans"/>
               </a:rPr>
               <a:t>Brain Atlases</a:t>
             </a:r>
-            <a:endParaRPr b="1" lang="en-GB" sz="1800" spc="-1" strike="noStrike">
-              <a:solidFill>
-                <a:srgbClr val="333333"/>
+            <a:endParaRPr b="0" lang="en-GB" sz="1800" spc="-1" strike="noStrike">
+              <a:solidFill>
+                <a:srgbClr val="000000"/>
               </a:solidFill>
               <a:uFill>
                 <a:solidFill>
@@ -5168,8 +5464,8 @@
         </p:nvSpPr>
         <p:spPr>
           <a:xfrm rot="21139200">
-            <a:off x="704520" y="5587200"/>
-            <a:ext cx="3398400" cy="1319400"/>
+            <a:off x="704160" y="5586840"/>
+            <a:ext cx="3398040" cy="1319040"/>
           </a:xfrm>
           <a:prstGeom prst="ellipse">
             <a:avLst/>
@@ -5193,7 +5489,11 @@
         <p:txBody>
           <a:bodyPr wrap="none" lIns="108000" rIns="108000" tIns="63000" bIns="63000" anchor="ctr"/>
           <a:p>
-            <a:pPr algn="ctr"/>
+            <a:pPr algn="ctr">
+              <a:lnSpc>
+                <a:spcPct val="100000"/>
+              </a:lnSpc>
+            </a:pPr>
             <a:r>
               <a:rPr b="1" lang="en-GB" sz="1800" spc="-1" strike="noStrike">
                 <a:solidFill>
@@ -5205,23 +5505,28 @@
                   </a:solidFill>
                 </a:uFill>
                 <a:latin typeface="Arial"/>
+                <a:ea typeface="DejaVu Sans"/>
               </a:rPr>
               <a:t>Electrophysiology</a:t>
             </a:r>
-            <a:endParaRPr b="1" lang="en-GB" sz="1800" spc="-1" strike="noStrike">
-              <a:solidFill>
-                <a:srgbClr val="333333"/>
-              </a:solidFill>
-              <a:uFill>
-                <a:solidFill>
-                  <a:srgbClr val="ffffff"/>
-                </a:solidFill>
-              </a:uFill>
-              <a:latin typeface="Arial"/>
-            </a:endParaRPr>
-          </a:p>
-          <a:p>
-            <a:pPr algn="ctr"/>
+            <a:endParaRPr b="0" lang="en-GB" sz="1800" spc="-1" strike="noStrike">
+              <a:solidFill>
+                <a:srgbClr val="000000"/>
+              </a:solidFill>
+              <a:uFill>
+                <a:solidFill>
+                  <a:srgbClr val="ffffff"/>
+                </a:solidFill>
+              </a:uFill>
+              <a:latin typeface="Arial"/>
+            </a:endParaRPr>
+          </a:p>
+          <a:p>
+            <a:pPr algn="ctr">
+              <a:lnSpc>
+                <a:spcPct val="100000"/>
+              </a:lnSpc>
+            </a:pPr>
             <a:r>
               <a:rPr b="1" lang="en-GB" sz="1800" spc="-1" strike="noStrike">
                 <a:solidFill>
@@ -5233,6 +5538,7 @@
                   </a:solidFill>
                 </a:uFill>
                 <a:latin typeface="Arial"/>
+                <a:ea typeface="DejaVu Sans"/>
               </a:rPr>
               <a:t> </a:t>
             </a:r>
@@ -5247,12 +5553,13 @@
                   </a:solidFill>
                 </a:uFill>
                 <a:latin typeface="Arial"/>
+                <a:ea typeface="DejaVu Sans"/>
               </a:rPr>
               <a:t>data sharing</a:t>
             </a:r>
-            <a:endParaRPr b="1" lang="en-GB" sz="1800" spc="-1" strike="noStrike">
-              <a:solidFill>
-                <a:srgbClr val="333333"/>
+            <a:endParaRPr b="0" lang="en-GB" sz="1800" spc="-1" strike="noStrike">
+              <a:solidFill>
+                <a:srgbClr val="000000"/>
               </a:solidFill>
               <a:uFill>
                 <a:solidFill>
@@ -5272,8 +5579,8 @@
         </p:nvSpPr>
         <p:spPr>
           <a:xfrm rot="275400">
-            <a:off x="6370200" y="3031200"/>
-            <a:ext cx="3456000" cy="1080000"/>
+            <a:off x="6369840" y="3031200"/>
+            <a:ext cx="3455640" cy="1079640"/>
           </a:xfrm>
           <a:prstGeom prst="ellipse">
             <a:avLst/>
@@ -5297,7 +5604,11 @@
         <p:txBody>
           <a:bodyPr wrap="none" lIns="108000" rIns="108000" tIns="63000" bIns="63000" anchor="ctr"/>
           <a:p>
-            <a:pPr algn="ctr"/>
+            <a:pPr algn="ctr">
+              <a:lnSpc>
+                <a:spcPct val="100000"/>
+              </a:lnSpc>
+            </a:pPr>
             <a:r>
               <a:rPr b="1" lang="en-GB" sz="1800" spc="-1" strike="noStrike">
                 <a:solidFill>
@@ -5309,12 +5620,13 @@
                   </a:solidFill>
                 </a:uFill>
                 <a:latin typeface="Arial"/>
+                <a:ea typeface="DejaVu Sans"/>
               </a:rPr>
               <a:t>Neuroimaging</a:t>
             </a:r>
-            <a:endParaRPr b="1" lang="en-GB" sz="1800" spc="-1" strike="noStrike">
-              <a:solidFill>
-                <a:srgbClr val="333333"/>
+            <a:endParaRPr b="0" lang="en-GB" sz="1800" spc="-1" strike="noStrike">
+              <a:solidFill>
+                <a:srgbClr val="000000"/>
               </a:solidFill>
               <a:uFill>
                 <a:solidFill>
@@ -5384,7 +5696,7 @@
         <p:spPr>
           <a:xfrm>
             <a:off x="503280" y="301680"/>
-            <a:ext cx="9068760" cy="1259640"/>
+            <a:ext cx="9068400" cy="1259280"/>
           </a:xfrm>
           <a:prstGeom prst="rect">
             <a:avLst/>
@@ -5446,7 +5758,7 @@
         <p:spPr>
           <a:xfrm>
             <a:off x="503280" y="1768320"/>
-            <a:ext cx="9068760" cy="4382280"/>
+            <a:ext cx="9068400" cy="4381920"/>
           </a:xfrm>
           <a:prstGeom prst="rect">
             <a:avLst/>
@@ -5465,7 +5777,7 @@
         <p:txBody>
           <a:bodyPr lIns="0" rIns="0" tIns="28440" bIns="0"/>
           <a:p>
-            <a:pPr marL="343080" indent="-342360">
+            <a:pPr marL="343080" indent="-342000">
               <a:lnSpc>
                 <a:spcPct val="93000"/>
               </a:lnSpc>
@@ -5543,7 +5855,7 @@
             </a:endParaRPr>
           </a:p>
           <a:p>
-            <a:pPr marL="343080" indent="-342360">
+            <a:pPr marL="343080" indent="-342000">
               <a:lnSpc>
                 <a:spcPct val="93000"/>
               </a:lnSpc>
@@ -5561,7 +5873,7 @@
             </a:endParaRPr>
           </a:p>
           <a:p>
-            <a:pPr marL="343080" indent="-342360">
+            <a:pPr marL="343080" indent="-342000">
               <a:lnSpc>
                 <a:spcPct val="93000"/>
               </a:lnSpc>
@@ -5638,7 +5950,7 @@
         <p:spPr>
           <a:xfrm>
             <a:off x="503280" y="301680"/>
-            <a:ext cx="9068760" cy="1259640"/>
+            <a:ext cx="9068400" cy="1259280"/>
           </a:xfrm>
           <a:prstGeom prst="rect">
             <a:avLst/>
@@ -5700,7 +6012,7 @@
         <p:spPr>
           <a:xfrm>
             <a:off x="503280" y="1768320"/>
-            <a:ext cx="9068760" cy="4382280"/>
+            <a:ext cx="9068400" cy="4381920"/>
           </a:xfrm>
           <a:prstGeom prst="rect">
             <a:avLst/>
@@ -5719,7 +6031,7 @@
         <p:txBody>
           <a:bodyPr lIns="0" rIns="0" tIns="28440" bIns="0"/>
           <a:p>
-            <a:pPr marL="343080" indent="-342360">
+            <a:pPr marL="343080" indent="-342000">
               <a:lnSpc>
                 <a:spcPct val="150000"/>
               </a:lnSpc>
@@ -5752,7 +6064,7 @@
             </a:endParaRPr>
           </a:p>
           <a:p>
-            <a:pPr marL="343080" indent="-342360">
+            <a:pPr marL="343080" indent="-342000">
               <a:lnSpc>
                 <a:spcPct val="150000"/>
               </a:lnSpc>
@@ -5785,7 +6097,7 @@
             </a:endParaRPr>
           </a:p>
           <a:p>
-            <a:pPr marL="343080" indent="-342360">
+            <a:pPr marL="343080" indent="-342000">
               <a:lnSpc>
                 <a:spcPct val="150000"/>
               </a:lnSpc>
@@ -5818,7 +6130,7 @@
             </a:endParaRPr>
           </a:p>
           <a:p>
-            <a:pPr marL="343080" indent="-342360">
+            <a:pPr marL="343080" indent="-342000">
               <a:lnSpc>
                 <a:spcPct val="150000"/>
               </a:lnSpc>
@@ -5851,7 +6163,7 @@
             </a:endParaRPr>
           </a:p>
           <a:p>
-            <a:pPr marL="343080" indent="-342360">
+            <a:pPr marL="343080" indent="-342000">
               <a:lnSpc>
                 <a:spcPct val="150000"/>
               </a:lnSpc>
@@ -5884,7 +6196,7 @@
             </a:endParaRPr>
           </a:p>
           <a:p>
-            <a:pPr marL="343080" indent="-342360">
+            <a:pPr marL="343080" indent="-342000">
               <a:lnSpc>
                 <a:spcPct val="150000"/>
               </a:lnSpc>
@@ -5917,7 +6229,7 @@
             </a:endParaRPr>
           </a:p>
           <a:p>
-            <a:pPr marL="343080" indent="-342360">
+            <a:pPr marL="343080" indent="-342000">
               <a:lnSpc>
                 <a:spcPct val="150000"/>
               </a:lnSpc>
@@ -5950,7 +6262,7 @@
             </a:endParaRPr>
           </a:p>
           <a:p>
-            <a:pPr marL="343080" indent="-342360">
+            <a:pPr marL="343080" indent="-342000">
               <a:lnSpc>
                 <a:spcPct val="150000"/>
               </a:lnSpc>
@@ -5983,7 +6295,7 @@
             </a:endParaRPr>
           </a:p>
           <a:p>
-            <a:pPr marL="343080" indent="-342360">
+            <a:pPr marL="343080" indent="-342000">
               <a:lnSpc>
                 <a:spcPct val="93000"/>
               </a:lnSpc>
@@ -6001,7 +6313,7 @@
             </a:endParaRPr>
           </a:p>
           <a:p>
-            <a:pPr marL="343080" indent="-342360">
+            <a:pPr marL="343080" indent="-342000">
               <a:lnSpc>
                 <a:spcPct val="93000"/>
               </a:lnSpc>
@@ -6029,6 +6341,692 @@
           <p:childTnLst>
             <p:seq>
               <p:cTn id="8" nodeType="mainSeq"/>
+              <p:prevCondLst>
+                <p:cond delay="0" evt="onPrev">
+                  <p:tgtEl>
+                    <p:sldTgt/>
+                  </p:tgtEl>
+                </p:cond>
+              </p:prevCondLst>
+              <p:nextCondLst>
+                <p:cond delay="0" evt="onNext">
+                  <p:tgtEl>
+                    <p:sldTgt/>
+                  </p:tgtEl>
+                </p:cond>
+              </p:nextCondLst>
+            </p:seq>
+          </p:childTnLst>
+        </p:cTn>
+      </p:par>
+    </p:tnLst>
+  </p:timing>
+</p:sld>
+</file>
+
+<file path=ppt/slides/slide5.xml><?xml version="1.0" encoding="utf-8"?>
+<p:sld xmlns:a="http://schemas.openxmlformats.org/drawingml/2006/main" xmlns:p="http://schemas.openxmlformats.org/presentationml/2006/main" xmlns:r="http://schemas.openxmlformats.org/officeDocument/2006/relationships" xmlns:p14="http://schemas.microsoft.com/office/powerpoint/2010/main" xmlns:p15="http://schemas.microsoft.com/office/powerpoint/2012/main" xmlns:mc="http://schemas.openxmlformats.org/markup-compatibility/2006">
+  <p:cSld>
+    <p:spTree>
+      <p:nvGrpSpPr>
+        <p:cNvPr id="1" name=""/>
+        <p:cNvGrpSpPr/>
+        <p:nvPr/>
+      </p:nvGrpSpPr>
+      <p:grpSpPr>
+        <a:xfrm>
+          <a:off x="0" y="0"/>
+          <a:ext cx="0" cy="0"/>
+          <a:chOff x="0" y="0"/>
+          <a:chExt cx="0" cy="0"/>
+        </a:xfrm>
+      </p:grpSpPr>
+      <p:sp>
+        <p:nvSpPr>
+          <p:cNvPr id="91" name="CustomShape 1"/>
+          <p:cNvSpPr/>
+          <p:nvPr/>
+        </p:nvSpPr>
+        <p:spPr>
+          <a:xfrm>
+            <a:off x="503280" y="301680"/>
+            <a:ext cx="9068400" cy="346320"/>
+          </a:xfrm>
+          <a:prstGeom prst="rect">
+            <a:avLst/>
+          </a:prstGeom>
+          <a:noFill/>
+          <a:ln>
+            <a:noFill/>
+          </a:ln>
+        </p:spPr>
+        <p:style>
+          <a:lnRef idx="0"/>
+          <a:fillRef idx="0"/>
+          <a:effectRef idx="0"/>
+          <a:fontRef idx="minor"/>
+        </p:style>
+        <p:txBody>
+          <a:bodyPr lIns="0" rIns="0" tIns="0" bIns="0" anchor="ctr"/>
+          <a:p>
+            <a:pPr algn="ctr">
+              <a:lnSpc>
+                <a:spcPct val="93000"/>
+              </a:lnSpc>
+            </a:pPr>
+            <a:r>
+              <a:rPr b="0" lang="en-GB" sz="4400" spc="-1" strike="noStrike">
+                <a:solidFill>
+                  <a:srgbClr val="000000"/>
+                </a:solidFill>
+                <a:uFill>
+                  <a:solidFill>
+                    <a:srgbClr val="ffffff"/>
+                  </a:solidFill>
+                </a:uFill>
+                <a:latin typeface="Arial"/>
+                <a:ea typeface="Noto Sans CJK SC Regular"/>
+              </a:rPr>
+              <a:t>Online tutorial</a:t>
+            </a:r>
+            <a:endParaRPr b="0" lang="en-GB" sz="1800" spc="-1" strike="noStrike">
+              <a:solidFill>
+                <a:srgbClr val="000000"/>
+              </a:solidFill>
+              <a:uFill>
+                <a:solidFill>
+                  <a:srgbClr val="ffffff"/>
+                </a:solidFill>
+              </a:uFill>
+              <a:latin typeface="Arial"/>
+            </a:endParaRPr>
+          </a:p>
+        </p:txBody>
+      </p:sp>
+      <p:sp>
+        <p:nvSpPr>
+          <p:cNvPr id="92" name="CustomShape 2"/>
+          <p:cNvSpPr/>
+          <p:nvPr/>
+        </p:nvSpPr>
+        <p:spPr>
+          <a:xfrm>
+            <a:off x="503280" y="1768320"/>
+            <a:ext cx="9068400" cy="4381920"/>
+          </a:xfrm>
+          <a:prstGeom prst="rect">
+            <a:avLst/>
+          </a:prstGeom>
+          <a:noFill/>
+          <a:ln>
+            <a:noFill/>
+          </a:ln>
+        </p:spPr>
+        <p:style>
+          <a:lnRef idx="0"/>
+          <a:fillRef idx="0"/>
+          <a:effectRef idx="0"/>
+          <a:fontRef idx="minor"/>
+        </p:style>
+        <p:txBody>
+          <a:bodyPr lIns="0" rIns="0" tIns="28440" bIns="0"/>
+          <a:p>
+            <a:pPr marL="343080" indent="-342000">
+              <a:lnSpc>
+                <a:spcPct val="150000"/>
+              </a:lnSpc>
+            </a:pPr>
+            <a:endParaRPr b="0" lang="en-GB" sz="1800" spc="-1" strike="noStrike">
+              <a:solidFill>
+                <a:srgbClr val="000000"/>
+              </a:solidFill>
+              <a:uFill>
+                <a:solidFill>
+                  <a:srgbClr val="ffffff"/>
+                </a:solidFill>
+              </a:uFill>
+              <a:latin typeface="Arial"/>
+            </a:endParaRPr>
+          </a:p>
+          <a:p>
+            <a:pPr marL="343080" indent="-342000">
+              <a:lnSpc>
+                <a:spcPct val="93000"/>
+              </a:lnSpc>
+            </a:pPr>
+            <a:endParaRPr b="0" lang="en-GB" sz="1800" spc="-1" strike="noStrike">
+              <a:solidFill>
+                <a:srgbClr val="000000"/>
+              </a:solidFill>
+              <a:uFill>
+                <a:solidFill>
+                  <a:srgbClr val="ffffff"/>
+                </a:solidFill>
+              </a:uFill>
+              <a:latin typeface="Arial"/>
+            </a:endParaRPr>
+          </a:p>
+          <a:p>
+            <a:pPr marL="343080" indent="-342000">
+              <a:lnSpc>
+                <a:spcPct val="93000"/>
+              </a:lnSpc>
+            </a:pPr>
+            <a:endParaRPr b="0" lang="en-GB" sz="1800" spc="-1" strike="noStrike">
+              <a:solidFill>
+                <a:srgbClr val="000000"/>
+              </a:solidFill>
+              <a:uFill>
+                <a:solidFill>
+                  <a:srgbClr val="ffffff"/>
+                </a:solidFill>
+              </a:uFill>
+              <a:latin typeface="Arial"/>
+            </a:endParaRPr>
+          </a:p>
+        </p:txBody>
+      </p:sp>
+      <p:pic>
+        <p:nvPicPr>
+          <p:cNvPr id="93" name="" descr=""/>
+          <p:cNvPicPr/>
+          <p:nvPr/>
+        </p:nvPicPr>
+        <p:blipFill>
+          <a:blip r:embed="rId1"/>
+          <a:stretch/>
+        </p:blipFill>
+        <p:spPr>
+          <a:xfrm>
+            <a:off x="0" y="905400"/>
+            <a:ext cx="10080360" cy="6654240"/>
+          </a:xfrm>
+          <a:prstGeom prst="rect">
+            <a:avLst/>
+          </a:prstGeom>
+          <a:ln>
+            <a:noFill/>
+          </a:ln>
+        </p:spPr>
+      </p:pic>
+    </p:spTree>
+  </p:cSld>
+  <p:timing>
+    <p:tnLst>
+      <p:par>
+        <p:cTn id="9" dur="indefinite" restart="never" nodeType="tmRoot">
+          <p:childTnLst>
+            <p:seq>
+              <p:cTn id="10" nodeType="mainSeq"/>
+              <p:prevCondLst>
+                <p:cond delay="0" evt="onPrev">
+                  <p:tgtEl>
+                    <p:sldTgt/>
+                  </p:tgtEl>
+                </p:cond>
+              </p:prevCondLst>
+              <p:nextCondLst>
+                <p:cond delay="0" evt="onNext">
+                  <p:tgtEl>
+                    <p:sldTgt/>
+                  </p:tgtEl>
+                </p:cond>
+              </p:nextCondLst>
+            </p:seq>
+          </p:childTnLst>
+        </p:cTn>
+      </p:par>
+    </p:tnLst>
+  </p:timing>
+</p:sld>
+</file>
+
+<file path=ppt/slides/slide6.xml><?xml version="1.0" encoding="utf-8"?>
+<p:sld xmlns:a="http://schemas.openxmlformats.org/drawingml/2006/main" xmlns:p="http://schemas.openxmlformats.org/presentationml/2006/main" xmlns:r="http://schemas.openxmlformats.org/officeDocument/2006/relationships" xmlns:p14="http://schemas.microsoft.com/office/powerpoint/2010/main" xmlns:p15="http://schemas.microsoft.com/office/powerpoint/2012/main" xmlns:mc="http://schemas.openxmlformats.org/markup-compatibility/2006">
+  <p:cSld>
+    <p:spTree>
+      <p:nvGrpSpPr>
+        <p:cNvPr id="1" name=""/>
+        <p:cNvGrpSpPr/>
+        <p:nvPr/>
+      </p:nvGrpSpPr>
+      <p:grpSpPr>
+        <a:xfrm>
+          <a:off x="0" y="0"/>
+          <a:ext cx="0" cy="0"/>
+          <a:chOff x="0" y="0"/>
+          <a:chExt cx="0" cy="0"/>
+        </a:xfrm>
+      </p:grpSpPr>
+      <p:sp>
+        <p:nvSpPr>
+          <p:cNvPr id="94" name="CustomShape 1"/>
+          <p:cNvSpPr/>
+          <p:nvPr/>
+        </p:nvSpPr>
+        <p:spPr>
+          <a:xfrm>
+            <a:off x="503280" y="301680"/>
+            <a:ext cx="9068400" cy="1259280"/>
+          </a:xfrm>
+          <a:prstGeom prst="rect">
+            <a:avLst/>
+          </a:prstGeom>
+          <a:noFill/>
+          <a:ln>
+            <a:noFill/>
+          </a:ln>
+        </p:spPr>
+        <p:style>
+          <a:lnRef idx="0"/>
+          <a:fillRef idx="0"/>
+          <a:effectRef idx="0"/>
+          <a:fontRef idx="minor"/>
+        </p:style>
+        <p:txBody>
+          <a:bodyPr lIns="0" rIns="0" tIns="0" bIns="0" anchor="ctr"/>
+          <a:p>
+            <a:pPr algn="ctr">
+              <a:lnSpc>
+                <a:spcPct val="93000"/>
+              </a:lnSpc>
+            </a:pPr>
+            <a:r>
+              <a:rPr b="0" lang="en-GB" sz="4400" spc="-1" strike="noStrike">
+                <a:solidFill>
+                  <a:srgbClr val="000000"/>
+                </a:solidFill>
+                <a:uFill>
+                  <a:solidFill>
+                    <a:srgbClr val="ffffff"/>
+                  </a:solidFill>
+                </a:uFill>
+                <a:latin typeface="Arial"/>
+                <a:ea typeface="Noto Sans CJK SC Regular"/>
+              </a:rPr>
+              <a:t>Exercises</a:t>
+            </a:r>
+            <a:endParaRPr b="0" lang="en-GB" sz="1800" spc="-1" strike="noStrike">
+              <a:solidFill>
+                <a:srgbClr val="000000"/>
+              </a:solidFill>
+              <a:uFill>
+                <a:solidFill>
+                  <a:srgbClr val="ffffff"/>
+                </a:solidFill>
+              </a:uFill>
+              <a:latin typeface="Arial"/>
+            </a:endParaRPr>
+          </a:p>
+        </p:txBody>
+      </p:sp>
+      <p:sp>
+        <p:nvSpPr>
+          <p:cNvPr id="95" name="CustomShape 2"/>
+          <p:cNvSpPr/>
+          <p:nvPr/>
+        </p:nvSpPr>
+        <p:spPr>
+          <a:xfrm>
+            <a:off x="503280" y="1768320"/>
+            <a:ext cx="9068400" cy="4381920"/>
+          </a:xfrm>
+          <a:prstGeom prst="rect">
+            <a:avLst/>
+          </a:prstGeom>
+          <a:noFill/>
+          <a:ln>
+            <a:noFill/>
+          </a:ln>
+        </p:spPr>
+        <p:style>
+          <a:lnRef idx="0"/>
+          <a:fillRef idx="0"/>
+          <a:effectRef idx="0"/>
+          <a:fontRef idx="minor"/>
+        </p:style>
+        <p:txBody>
+          <a:bodyPr lIns="0" rIns="0" tIns="28440" bIns="0"/>
+          <a:p>
+            <a:pPr marL="343080" indent="-342000">
+              <a:lnSpc>
+                <a:spcPct val="150000"/>
+              </a:lnSpc>
+            </a:pPr>
+            <a:endParaRPr b="0" lang="en-GB" sz="1800" spc="-1" strike="noStrike">
+              <a:solidFill>
+                <a:srgbClr val="000000"/>
+              </a:solidFill>
+              <a:uFill>
+                <a:solidFill>
+                  <a:srgbClr val="ffffff"/>
+                </a:solidFill>
+              </a:uFill>
+              <a:latin typeface="Arial"/>
+            </a:endParaRPr>
+          </a:p>
+          <a:p>
+            <a:pPr marL="343080" indent="-342000">
+              <a:lnSpc>
+                <a:spcPct val="93000"/>
+              </a:lnSpc>
+            </a:pPr>
+            <a:endParaRPr b="0" lang="en-GB" sz="1800" spc="-1" strike="noStrike">
+              <a:solidFill>
+                <a:srgbClr val="000000"/>
+              </a:solidFill>
+              <a:uFill>
+                <a:solidFill>
+                  <a:srgbClr val="ffffff"/>
+                </a:solidFill>
+              </a:uFill>
+              <a:latin typeface="Arial"/>
+            </a:endParaRPr>
+          </a:p>
+          <a:p>
+            <a:pPr marL="343080" indent="-342000">
+              <a:lnSpc>
+                <a:spcPct val="93000"/>
+              </a:lnSpc>
+            </a:pPr>
+            <a:endParaRPr b="0" lang="en-GB" sz="1800" spc="-1" strike="noStrike">
+              <a:solidFill>
+                <a:srgbClr val="000000"/>
+              </a:solidFill>
+              <a:uFill>
+                <a:solidFill>
+                  <a:srgbClr val="ffffff"/>
+                </a:solidFill>
+              </a:uFill>
+              <a:latin typeface="Arial"/>
+            </a:endParaRPr>
+          </a:p>
+        </p:txBody>
+      </p:sp>
+    </p:spTree>
+  </p:cSld>
+  <p:timing>
+    <p:tnLst>
+      <p:par>
+        <p:cTn id="11" dur="indefinite" restart="never" nodeType="tmRoot">
+          <p:childTnLst>
+            <p:seq>
+              <p:cTn id="12" nodeType="mainSeq"/>
+              <p:prevCondLst>
+                <p:cond delay="0" evt="onPrev">
+                  <p:tgtEl>
+                    <p:sldTgt/>
+                  </p:tgtEl>
+                </p:cond>
+              </p:prevCondLst>
+              <p:nextCondLst>
+                <p:cond delay="0" evt="onNext">
+                  <p:tgtEl>
+                    <p:sldTgt/>
+                  </p:tgtEl>
+                </p:cond>
+              </p:nextCondLst>
+            </p:seq>
+          </p:childTnLst>
+        </p:cTn>
+      </p:par>
+    </p:tnLst>
+  </p:timing>
+</p:sld>
+</file>
+
+<file path=ppt/slides/slide7.xml><?xml version="1.0" encoding="utf-8"?>
+<p:sld xmlns:a="http://schemas.openxmlformats.org/drawingml/2006/main" xmlns:p="http://schemas.openxmlformats.org/presentationml/2006/main" xmlns:r="http://schemas.openxmlformats.org/officeDocument/2006/relationships" xmlns:p14="http://schemas.microsoft.com/office/powerpoint/2010/main" xmlns:p15="http://schemas.microsoft.com/office/powerpoint/2012/main" xmlns:mc="http://schemas.openxmlformats.org/markup-compatibility/2006">
+  <p:cSld>
+    <p:spTree>
+      <p:nvGrpSpPr>
+        <p:cNvPr id="1" name=""/>
+        <p:cNvGrpSpPr/>
+        <p:nvPr/>
+      </p:nvGrpSpPr>
+      <p:grpSpPr>
+        <a:xfrm>
+          <a:off x="0" y="0"/>
+          <a:ext cx="0" cy="0"/>
+          <a:chOff x="0" y="0"/>
+          <a:chExt cx="0" cy="0"/>
+        </a:xfrm>
+      </p:grpSpPr>
+      <p:sp>
+        <p:nvSpPr>
+          <p:cNvPr id="96" name="CustomShape 1"/>
+          <p:cNvSpPr/>
+          <p:nvPr/>
+        </p:nvSpPr>
+        <p:spPr>
+          <a:xfrm>
+            <a:off x="503280" y="301680"/>
+            <a:ext cx="9068400" cy="1259280"/>
+          </a:xfrm>
+          <a:prstGeom prst="rect">
+            <a:avLst/>
+          </a:prstGeom>
+          <a:noFill/>
+          <a:ln>
+            <a:noFill/>
+          </a:ln>
+        </p:spPr>
+        <p:style>
+          <a:lnRef idx="0"/>
+          <a:fillRef idx="0"/>
+          <a:effectRef idx="0"/>
+          <a:fontRef idx="minor"/>
+        </p:style>
+        <p:txBody>
+          <a:bodyPr lIns="0" rIns="0" tIns="0" bIns="0" anchor="ctr"/>
+          <a:p>
+            <a:pPr algn="ctr">
+              <a:lnSpc>
+                <a:spcPct val="93000"/>
+              </a:lnSpc>
+            </a:pPr>
+            <a:r>
+              <a:rPr b="0" lang="en-GB" sz="4400" spc="-1" strike="noStrike">
+                <a:solidFill>
+                  <a:srgbClr val="000000"/>
+                </a:solidFill>
+                <a:uFill>
+                  <a:solidFill>
+                    <a:srgbClr val="ffffff"/>
+                  </a:solidFill>
+                </a:uFill>
+                <a:latin typeface="Arial"/>
+                <a:ea typeface="Noto Sans CJK SC Regular"/>
+              </a:rPr>
+              <a:t>Practicalities</a:t>
+            </a:r>
+            <a:endParaRPr b="0" lang="en-GB" sz="1800" spc="-1" strike="noStrike">
+              <a:solidFill>
+                <a:srgbClr val="000000"/>
+              </a:solidFill>
+              <a:uFill>
+                <a:solidFill>
+                  <a:srgbClr val="ffffff"/>
+                </a:solidFill>
+              </a:uFill>
+              <a:latin typeface="Arial"/>
+            </a:endParaRPr>
+          </a:p>
+        </p:txBody>
+      </p:sp>
+      <p:sp>
+        <p:nvSpPr>
+          <p:cNvPr id="97" name="CustomShape 2"/>
+          <p:cNvSpPr/>
+          <p:nvPr/>
+        </p:nvSpPr>
+        <p:spPr>
+          <a:xfrm>
+            <a:off x="503280" y="1768320"/>
+            <a:ext cx="9068400" cy="4381920"/>
+          </a:xfrm>
+          <a:prstGeom prst="rect">
+            <a:avLst/>
+          </a:prstGeom>
+          <a:noFill/>
+          <a:ln>
+            <a:noFill/>
+          </a:ln>
+        </p:spPr>
+        <p:style>
+          <a:lnRef idx="0"/>
+          <a:fillRef idx="0"/>
+          <a:effectRef idx="0"/>
+          <a:fontRef idx="minor"/>
+        </p:style>
+        <p:txBody>
+          <a:bodyPr lIns="0" rIns="0" tIns="28440" bIns="0"/>
+          <a:p>
+            <a:pPr marL="343080" indent="-342000">
+              <a:lnSpc>
+                <a:spcPct val="150000"/>
+              </a:lnSpc>
+            </a:pPr>
+            <a:r>
+              <a:rPr b="0" lang="en-GB" sz="2800" spc="-1" strike="noStrike">
+                <a:solidFill>
+                  <a:srgbClr val="000000"/>
+                </a:solidFill>
+                <a:uFill>
+                  <a:solidFill>
+                    <a:srgbClr val="ffffff"/>
+                  </a:solidFill>
+                </a:uFill>
+                <a:latin typeface="Arial"/>
+                <a:ea typeface="Noto Sans CJK SC Regular"/>
+              </a:rPr>
+              <a:t>(CNS Antwerp 15</a:t>
+            </a:r>
+            <a:r>
+              <a:rPr b="0" lang="en-GB" sz="2800" spc="-1" strike="noStrike" baseline="101000">
+                <a:solidFill>
+                  <a:srgbClr val="000000"/>
+                </a:solidFill>
+                <a:uFill>
+                  <a:solidFill>
+                    <a:srgbClr val="ffffff"/>
+                  </a:solidFill>
+                </a:uFill>
+                <a:latin typeface="Arial"/>
+                <a:ea typeface="Noto Sans CJK SC Regular"/>
+              </a:rPr>
+              <a:t>th</a:t>
+            </a:r>
+            <a:r>
+              <a:rPr b="0" lang="en-GB" sz="2800" spc="-1" strike="noStrike">
+                <a:solidFill>
+                  <a:srgbClr val="000000"/>
+                </a:solidFill>
+                <a:uFill>
+                  <a:solidFill>
+                    <a:srgbClr val="ffffff"/>
+                  </a:solidFill>
+                </a:uFill>
+                <a:latin typeface="Arial"/>
+                <a:ea typeface="Noto Sans CJK SC Regular"/>
+              </a:rPr>
+              <a:t> July 2017)</a:t>
+            </a:r>
+            <a:endParaRPr b="0" lang="en-GB" sz="1800" spc="-1" strike="noStrike">
+              <a:solidFill>
+                <a:srgbClr val="000000"/>
+              </a:solidFill>
+              <a:uFill>
+                <a:solidFill>
+                  <a:srgbClr val="ffffff"/>
+                </a:solidFill>
+              </a:uFill>
+              <a:latin typeface="Arial"/>
+            </a:endParaRPr>
+          </a:p>
+          <a:p>
+            <a:pPr marL="343080" indent="-342000">
+              <a:lnSpc>
+                <a:spcPct val="150000"/>
+              </a:lnSpc>
+            </a:pPr>
+            <a:endParaRPr b="0" lang="en-GB" sz="1800" spc="-1" strike="noStrike">
+              <a:solidFill>
+                <a:srgbClr val="000000"/>
+              </a:solidFill>
+              <a:uFill>
+                <a:solidFill>
+                  <a:srgbClr val="ffffff"/>
+                </a:solidFill>
+              </a:uFill>
+              <a:latin typeface="Arial"/>
+            </a:endParaRPr>
+          </a:p>
+          <a:p>
+            <a:pPr marL="343080" indent="-342000">
+              <a:lnSpc>
+                <a:spcPct val="150000"/>
+              </a:lnSpc>
+            </a:pPr>
+            <a:endParaRPr b="0" lang="en-GB" sz="1800" spc="-1" strike="noStrike">
+              <a:solidFill>
+                <a:srgbClr val="000000"/>
+              </a:solidFill>
+              <a:uFill>
+                <a:solidFill>
+                  <a:srgbClr val="ffffff"/>
+                </a:solidFill>
+              </a:uFill>
+              <a:latin typeface="Arial"/>
+            </a:endParaRPr>
+          </a:p>
+          <a:p>
+            <a:pPr marL="343080" indent="-342000">
+              <a:lnSpc>
+                <a:spcPct val="93000"/>
+              </a:lnSpc>
+            </a:pPr>
+            <a:endParaRPr b="0" lang="en-GB" sz="1800" spc="-1" strike="noStrike">
+              <a:solidFill>
+                <a:srgbClr val="000000"/>
+              </a:solidFill>
+              <a:uFill>
+                <a:solidFill>
+                  <a:srgbClr val="ffffff"/>
+                </a:solidFill>
+              </a:uFill>
+              <a:latin typeface="Arial"/>
+            </a:endParaRPr>
+          </a:p>
+          <a:p>
+            <a:pPr marL="343080" indent="-342000">
+              <a:lnSpc>
+                <a:spcPct val="93000"/>
+              </a:lnSpc>
+            </a:pPr>
+            <a:endParaRPr b="0" lang="en-GB" sz="1800" spc="-1" strike="noStrike">
+              <a:solidFill>
+                <a:srgbClr val="000000"/>
+              </a:solidFill>
+              <a:uFill>
+                <a:solidFill>
+                  <a:srgbClr val="ffffff"/>
+                </a:solidFill>
+              </a:uFill>
+              <a:latin typeface="Arial"/>
+            </a:endParaRPr>
+          </a:p>
+        </p:txBody>
+      </p:sp>
+    </p:spTree>
+  </p:cSld>
+  <p:timing>
+    <p:tnLst>
+      <p:par>
+        <p:cTn id="13" dur="indefinite" restart="never" nodeType="tmRoot">
+          <p:childTnLst>
+            <p:seq>
+              <p:cTn id="14" nodeType="mainSeq"/>
               <p:prevCondLst>
                 <p:cond delay="0" evt="onPrev">
                   <p:tgtEl>

--- a/Part_1_Resources_for_computational_modellers/Introduction/Introduction.pptx
+++ b/Part_1_Resources_for_computational_modellers/Introduction/Introduction.pptx
@@ -1,29 +1,461 @@
 
 <file path=ppt/presentation.xml><?xml version="1.0" encoding="utf-8"?>
-<p:presentation xmlns:a="http://schemas.openxmlformats.org/drawingml/2006/main" xmlns:p="http://schemas.openxmlformats.org/presentationml/2006/main" xmlns:r="http://schemas.openxmlformats.org/officeDocument/2006/relationships" xmlns:p14="http://schemas.microsoft.com/office/powerpoint/2010/main" xmlns:p15="http://schemas.microsoft.com/office/powerpoint/2012/main" xmlns:mc="http://schemas.openxmlformats.org/markup-compatibility/2006">
+<p:presentation xmlns:a="http://schemas.openxmlformats.org/drawingml/2006/main" xmlns:r="http://schemas.openxmlformats.org/officeDocument/2006/relationships" xmlns:p="http://schemas.openxmlformats.org/presentationml/2006/main" saveSubsetFonts="1">
   <p:sldMasterIdLst>
-    <p:sldMasterId id="2147483648" r:id="rId2"/>
-    <p:sldMasterId id="2147483661" r:id="rId3"/>
+    <p:sldMasterId id="2147483648" r:id="rId1"/>
+    <p:sldMasterId id="2147483661" r:id="rId2"/>
   </p:sldMasterIdLst>
   <p:notesMasterIdLst>
-    <p:notesMasterId r:id="rId4"/>
+    <p:notesMasterId r:id="rId9"/>
   </p:notesMasterIdLst>
   <p:sldIdLst>
-    <p:sldId id="256" r:id="rId5"/>
-    <p:sldId id="257" r:id="rId6"/>
-    <p:sldId id="258" r:id="rId7"/>
-    <p:sldId id="259" r:id="rId8"/>
-    <p:sldId id="260" r:id="rId9"/>
-    <p:sldId id="261" r:id="rId10"/>
-    <p:sldId id="262" r:id="rId11"/>
+    <p:sldId id="256" r:id="rId3"/>
+    <p:sldId id="257" r:id="rId4"/>
+    <p:sldId id="258" r:id="rId5"/>
+    <p:sldId id="259" r:id="rId6"/>
+    <p:sldId id="260" r:id="rId7"/>
+    <p:sldId id="261" r:id="rId8"/>
   </p:sldIdLst>
   <p:sldSz cx="10080625" cy="7559675"/>
-  <p:notesSz cx="7559675" cy="10691812"/>
+  <p:notesSz cx="7559675" cy="10691813"/>
+  <p:defaultTextStyle>
+    <a:defPPr>
+      <a:defRPr lang="en-US"/>
+    </a:defPPr>
+    <a:lvl1pPr marL="0" algn="l" defTabSz="914400" rtl="0" eaLnBrk="1" latinLnBrk="0" hangingPunct="1">
+      <a:defRPr sz="1800" kern="1200">
+        <a:solidFill>
+          <a:schemeClr val="tx1"/>
+        </a:solidFill>
+        <a:latin typeface="+mn-lt"/>
+        <a:ea typeface="+mn-ea"/>
+        <a:cs typeface="+mn-cs"/>
+      </a:defRPr>
+    </a:lvl1pPr>
+    <a:lvl2pPr marL="457200" algn="l" defTabSz="914400" rtl="0" eaLnBrk="1" latinLnBrk="0" hangingPunct="1">
+      <a:defRPr sz="1800" kern="1200">
+        <a:solidFill>
+          <a:schemeClr val="tx1"/>
+        </a:solidFill>
+        <a:latin typeface="+mn-lt"/>
+        <a:ea typeface="+mn-ea"/>
+        <a:cs typeface="+mn-cs"/>
+      </a:defRPr>
+    </a:lvl2pPr>
+    <a:lvl3pPr marL="914400" algn="l" defTabSz="914400" rtl="0" eaLnBrk="1" latinLnBrk="0" hangingPunct="1">
+      <a:defRPr sz="1800" kern="1200">
+        <a:solidFill>
+          <a:schemeClr val="tx1"/>
+        </a:solidFill>
+        <a:latin typeface="+mn-lt"/>
+        <a:ea typeface="+mn-ea"/>
+        <a:cs typeface="+mn-cs"/>
+      </a:defRPr>
+    </a:lvl3pPr>
+    <a:lvl4pPr marL="1371600" algn="l" defTabSz="914400" rtl="0" eaLnBrk="1" latinLnBrk="0" hangingPunct="1">
+      <a:defRPr sz="1800" kern="1200">
+        <a:solidFill>
+          <a:schemeClr val="tx1"/>
+        </a:solidFill>
+        <a:latin typeface="+mn-lt"/>
+        <a:ea typeface="+mn-ea"/>
+        <a:cs typeface="+mn-cs"/>
+      </a:defRPr>
+    </a:lvl4pPr>
+    <a:lvl5pPr marL="1828800" algn="l" defTabSz="914400" rtl="0" eaLnBrk="1" latinLnBrk="0" hangingPunct="1">
+      <a:defRPr sz="1800" kern="1200">
+        <a:solidFill>
+          <a:schemeClr val="tx1"/>
+        </a:solidFill>
+        <a:latin typeface="+mn-lt"/>
+        <a:ea typeface="+mn-ea"/>
+        <a:cs typeface="+mn-cs"/>
+      </a:defRPr>
+    </a:lvl5pPr>
+    <a:lvl6pPr marL="2286000" algn="l" defTabSz="914400" rtl="0" eaLnBrk="1" latinLnBrk="0" hangingPunct="1">
+      <a:defRPr sz="1800" kern="1200">
+        <a:solidFill>
+          <a:schemeClr val="tx1"/>
+        </a:solidFill>
+        <a:latin typeface="+mn-lt"/>
+        <a:ea typeface="+mn-ea"/>
+        <a:cs typeface="+mn-cs"/>
+      </a:defRPr>
+    </a:lvl6pPr>
+    <a:lvl7pPr marL="2743200" algn="l" defTabSz="914400" rtl="0" eaLnBrk="1" latinLnBrk="0" hangingPunct="1">
+      <a:defRPr sz="1800" kern="1200">
+        <a:solidFill>
+          <a:schemeClr val="tx1"/>
+        </a:solidFill>
+        <a:latin typeface="+mn-lt"/>
+        <a:ea typeface="+mn-ea"/>
+        <a:cs typeface="+mn-cs"/>
+      </a:defRPr>
+    </a:lvl7pPr>
+    <a:lvl8pPr marL="3200400" algn="l" defTabSz="914400" rtl="0" eaLnBrk="1" latinLnBrk="0" hangingPunct="1">
+      <a:defRPr sz="1800" kern="1200">
+        <a:solidFill>
+          <a:schemeClr val="tx1"/>
+        </a:solidFill>
+        <a:latin typeface="+mn-lt"/>
+        <a:ea typeface="+mn-ea"/>
+        <a:cs typeface="+mn-cs"/>
+      </a:defRPr>
+    </a:lvl8pPr>
+    <a:lvl9pPr marL="3657600" algn="l" defTabSz="914400" rtl="0" eaLnBrk="1" latinLnBrk="0" hangingPunct="1">
+      <a:defRPr sz="1800" kern="1200">
+        <a:solidFill>
+          <a:schemeClr val="tx1"/>
+        </a:solidFill>
+        <a:latin typeface="+mn-lt"/>
+        <a:ea typeface="+mn-ea"/>
+        <a:cs typeface="+mn-cs"/>
+      </a:defRPr>
+    </a:lvl9pPr>
+  </p:defaultTextStyle>
+  <p:extLst>
+    <p:ext uri="{EFAFB233-063F-42B5-8137-9DF3F51BA10A}">
+      <p15:sldGuideLst xmlns:p15="http://schemas.microsoft.com/office/powerpoint/2012/main"/>
+    </p:ext>
+  </p:extLst>
 </p:presentation>
 </file>
 
 <file path=ppt/notesMasters/notesMaster1.xml><?xml version="1.0" encoding="utf-8"?>
-<p:notesMaster xmlns:a="http://schemas.openxmlformats.org/drawingml/2006/main" xmlns:p="http://schemas.openxmlformats.org/presentationml/2006/main" xmlns:r="http://schemas.openxmlformats.org/officeDocument/2006/relationships" xmlns:p14="http://schemas.microsoft.com/office/powerpoint/2010/main" xmlns:p15="http://schemas.microsoft.com/office/powerpoint/2012/main" xmlns:mc="http://schemas.openxmlformats.org/markup-compatibility/2006">
+<p:notesMaster xmlns:a="http://schemas.openxmlformats.org/drawingml/2006/main" xmlns:r="http://schemas.openxmlformats.org/officeDocument/2006/relationships" xmlns:p="http://schemas.openxmlformats.org/presentationml/2006/main">
+  <p:cSld>
+    <p:bg>
+      <p:bgRef idx="1001">
+        <a:schemeClr val="bg1"/>
+      </p:bgRef>
+    </p:bg>
+    <p:spTree>
+      <p:nvGrpSpPr>
+        <p:cNvPr id="1" name=""/>
+        <p:cNvGrpSpPr/>
+        <p:nvPr/>
+      </p:nvGrpSpPr>
+      <p:grpSpPr>
+        <a:xfrm>
+          <a:off x="0" y="0"/>
+          <a:ext cx="0" cy="0"/>
+          <a:chOff x="0" y="0"/>
+          <a:chExt cx="0" cy="0"/>
+        </a:xfrm>
+      </p:grpSpPr>
+      <p:sp>
+        <p:nvSpPr>
+          <p:cNvPr id="72" name="PlaceHolder 1"/>
+          <p:cNvSpPr>
+            <a:spLocks noGrp="1"/>
+          </p:cNvSpPr>
+          <p:nvPr>
+            <p:ph type="body"/>
+          </p:nvPr>
+        </p:nvSpPr>
+        <p:spPr>
+          <a:xfrm>
+            <a:off x="756000" y="5078520"/>
+            <a:ext cx="6047640" cy="4811040"/>
+          </a:xfrm>
+          <a:prstGeom prst="rect">
+            <a:avLst/>
+          </a:prstGeom>
+        </p:spPr>
+        <p:txBody>
+          <a:bodyPr lIns="0" tIns="0" rIns="0" bIns="0"/>
+          <a:lstStyle/>
+          <a:p>
+            <a:r>
+              <a:rPr lang="en-GB" sz="2000" b="0" strike="noStrike" spc="-1">
+                <a:solidFill>
+                  <a:srgbClr val="000000"/>
+                </a:solidFill>
+                <a:uFill>
+                  <a:solidFill>
+                    <a:srgbClr val="FFFFFF"/>
+                  </a:solidFill>
+                </a:uFill>
+                <a:latin typeface="Arial"/>
+              </a:rPr>
+              <a:t>Click to edit the notes format</a:t>
+            </a:r>
+          </a:p>
+        </p:txBody>
+      </p:sp>
+      <p:sp>
+        <p:nvSpPr>
+          <p:cNvPr id="73" name="PlaceHolder 2"/>
+          <p:cNvSpPr>
+            <a:spLocks noGrp="1"/>
+          </p:cNvSpPr>
+          <p:nvPr>
+            <p:ph type="hdr"/>
+          </p:nvPr>
+        </p:nvSpPr>
+        <p:spPr>
+          <a:xfrm>
+            <a:off x="0" y="0"/>
+            <a:ext cx="3280680" cy="534240"/>
+          </a:xfrm>
+          <a:prstGeom prst="rect">
+            <a:avLst/>
+          </a:prstGeom>
+        </p:spPr>
+        <p:txBody>
+          <a:bodyPr lIns="0" tIns="0" rIns="0" bIns="0"/>
+          <a:lstStyle/>
+          <a:p>
+            <a:r>
+              <a:rPr lang="en-GB" sz="1400" b="0" strike="noStrike" spc="-1">
+                <a:solidFill>
+                  <a:srgbClr val="000000"/>
+                </a:solidFill>
+                <a:uFill>
+                  <a:solidFill>
+                    <a:srgbClr val="FFFFFF"/>
+                  </a:solidFill>
+                </a:uFill>
+                <a:latin typeface="Times New Roman"/>
+              </a:rPr>
+              <a:t> </a:t>
+            </a:r>
+          </a:p>
+        </p:txBody>
+      </p:sp>
+      <p:sp>
+        <p:nvSpPr>
+          <p:cNvPr id="74" name="PlaceHolder 3"/>
+          <p:cNvSpPr>
+            <a:spLocks noGrp="1"/>
+          </p:cNvSpPr>
+          <p:nvPr>
+            <p:ph type="dt"/>
+          </p:nvPr>
+        </p:nvSpPr>
+        <p:spPr>
+          <a:xfrm>
+            <a:off x="4278960" y="0"/>
+            <a:ext cx="3280680" cy="534240"/>
+          </a:xfrm>
+          <a:prstGeom prst="rect">
+            <a:avLst/>
+          </a:prstGeom>
+        </p:spPr>
+        <p:txBody>
+          <a:bodyPr lIns="0" tIns="0" rIns="0" bIns="0"/>
+          <a:lstStyle/>
+          <a:p>
+            <a:pPr algn="r"/>
+            <a:r>
+              <a:rPr lang="en-GB" sz="1400" b="0" strike="noStrike" spc="-1">
+                <a:solidFill>
+                  <a:srgbClr val="000000"/>
+                </a:solidFill>
+                <a:uFill>
+                  <a:solidFill>
+                    <a:srgbClr val="FFFFFF"/>
+                  </a:solidFill>
+                </a:uFill>
+                <a:latin typeface="Times New Roman"/>
+              </a:rPr>
+              <a:t> </a:t>
+            </a:r>
+          </a:p>
+        </p:txBody>
+      </p:sp>
+      <p:sp>
+        <p:nvSpPr>
+          <p:cNvPr id="75" name="PlaceHolder 4"/>
+          <p:cNvSpPr>
+            <a:spLocks noGrp="1"/>
+          </p:cNvSpPr>
+          <p:nvPr>
+            <p:ph type="ftr"/>
+          </p:nvPr>
+        </p:nvSpPr>
+        <p:spPr>
+          <a:xfrm>
+            <a:off x="0" y="10157400"/>
+            <a:ext cx="3280680" cy="534240"/>
+          </a:xfrm>
+          <a:prstGeom prst="rect">
+            <a:avLst/>
+          </a:prstGeom>
+        </p:spPr>
+        <p:txBody>
+          <a:bodyPr lIns="0" tIns="0" rIns="0" bIns="0" anchor="b"/>
+          <a:lstStyle/>
+          <a:p>
+            <a:r>
+              <a:rPr lang="en-GB" sz="1400" b="0" strike="noStrike" spc="-1">
+                <a:solidFill>
+                  <a:srgbClr val="000000"/>
+                </a:solidFill>
+                <a:uFill>
+                  <a:solidFill>
+                    <a:srgbClr val="FFFFFF"/>
+                  </a:solidFill>
+                </a:uFill>
+                <a:latin typeface="Times New Roman"/>
+              </a:rPr>
+              <a:t> </a:t>
+            </a:r>
+          </a:p>
+        </p:txBody>
+      </p:sp>
+      <p:sp>
+        <p:nvSpPr>
+          <p:cNvPr id="76" name="PlaceHolder 5"/>
+          <p:cNvSpPr>
+            <a:spLocks noGrp="1"/>
+          </p:cNvSpPr>
+          <p:nvPr>
+            <p:ph type="sldNum"/>
+          </p:nvPr>
+        </p:nvSpPr>
+        <p:spPr>
+          <a:xfrm>
+            <a:off x="4278960" y="10157400"/>
+            <a:ext cx="3280680" cy="534240"/>
+          </a:xfrm>
+          <a:prstGeom prst="rect">
+            <a:avLst/>
+          </a:prstGeom>
+        </p:spPr>
+        <p:txBody>
+          <a:bodyPr lIns="0" tIns="0" rIns="0" bIns="0" anchor="b"/>
+          <a:lstStyle/>
+          <a:p>
+            <a:pPr algn="r"/>
+            <a:fld id="{6024B6E8-0DED-48C7-A886-AEEB2F794E05}" type="slidenum">
+              <a:rPr lang="en-GB" sz="1400" b="0" strike="noStrike" spc="-1">
+                <a:solidFill>
+                  <a:srgbClr val="000000"/>
+                </a:solidFill>
+                <a:uFill>
+                  <a:solidFill>
+                    <a:srgbClr val="FFFFFF"/>
+                  </a:solidFill>
+                </a:uFill>
+                <a:latin typeface="Times New Roman"/>
+              </a:rPr>
+              <a:t>‹#›</a:t>
+            </a:fld>
+            <a:endParaRPr lang="en-GB" sz="1400" b="0" strike="noStrike" spc="-1">
+              <a:solidFill>
+                <a:srgbClr val="000000"/>
+              </a:solidFill>
+              <a:uFill>
+                <a:solidFill>
+                  <a:srgbClr val="FFFFFF"/>
+                </a:solidFill>
+              </a:uFill>
+              <a:latin typeface="Times New Roman"/>
+            </a:endParaRPr>
+          </a:p>
+        </p:txBody>
+      </p:sp>
+    </p:spTree>
+  </p:cSld>
+  <p:clrMap bg1="lt1" tx1="dk1" bg2="lt2" tx2="dk2" accent1="accent1" accent2="accent2" accent3="accent3" accent4="accent4" accent5="accent5" accent6="accent6" hlink="hlink" folHlink="folHlink"/>
+  <p:notesStyle>
+    <a:lvl1pPr marL="0" algn="l" defTabSz="914400" rtl="0" eaLnBrk="1" latinLnBrk="0" hangingPunct="1">
+      <a:defRPr sz="1200" kern="1200">
+        <a:solidFill>
+          <a:schemeClr val="tx1"/>
+        </a:solidFill>
+        <a:latin typeface="+mn-lt"/>
+        <a:ea typeface="+mn-ea"/>
+        <a:cs typeface="+mn-cs"/>
+      </a:defRPr>
+    </a:lvl1pPr>
+    <a:lvl2pPr marL="457200" algn="l" defTabSz="914400" rtl="0" eaLnBrk="1" latinLnBrk="0" hangingPunct="1">
+      <a:defRPr sz="1200" kern="1200">
+        <a:solidFill>
+          <a:schemeClr val="tx1"/>
+        </a:solidFill>
+        <a:latin typeface="+mn-lt"/>
+        <a:ea typeface="+mn-ea"/>
+        <a:cs typeface="+mn-cs"/>
+      </a:defRPr>
+    </a:lvl2pPr>
+    <a:lvl3pPr marL="914400" algn="l" defTabSz="914400" rtl="0" eaLnBrk="1" latinLnBrk="0" hangingPunct="1">
+      <a:defRPr sz="1200" kern="1200">
+        <a:solidFill>
+          <a:schemeClr val="tx1"/>
+        </a:solidFill>
+        <a:latin typeface="+mn-lt"/>
+        <a:ea typeface="+mn-ea"/>
+        <a:cs typeface="+mn-cs"/>
+      </a:defRPr>
+    </a:lvl3pPr>
+    <a:lvl4pPr marL="1371600" algn="l" defTabSz="914400" rtl="0" eaLnBrk="1" latinLnBrk="0" hangingPunct="1">
+      <a:defRPr sz="1200" kern="1200">
+        <a:solidFill>
+          <a:schemeClr val="tx1"/>
+        </a:solidFill>
+        <a:latin typeface="+mn-lt"/>
+        <a:ea typeface="+mn-ea"/>
+        <a:cs typeface="+mn-cs"/>
+      </a:defRPr>
+    </a:lvl4pPr>
+    <a:lvl5pPr marL="1828800" algn="l" defTabSz="914400" rtl="0" eaLnBrk="1" latinLnBrk="0" hangingPunct="1">
+      <a:defRPr sz="1200" kern="1200">
+        <a:solidFill>
+          <a:schemeClr val="tx1"/>
+        </a:solidFill>
+        <a:latin typeface="+mn-lt"/>
+        <a:ea typeface="+mn-ea"/>
+        <a:cs typeface="+mn-cs"/>
+      </a:defRPr>
+    </a:lvl5pPr>
+    <a:lvl6pPr marL="2286000" algn="l" defTabSz="914400" rtl="0" eaLnBrk="1" latinLnBrk="0" hangingPunct="1">
+      <a:defRPr sz="1200" kern="1200">
+        <a:solidFill>
+          <a:schemeClr val="tx1"/>
+        </a:solidFill>
+        <a:latin typeface="+mn-lt"/>
+        <a:ea typeface="+mn-ea"/>
+        <a:cs typeface="+mn-cs"/>
+      </a:defRPr>
+    </a:lvl6pPr>
+    <a:lvl7pPr marL="2743200" algn="l" defTabSz="914400" rtl="0" eaLnBrk="1" latinLnBrk="0" hangingPunct="1">
+      <a:defRPr sz="1200" kern="1200">
+        <a:solidFill>
+          <a:schemeClr val="tx1"/>
+        </a:solidFill>
+        <a:latin typeface="+mn-lt"/>
+        <a:ea typeface="+mn-ea"/>
+        <a:cs typeface="+mn-cs"/>
+      </a:defRPr>
+    </a:lvl7pPr>
+    <a:lvl8pPr marL="3200400" algn="l" defTabSz="914400" rtl="0" eaLnBrk="1" latinLnBrk="0" hangingPunct="1">
+      <a:defRPr sz="1200" kern="1200">
+        <a:solidFill>
+          <a:schemeClr val="tx1"/>
+        </a:solidFill>
+        <a:latin typeface="+mn-lt"/>
+        <a:ea typeface="+mn-ea"/>
+        <a:cs typeface="+mn-cs"/>
+      </a:defRPr>
+    </a:lvl8pPr>
+    <a:lvl9pPr marL="3657600" algn="l" defTabSz="914400" rtl="0" eaLnBrk="1" latinLnBrk="0" hangingPunct="1">
+      <a:defRPr sz="1200" kern="1200">
+        <a:solidFill>
+          <a:schemeClr val="tx1"/>
+        </a:solidFill>
+        <a:latin typeface="+mn-lt"/>
+        <a:ea typeface="+mn-ea"/>
+        <a:cs typeface="+mn-cs"/>
+      </a:defRPr>
+    </a:lvl9pPr>
+  </p:notesStyle>
+</p:notesMaster>
+</file>
+
+<file path=ppt/notesSlides/notesSlide1.xml><?xml version="1.0" encoding="utf-8"?>
+<p:notes xmlns:a="http://schemas.openxmlformats.org/drawingml/2006/main" xmlns:r="http://schemas.openxmlformats.org/officeDocument/2006/relationships" xmlns:p="http://schemas.openxmlformats.org/presentationml/2006/main">
   <p:cSld>
     <p:spTree>
       <p:nvGrpSpPr>
@@ -41,7 +473,76 @@
       </p:grpSpPr>
       <p:sp>
         <p:nvSpPr>
-          <p:cNvPr id="72" name="PlaceHolder 1"/>
+          <p:cNvPr id="98" name="CustomShape 1"/>
+          <p:cNvSpPr/>
+          <p:nvPr/>
+        </p:nvSpPr>
+        <p:spPr>
+          <a:xfrm>
+            <a:off x="4278240" y="10156680"/>
+            <a:ext cx="3278520" cy="532440"/>
+          </a:xfrm>
+          <a:prstGeom prst="rect">
+            <a:avLst/>
+          </a:prstGeom>
+          <a:noFill/>
+          <a:ln>
+            <a:noFill/>
+          </a:ln>
+        </p:spPr>
+        <p:style>
+          <a:lnRef idx="0">
+            <a:scrgbClr r="0" g="0" b="0"/>
+          </a:lnRef>
+          <a:fillRef idx="0">
+            <a:scrgbClr r="0" g="0" b="0"/>
+          </a:fillRef>
+          <a:effectRef idx="0">
+            <a:scrgbClr r="0" g="0" b="0"/>
+          </a:effectRef>
+          <a:fontRef idx="minor"/>
+        </p:style>
+        <p:txBody>
+          <a:bodyPr lIns="0" tIns="0" rIns="0" bIns="0" anchor="b"/>
+          <a:lstStyle/>
+          <a:p>
+            <a:pPr algn="r">
+              <a:lnSpc>
+                <a:spcPct val="100000"/>
+              </a:lnSpc>
+            </a:pPr>
+            <a:fld id="{82C0E4AD-D4A5-474D-A987-75ADCC424041}" type="slidenum">
+              <a:rPr lang="en-GB" sz="1400" b="0" strike="noStrike" spc="-1">
+                <a:solidFill>
+                  <a:srgbClr val="000000"/>
+                </a:solidFill>
+                <a:uFill>
+                  <a:solidFill>
+                    <a:srgbClr val="FFFFFF"/>
+                  </a:solidFill>
+                </a:uFill>
+                <a:latin typeface="Times New Roman"/>
+                <a:ea typeface="DejaVu Sans"/>
+              </a:rPr>
+              <a:t>1</a:t>
+            </a:fld>
+            <a:endParaRPr lang="en-GB" sz="1800" b="0" strike="noStrike" spc="-1">
+              <a:solidFill>
+                <a:srgbClr val="000000"/>
+              </a:solidFill>
+              <a:uFill>
+                <a:solidFill>
+                  <a:srgbClr val="FFFFFF"/>
+                </a:solidFill>
+              </a:uFill>
+              <a:latin typeface="Arial"/>
+            </a:endParaRPr>
+          </a:p>
+        </p:txBody>
+      </p:sp>
+      <p:sp>
+        <p:nvSpPr>
+          <p:cNvPr id="99" name="PlaceHolder 2"/>
           <p:cNvSpPr>
             <a:spLocks noGrp="1"/>
           </p:cNvSpPr>
@@ -51,254 +552,41 @@
         </p:nvSpPr>
         <p:spPr>
           <a:xfrm>
-            <a:off x="756000" y="5078520"/>
-            <a:ext cx="6047640" cy="4811040"/>
-          </a:xfrm>
-          <a:prstGeom prst="rect">
-            <a:avLst/>
-          </a:prstGeom>
-        </p:spPr>
-        <p:txBody>
-          <a:bodyPr lIns="0" rIns="0" tIns="0" bIns="0"/>
-          <a:p>
-            <a:r>
-              <a:rPr b="0" lang="en-GB" sz="2000" spc="-1" strike="noStrike">
-                <a:solidFill>
-                  <a:srgbClr val="000000"/>
-                </a:solidFill>
-                <a:uFill>
-                  <a:solidFill>
-                    <a:srgbClr val="ffffff"/>
-                  </a:solidFill>
-                </a:uFill>
-                <a:latin typeface="Arial"/>
-              </a:rPr>
-              <a:t>Click to edit the notes format</a:t>
-            </a:r>
-            <a:endParaRPr b="0" lang="en-GB" sz="2000" spc="-1" strike="noStrike">
-              <a:solidFill>
-                <a:srgbClr val="000000"/>
-              </a:solidFill>
-              <a:uFill>
-                <a:solidFill>
-                  <a:srgbClr val="ffffff"/>
-                </a:solidFill>
-              </a:uFill>
-              <a:latin typeface="Arial"/>
-            </a:endParaRPr>
-          </a:p>
-        </p:txBody>
-      </p:sp>
-      <p:sp>
-        <p:nvSpPr>
-          <p:cNvPr id="73" name="PlaceHolder 2"/>
-          <p:cNvSpPr>
-            <a:spLocks noGrp="1"/>
-          </p:cNvSpPr>
-          <p:nvPr>
-            <p:ph type="hdr"/>
-          </p:nvPr>
-        </p:nvSpPr>
-        <p:spPr>
-          <a:xfrm>
-            <a:off x="0" y="0"/>
-            <a:ext cx="3280680" cy="534240"/>
-          </a:xfrm>
-          <a:prstGeom prst="rect">
-            <a:avLst/>
-          </a:prstGeom>
-        </p:spPr>
-        <p:txBody>
-          <a:bodyPr lIns="0" rIns="0" tIns="0" bIns="0"/>
-          <a:p>
-            <a:r>
-              <a:rPr b="0" lang="en-GB" sz="1400" spc="-1" strike="noStrike">
-                <a:solidFill>
-                  <a:srgbClr val="000000"/>
-                </a:solidFill>
-                <a:uFill>
-                  <a:solidFill>
-                    <a:srgbClr val="ffffff"/>
-                  </a:solidFill>
-                </a:uFill>
-                <a:latin typeface="Times New Roman"/>
-              </a:rPr>
-              <a:t> </a:t>
-            </a:r>
-            <a:endParaRPr b="0" lang="en-GB" sz="1400" spc="-1" strike="noStrike">
-              <a:solidFill>
-                <a:srgbClr val="000000"/>
-              </a:solidFill>
-              <a:uFill>
-                <a:solidFill>
-                  <a:srgbClr val="ffffff"/>
-                </a:solidFill>
-              </a:uFill>
-              <a:latin typeface="Times New Roman"/>
-            </a:endParaRPr>
-          </a:p>
-        </p:txBody>
-      </p:sp>
-      <p:sp>
-        <p:nvSpPr>
-          <p:cNvPr id="74" name="PlaceHolder 3"/>
-          <p:cNvSpPr>
-            <a:spLocks noGrp="1"/>
-          </p:cNvSpPr>
-          <p:nvPr>
-            <p:ph type="dt"/>
-          </p:nvPr>
-        </p:nvSpPr>
-        <p:spPr>
-          <a:xfrm>
-            <a:off x="4278960" y="0"/>
-            <a:ext cx="3280680" cy="534240"/>
-          </a:xfrm>
-          <a:prstGeom prst="rect">
-            <a:avLst/>
-          </a:prstGeom>
-        </p:spPr>
-        <p:txBody>
-          <a:bodyPr lIns="0" rIns="0" tIns="0" bIns="0"/>
-          <a:p>
-            <a:pPr algn="r"/>
-            <a:r>
-              <a:rPr b="0" lang="en-GB" sz="1400" spc="-1" strike="noStrike">
-                <a:solidFill>
-                  <a:srgbClr val="000000"/>
-                </a:solidFill>
-                <a:uFill>
-                  <a:solidFill>
-                    <a:srgbClr val="ffffff"/>
-                  </a:solidFill>
-                </a:uFill>
-                <a:latin typeface="Times New Roman"/>
-              </a:rPr>
-              <a:t> </a:t>
-            </a:r>
-            <a:endParaRPr b="0" lang="en-GB" sz="1400" spc="-1" strike="noStrike">
-              <a:solidFill>
-                <a:srgbClr val="000000"/>
-              </a:solidFill>
-              <a:uFill>
-                <a:solidFill>
-                  <a:srgbClr val="ffffff"/>
-                </a:solidFill>
-              </a:uFill>
-              <a:latin typeface="Times New Roman"/>
-            </a:endParaRPr>
-          </a:p>
-        </p:txBody>
-      </p:sp>
-      <p:sp>
-        <p:nvSpPr>
-          <p:cNvPr id="75" name="PlaceHolder 4"/>
-          <p:cNvSpPr>
-            <a:spLocks noGrp="1"/>
-          </p:cNvSpPr>
-          <p:nvPr>
-            <p:ph type="ftr"/>
-          </p:nvPr>
-        </p:nvSpPr>
-        <p:spPr>
-          <a:xfrm>
-            <a:off x="0" y="10157400"/>
-            <a:ext cx="3280680" cy="534240"/>
-          </a:xfrm>
-          <a:prstGeom prst="rect">
-            <a:avLst/>
-          </a:prstGeom>
-        </p:spPr>
-        <p:txBody>
-          <a:bodyPr lIns="0" rIns="0" tIns="0" bIns="0" anchor="b"/>
-          <a:p>
-            <a:r>
-              <a:rPr b="0" lang="en-GB" sz="1400" spc="-1" strike="noStrike">
-                <a:solidFill>
-                  <a:srgbClr val="000000"/>
-                </a:solidFill>
-                <a:uFill>
-                  <a:solidFill>
-                    <a:srgbClr val="ffffff"/>
-                  </a:solidFill>
-                </a:uFill>
-                <a:latin typeface="Times New Roman"/>
-              </a:rPr>
-              <a:t> </a:t>
-            </a:r>
-            <a:endParaRPr b="0" lang="en-GB" sz="1400" spc="-1" strike="noStrike">
-              <a:solidFill>
-                <a:srgbClr val="000000"/>
-              </a:solidFill>
-              <a:uFill>
-                <a:solidFill>
-                  <a:srgbClr val="ffffff"/>
-                </a:solidFill>
-              </a:uFill>
-              <a:latin typeface="Times New Roman"/>
-            </a:endParaRPr>
-          </a:p>
-        </p:txBody>
-      </p:sp>
-      <p:sp>
-        <p:nvSpPr>
-          <p:cNvPr id="76" name="PlaceHolder 5"/>
-          <p:cNvSpPr>
-            <a:spLocks noGrp="1"/>
-          </p:cNvSpPr>
-          <p:nvPr>
-            <p:ph type="sldNum"/>
-          </p:nvPr>
-        </p:nvSpPr>
-        <p:spPr>
-          <a:xfrm>
-            <a:off x="4278960" y="10157400"/>
-            <a:ext cx="3280680" cy="534240"/>
-          </a:xfrm>
-          <a:prstGeom prst="rect">
-            <a:avLst/>
-          </a:prstGeom>
-        </p:spPr>
-        <p:txBody>
-          <a:bodyPr lIns="0" rIns="0" tIns="0" bIns="0" anchor="b"/>
-          <a:p>
-            <a:pPr algn="r"/>
-            <a:fld id="{6024B6E8-0DED-48C7-A886-AEEB2F794E05}" type="slidenum">
-              <a:rPr b="0" lang="en-GB" sz="1400" spc="-1" strike="noStrike">
-                <a:solidFill>
-                  <a:srgbClr val="000000"/>
-                </a:solidFill>
-                <a:uFill>
-                  <a:solidFill>
-                    <a:srgbClr val="ffffff"/>
-                  </a:solidFill>
-                </a:uFill>
-                <a:latin typeface="Times New Roman"/>
-              </a:rPr>
-              <a:t>1</a:t>
-            </a:fld>
-            <a:endParaRPr b="0" lang="en-GB" sz="1400" spc="-1" strike="noStrike">
-              <a:solidFill>
-                <a:srgbClr val="000000"/>
-              </a:solidFill>
-              <a:uFill>
-                <a:solidFill>
-                  <a:srgbClr val="ffffff"/>
-                </a:solidFill>
-              </a:uFill>
-              <a:latin typeface="Times New Roman"/>
+            <a:off x="755640" y="5078520"/>
+            <a:ext cx="6047280" cy="4810680"/>
+          </a:xfrm>
+          <a:prstGeom prst="rect">
+            <a:avLst/>
+          </a:prstGeom>
+        </p:spPr>
+        <p:txBody>
+          <a:bodyPr lIns="0" tIns="0" rIns="0" bIns="0" anchor="ctr"/>
+          <a:lstStyle/>
+          <a:p>
+            <a:endParaRPr lang="en-GB" sz="2000" b="0" strike="noStrike" spc="-1">
+              <a:solidFill>
+                <a:srgbClr val="000000"/>
+              </a:solidFill>
+              <a:uFill>
+                <a:solidFill>
+                  <a:srgbClr val="FFFFFF"/>
+                </a:solidFill>
+              </a:uFill>
+              <a:latin typeface="Arial"/>
             </a:endParaRPr>
           </a:p>
         </p:txBody>
       </p:sp>
     </p:spTree>
   </p:cSld>
-  <p:clrMap bg1="lt1" bg2="lt2" tx1="dk1" tx2="dk2" accent1="accent1" accent2="accent2" accent3="accent3" accent4="accent4" accent5="accent5" accent6="accent6" hlink="hlink" folHlink="folHlink"/>
-</p:notesMaster>
+  <p:clrMapOvr>
+    <a:masterClrMapping/>
+  </p:clrMapOvr>
+</p:notes>
 </file>
 
-<file path=ppt/notesSlides/notesSlide1.xml><?xml version="1.0" encoding="utf-8"?>
-<p:notes xmlns:a="http://schemas.openxmlformats.org/drawingml/2006/main" xmlns:p="http://schemas.openxmlformats.org/presentationml/2006/main" xmlns:r="http://schemas.openxmlformats.org/officeDocument/2006/relationships" xmlns:p14="http://schemas.microsoft.com/office/powerpoint/2010/main" xmlns:p15="http://schemas.microsoft.com/office/powerpoint/2012/main" xmlns:mc="http://schemas.openxmlformats.org/markup-compatibility/2006">
+<file path=ppt/notesSlides/notesSlide2.xml><?xml version="1.0" encoding="utf-8"?>
+<p:notes xmlns:a="http://schemas.openxmlformats.org/drawingml/2006/main" xmlns:r="http://schemas.openxmlformats.org/officeDocument/2006/relationships" xmlns:p="http://schemas.openxmlformats.org/presentationml/2006/main">
   <p:cSld>
     <p:spTree>
       <p:nvGrpSpPr>
@@ -316,7 +604,7 @@
       </p:grpSpPr>
       <p:sp>
         <p:nvSpPr>
-          <p:cNvPr id="98" name="CustomShape 1"/>
+          <p:cNvPr id="100" name="CustomShape 1"/>
           <p:cNvSpPr/>
           <p:nvPr/>
         </p:nvSpPr>
@@ -334,51 +622,58 @@
           </a:ln>
         </p:spPr>
         <p:style>
-          <a:lnRef idx="0"/>
-          <a:fillRef idx="0"/>
-          <a:effectRef idx="0"/>
+          <a:lnRef idx="0">
+            <a:scrgbClr r="0" g="0" b="0"/>
+          </a:lnRef>
+          <a:fillRef idx="0">
+            <a:scrgbClr r="0" g="0" b="0"/>
+          </a:fillRef>
+          <a:effectRef idx="0">
+            <a:scrgbClr r="0" g="0" b="0"/>
+          </a:effectRef>
           <a:fontRef idx="minor"/>
         </p:style>
         <p:txBody>
-          <a:bodyPr lIns="0" rIns="0" tIns="0" bIns="0" anchor="b"/>
+          <a:bodyPr lIns="0" tIns="0" rIns="0" bIns="0" anchor="b"/>
+          <a:lstStyle/>
           <a:p>
             <a:pPr algn="r">
               <a:lnSpc>
                 <a:spcPct val="100000"/>
               </a:lnSpc>
             </a:pPr>
-            <a:fld id="{82C0E4AD-D4A5-474D-A987-75ADCC424041}" type="slidenum">
-              <a:rPr b="0" lang="en-GB" sz="1400" spc="-1" strike="noStrike">
+            <a:fld id="{3B3A073B-EDCA-41B8-B71E-588B5F81167A}" type="slidenum">
+              <a:rPr lang="en-GB" sz="1400" b="0" strike="noStrike" spc="-1">
                 <a:solidFill>
                   <a:srgbClr val="000000"/>
                 </a:solidFill>
                 <a:uFill>
                   <a:solidFill>
-                    <a:srgbClr val="ffffff"/>
+                    <a:srgbClr val="FFFFFF"/>
                   </a:solidFill>
                 </a:uFill>
                 <a:latin typeface="Times New Roman"/>
                 <a:ea typeface="DejaVu Sans"/>
               </a:rPr>
-              <a:t>1</a:t>
+              <a:t>2</a:t>
             </a:fld>
-            <a:endParaRPr b="0" lang="en-GB" sz="1800" spc="-1" strike="noStrike">
-              <a:solidFill>
-                <a:srgbClr val="000000"/>
-              </a:solidFill>
-              <a:uFill>
-                <a:solidFill>
-                  <a:srgbClr val="ffffff"/>
-                </a:solidFill>
-              </a:uFill>
-              <a:latin typeface="Arial"/>
-            </a:endParaRPr>
-          </a:p>
-        </p:txBody>
-      </p:sp>
-      <p:sp>
-        <p:nvSpPr>
-          <p:cNvPr id="99" name="PlaceHolder 2"/>
+            <a:endParaRPr lang="en-GB" sz="1800" b="0" strike="noStrike" spc="-1">
+              <a:solidFill>
+                <a:srgbClr val="000000"/>
+              </a:solidFill>
+              <a:uFill>
+                <a:solidFill>
+                  <a:srgbClr val="FFFFFF"/>
+                </a:solidFill>
+              </a:uFill>
+              <a:latin typeface="Arial"/>
+            </a:endParaRPr>
+          </a:p>
+        </p:txBody>
+      </p:sp>
+      <p:sp>
+        <p:nvSpPr>
+          <p:cNvPr id="101" name="PlaceHolder 2"/>
           <p:cNvSpPr>
             <a:spLocks noGrp="1"/>
           </p:cNvSpPr>
@@ -396,15 +691,16 @@
           </a:prstGeom>
         </p:spPr>
         <p:txBody>
-          <a:bodyPr lIns="0" rIns="0" tIns="0" bIns="0" anchor="ctr"/>
-          <a:p>
-            <a:endParaRPr b="0" lang="en-GB" sz="2000" spc="-1" strike="noStrike">
-              <a:solidFill>
-                <a:srgbClr val="000000"/>
-              </a:solidFill>
-              <a:uFill>
-                <a:solidFill>
-                  <a:srgbClr val="ffffff"/>
+          <a:bodyPr lIns="0" tIns="0" rIns="0" bIns="0" anchor="ctr"/>
+          <a:lstStyle/>
+          <a:p>
+            <a:endParaRPr lang="en-GB" sz="2000" b="0" strike="noStrike" spc="-1">
+              <a:solidFill>
+                <a:srgbClr val="000000"/>
+              </a:solidFill>
+              <a:uFill>
+                <a:solidFill>
+                  <a:srgbClr val="FFFFFF"/>
                 </a:solidFill>
               </a:uFill>
               <a:latin typeface="Arial"/>
@@ -414,11 +710,14 @@
       </p:sp>
     </p:spTree>
   </p:cSld>
+  <p:clrMapOvr>
+    <a:masterClrMapping/>
+  </p:clrMapOvr>
 </p:notes>
 </file>
 
-<file path=ppt/notesSlides/notesSlide2.xml><?xml version="1.0" encoding="utf-8"?>
-<p:notes xmlns:a="http://schemas.openxmlformats.org/drawingml/2006/main" xmlns:p="http://schemas.openxmlformats.org/presentationml/2006/main" xmlns:r="http://schemas.openxmlformats.org/officeDocument/2006/relationships" xmlns:p14="http://schemas.microsoft.com/office/powerpoint/2010/main" xmlns:p15="http://schemas.microsoft.com/office/powerpoint/2012/main" xmlns:mc="http://schemas.openxmlformats.org/markup-compatibility/2006">
+<file path=ppt/notesSlides/notesSlide3.xml><?xml version="1.0" encoding="utf-8"?>
+<p:notes xmlns:a="http://schemas.openxmlformats.org/drawingml/2006/main" xmlns:r="http://schemas.openxmlformats.org/officeDocument/2006/relationships" xmlns:p="http://schemas.openxmlformats.org/presentationml/2006/main">
   <p:cSld>
     <p:spTree>
       <p:nvGrpSpPr>
@@ -436,7 +735,7 @@
       </p:grpSpPr>
       <p:sp>
         <p:nvSpPr>
-          <p:cNvPr id="100" name="CustomShape 1"/>
+          <p:cNvPr id="102" name="CustomShape 1"/>
           <p:cNvSpPr/>
           <p:nvPr/>
         </p:nvSpPr>
@@ -454,51 +753,58 @@
           </a:ln>
         </p:spPr>
         <p:style>
-          <a:lnRef idx="0"/>
-          <a:fillRef idx="0"/>
-          <a:effectRef idx="0"/>
+          <a:lnRef idx="0">
+            <a:scrgbClr r="0" g="0" b="0"/>
+          </a:lnRef>
+          <a:fillRef idx="0">
+            <a:scrgbClr r="0" g="0" b="0"/>
+          </a:fillRef>
+          <a:effectRef idx="0">
+            <a:scrgbClr r="0" g="0" b="0"/>
+          </a:effectRef>
           <a:fontRef idx="minor"/>
         </p:style>
         <p:txBody>
-          <a:bodyPr lIns="0" rIns="0" tIns="0" bIns="0" anchor="b"/>
+          <a:bodyPr lIns="0" tIns="0" rIns="0" bIns="0" anchor="b"/>
+          <a:lstStyle/>
           <a:p>
             <a:pPr algn="r">
               <a:lnSpc>
                 <a:spcPct val="100000"/>
               </a:lnSpc>
             </a:pPr>
-            <a:fld id="{3B3A073B-EDCA-41B8-B71E-588B5F81167A}" type="slidenum">
-              <a:rPr b="0" lang="en-GB" sz="1400" spc="-1" strike="noStrike">
+            <a:fld id="{9C5F1106-781F-4584-B7D9-8069DBE4A4A1}" type="slidenum">
+              <a:rPr lang="en-GB" sz="1400" b="0" strike="noStrike" spc="-1">
                 <a:solidFill>
                   <a:srgbClr val="000000"/>
                 </a:solidFill>
                 <a:uFill>
                   <a:solidFill>
-                    <a:srgbClr val="ffffff"/>
+                    <a:srgbClr val="FFFFFF"/>
                   </a:solidFill>
                 </a:uFill>
                 <a:latin typeface="Times New Roman"/>
                 <a:ea typeface="DejaVu Sans"/>
               </a:rPr>
-              <a:t>1</a:t>
+              <a:t>3</a:t>
             </a:fld>
-            <a:endParaRPr b="0" lang="en-GB" sz="1800" spc="-1" strike="noStrike">
-              <a:solidFill>
-                <a:srgbClr val="000000"/>
-              </a:solidFill>
-              <a:uFill>
-                <a:solidFill>
-                  <a:srgbClr val="ffffff"/>
-                </a:solidFill>
-              </a:uFill>
-              <a:latin typeface="Arial"/>
-            </a:endParaRPr>
-          </a:p>
-        </p:txBody>
-      </p:sp>
-      <p:sp>
-        <p:nvSpPr>
-          <p:cNvPr id="101" name="PlaceHolder 2"/>
+            <a:endParaRPr lang="en-GB" sz="1800" b="0" strike="noStrike" spc="-1">
+              <a:solidFill>
+                <a:srgbClr val="000000"/>
+              </a:solidFill>
+              <a:uFill>
+                <a:solidFill>
+                  <a:srgbClr val="FFFFFF"/>
+                </a:solidFill>
+              </a:uFill>
+              <a:latin typeface="Arial"/>
+            </a:endParaRPr>
+          </a:p>
+        </p:txBody>
+      </p:sp>
+      <p:sp>
+        <p:nvSpPr>
+          <p:cNvPr id="103" name="PlaceHolder 2"/>
           <p:cNvSpPr>
             <a:spLocks noGrp="1"/>
           </p:cNvSpPr>
@@ -516,15 +822,16 @@
           </a:prstGeom>
         </p:spPr>
         <p:txBody>
-          <a:bodyPr lIns="0" rIns="0" tIns="0" bIns="0" anchor="ctr"/>
-          <a:p>
-            <a:endParaRPr b="0" lang="en-GB" sz="2000" spc="-1" strike="noStrike">
-              <a:solidFill>
-                <a:srgbClr val="000000"/>
-              </a:solidFill>
-              <a:uFill>
-                <a:solidFill>
-                  <a:srgbClr val="ffffff"/>
+          <a:bodyPr lIns="0" tIns="0" rIns="0" bIns="0" anchor="ctr"/>
+          <a:lstStyle/>
+          <a:p>
+            <a:endParaRPr lang="en-GB" sz="2000" b="0" strike="noStrike" spc="-1">
+              <a:solidFill>
+                <a:srgbClr val="000000"/>
+              </a:solidFill>
+              <a:uFill>
+                <a:solidFill>
+                  <a:srgbClr val="FFFFFF"/>
                 </a:solidFill>
               </a:uFill>
               <a:latin typeface="Arial"/>
@@ -534,11 +841,14 @@
       </p:sp>
     </p:spTree>
   </p:cSld>
+  <p:clrMapOvr>
+    <a:masterClrMapping/>
+  </p:clrMapOvr>
 </p:notes>
 </file>
 
-<file path=ppt/notesSlides/notesSlide3.xml><?xml version="1.0" encoding="utf-8"?>
-<p:notes xmlns:a="http://schemas.openxmlformats.org/drawingml/2006/main" xmlns:p="http://schemas.openxmlformats.org/presentationml/2006/main" xmlns:r="http://schemas.openxmlformats.org/officeDocument/2006/relationships" xmlns:p14="http://schemas.microsoft.com/office/powerpoint/2010/main" xmlns:p15="http://schemas.microsoft.com/office/powerpoint/2012/main" xmlns:mc="http://schemas.openxmlformats.org/markup-compatibility/2006">
+<file path=ppt/notesSlides/notesSlide4.xml><?xml version="1.0" encoding="utf-8"?>
+<p:notes xmlns:a="http://schemas.openxmlformats.org/drawingml/2006/main" xmlns:r="http://schemas.openxmlformats.org/officeDocument/2006/relationships" xmlns:p="http://schemas.openxmlformats.org/presentationml/2006/main">
   <p:cSld>
     <p:spTree>
       <p:nvGrpSpPr>
@@ -556,7 +866,7 @@
       </p:grpSpPr>
       <p:sp>
         <p:nvSpPr>
-          <p:cNvPr id="102" name="CustomShape 1"/>
+          <p:cNvPr id="104" name="CustomShape 1"/>
           <p:cNvSpPr/>
           <p:nvPr/>
         </p:nvSpPr>
@@ -574,51 +884,58 @@
           </a:ln>
         </p:spPr>
         <p:style>
-          <a:lnRef idx="0"/>
-          <a:fillRef idx="0"/>
-          <a:effectRef idx="0"/>
+          <a:lnRef idx="0">
+            <a:scrgbClr r="0" g="0" b="0"/>
+          </a:lnRef>
+          <a:fillRef idx="0">
+            <a:scrgbClr r="0" g="0" b="0"/>
+          </a:fillRef>
+          <a:effectRef idx="0">
+            <a:scrgbClr r="0" g="0" b="0"/>
+          </a:effectRef>
           <a:fontRef idx="minor"/>
         </p:style>
         <p:txBody>
-          <a:bodyPr lIns="0" rIns="0" tIns="0" bIns="0" anchor="b"/>
+          <a:bodyPr lIns="0" tIns="0" rIns="0" bIns="0" anchor="b"/>
+          <a:lstStyle/>
           <a:p>
             <a:pPr algn="r">
               <a:lnSpc>
                 <a:spcPct val="100000"/>
               </a:lnSpc>
             </a:pPr>
-            <a:fld id="{9C5F1106-781F-4584-B7D9-8069DBE4A4A1}" type="slidenum">
-              <a:rPr b="0" lang="en-GB" sz="1400" spc="-1" strike="noStrike">
+            <a:fld id="{C8F4BAE3-D6F8-4D7A-B3AF-8CF65C596FB5}" type="slidenum">
+              <a:rPr lang="en-GB" sz="1400" b="0" strike="noStrike" spc="-1">
                 <a:solidFill>
                   <a:srgbClr val="000000"/>
                 </a:solidFill>
                 <a:uFill>
                   <a:solidFill>
-                    <a:srgbClr val="ffffff"/>
+                    <a:srgbClr val="FFFFFF"/>
                   </a:solidFill>
                 </a:uFill>
                 <a:latin typeface="Times New Roman"/>
                 <a:ea typeface="DejaVu Sans"/>
               </a:rPr>
-              <a:t>1</a:t>
+              <a:t>4</a:t>
             </a:fld>
-            <a:endParaRPr b="0" lang="en-GB" sz="1800" spc="-1" strike="noStrike">
-              <a:solidFill>
-                <a:srgbClr val="000000"/>
-              </a:solidFill>
-              <a:uFill>
-                <a:solidFill>
-                  <a:srgbClr val="ffffff"/>
-                </a:solidFill>
-              </a:uFill>
-              <a:latin typeface="Arial"/>
-            </a:endParaRPr>
-          </a:p>
-        </p:txBody>
-      </p:sp>
-      <p:sp>
-        <p:nvSpPr>
-          <p:cNvPr id="103" name="PlaceHolder 2"/>
+            <a:endParaRPr lang="en-GB" sz="1800" b="0" strike="noStrike" spc="-1">
+              <a:solidFill>
+                <a:srgbClr val="000000"/>
+              </a:solidFill>
+              <a:uFill>
+                <a:solidFill>
+                  <a:srgbClr val="FFFFFF"/>
+                </a:solidFill>
+              </a:uFill>
+              <a:latin typeface="Arial"/>
+            </a:endParaRPr>
+          </a:p>
+        </p:txBody>
+      </p:sp>
+      <p:sp>
+        <p:nvSpPr>
+          <p:cNvPr id="105" name="PlaceHolder 2"/>
           <p:cNvSpPr>
             <a:spLocks noGrp="1"/>
           </p:cNvSpPr>
@@ -636,15 +953,16 @@
           </a:prstGeom>
         </p:spPr>
         <p:txBody>
-          <a:bodyPr lIns="0" rIns="0" tIns="0" bIns="0" anchor="ctr"/>
-          <a:p>
-            <a:endParaRPr b="0" lang="en-GB" sz="2000" spc="-1" strike="noStrike">
-              <a:solidFill>
-                <a:srgbClr val="000000"/>
-              </a:solidFill>
-              <a:uFill>
-                <a:solidFill>
-                  <a:srgbClr val="ffffff"/>
+          <a:bodyPr lIns="0" tIns="0" rIns="0" bIns="0" anchor="ctr"/>
+          <a:lstStyle/>
+          <a:p>
+            <a:endParaRPr lang="en-GB" sz="2000" b="0" strike="noStrike" spc="-1">
+              <a:solidFill>
+                <a:srgbClr val="000000"/>
+              </a:solidFill>
+              <a:uFill>
+                <a:solidFill>
+                  <a:srgbClr val="FFFFFF"/>
                 </a:solidFill>
               </a:uFill>
               <a:latin typeface="Arial"/>
@@ -654,11 +972,14 @@
       </p:sp>
     </p:spTree>
   </p:cSld>
+  <p:clrMapOvr>
+    <a:masterClrMapping/>
+  </p:clrMapOvr>
 </p:notes>
 </file>
 
-<file path=ppt/notesSlides/notesSlide4.xml><?xml version="1.0" encoding="utf-8"?>
-<p:notes xmlns:a="http://schemas.openxmlformats.org/drawingml/2006/main" xmlns:p="http://schemas.openxmlformats.org/presentationml/2006/main" xmlns:r="http://schemas.openxmlformats.org/officeDocument/2006/relationships" xmlns:p14="http://schemas.microsoft.com/office/powerpoint/2010/main" xmlns:p15="http://schemas.microsoft.com/office/powerpoint/2012/main" xmlns:mc="http://schemas.openxmlformats.org/markup-compatibility/2006">
+<file path=ppt/notesSlides/notesSlide5.xml><?xml version="1.0" encoding="utf-8"?>
+<p:notes xmlns:a="http://schemas.openxmlformats.org/drawingml/2006/main" xmlns:r="http://schemas.openxmlformats.org/officeDocument/2006/relationships" xmlns:p="http://schemas.openxmlformats.org/presentationml/2006/main">
   <p:cSld>
     <p:spTree>
       <p:nvGrpSpPr>
@@ -676,7 +997,7 @@
       </p:grpSpPr>
       <p:sp>
         <p:nvSpPr>
-          <p:cNvPr id="104" name="CustomShape 1"/>
+          <p:cNvPr id="106" name="CustomShape 1"/>
           <p:cNvSpPr/>
           <p:nvPr/>
         </p:nvSpPr>
@@ -694,51 +1015,58 @@
           </a:ln>
         </p:spPr>
         <p:style>
-          <a:lnRef idx="0"/>
-          <a:fillRef idx="0"/>
-          <a:effectRef idx="0"/>
+          <a:lnRef idx="0">
+            <a:scrgbClr r="0" g="0" b="0"/>
+          </a:lnRef>
+          <a:fillRef idx="0">
+            <a:scrgbClr r="0" g="0" b="0"/>
+          </a:fillRef>
+          <a:effectRef idx="0">
+            <a:scrgbClr r="0" g="0" b="0"/>
+          </a:effectRef>
           <a:fontRef idx="minor"/>
         </p:style>
         <p:txBody>
-          <a:bodyPr lIns="0" rIns="0" tIns="0" bIns="0" anchor="b"/>
+          <a:bodyPr lIns="0" tIns="0" rIns="0" bIns="0" anchor="b"/>
+          <a:lstStyle/>
           <a:p>
             <a:pPr algn="r">
               <a:lnSpc>
                 <a:spcPct val="100000"/>
               </a:lnSpc>
             </a:pPr>
-            <a:fld id="{C8F4BAE3-D6F8-4D7A-B3AF-8CF65C596FB5}" type="slidenum">
-              <a:rPr b="0" lang="en-GB" sz="1400" spc="-1" strike="noStrike">
+            <a:fld id="{5A7AFFD4-BA31-44ED-B3D3-1F5663BBAF9A}" type="slidenum">
+              <a:rPr lang="en-GB" sz="1400" b="0" strike="noStrike" spc="-1">
                 <a:solidFill>
                   <a:srgbClr val="000000"/>
                 </a:solidFill>
                 <a:uFill>
                   <a:solidFill>
-                    <a:srgbClr val="ffffff"/>
+                    <a:srgbClr val="FFFFFF"/>
                   </a:solidFill>
                 </a:uFill>
                 <a:latin typeface="Times New Roman"/>
                 <a:ea typeface="DejaVu Sans"/>
               </a:rPr>
-              <a:t>1</a:t>
+              <a:t>5</a:t>
             </a:fld>
-            <a:endParaRPr b="0" lang="en-GB" sz="1800" spc="-1" strike="noStrike">
-              <a:solidFill>
-                <a:srgbClr val="000000"/>
-              </a:solidFill>
-              <a:uFill>
-                <a:solidFill>
-                  <a:srgbClr val="ffffff"/>
-                </a:solidFill>
-              </a:uFill>
-              <a:latin typeface="Arial"/>
-            </a:endParaRPr>
-          </a:p>
-        </p:txBody>
-      </p:sp>
-      <p:sp>
-        <p:nvSpPr>
-          <p:cNvPr id="105" name="PlaceHolder 2"/>
+            <a:endParaRPr lang="en-GB" sz="1800" b="0" strike="noStrike" spc="-1">
+              <a:solidFill>
+                <a:srgbClr val="000000"/>
+              </a:solidFill>
+              <a:uFill>
+                <a:solidFill>
+                  <a:srgbClr val="FFFFFF"/>
+                </a:solidFill>
+              </a:uFill>
+              <a:latin typeface="Arial"/>
+            </a:endParaRPr>
+          </a:p>
+        </p:txBody>
+      </p:sp>
+      <p:sp>
+        <p:nvSpPr>
+          <p:cNvPr id="107" name="PlaceHolder 2"/>
           <p:cNvSpPr>
             <a:spLocks noGrp="1"/>
           </p:cNvSpPr>
@@ -756,15 +1084,16 @@
           </a:prstGeom>
         </p:spPr>
         <p:txBody>
-          <a:bodyPr lIns="0" rIns="0" tIns="0" bIns="0" anchor="ctr"/>
-          <a:p>
-            <a:endParaRPr b="0" lang="en-GB" sz="2000" spc="-1" strike="noStrike">
-              <a:solidFill>
-                <a:srgbClr val="000000"/>
-              </a:solidFill>
-              <a:uFill>
-                <a:solidFill>
-                  <a:srgbClr val="ffffff"/>
+          <a:bodyPr lIns="0" tIns="0" rIns="0" bIns="0" anchor="ctr"/>
+          <a:lstStyle/>
+          <a:p>
+            <a:endParaRPr lang="en-GB" sz="2000" b="0" strike="noStrike" spc="-1">
+              <a:solidFill>
+                <a:srgbClr val="000000"/>
+              </a:solidFill>
+              <a:uFill>
+                <a:solidFill>
+                  <a:srgbClr val="FFFFFF"/>
                 </a:solidFill>
               </a:uFill>
               <a:latin typeface="Arial"/>
@@ -774,11 +1103,14 @@
       </p:sp>
     </p:spTree>
   </p:cSld>
+  <p:clrMapOvr>
+    <a:masterClrMapping/>
+  </p:clrMapOvr>
 </p:notes>
 </file>
 
-<file path=ppt/notesSlides/notesSlide5.xml><?xml version="1.0" encoding="utf-8"?>
-<p:notes xmlns:a="http://schemas.openxmlformats.org/drawingml/2006/main" xmlns:p="http://schemas.openxmlformats.org/presentationml/2006/main" xmlns:r="http://schemas.openxmlformats.org/officeDocument/2006/relationships" xmlns:p14="http://schemas.microsoft.com/office/powerpoint/2010/main" xmlns:p15="http://schemas.microsoft.com/office/powerpoint/2012/main" xmlns:mc="http://schemas.openxmlformats.org/markup-compatibility/2006">
+<file path=ppt/notesSlides/notesSlide6.xml><?xml version="1.0" encoding="utf-8"?>
+<p:notes xmlns:a="http://schemas.openxmlformats.org/drawingml/2006/main" xmlns:r="http://schemas.openxmlformats.org/officeDocument/2006/relationships" xmlns:p="http://schemas.openxmlformats.org/presentationml/2006/main">
   <p:cSld>
     <p:spTree>
       <p:nvGrpSpPr>
@@ -796,7 +1128,7 @@
       </p:grpSpPr>
       <p:sp>
         <p:nvSpPr>
-          <p:cNvPr id="106" name="CustomShape 1"/>
+          <p:cNvPr id="108" name="CustomShape 1"/>
           <p:cNvSpPr/>
           <p:nvPr/>
         </p:nvSpPr>
@@ -814,133 +1146,20 @@
           </a:ln>
         </p:spPr>
         <p:style>
-          <a:lnRef idx="0"/>
-          <a:fillRef idx="0"/>
-          <a:effectRef idx="0"/>
+          <a:lnRef idx="0">
+            <a:scrgbClr r="0" g="0" b="0"/>
+          </a:lnRef>
+          <a:fillRef idx="0">
+            <a:scrgbClr r="0" g="0" b="0"/>
+          </a:fillRef>
+          <a:effectRef idx="0">
+            <a:scrgbClr r="0" g="0" b="0"/>
+          </a:effectRef>
           <a:fontRef idx="minor"/>
         </p:style>
         <p:txBody>
-          <a:bodyPr lIns="0" rIns="0" tIns="0" bIns="0" anchor="b"/>
-          <a:p>
-            <a:pPr algn="r">
-              <a:lnSpc>
-                <a:spcPct val="100000"/>
-              </a:lnSpc>
-            </a:pPr>
-            <a:fld id="{5A7AFFD4-BA31-44ED-B3D3-1F5663BBAF9A}" type="slidenum">
-              <a:rPr b="0" lang="en-GB" sz="1400" spc="-1" strike="noStrike">
-                <a:solidFill>
-                  <a:srgbClr val="000000"/>
-                </a:solidFill>
-                <a:uFill>
-                  <a:solidFill>
-                    <a:srgbClr val="ffffff"/>
-                  </a:solidFill>
-                </a:uFill>
-                <a:latin typeface="Times New Roman"/>
-                <a:ea typeface="DejaVu Sans"/>
-              </a:rPr>
-              <a:t>1</a:t>
-            </a:fld>
-            <a:endParaRPr b="0" lang="en-GB" sz="1800" spc="-1" strike="noStrike">
-              <a:solidFill>
-                <a:srgbClr val="000000"/>
-              </a:solidFill>
-              <a:uFill>
-                <a:solidFill>
-                  <a:srgbClr val="ffffff"/>
-                </a:solidFill>
-              </a:uFill>
-              <a:latin typeface="Arial"/>
-            </a:endParaRPr>
-          </a:p>
-        </p:txBody>
-      </p:sp>
-      <p:sp>
-        <p:nvSpPr>
-          <p:cNvPr id="107" name="PlaceHolder 2"/>
-          <p:cNvSpPr>
-            <a:spLocks noGrp="1"/>
-          </p:cNvSpPr>
-          <p:nvPr>
-            <p:ph type="body"/>
-          </p:nvPr>
-        </p:nvSpPr>
-        <p:spPr>
-          <a:xfrm>
-            <a:off x="755640" y="5078520"/>
-            <a:ext cx="6047280" cy="4810680"/>
-          </a:xfrm>
-          <a:prstGeom prst="rect">
-            <a:avLst/>
-          </a:prstGeom>
-        </p:spPr>
-        <p:txBody>
-          <a:bodyPr lIns="0" rIns="0" tIns="0" bIns="0" anchor="ctr"/>
-          <a:p>
-            <a:endParaRPr b="0" lang="en-GB" sz="2000" spc="-1" strike="noStrike">
-              <a:solidFill>
-                <a:srgbClr val="000000"/>
-              </a:solidFill>
-              <a:uFill>
-                <a:solidFill>
-                  <a:srgbClr val="ffffff"/>
-                </a:solidFill>
-              </a:uFill>
-              <a:latin typeface="Arial"/>
-            </a:endParaRPr>
-          </a:p>
-        </p:txBody>
-      </p:sp>
-    </p:spTree>
-  </p:cSld>
-</p:notes>
-</file>
-
-<file path=ppt/notesSlides/notesSlide6.xml><?xml version="1.0" encoding="utf-8"?>
-<p:notes xmlns:a="http://schemas.openxmlformats.org/drawingml/2006/main" xmlns:p="http://schemas.openxmlformats.org/presentationml/2006/main" xmlns:r="http://schemas.openxmlformats.org/officeDocument/2006/relationships" xmlns:p14="http://schemas.microsoft.com/office/powerpoint/2010/main" xmlns:p15="http://schemas.microsoft.com/office/powerpoint/2012/main" xmlns:mc="http://schemas.openxmlformats.org/markup-compatibility/2006">
-  <p:cSld>
-    <p:spTree>
-      <p:nvGrpSpPr>
-        <p:cNvPr id="1" name=""/>
-        <p:cNvGrpSpPr/>
-        <p:nvPr/>
-      </p:nvGrpSpPr>
-      <p:grpSpPr>
-        <a:xfrm>
-          <a:off x="0" y="0"/>
-          <a:ext cx="0" cy="0"/>
-          <a:chOff x="0" y="0"/>
-          <a:chExt cx="0" cy="0"/>
-        </a:xfrm>
-      </p:grpSpPr>
-      <p:sp>
-        <p:nvSpPr>
-          <p:cNvPr id="108" name="CustomShape 1"/>
-          <p:cNvSpPr/>
-          <p:nvPr/>
-        </p:nvSpPr>
-        <p:spPr>
-          <a:xfrm>
-            <a:off x="4278240" y="10156680"/>
-            <a:ext cx="3278520" cy="532440"/>
-          </a:xfrm>
-          <a:prstGeom prst="rect">
-            <a:avLst/>
-          </a:prstGeom>
-          <a:noFill/>
-          <a:ln>
-            <a:noFill/>
-          </a:ln>
-        </p:spPr>
-        <p:style>
-          <a:lnRef idx="0"/>
-          <a:fillRef idx="0"/>
-          <a:effectRef idx="0"/>
-          <a:fontRef idx="minor"/>
-        </p:style>
-        <p:txBody>
-          <a:bodyPr lIns="0" rIns="0" tIns="0" bIns="0" anchor="b"/>
+          <a:bodyPr lIns="0" tIns="0" rIns="0" bIns="0" anchor="b"/>
+          <a:lstStyle/>
           <a:p>
             <a:pPr algn="r">
               <a:lnSpc>
@@ -948,27 +1167,27 @@
               </a:lnSpc>
             </a:pPr>
             <a:fld id="{41E66431-DCD9-4EE3-B08C-D1DD931234E9}" type="slidenum">
-              <a:rPr b="0" lang="en-GB" sz="1400" spc="-1" strike="noStrike">
+              <a:rPr lang="en-GB" sz="1400" b="0" strike="noStrike" spc="-1">
                 <a:solidFill>
                   <a:srgbClr val="000000"/>
                 </a:solidFill>
                 <a:uFill>
                   <a:solidFill>
-                    <a:srgbClr val="ffffff"/>
+                    <a:srgbClr val="FFFFFF"/>
                   </a:solidFill>
                 </a:uFill>
                 <a:latin typeface="Times New Roman"/>
                 <a:ea typeface="DejaVu Sans"/>
               </a:rPr>
-              <a:t>1</a:t>
+              <a:t>6</a:t>
             </a:fld>
-            <a:endParaRPr b="0" lang="en-GB" sz="1800" spc="-1" strike="noStrike">
-              <a:solidFill>
-                <a:srgbClr val="000000"/>
-              </a:solidFill>
-              <a:uFill>
-                <a:solidFill>
-                  <a:srgbClr val="ffffff"/>
+            <a:endParaRPr lang="en-GB" sz="1800" b="0" strike="noStrike" spc="-1">
+              <a:solidFill>
+                <a:srgbClr val="000000"/>
+              </a:solidFill>
+              <a:uFill>
+                <a:solidFill>
+                  <a:srgbClr val="FFFFFF"/>
                 </a:solidFill>
               </a:uFill>
               <a:latin typeface="Arial"/>
@@ -996,15 +1215,16 @@
           </a:prstGeom>
         </p:spPr>
         <p:txBody>
-          <a:bodyPr lIns="0" rIns="0" tIns="0" bIns="0" anchor="ctr"/>
-          <a:p>
-            <a:endParaRPr b="0" lang="en-GB" sz="2000" spc="-1" strike="noStrike">
-              <a:solidFill>
-                <a:srgbClr val="000000"/>
-              </a:solidFill>
-              <a:uFill>
-                <a:solidFill>
-                  <a:srgbClr val="ffffff"/>
+          <a:bodyPr lIns="0" tIns="0" rIns="0" bIns="0" anchor="ctr"/>
+          <a:lstStyle/>
+          <a:p>
+            <a:endParaRPr lang="en-GB" sz="2000" b="0" strike="noStrike" spc="-1">
+              <a:solidFill>
+                <a:srgbClr val="000000"/>
+              </a:solidFill>
+              <a:uFill>
+                <a:solidFill>
+                  <a:srgbClr val="FFFFFF"/>
                 </a:solidFill>
               </a:uFill>
               <a:latin typeface="Arial"/>
@@ -1014,131 +1234,14 @@
       </p:sp>
     </p:spTree>
   </p:cSld>
-</p:notes>
-</file>
-
-<file path=ppt/notesSlides/notesSlide7.xml><?xml version="1.0" encoding="utf-8"?>
-<p:notes xmlns:a="http://schemas.openxmlformats.org/drawingml/2006/main" xmlns:p="http://schemas.openxmlformats.org/presentationml/2006/main" xmlns:r="http://schemas.openxmlformats.org/officeDocument/2006/relationships" xmlns:p14="http://schemas.microsoft.com/office/powerpoint/2010/main" xmlns:p15="http://schemas.microsoft.com/office/powerpoint/2012/main" xmlns:mc="http://schemas.openxmlformats.org/markup-compatibility/2006">
-  <p:cSld>
-    <p:spTree>
-      <p:nvGrpSpPr>
-        <p:cNvPr id="1" name=""/>
-        <p:cNvGrpSpPr/>
-        <p:nvPr/>
-      </p:nvGrpSpPr>
-      <p:grpSpPr>
-        <a:xfrm>
-          <a:off x="0" y="0"/>
-          <a:ext cx="0" cy="0"/>
-          <a:chOff x="0" y="0"/>
-          <a:chExt cx="0" cy="0"/>
-        </a:xfrm>
-      </p:grpSpPr>
-      <p:sp>
-        <p:nvSpPr>
-          <p:cNvPr id="110" name="CustomShape 1"/>
-          <p:cNvSpPr/>
-          <p:nvPr/>
-        </p:nvSpPr>
-        <p:spPr>
-          <a:xfrm>
-            <a:off x="4278240" y="10156680"/>
-            <a:ext cx="3278520" cy="532440"/>
-          </a:xfrm>
-          <a:prstGeom prst="rect">
-            <a:avLst/>
-          </a:prstGeom>
-          <a:noFill/>
-          <a:ln>
-            <a:noFill/>
-          </a:ln>
-        </p:spPr>
-        <p:style>
-          <a:lnRef idx="0"/>
-          <a:fillRef idx="0"/>
-          <a:effectRef idx="0"/>
-          <a:fontRef idx="minor"/>
-        </p:style>
-        <p:txBody>
-          <a:bodyPr lIns="0" rIns="0" tIns="0" bIns="0" anchor="b"/>
-          <a:p>
-            <a:pPr algn="r">
-              <a:lnSpc>
-                <a:spcPct val="100000"/>
-              </a:lnSpc>
-            </a:pPr>
-            <a:fld id="{7693987A-F301-4C4A-8534-9150F1187B63}" type="slidenum">
-              <a:rPr b="0" lang="en-GB" sz="1400" spc="-1" strike="noStrike">
-                <a:solidFill>
-                  <a:srgbClr val="000000"/>
-                </a:solidFill>
-                <a:uFill>
-                  <a:solidFill>
-                    <a:srgbClr val="ffffff"/>
-                  </a:solidFill>
-                </a:uFill>
-                <a:latin typeface="Times New Roman"/>
-                <a:ea typeface="DejaVu Sans"/>
-              </a:rPr>
-              <a:t>&lt;number&gt;</a:t>
-            </a:fld>
-            <a:endParaRPr b="0" lang="en-GB" sz="1800" spc="-1" strike="noStrike">
-              <a:solidFill>
-                <a:srgbClr val="000000"/>
-              </a:solidFill>
-              <a:uFill>
-                <a:solidFill>
-                  <a:srgbClr val="ffffff"/>
-                </a:solidFill>
-              </a:uFill>
-              <a:latin typeface="Arial"/>
-            </a:endParaRPr>
-          </a:p>
-        </p:txBody>
-      </p:sp>
-      <p:sp>
-        <p:nvSpPr>
-          <p:cNvPr id="111" name="PlaceHolder 2"/>
-          <p:cNvSpPr>
-            <a:spLocks noGrp="1"/>
-          </p:cNvSpPr>
-          <p:nvPr>
-            <p:ph type="body"/>
-          </p:nvPr>
-        </p:nvSpPr>
-        <p:spPr>
-          <a:xfrm>
-            <a:off x="755640" y="5078520"/>
-            <a:ext cx="6047280" cy="4810680"/>
-          </a:xfrm>
-          <a:prstGeom prst="rect">
-            <a:avLst/>
-          </a:prstGeom>
-        </p:spPr>
-        <p:txBody>
-          <a:bodyPr lIns="0" rIns="0" tIns="0" bIns="0" anchor="ctr"/>
-          <a:p>
-            <a:endParaRPr b="0" lang="en-GB" sz="2000" spc="-1" strike="noStrike">
-              <a:solidFill>
-                <a:srgbClr val="000000"/>
-              </a:solidFill>
-              <a:uFill>
-                <a:solidFill>
-                  <a:srgbClr val="ffffff"/>
-                </a:solidFill>
-              </a:uFill>
-              <a:latin typeface="Arial"/>
-            </a:endParaRPr>
-          </a:p>
-        </p:txBody>
-      </p:sp>
-    </p:spTree>
-  </p:cSld>
+  <p:clrMapOvr>
+    <a:masterClrMapping/>
+  </p:clrMapOvr>
 </p:notes>
 </file>
 
 <file path=ppt/slideLayouts/slideLayout1.xml><?xml version="1.0" encoding="utf-8"?>
-<p:sldLayout xmlns:a="http://schemas.openxmlformats.org/drawingml/2006/main" xmlns:p="http://schemas.openxmlformats.org/presentationml/2006/main" xmlns:r="http://schemas.openxmlformats.org/officeDocument/2006/relationships" xmlns:p14="http://schemas.microsoft.com/office/powerpoint/2010/main" xmlns:p15="http://schemas.microsoft.com/office/powerpoint/2012/main" xmlns:mc="http://schemas.openxmlformats.org/markup-compatibility/2006" type="blank" preserve="1">
+<p:sldLayout xmlns:a="http://schemas.openxmlformats.org/drawingml/2006/main" xmlns:r="http://schemas.openxmlformats.org/officeDocument/2006/relationships" xmlns:p="http://schemas.openxmlformats.org/presentationml/2006/main" type="blank" preserve="1">
   <p:cSld name="Blank Slide">
     <p:spTree>
       <p:nvGrpSpPr>
@@ -1156,11 +1259,14 @@
       </p:grpSpPr>
     </p:spTree>
   </p:cSld>
+  <p:clrMapOvr>
+    <a:masterClrMapping/>
+  </p:clrMapOvr>
 </p:sldLayout>
 </file>
 
 <file path=ppt/slideLayouts/slideLayout10.xml><?xml version="1.0" encoding="utf-8"?>
-<p:sldLayout xmlns:a="http://schemas.openxmlformats.org/drawingml/2006/main" xmlns:p="http://schemas.openxmlformats.org/presentationml/2006/main" xmlns:r="http://schemas.openxmlformats.org/officeDocument/2006/relationships" xmlns:p14="http://schemas.microsoft.com/office/powerpoint/2010/main" xmlns:p15="http://schemas.microsoft.com/office/powerpoint/2012/main" xmlns:mc="http://schemas.openxmlformats.org/markup-compatibility/2006" type="objOverTx" preserve="1">
+<p:sldLayout xmlns:a="http://schemas.openxmlformats.org/drawingml/2006/main" xmlns:r="http://schemas.openxmlformats.org/officeDocument/2006/relationships" xmlns:p="http://schemas.openxmlformats.org/presentationml/2006/main" type="objOverTx" preserve="1">
   <p:cSld name="Title, Content over Content">
     <p:spTree>
       <p:nvGrpSpPr>
@@ -1196,16 +1302,17 @@
           </a:prstGeom>
         </p:spPr>
         <p:txBody>
-          <a:bodyPr lIns="0" rIns="0" tIns="0" bIns="0" anchor="ctr"/>
+          <a:bodyPr lIns="0" tIns="0" rIns="0" bIns="0" anchor="ctr"/>
+          <a:lstStyle/>
           <a:p>
             <a:pPr algn="ctr"/>
-            <a:endParaRPr b="0" lang="en-GB" sz="4400" spc="-1" strike="noStrike">
-              <a:solidFill>
-                <a:srgbClr val="000000"/>
-              </a:solidFill>
-              <a:uFill>
-                <a:solidFill>
-                  <a:srgbClr val="ffffff"/>
+            <a:endParaRPr lang="en-GB" sz="4400" b="0" strike="noStrike" spc="-1">
+              <a:solidFill>
+                <a:srgbClr val="000000"/>
+              </a:solidFill>
+              <a:uFill>
+                <a:solidFill>
+                  <a:srgbClr val="FFFFFF"/>
                 </a:solidFill>
               </a:uFill>
               <a:latin typeface="Arial"/>
@@ -1233,15 +1340,16 @@
           </a:prstGeom>
         </p:spPr>
         <p:txBody>
-          <a:bodyPr lIns="0" rIns="0" tIns="0" bIns="0"/>
-          <a:p>
-            <a:endParaRPr b="0" lang="en-GB" sz="3200" spc="-1" strike="noStrike">
-              <a:solidFill>
-                <a:srgbClr val="000000"/>
-              </a:solidFill>
-              <a:uFill>
-                <a:solidFill>
-                  <a:srgbClr val="ffffff"/>
+          <a:bodyPr lIns="0" tIns="0" rIns="0" bIns="0"/>
+          <a:lstStyle/>
+          <a:p>
+            <a:endParaRPr lang="en-GB" sz="3200" b="0" strike="noStrike" spc="-1">
+              <a:solidFill>
+                <a:srgbClr val="000000"/>
+              </a:solidFill>
+              <a:uFill>
+                <a:solidFill>
+                  <a:srgbClr val="FFFFFF"/>
                 </a:solidFill>
               </a:uFill>
               <a:latin typeface="Arial"/>
@@ -1269,15 +1377,16 @@
           </a:prstGeom>
         </p:spPr>
         <p:txBody>
-          <a:bodyPr lIns="0" rIns="0" tIns="0" bIns="0"/>
-          <a:p>
-            <a:endParaRPr b="0" lang="en-GB" sz="3200" spc="-1" strike="noStrike">
-              <a:solidFill>
-                <a:srgbClr val="000000"/>
-              </a:solidFill>
-              <a:uFill>
-                <a:solidFill>
-                  <a:srgbClr val="ffffff"/>
+          <a:bodyPr lIns="0" tIns="0" rIns="0" bIns="0"/>
+          <a:lstStyle/>
+          <a:p>
+            <a:endParaRPr lang="en-GB" sz="3200" b="0" strike="noStrike" spc="-1">
+              <a:solidFill>
+                <a:srgbClr val="000000"/>
+              </a:solidFill>
+              <a:uFill>
+                <a:solidFill>
+                  <a:srgbClr val="FFFFFF"/>
                 </a:solidFill>
               </a:uFill>
               <a:latin typeface="Arial"/>
@@ -1287,11 +1396,14 @@
       </p:sp>
     </p:spTree>
   </p:cSld>
+  <p:clrMapOvr>
+    <a:masterClrMapping/>
+  </p:clrMapOvr>
 </p:sldLayout>
 </file>
 
 <file path=ppt/slideLayouts/slideLayout11.xml><?xml version="1.0" encoding="utf-8"?>
-<p:sldLayout xmlns:a="http://schemas.openxmlformats.org/drawingml/2006/main" xmlns:p="http://schemas.openxmlformats.org/presentationml/2006/main" xmlns:r="http://schemas.openxmlformats.org/officeDocument/2006/relationships" xmlns:p14="http://schemas.microsoft.com/office/powerpoint/2010/main" xmlns:p15="http://schemas.microsoft.com/office/powerpoint/2012/main" xmlns:mc="http://schemas.openxmlformats.org/markup-compatibility/2006" type="fourObj" preserve="1">
+<p:sldLayout xmlns:a="http://schemas.openxmlformats.org/drawingml/2006/main" xmlns:r="http://schemas.openxmlformats.org/officeDocument/2006/relationships" xmlns:p="http://schemas.openxmlformats.org/presentationml/2006/main" type="fourObj" preserve="1">
   <p:cSld name="Title, 4 Content">
     <p:spTree>
       <p:nvGrpSpPr>
@@ -1327,16 +1439,17 @@
           </a:prstGeom>
         </p:spPr>
         <p:txBody>
-          <a:bodyPr lIns="0" rIns="0" tIns="0" bIns="0" anchor="ctr"/>
+          <a:bodyPr lIns="0" tIns="0" rIns="0" bIns="0" anchor="ctr"/>
+          <a:lstStyle/>
           <a:p>
             <a:pPr algn="ctr"/>
-            <a:endParaRPr b="0" lang="en-GB" sz="4400" spc="-1" strike="noStrike">
-              <a:solidFill>
-                <a:srgbClr val="000000"/>
-              </a:solidFill>
-              <a:uFill>
-                <a:solidFill>
-                  <a:srgbClr val="ffffff"/>
+            <a:endParaRPr lang="en-GB" sz="4400" b="0" strike="noStrike" spc="-1">
+              <a:solidFill>
+                <a:srgbClr val="000000"/>
+              </a:solidFill>
+              <a:uFill>
+                <a:solidFill>
+                  <a:srgbClr val="FFFFFF"/>
                 </a:solidFill>
               </a:uFill>
               <a:latin typeface="Arial"/>
@@ -1364,15 +1477,16 @@
           </a:prstGeom>
         </p:spPr>
         <p:txBody>
-          <a:bodyPr lIns="0" rIns="0" tIns="0" bIns="0"/>
-          <a:p>
-            <a:endParaRPr b="0" lang="en-GB" sz="3200" spc="-1" strike="noStrike">
-              <a:solidFill>
-                <a:srgbClr val="000000"/>
-              </a:solidFill>
-              <a:uFill>
-                <a:solidFill>
-                  <a:srgbClr val="ffffff"/>
+          <a:bodyPr lIns="0" tIns="0" rIns="0" bIns="0"/>
+          <a:lstStyle/>
+          <a:p>
+            <a:endParaRPr lang="en-GB" sz="3200" b="0" strike="noStrike" spc="-1">
+              <a:solidFill>
+                <a:srgbClr val="000000"/>
+              </a:solidFill>
+              <a:uFill>
+                <a:solidFill>
+                  <a:srgbClr val="FFFFFF"/>
                 </a:solidFill>
               </a:uFill>
               <a:latin typeface="Arial"/>
@@ -1400,15 +1514,16 @@
           </a:prstGeom>
         </p:spPr>
         <p:txBody>
-          <a:bodyPr lIns="0" rIns="0" tIns="0" bIns="0"/>
-          <a:p>
-            <a:endParaRPr b="0" lang="en-GB" sz="3200" spc="-1" strike="noStrike">
-              <a:solidFill>
-                <a:srgbClr val="000000"/>
-              </a:solidFill>
-              <a:uFill>
-                <a:solidFill>
-                  <a:srgbClr val="ffffff"/>
+          <a:bodyPr lIns="0" tIns="0" rIns="0" bIns="0"/>
+          <a:lstStyle/>
+          <a:p>
+            <a:endParaRPr lang="en-GB" sz="3200" b="0" strike="noStrike" spc="-1">
+              <a:solidFill>
+                <a:srgbClr val="000000"/>
+              </a:solidFill>
+              <a:uFill>
+                <a:solidFill>
+                  <a:srgbClr val="FFFFFF"/>
                 </a:solidFill>
               </a:uFill>
               <a:latin typeface="Arial"/>
@@ -1436,15 +1551,16 @@
           </a:prstGeom>
         </p:spPr>
         <p:txBody>
-          <a:bodyPr lIns="0" rIns="0" tIns="0" bIns="0"/>
-          <a:p>
-            <a:endParaRPr b="0" lang="en-GB" sz="3200" spc="-1" strike="noStrike">
-              <a:solidFill>
-                <a:srgbClr val="000000"/>
-              </a:solidFill>
-              <a:uFill>
-                <a:solidFill>
-                  <a:srgbClr val="ffffff"/>
+          <a:bodyPr lIns="0" tIns="0" rIns="0" bIns="0"/>
+          <a:lstStyle/>
+          <a:p>
+            <a:endParaRPr lang="en-GB" sz="3200" b="0" strike="noStrike" spc="-1">
+              <a:solidFill>
+                <a:srgbClr val="000000"/>
+              </a:solidFill>
+              <a:uFill>
+                <a:solidFill>
+                  <a:srgbClr val="FFFFFF"/>
                 </a:solidFill>
               </a:uFill>
               <a:latin typeface="Arial"/>
@@ -1472,15 +1588,16 @@
           </a:prstGeom>
         </p:spPr>
         <p:txBody>
-          <a:bodyPr lIns="0" rIns="0" tIns="0" bIns="0"/>
-          <a:p>
-            <a:endParaRPr b="0" lang="en-GB" sz="3200" spc="-1" strike="noStrike">
-              <a:solidFill>
-                <a:srgbClr val="000000"/>
-              </a:solidFill>
-              <a:uFill>
-                <a:solidFill>
-                  <a:srgbClr val="ffffff"/>
+          <a:bodyPr lIns="0" tIns="0" rIns="0" bIns="0"/>
+          <a:lstStyle/>
+          <a:p>
+            <a:endParaRPr lang="en-GB" sz="3200" b="0" strike="noStrike" spc="-1">
+              <a:solidFill>
+                <a:srgbClr val="000000"/>
+              </a:solidFill>
+              <a:uFill>
+                <a:solidFill>
+                  <a:srgbClr val="FFFFFF"/>
                 </a:solidFill>
               </a:uFill>
               <a:latin typeface="Arial"/>
@@ -1490,11 +1607,14 @@
       </p:sp>
     </p:spTree>
   </p:cSld>
+  <p:clrMapOvr>
+    <a:masterClrMapping/>
+  </p:clrMapOvr>
 </p:sldLayout>
 </file>
 
 <file path=ppt/slideLayouts/slideLayout12.xml><?xml version="1.0" encoding="utf-8"?>
-<p:sldLayout xmlns:a="http://schemas.openxmlformats.org/drawingml/2006/main" xmlns:p="http://schemas.openxmlformats.org/presentationml/2006/main" xmlns:r="http://schemas.openxmlformats.org/officeDocument/2006/relationships" xmlns:p14="http://schemas.microsoft.com/office/powerpoint/2010/main" xmlns:p15="http://schemas.microsoft.com/office/powerpoint/2012/main" xmlns:mc="http://schemas.openxmlformats.org/markup-compatibility/2006" type="blank" preserve="1">
+<p:sldLayout xmlns:a="http://schemas.openxmlformats.org/drawingml/2006/main" xmlns:r="http://schemas.openxmlformats.org/officeDocument/2006/relationships" xmlns:p="http://schemas.openxmlformats.org/presentationml/2006/main" type="blank" preserve="1">
   <p:cSld name="Title, 6 Content">
     <p:spTree>
       <p:nvGrpSpPr>
@@ -1530,16 +1650,17 @@
           </a:prstGeom>
         </p:spPr>
         <p:txBody>
-          <a:bodyPr lIns="0" rIns="0" tIns="0" bIns="0" anchor="ctr"/>
+          <a:bodyPr lIns="0" tIns="0" rIns="0" bIns="0" anchor="ctr"/>
+          <a:lstStyle/>
           <a:p>
             <a:pPr algn="ctr"/>
-            <a:endParaRPr b="0" lang="en-GB" sz="4400" spc="-1" strike="noStrike">
-              <a:solidFill>
-                <a:srgbClr val="000000"/>
-              </a:solidFill>
-              <a:uFill>
-                <a:solidFill>
-                  <a:srgbClr val="ffffff"/>
+            <a:endParaRPr lang="en-GB" sz="4400" b="0" strike="noStrike" spc="-1">
+              <a:solidFill>
+                <a:srgbClr val="000000"/>
+              </a:solidFill>
+              <a:uFill>
+                <a:solidFill>
+                  <a:srgbClr val="FFFFFF"/>
                 </a:solidFill>
               </a:uFill>
               <a:latin typeface="Arial"/>
@@ -1567,15 +1688,16 @@
           </a:prstGeom>
         </p:spPr>
         <p:txBody>
-          <a:bodyPr lIns="0" rIns="0" tIns="0" bIns="0"/>
-          <a:p>
-            <a:endParaRPr b="0" lang="en-GB" sz="3200" spc="-1" strike="noStrike">
-              <a:solidFill>
-                <a:srgbClr val="000000"/>
-              </a:solidFill>
-              <a:uFill>
-                <a:solidFill>
-                  <a:srgbClr val="ffffff"/>
+          <a:bodyPr lIns="0" tIns="0" rIns="0" bIns="0"/>
+          <a:lstStyle/>
+          <a:p>
+            <a:endParaRPr lang="en-GB" sz="3200" b="0" strike="noStrike" spc="-1">
+              <a:solidFill>
+                <a:srgbClr val="000000"/>
+              </a:solidFill>
+              <a:uFill>
+                <a:solidFill>
+                  <a:srgbClr val="FFFFFF"/>
                 </a:solidFill>
               </a:uFill>
               <a:latin typeface="Arial"/>
@@ -1603,15 +1725,16 @@
           </a:prstGeom>
         </p:spPr>
         <p:txBody>
-          <a:bodyPr lIns="0" rIns="0" tIns="0" bIns="0"/>
-          <a:p>
-            <a:endParaRPr b="0" lang="en-GB" sz="3200" spc="-1" strike="noStrike">
-              <a:solidFill>
-                <a:srgbClr val="000000"/>
-              </a:solidFill>
-              <a:uFill>
-                <a:solidFill>
-                  <a:srgbClr val="ffffff"/>
+          <a:bodyPr lIns="0" tIns="0" rIns="0" bIns="0"/>
+          <a:lstStyle/>
+          <a:p>
+            <a:endParaRPr lang="en-GB" sz="3200" b="0" strike="noStrike" spc="-1">
+              <a:solidFill>
+                <a:srgbClr val="000000"/>
+              </a:solidFill>
+              <a:uFill>
+                <a:solidFill>
+                  <a:srgbClr val="FFFFFF"/>
                 </a:solidFill>
               </a:uFill>
               <a:latin typeface="Arial"/>
@@ -1621,7 +1744,7 @@
       </p:sp>
       <p:pic>
         <p:nvPicPr>
-          <p:cNvPr id="34" name="" descr=""/>
+          <p:cNvPr id="34" name="Picture 33"/>
           <p:cNvPicPr/>
           <p:nvPr/>
         </p:nvPicPr>
@@ -1644,12 +1767,12 @@
       </p:pic>
       <p:pic>
         <p:nvPicPr>
-          <p:cNvPr id="35" name="" descr=""/>
+          <p:cNvPr id="35" name="Picture 34"/>
           <p:cNvPicPr/>
           <p:nvPr/>
         </p:nvPicPr>
         <p:blipFill>
-          <a:blip r:embed="rId3"/>
+          <a:blip r:embed="rId2"/>
           <a:stretch/>
         </p:blipFill>
         <p:spPr>
@@ -1667,11 +1790,14 @@
       </p:pic>
     </p:spTree>
   </p:cSld>
+  <p:clrMapOvr>
+    <a:masterClrMapping/>
+  </p:clrMapOvr>
 </p:sldLayout>
 </file>
 
 <file path=ppt/slideLayouts/slideLayout13.xml><?xml version="1.0" encoding="utf-8"?>
-<p:sldLayout xmlns:a="http://schemas.openxmlformats.org/drawingml/2006/main" xmlns:p="http://schemas.openxmlformats.org/presentationml/2006/main" xmlns:r="http://schemas.openxmlformats.org/officeDocument/2006/relationships" xmlns:p14="http://schemas.microsoft.com/office/powerpoint/2010/main" xmlns:p15="http://schemas.microsoft.com/office/powerpoint/2012/main" xmlns:mc="http://schemas.openxmlformats.org/markup-compatibility/2006" type="blank" preserve="1">
+<p:sldLayout xmlns:a="http://schemas.openxmlformats.org/drawingml/2006/main" xmlns:r="http://schemas.openxmlformats.org/officeDocument/2006/relationships" xmlns:p="http://schemas.openxmlformats.org/presentationml/2006/main" type="blank" preserve="1">
   <p:cSld name="Blank Slide">
     <p:spTree>
       <p:nvGrpSpPr>
@@ -1689,11 +1815,14 @@
       </p:grpSpPr>
     </p:spTree>
   </p:cSld>
+  <p:clrMapOvr>
+    <a:masterClrMapping/>
+  </p:clrMapOvr>
 </p:sldLayout>
 </file>
 
 <file path=ppt/slideLayouts/slideLayout14.xml><?xml version="1.0" encoding="utf-8"?>
-<p:sldLayout xmlns:a="http://schemas.openxmlformats.org/drawingml/2006/main" xmlns:p="http://schemas.openxmlformats.org/presentationml/2006/main" xmlns:r="http://schemas.openxmlformats.org/officeDocument/2006/relationships" xmlns:p14="http://schemas.microsoft.com/office/powerpoint/2010/main" xmlns:p15="http://schemas.microsoft.com/office/powerpoint/2012/main" xmlns:mc="http://schemas.openxmlformats.org/markup-compatibility/2006" type="tx" preserve="1">
+<p:sldLayout xmlns:a="http://schemas.openxmlformats.org/drawingml/2006/main" xmlns:r="http://schemas.openxmlformats.org/officeDocument/2006/relationships" xmlns:p="http://schemas.openxmlformats.org/presentationml/2006/main" type="tx" preserve="1">
   <p:cSld name="Title Slide">
     <p:spTree>
       <p:nvGrpSpPr>
@@ -1729,16 +1858,17 @@
           </a:prstGeom>
         </p:spPr>
         <p:txBody>
-          <a:bodyPr lIns="0" rIns="0" tIns="0" bIns="0" anchor="ctr"/>
+          <a:bodyPr lIns="0" tIns="0" rIns="0" bIns="0" anchor="ctr"/>
+          <a:lstStyle/>
           <a:p>
             <a:pPr algn="ctr"/>
-            <a:endParaRPr b="0" lang="en-GB" sz="4400" spc="-1" strike="noStrike">
-              <a:solidFill>
-                <a:srgbClr val="000000"/>
-              </a:solidFill>
-              <a:uFill>
-                <a:solidFill>
-                  <a:srgbClr val="ffffff"/>
+            <a:endParaRPr lang="en-GB" sz="4400" b="0" strike="noStrike" spc="-1">
+              <a:solidFill>
+                <a:srgbClr val="000000"/>
+              </a:solidFill>
+              <a:uFill>
+                <a:solidFill>
+                  <a:srgbClr val="FFFFFF"/>
                 </a:solidFill>
               </a:uFill>
               <a:latin typeface="Arial"/>
@@ -1766,16 +1896,17 @@
           </a:prstGeom>
         </p:spPr>
         <p:txBody>
-          <a:bodyPr lIns="0" rIns="0" tIns="0" bIns="0" anchor="ctr"/>
+          <a:bodyPr lIns="0" tIns="0" rIns="0" bIns="0" anchor="ctr"/>
+          <a:lstStyle/>
           <a:p>
             <a:pPr algn="ctr"/>
-            <a:endParaRPr b="0" lang="en-GB" sz="3200" spc="-1" strike="noStrike">
-              <a:solidFill>
-                <a:srgbClr val="000000"/>
-              </a:solidFill>
-              <a:uFill>
-                <a:solidFill>
-                  <a:srgbClr val="ffffff"/>
+            <a:endParaRPr lang="en-GB" sz="3200" b="0" strike="noStrike" spc="-1">
+              <a:solidFill>
+                <a:srgbClr val="000000"/>
+              </a:solidFill>
+              <a:uFill>
+                <a:solidFill>
+                  <a:srgbClr val="FFFFFF"/>
                 </a:solidFill>
               </a:uFill>
               <a:latin typeface="Arial"/>
@@ -1785,11 +1916,14 @@
       </p:sp>
     </p:spTree>
   </p:cSld>
+  <p:clrMapOvr>
+    <a:masterClrMapping/>
+  </p:clrMapOvr>
 </p:sldLayout>
 </file>
 
 <file path=ppt/slideLayouts/slideLayout15.xml><?xml version="1.0" encoding="utf-8"?>
-<p:sldLayout xmlns:a="http://schemas.openxmlformats.org/drawingml/2006/main" xmlns:p="http://schemas.openxmlformats.org/presentationml/2006/main" xmlns:r="http://schemas.openxmlformats.org/officeDocument/2006/relationships" xmlns:p14="http://schemas.microsoft.com/office/powerpoint/2010/main" xmlns:p15="http://schemas.microsoft.com/office/powerpoint/2012/main" xmlns:mc="http://schemas.openxmlformats.org/markup-compatibility/2006" type="obj" preserve="1">
+<p:sldLayout xmlns:a="http://schemas.openxmlformats.org/drawingml/2006/main" xmlns:r="http://schemas.openxmlformats.org/officeDocument/2006/relationships" xmlns:p="http://schemas.openxmlformats.org/presentationml/2006/main" type="obj" preserve="1">
   <p:cSld name="Title, Content">
     <p:spTree>
       <p:nvGrpSpPr>
@@ -1825,16 +1959,17 @@
           </a:prstGeom>
         </p:spPr>
         <p:txBody>
-          <a:bodyPr lIns="0" rIns="0" tIns="0" bIns="0" anchor="ctr"/>
+          <a:bodyPr lIns="0" tIns="0" rIns="0" bIns="0" anchor="ctr"/>
+          <a:lstStyle/>
           <a:p>
             <a:pPr algn="ctr"/>
-            <a:endParaRPr b="0" lang="en-GB" sz="4400" spc="-1" strike="noStrike">
-              <a:solidFill>
-                <a:srgbClr val="000000"/>
-              </a:solidFill>
-              <a:uFill>
-                <a:solidFill>
-                  <a:srgbClr val="ffffff"/>
+            <a:endParaRPr lang="en-GB" sz="4400" b="0" strike="noStrike" spc="-1">
+              <a:solidFill>
+                <a:srgbClr val="000000"/>
+              </a:solidFill>
+              <a:uFill>
+                <a:solidFill>
+                  <a:srgbClr val="FFFFFF"/>
                 </a:solidFill>
               </a:uFill>
               <a:latin typeface="Arial"/>
@@ -1862,15 +1997,16 @@
           </a:prstGeom>
         </p:spPr>
         <p:txBody>
-          <a:bodyPr lIns="0" rIns="0" tIns="0" bIns="0"/>
-          <a:p>
-            <a:endParaRPr b="0" lang="en-GB" sz="3200" spc="-1" strike="noStrike">
-              <a:solidFill>
-                <a:srgbClr val="000000"/>
-              </a:solidFill>
-              <a:uFill>
-                <a:solidFill>
-                  <a:srgbClr val="ffffff"/>
+          <a:bodyPr lIns="0" tIns="0" rIns="0" bIns="0"/>
+          <a:lstStyle/>
+          <a:p>
+            <a:endParaRPr lang="en-GB" sz="3200" b="0" strike="noStrike" spc="-1">
+              <a:solidFill>
+                <a:srgbClr val="000000"/>
+              </a:solidFill>
+              <a:uFill>
+                <a:solidFill>
+                  <a:srgbClr val="FFFFFF"/>
                 </a:solidFill>
               </a:uFill>
               <a:latin typeface="Arial"/>
@@ -1880,11 +2016,14 @@
       </p:sp>
     </p:spTree>
   </p:cSld>
+  <p:clrMapOvr>
+    <a:masterClrMapping/>
+  </p:clrMapOvr>
 </p:sldLayout>
 </file>
 
 <file path=ppt/slideLayouts/slideLayout16.xml><?xml version="1.0" encoding="utf-8"?>
-<p:sldLayout xmlns:a="http://schemas.openxmlformats.org/drawingml/2006/main" xmlns:p="http://schemas.openxmlformats.org/presentationml/2006/main" xmlns:r="http://schemas.openxmlformats.org/officeDocument/2006/relationships" xmlns:p14="http://schemas.microsoft.com/office/powerpoint/2010/main" xmlns:p15="http://schemas.microsoft.com/office/powerpoint/2012/main" xmlns:mc="http://schemas.openxmlformats.org/markup-compatibility/2006" type="twoObj" preserve="1">
+<p:sldLayout xmlns:a="http://schemas.openxmlformats.org/drawingml/2006/main" xmlns:r="http://schemas.openxmlformats.org/officeDocument/2006/relationships" xmlns:p="http://schemas.openxmlformats.org/presentationml/2006/main" type="twoObj" preserve="1">
   <p:cSld name="Title, 2 Content">
     <p:spTree>
       <p:nvGrpSpPr>
@@ -1920,16 +2059,17 @@
           </a:prstGeom>
         </p:spPr>
         <p:txBody>
-          <a:bodyPr lIns="0" rIns="0" tIns="0" bIns="0" anchor="ctr"/>
+          <a:bodyPr lIns="0" tIns="0" rIns="0" bIns="0" anchor="ctr"/>
+          <a:lstStyle/>
           <a:p>
             <a:pPr algn="ctr"/>
-            <a:endParaRPr b="0" lang="en-GB" sz="4400" spc="-1" strike="noStrike">
-              <a:solidFill>
-                <a:srgbClr val="000000"/>
-              </a:solidFill>
-              <a:uFill>
-                <a:solidFill>
-                  <a:srgbClr val="ffffff"/>
+            <a:endParaRPr lang="en-GB" sz="4400" b="0" strike="noStrike" spc="-1">
+              <a:solidFill>
+                <a:srgbClr val="000000"/>
+              </a:solidFill>
+              <a:uFill>
+                <a:solidFill>
+                  <a:srgbClr val="FFFFFF"/>
                 </a:solidFill>
               </a:uFill>
               <a:latin typeface="Arial"/>
@@ -1957,15 +2097,16 @@
           </a:prstGeom>
         </p:spPr>
         <p:txBody>
-          <a:bodyPr lIns="0" rIns="0" tIns="0" bIns="0"/>
-          <a:p>
-            <a:endParaRPr b="0" lang="en-GB" sz="3200" spc="-1" strike="noStrike">
-              <a:solidFill>
-                <a:srgbClr val="000000"/>
-              </a:solidFill>
-              <a:uFill>
-                <a:solidFill>
-                  <a:srgbClr val="ffffff"/>
+          <a:bodyPr lIns="0" tIns="0" rIns="0" bIns="0"/>
+          <a:lstStyle/>
+          <a:p>
+            <a:endParaRPr lang="en-GB" sz="3200" b="0" strike="noStrike" spc="-1">
+              <a:solidFill>
+                <a:srgbClr val="000000"/>
+              </a:solidFill>
+              <a:uFill>
+                <a:solidFill>
+                  <a:srgbClr val="FFFFFF"/>
                 </a:solidFill>
               </a:uFill>
               <a:latin typeface="Arial"/>
@@ -1993,15 +2134,16 @@
           </a:prstGeom>
         </p:spPr>
         <p:txBody>
-          <a:bodyPr lIns="0" rIns="0" tIns="0" bIns="0"/>
-          <a:p>
-            <a:endParaRPr b="0" lang="en-GB" sz="3200" spc="-1" strike="noStrike">
-              <a:solidFill>
-                <a:srgbClr val="000000"/>
-              </a:solidFill>
-              <a:uFill>
-                <a:solidFill>
-                  <a:srgbClr val="ffffff"/>
+          <a:bodyPr lIns="0" tIns="0" rIns="0" bIns="0"/>
+          <a:lstStyle/>
+          <a:p>
+            <a:endParaRPr lang="en-GB" sz="3200" b="0" strike="noStrike" spc="-1">
+              <a:solidFill>
+                <a:srgbClr val="000000"/>
+              </a:solidFill>
+              <a:uFill>
+                <a:solidFill>
+                  <a:srgbClr val="FFFFFF"/>
                 </a:solidFill>
               </a:uFill>
               <a:latin typeface="Arial"/>
@@ -2011,11 +2153,14 @@
       </p:sp>
     </p:spTree>
   </p:cSld>
+  <p:clrMapOvr>
+    <a:masterClrMapping/>
+  </p:clrMapOvr>
 </p:sldLayout>
 </file>
 
 <file path=ppt/slideLayouts/slideLayout17.xml><?xml version="1.0" encoding="utf-8"?>
-<p:sldLayout xmlns:a="http://schemas.openxmlformats.org/drawingml/2006/main" xmlns:p="http://schemas.openxmlformats.org/presentationml/2006/main" xmlns:r="http://schemas.openxmlformats.org/officeDocument/2006/relationships" xmlns:p14="http://schemas.microsoft.com/office/powerpoint/2010/main" xmlns:p15="http://schemas.microsoft.com/office/powerpoint/2012/main" xmlns:mc="http://schemas.openxmlformats.org/markup-compatibility/2006" type="titleOnly" preserve="1">
+<p:sldLayout xmlns:a="http://schemas.openxmlformats.org/drawingml/2006/main" xmlns:r="http://schemas.openxmlformats.org/officeDocument/2006/relationships" xmlns:p="http://schemas.openxmlformats.org/presentationml/2006/main" type="titleOnly" preserve="1">
   <p:cSld name="Title Only">
     <p:spTree>
       <p:nvGrpSpPr>
@@ -2051,16 +2196,17 @@
           </a:prstGeom>
         </p:spPr>
         <p:txBody>
-          <a:bodyPr lIns="0" rIns="0" tIns="0" bIns="0" anchor="ctr"/>
+          <a:bodyPr lIns="0" tIns="0" rIns="0" bIns="0" anchor="ctr"/>
+          <a:lstStyle/>
           <a:p>
             <a:pPr algn="ctr"/>
-            <a:endParaRPr b="0" lang="en-GB" sz="4400" spc="-1" strike="noStrike">
-              <a:solidFill>
-                <a:srgbClr val="000000"/>
-              </a:solidFill>
-              <a:uFill>
-                <a:solidFill>
-                  <a:srgbClr val="ffffff"/>
+            <a:endParaRPr lang="en-GB" sz="4400" b="0" strike="noStrike" spc="-1">
+              <a:solidFill>
+                <a:srgbClr val="000000"/>
+              </a:solidFill>
+              <a:uFill>
+                <a:solidFill>
+                  <a:srgbClr val="FFFFFF"/>
                 </a:solidFill>
               </a:uFill>
               <a:latin typeface="Arial"/>
@@ -2070,11 +2216,14 @@
       </p:sp>
     </p:spTree>
   </p:cSld>
+  <p:clrMapOvr>
+    <a:masterClrMapping/>
+  </p:clrMapOvr>
 </p:sldLayout>
 </file>
 
 <file path=ppt/slideLayouts/slideLayout18.xml><?xml version="1.0" encoding="utf-8"?>
-<p:sldLayout xmlns:a="http://schemas.openxmlformats.org/drawingml/2006/main" xmlns:p="http://schemas.openxmlformats.org/presentationml/2006/main" xmlns:r="http://schemas.openxmlformats.org/officeDocument/2006/relationships" xmlns:p14="http://schemas.microsoft.com/office/powerpoint/2010/main" xmlns:p15="http://schemas.microsoft.com/office/powerpoint/2012/main" xmlns:mc="http://schemas.openxmlformats.org/markup-compatibility/2006" type="objOnly" preserve="1">
+<p:sldLayout xmlns:a="http://schemas.openxmlformats.org/drawingml/2006/main" xmlns:r="http://schemas.openxmlformats.org/officeDocument/2006/relationships" xmlns:p="http://schemas.openxmlformats.org/presentationml/2006/main" type="objOnly" preserve="1">
   <p:cSld name="Centered Text">
     <p:spTree>
       <p:nvGrpSpPr>
@@ -2110,16 +2259,17 @@
           </a:prstGeom>
         </p:spPr>
         <p:txBody>
-          <a:bodyPr lIns="0" rIns="0" tIns="0" bIns="0" anchor="ctr"/>
+          <a:bodyPr lIns="0" tIns="0" rIns="0" bIns="0" anchor="ctr"/>
+          <a:lstStyle/>
           <a:p>
             <a:pPr algn="ctr"/>
-            <a:endParaRPr b="0" lang="en-GB" sz="3200" spc="-1" strike="noStrike">
-              <a:solidFill>
-                <a:srgbClr val="000000"/>
-              </a:solidFill>
-              <a:uFill>
-                <a:solidFill>
-                  <a:srgbClr val="ffffff"/>
+            <a:endParaRPr lang="en-GB" sz="3200" b="0" strike="noStrike" spc="-1">
+              <a:solidFill>
+                <a:srgbClr val="000000"/>
+              </a:solidFill>
+              <a:uFill>
+                <a:solidFill>
+                  <a:srgbClr val="FFFFFF"/>
                 </a:solidFill>
               </a:uFill>
               <a:latin typeface="Arial"/>
@@ -2129,11 +2279,14 @@
       </p:sp>
     </p:spTree>
   </p:cSld>
+  <p:clrMapOvr>
+    <a:masterClrMapping/>
+  </p:clrMapOvr>
 </p:sldLayout>
 </file>
 
 <file path=ppt/slideLayouts/slideLayout19.xml><?xml version="1.0" encoding="utf-8"?>
-<p:sldLayout xmlns:a="http://schemas.openxmlformats.org/drawingml/2006/main" xmlns:p="http://schemas.openxmlformats.org/presentationml/2006/main" xmlns:r="http://schemas.openxmlformats.org/officeDocument/2006/relationships" xmlns:p14="http://schemas.microsoft.com/office/powerpoint/2010/main" xmlns:p15="http://schemas.microsoft.com/office/powerpoint/2012/main" xmlns:mc="http://schemas.openxmlformats.org/markup-compatibility/2006" type="twoObjAndObj" preserve="1">
+<p:sldLayout xmlns:a="http://schemas.openxmlformats.org/drawingml/2006/main" xmlns:r="http://schemas.openxmlformats.org/officeDocument/2006/relationships" xmlns:p="http://schemas.openxmlformats.org/presentationml/2006/main" type="twoObjAndObj" preserve="1">
   <p:cSld name="Title, 2 Content and Content">
     <p:spTree>
       <p:nvGrpSpPr>
@@ -2169,16 +2322,17 @@
           </a:prstGeom>
         </p:spPr>
         <p:txBody>
-          <a:bodyPr lIns="0" rIns="0" tIns="0" bIns="0" anchor="ctr"/>
+          <a:bodyPr lIns="0" tIns="0" rIns="0" bIns="0" anchor="ctr"/>
+          <a:lstStyle/>
           <a:p>
             <a:pPr algn="ctr"/>
-            <a:endParaRPr b="0" lang="en-GB" sz="4400" spc="-1" strike="noStrike">
-              <a:solidFill>
-                <a:srgbClr val="000000"/>
-              </a:solidFill>
-              <a:uFill>
-                <a:solidFill>
-                  <a:srgbClr val="ffffff"/>
+            <a:endParaRPr lang="en-GB" sz="4400" b="0" strike="noStrike" spc="-1">
+              <a:solidFill>
+                <a:srgbClr val="000000"/>
+              </a:solidFill>
+              <a:uFill>
+                <a:solidFill>
+                  <a:srgbClr val="FFFFFF"/>
                 </a:solidFill>
               </a:uFill>
               <a:latin typeface="Arial"/>
@@ -2206,15 +2360,16 @@
           </a:prstGeom>
         </p:spPr>
         <p:txBody>
-          <a:bodyPr lIns="0" rIns="0" tIns="0" bIns="0"/>
-          <a:p>
-            <a:endParaRPr b="0" lang="en-GB" sz="3200" spc="-1" strike="noStrike">
-              <a:solidFill>
-                <a:srgbClr val="000000"/>
-              </a:solidFill>
-              <a:uFill>
-                <a:solidFill>
-                  <a:srgbClr val="ffffff"/>
+          <a:bodyPr lIns="0" tIns="0" rIns="0" bIns="0"/>
+          <a:lstStyle/>
+          <a:p>
+            <a:endParaRPr lang="en-GB" sz="3200" b="0" strike="noStrike" spc="-1">
+              <a:solidFill>
+                <a:srgbClr val="000000"/>
+              </a:solidFill>
+              <a:uFill>
+                <a:solidFill>
+                  <a:srgbClr val="FFFFFF"/>
                 </a:solidFill>
               </a:uFill>
               <a:latin typeface="Arial"/>
@@ -2242,15 +2397,16 @@
           </a:prstGeom>
         </p:spPr>
         <p:txBody>
-          <a:bodyPr lIns="0" rIns="0" tIns="0" bIns="0"/>
-          <a:p>
-            <a:endParaRPr b="0" lang="en-GB" sz="3200" spc="-1" strike="noStrike">
-              <a:solidFill>
-                <a:srgbClr val="000000"/>
-              </a:solidFill>
-              <a:uFill>
-                <a:solidFill>
-                  <a:srgbClr val="ffffff"/>
+          <a:bodyPr lIns="0" tIns="0" rIns="0" bIns="0"/>
+          <a:lstStyle/>
+          <a:p>
+            <a:endParaRPr lang="en-GB" sz="3200" b="0" strike="noStrike" spc="-1">
+              <a:solidFill>
+                <a:srgbClr val="000000"/>
+              </a:solidFill>
+              <a:uFill>
+                <a:solidFill>
+                  <a:srgbClr val="FFFFFF"/>
                 </a:solidFill>
               </a:uFill>
               <a:latin typeface="Arial"/>
@@ -2278,15 +2434,16 @@
           </a:prstGeom>
         </p:spPr>
         <p:txBody>
-          <a:bodyPr lIns="0" rIns="0" tIns="0" bIns="0"/>
-          <a:p>
-            <a:endParaRPr b="0" lang="en-GB" sz="3200" spc="-1" strike="noStrike">
-              <a:solidFill>
-                <a:srgbClr val="000000"/>
-              </a:solidFill>
-              <a:uFill>
-                <a:solidFill>
-                  <a:srgbClr val="ffffff"/>
+          <a:bodyPr lIns="0" tIns="0" rIns="0" bIns="0"/>
+          <a:lstStyle/>
+          <a:p>
+            <a:endParaRPr lang="en-GB" sz="3200" b="0" strike="noStrike" spc="-1">
+              <a:solidFill>
+                <a:srgbClr val="000000"/>
+              </a:solidFill>
+              <a:uFill>
+                <a:solidFill>
+                  <a:srgbClr val="FFFFFF"/>
                 </a:solidFill>
               </a:uFill>
               <a:latin typeface="Arial"/>
@@ -2296,11 +2453,14 @@
       </p:sp>
     </p:spTree>
   </p:cSld>
+  <p:clrMapOvr>
+    <a:masterClrMapping/>
+  </p:clrMapOvr>
 </p:sldLayout>
 </file>
 
 <file path=ppt/slideLayouts/slideLayout2.xml><?xml version="1.0" encoding="utf-8"?>
-<p:sldLayout xmlns:a="http://schemas.openxmlformats.org/drawingml/2006/main" xmlns:p="http://schemas.openxmlformats.org/presentationml/2006/main" xmlns:r="http://schemas.openxmlformats.org/officeDocument/2006/relationships" xmlns:p14="http://schemas.microsoft.com/office/powerpoint/2010/main" xmlns:p15="http://schemas.microsoft.com/office/powerpoint/2012/main" xmlns:mc="http://schemas.openxmlformats.org/markup-compatibility/2006" type="tx" preserve="1">
+<p:sldLayout xmlns:a="http://schemas.openxmlformats.org/drawingml/2006/main" xmlns:r="http://schemas.openxmlformats.org/officeDocument/2006/relationships" xmlns:p="http://schemas.openxmlformats.org/presentationml/2006/main" type="tx" preserve="1">
   <p:cSld name="Title Slide">
     <p:spTree>
       <p:nvGrpSpPr>
@@ -2336,16 +2496,17 @@
           </a:prstGeom>
         </p:spPr>
         <p:txBody>
-          <a:bodyPr lIns="0" rIns="0" tIns="0" bIns="0" anchor="ctr"/>
+          <a:bodyPr lIns="0" tIns="0" rIns="0" bIns="0" anchor="ctr"/>
+          <a:lstStyle/>
           <a:p>
             <a:pPr algn="ctr"/>
-            <a:endParaRPr b="0" lang="en-GB" sz="4400" spc="-1" strike="noStrike">
-              <a:solidFill>
-                <a:srgbClr val="000000"/>
-              </a:solidFill>
-              <a:uFill>
-                <a:solidFill>
-                  <a:srgbClr val="ffffff"/>
+            <a:endParaRPr lang="en-GB" sz="4400" b="0" strike="noStrike" spc="-1">
+              <a:solidFill>
+                <a:srgbClr val="000000"/>
+              </a:solidFill>
+              <a:uFill>
+                <a:solidFill>
+                  <a:srgbClr val="FFFFFF"/>
                 </a:solidFill>
               </a:uFill>
               <a:latin typeface="Arial"/>
@@ -2373,16 +2534,17 @@
           </a:prstGeom>
         </p:spPr>
         <p:txBody>
-          <a:bodyPr lIns="0" rIns="0" tIns="0" bIns="0" anchor="ctr"/>
+          <a:bodyPr lIns="0" tIns="0" rIns="0" bIns="0" anchor="ctr"/>
+          <a:lstStyle/>
           <a:p>
             <a:pPr algn="ctr"/>
-            <a:endParaRPr b="0" lang="en-GB" sz="3200" spc="-1" strike="noStrike">
-              <a:solidFill>
-                <a:srgbClr val="000000"/>
-              </a:solidFill>
-              <a:uFill>
-                <a:solidFill>
-                  <a:srgbClr val="ffffff"/>
+            <a:endParaRPr lang="en-GB" sz="3200" b="0" strike="noStrike" spc="-1">
+              <a:solidFill>
+                <a:srgbClr val="000000"/>
+              </a:solidFill>
+              <a:uFill>
+                <a:solidFill>
+                  <a:srgbClr val="FFFFFF"/>
                 </a:solidFill>
               </a:uFill>
               <a:latin typeface="Arial"/>
@@ -2392,11 +2554,14 @@
       </p:sp>
     </p:spTree>
   </p:cSld>
+  <p:clrMapOvr>
+    <a:masterClrMapping/>
+  </p:clrMapOvr>
 </p:sldLayout>
 </file>
 
 <file path=ppt/slideLayouts/slideLayout20.xml><?xml version="1.0" encoding="utf-8"?>
-<p:sldLayout xmlns:a="http://schemas.openxmlformats.org/drawingml/2006/main" xmlns:p="http://schemas.openxmlformats.org/presentationml/2006/main" xmlns:r="http://schemas.openxmlformats.org/officeDocument/2006/relationships" xmlns:p14="http://schemas.microsoft.com/office/powerpoint/2010/main" xmlns:p15="http://schemas.microsoft.com/office/powerpoint/2012/main" xmlns:mc="http://schemas.openxmlformats.org/markup-compatibility/2006" type="objAndTwoObj" preserve="1">
+<p:sldLayout xmlns:a="http://schemas.openxmlformats.org/drawingml/2006/main" xmlns:r="http://schemas.openxmlformats.org/officeDocument/2006/relationships" xmlns:p="http://schemas.openxmlformats.org/presentationml/2006/main" type="objAndTwoObj" preserve="1">
   <p:cSld name="Title Content and 2 Content">
     <p:spTree>
       <p:nvGrpSpPr>
@@ -2432,16 +2597,17 @@
           </a:prstGeom>
         </p:spPr>
         <p:txBody>
-          <a:bodyPr lIns="0" rIns="0" tIns="0" bIns="0" anchor="ctr"/>
+          <a:bodyPr lIns="0" tIns="0" rIns="0" bIns="0" anchor="ctr"/>
+          <a:lstStyle/>
           <a:p>
             <a:pPr algn="ctr"/>
-            <a:endParaRPr b="0" lang="en-GB" sz="4400" spc="-1" strike="noStrike">
-              <a:solidFill>
-                <a:srgbClr val="000000"/>
-              </a:solidFill>
-              <a:uFill>
-                <a:solidFill>
-                  <a:srgbClr val="ffffff"/>
+            <a:endParaRPr lang="en-GB" sz="4400" b="0" strike="noStrike" spc="-1">
+              <a:solidFill>
+                <a:srgbClr val="000000"/>
+              </a:solidFill>
+              <a:uFill>
+                <a:solidFill>
+                  <a:srgbClr val="FFFFFF"/>
                 </a:solidFill>
               </a:uFill>
               <a:latin typeface="Arial"/>
@@ -2469,15 +2635,16 @@
           </a:prstGeom>
         </p:spPr>
         <p:txBody>
-          <a:bodyPr lIns="0" rIns="0" tIns="0" bIns="0"/>
-          <a:p>
-            <a:endParaRPr b="0" lang="en-GB" sz="3200" spc="-1" strike="noStrike">
-              <a:solidFill>
-                <a:srgbClr val="000000"/>
-              </a:solidFill>
-              <a:uFill>
-                <a:solidFill>
-                  <a:srgbClr val="ffffff"/>
+          <a:bodyPr lIns="0" tIns="0" rIns="0" bIns="0"/>
+          <a:lstStyle/>
+          <a:p>
+            <a:endParaRPr lang="en-GB" sz="3200" b="0" strike="noStrike" spc="-1">
+              <a:solidFill>
+                <a:srgbClr val="000000"/>
+              </a:solidFill>
+              <a:uFill>
+                <a:solidFill>
+                  <a:srgbClr val="FFFFFF"/>
                 </a:solidFill>
               </a:uFill>
               <a:latin typeface="Arial"/>
@@ -2505,15 +2672,16 @@
           </a:prstGeom>
         </p:spPr>
         <p:txBody>
-          <a:bodyPr lIns="0" rIns="0" tIns="0" bIns="0"/>
-          <a:p>
-            <a:endParaRPr b="0" lang="en-GB" sz="3200" spc="-1" strike="noStrike">
-              <a:solidFill>
-                <a:srgbClr val="000000"/>
-              </a:solidFill>
-              <a:uFill>
-                <a:solidFill>
-                  <a:srgbClr val="ffffff"/>
+          <a:bodyPr lIns="0" tIns="0" rIns="0" bIns="0"/>
+          <a:lstStyle/>
+          <a:p>
+            <a:endParaRPr lang="en-GB" sz="3200" b="0" strike="noStrike" spc="-1">
+              <a:solidFill>
+                <a:srgbClr val="000000"/>
+              </a:solidFill>
+              <a:uFill>
+                <a:solidFill>
+                  <a:srgbClr val="FFFFFF"/>
                 </a:solidFill>
               </a:uFill>
               <a:latin typeface="Arial"/>
@@ -2541,15 +2709,16 @@
           </a:prstGeom>
         </p:spPr>
         <p:txBody>
-          <a:bodyPr lIns="0" rIns="0" tIns="0" bIns="0"/>
-          <a:p>
-            <a:endParaRPr b="0" lang="en-GB" sz="3200" spc="-1" strike="noStrike">
-              <a:solidFill>
-                <a:srgbClr val="000000"/>
-              </a:solidFill>
-              <a:uFill>
-                <a:solidFill>
-                  <a:srgbClr val="ffffff"/>
+          <a:bodyPr lIns="0" tIns="0" rIns="0" bIns="0"/>
+          <a:lstStyle/>
+          <a:p>
+            <a:endParaRPr lang="en-GB" sz="3200" b="0" strike="noStrike" spc="-1">
+              <a:solidFill>
+                <a:srgbClr val="000000"/>
+              </a:solidFill>
+              <a:uFill>
+                <a:solidFill>
+                  <a:srgbClr val="FFFFFF"/>
                 </a:solidFill>
               </a:uFill>
               <a:latin typeface="Arial"/>
@@ -2559,11 +2728,14 @@
       </p:sp>
     </p:spTree>
   </p:cSld>
+  <p:clrMapOvr>
+    <a:masterClrMapping/>
+  </p:clrMapOvr>
 </p:sldLayout>
 </file>
 
 <file path=ppt/slideLayouts/slideLayout21.xml><?xml version="1.0" encoding="utf-8"?>
-<p:sldLayout xmlns:a="http://schemas.openxmlformats.org/drawingml/2006/main" xmlns:p="http://schemas.openxmlformats.org/presentationml/2006/main" xmlns:r="http://schemas.openxmlformats.org/officeDocument/2006/relationships" xmlns:p14="http://schemas.microsoft.com/office/powerpoint/2010/main" xmlns:p15="http://schemas.microsoft.com/office/powerpoint/2012/main" xmlns:mc="http://schemas.openxmlformats.org/markup-compatibility/2006" type="twoObjOverTx" preserve="1">
+<p:sldLayout xmlns:a="http://schemas.openxmlformats.org/drawingml/2006/main" xmlns:r="http://schemas.openxmlformats.org/officeDocument/2006/relationships" xmlns:p="http://schemas.openxmlformats.org/presentationml/2006/main" type="twoObjOverTx" preserve="1">
   <p:cSld name="Title, 2 Content over Content">
     <p:spTree>
       <p:nvGrpSpPr>
@@ -2599,16 +2771,17 @@
           </a:prstGeom>
         </p:spPr>
         <p:txBody>
-          <a:bodyPr lIns="0" rIns="0" tIns="0" bIns="0" anchor="ctr"/>
+          <a:bodyPr lIns="0" tIns="0" rIns="0" bIns="0" anchor="ctr"/>
+          <a:lstStyle/>
           <a:p>
             <a:pPr algn="ctr"/>
-            <a:endParaRPr b="0" lang="en-GB" sz="4400" spc="-1" strike="noStrike">
-              <a:solidFill>
-                <a:srgbClr val="000000"/>
-              </a:solidFill>
-              <a:uFill>
-                <a:solidFill>
-                  <a:srgbClr val="ffffff"/>
+            <a:endParaRPr lang="en-GB" sz="4400" b="0" strike="noStrike" spc="-1">
+              <a:solidFill>
+                <a:srgbClr val="000000"/>
+              </a:solidFill>
+              <a:uFill>
+                <a:solidFill>
+                  <a:srgbClr val="FFFFFF"/>
                 </a:solidFill>
               </a:uFill>
               <a:latin typeface="Arial"/>
@@ -2636,15 +2809,16 @@
           </a:prstGeom>
         </p:spPr>
         <p:txBody>
-          <a:bodyPr lIns="0" rIns="0" tIns="0" bIns="0"/>
-          <a:p>
-            <a:endParaRPr b="0" lang="en-GB" sz="3200" spc="-1" strike="noStrike">
-              <a:solidFill>
-                <a:srgbClr val="000000"/>
-              </a:solidFill>
-              <a:uFill>
-                <a:solidFill>
-                  <a:srgbClr val="ffffff"/>
+          <a:bodyPr lIns="0" tIns="0" rIns="0" bIns="0"/>
+          <a:lstStyle/>
+          <a:p>
+            <a:endParaRPr lang="en-GB" sz="3200" b="0" strike="noStrike" spc="-1">
+              <a:solidFill>
+                <a:srgbClr val="000000"/>
+              </a:solidFill>
+              <a:uFill>
+                <a:solidFill>
+                  <a:srgbClr val="FFFFFF"/>
                 </a:solidFill>
               </a:uFill>
               <a:latin typeface="Arial"/>
@@ -2672,15 +2846,16 @@
           </a:prstGeom>
         </p:spPr>
         <p:txBody>
-          <a:bodyPr lIns="0" rIns="0" tIns="0" bIns="0"/>
-          <a:p>
-            <a:endParaRPr b="0" lang="en-GB" sz="3200" spc="-1" strike="noStrike">
-              <a:solidFill>
-                <a:srgbClr val="000000"/>
-              </a:solidFill>
-              <a:uFill>
-                <a:solidFill>
-                  <a:srgbClr val="ffffff"/>
+          <a:bodyPr lIns="0" tIns="0" rIns="0" bIns="0"/>
+          <a:lstStyle/>
+          <a:p>
+            <a:endParaRPr lang="en-GB" sz="3200" b="0" strike="noStrike" spc="-1">
+              <a:solidFill>
+                <a:srgbClr val="000000"/>
+              </a:solidFill>
+              <a:uFill>
+                <a:solidFill>
+                  <a:srgbClr val="FFFFFF"/>
                 </a:solidFill>
               </a:uFill>
               <a:latin typeface="Arial"/>
@@ -2708,15 +2883,16 @@
           </a:prstGeom>
         </p:spPr>
         <p:txBody>
-          <a:bodyPr lIns="0" rIns="0" tIns="0" bIns="0"/>
-          <a:p>
-            <a:endParaRPr b="0" lang="en-GB" sz="3200" spc="-1" strike="noStrike">
-              <a:solidFill>
-                <a:srgbClr val="000000"/>
-              </a:solidFill>
-              <a:uFill>
-                <a:solidFill>
-                  <a:srgbClr val="ffffff"/>
+          <a:bodyPr lIns="0" tIns="0" rIns="0" bIns="0"/>
+          <a:lstStyle/>
+          <a:p>
+            <a:endParaRPr lang="en-GB" sz="3200" b="0" strike="noStrike" spc="-1">
+              <a:solidFill>
+                <a:srgbClr val="000000"/>
+              </a:solidFill>
+              <a:uFill>
+                <a:solidFill>
+                  <a:srgbClr val="FFFFFF"/>
                 </a:solidFill>
               </a:uFill>
               <a:latin typeface="Arial"/>
@@ -2726,11 +2902,14 @@
       </p:sp>
     </p:spTree>
   </p:cSld>
+  <p:clrMapOvr>
+    <a:masterClrMapping/>
+  </p:clrMapOvr>
 </p:sldLayout>
 </file>
 
 <file path=ppt/slideLayouts/slideLayout22.xml><?xml version="1.0" encoding="utf-8"?>
-<p:sldLayout xmlns:a="http://schemas.openxmlformats.org/drawingml/2006/main" xmlns:p="http://schemas.openxmlformats.org/presentationml/2006/main" xmlns:r="http://schemas.openxmlformats.org/officeDocument/2006/relationships" xmlns:p14="http://schemas.microsoft.com/office/powerpoint/2010/main" xmlns:p15="http://schemas.microsoft.com/office/powerpoint/2012/main" xmlns:mc="http://schemas.openxmlformats.org/markup-compatibility/2006" type="objOverTx" preserve="1">
+<p:sldLayout xmlns:a="http://schemas.openxmlformats.org/drawingml/2006/main" xmlns:r="http://schemas.openxmlformats.org/officeDocument/2006/relationships" xmlns:p="http://schemas.openxmlformats.org/presentationml/2006/main" type="objOverTx" preserve="1">
   <p:cSld name="Title, Content over Content">
     <p:spTree>
       <p:nvGrpSpPr>
@@ -2766,16 +2945,17 @@
           </a:prstGeom>
         </p:spPr>
         <p:txBody>
-          <a:bodyPr lIns="0" rIns="0" tIns="0" bIns="0" anchor="ctr"/>
+          <a:bodyPr lIns="0" tIns="0" rIns="0" bIns="0" anchor="ctr"/>
+          <a:lstStyle/>
           <a:p>
             <a:pPr algn="ctr"/>
-            <a:endParaRPr b="0" lang="en-GB" sz="4400" spc="-1" strike="noStrike">
-              <a:solidFill>
-                <a:srgbClr val="000000"/>
-              </a:solidFill>
-              <a:uFill>
-                <a:solidFill>
-                  <a:srgbClr val="ffffff"/>
+            <a:endParaRPr lang="en-GB" sz="4400" b="0" strike="noStrike" spc="-1">
+              <a:solidFill>
+                <a:srgbClr val="000000"/>
+              </a:solidFill>
+              <a:uFill>
+                <a:solidFill>
+                  <a:srgbClr val="FFFFFF"/>
                 </a:solidFill>
               </a:uFill>
               <a:latin typeface="Arial"/>
@@ -2803,15 +2983,16 @@
           </a:prstGeom>
         </p:spPr>
         <p:txBody>
-          <a:bodyPr lIns="0" rIns="0" tIns="0" bIns="0"/>
-          <a:p>
-            <a:endParaRPr b="0" lang="en-GB" sz="3200" spc="-1" strike="noStrike">
-              <a:solidFill>
-                <a:srgbClr val="000000"/>
-              </a:solidFill>
-              <a:uFill>
-                <a:solidFill>
-                  <a:srgbClr val="ffffff"/>
+          <a:bodyPr lIns="0" tIns="0" rIns="0" bIns="0"/>
+          <a:lstStyle/>
+          <a:p>
+            <a:endParaRPr lang="en-GB" sz="3200" b="0" strike="noStrike" spc="-1">
+              <a:solidFill>
+                <a:srgbClr val="000000"/>
+              </a:solidFill>
+              <a:uFill>
+                <a:solidFill>
+                  <a:srgbClr val="FFFFFF"/>
                 </a:solidFill>
               </a:uFill>
               <a:latin typeface="Arial"/>
@@ -2839,15 +3020,16 @@
           </a:prstGeom>
         </p:spPr>
         <p:txBody>
-          <a:bodyPr lIns="0" rIns="0" tIns="0" bIns="0"/>
-          <a:p>
-            <a:endParaRPr b="0" lang="en-GB" sz="3200" spc="-1" strike="noStrike">
-              <a:solidFill>
-                <a:srgbClr val="000000"/>
-              </a:solidFill>
-              <a:uFill>
-                <a:solidFill>
-                  <a:srgbClr val="ffffff"/>
+          <a:bodyPr lIns="0" tIns="0" rIns="0" bIns="0"/>
+          <a:lstStyle/>
+          <a:p>
+            <a:endParaRPr lang="en-GB" sz="3200" b="0" strike="noStrike" spc="-1">
+              <a:solidFill>
+                <a:srgbClr val="000000"/>
+              </a:solidFill>
+              <a:uFill>
+                <a:solidFill>
+                  <a:srgbClr val="FFFFFF"/>
                 </a:solidFill>
               </a:uFill>
               <a:latin typeface="Arial"/>
@@ -2857,11 +3039,14 @@
       </p:sp>
     </p:spTree>
   </p:cSld>
+  <p:clrMapOvr>
+    <a:masterClrMapping/>
+  </p:clrMapOvr>
 </p:sldLayout>
 </file>
 
 <file path=ppt/slideLayouts/slideLayout23.xml><?xml version="1.0" encoding="utf-8"?>
-<p:sldLayout xmlns:a="http://schemas.openxmlformats.org/drawingml/2006/main" xmlns:p="http://schemas.openxmlformats.org/presentationml/2006/main" xmlns:r="http://schemas.openxmlformats.org/officeDocument/2006/relationships" xmlns:p14="http://schemas.microsoft.com/office/powerpoint/2010/main" xmlns:p15="http://schemas.microsoft.com/office/powerpoint/2012/main" xmlns:mc="http://schemas.openxmlformats.org/markup-compatibility/2006" type="fourObj" preserve="1">
+<p:sldLayout xmlns:a="http://schemas.openxmlformats.org/drawingml/2006/main" xmlns:r="http://schemas.openxmlformats.org/officeDocument/2006/relationships" xmlns:p="http://schemas.openxmlformats.org/presentationml/2006/main" type="fourObj" preserve="1">
   <p:cSld name="Title, 4 Content">
     <p:spTree>
       <p:nvGrpSpPr>
@@ -2897,16 +3082,17 @@
           </a:prstGeom>
         </p:spPr>
         <p:txBody>
-          <a:bodyPr lIns="0" rIns="0" tIns="0" bIns="0" anchor="ctr"/>
+          <a:bodyPr lIns="0" tIns="0" rIns="0" bIns="0" anchor="ctr"/>
+          <a:lstStyle/>
           <a:p>
             <a:pPr algn="ctr"/>
-            <a:endParaRPr b="0" lang="en-GB" sz="4400" spc="-1" strike="noStrike">
-              <a:solidFill>
-                <a:srgbClr val="000000"/>
-              </a:solidFill>
-              <a:uFill>
-                <a:solidFill>
-                  <a:srgbClr val="ffffff"/>
+            <a:endParaRPr lang="en-GB" sz="4400" b="0" strike="noStrike" spc="-1">
+              <a:solidFill>
+                <a:srgbClr val="000000"/>
+              </a:solidFill>
+              <a:uFill>
+                <a:solidFill>
+                  <a:srgbClr val="FFFFFF"/>
                 </a:solidFill>
               </a:uFill>
               <a:latin typeface="Arial"/>
@@ -2934,15 +3120,16 @@
           </a:prstGeom>
         </p:spPr>
         <p:txBody>
-          <a:bodyPr lIns="0" rIns="0" tIns="0" bIns="0"/>
-          <a:p>
-            <a:endParaRPr b="0" lang="en-GB" sz="3200" spc="-1" strike="noStrike">
-              <a:solidFill>
-                <a:srgbClr val="000000"/>
-              </a:solidFill>
-              <a:uFill>
-                <a:solidFill>
-                  <a:srgbClr val="ffffff"/>
+          <a:bodyPr lIns="0" tIns="0" rIns="0" bIns="0"/>
+          <a:lstStyle/>
+          <a:p>
+            <a:endParaRPr lang="en-GB" sz="3200" b="0" strike="noStrike" spc="-1">
+              <a:solidFill>
+                <a:srgbClr val="000000"/>
+              </a:solidFill>
+              <a:uFill>
+                <a:solidFill>
+                  <a:srgbClr val="FFFFFF"/>
                 </a:solidFill>
               </a:uFill>
               <a:latin typeface="Arial"/>
@@ -2970,15 +3157,16 @@
           </a:prstGeom>
         </p:spPr>
         <p:txBody>
-          <a:bodyPr lIns="0" rIns="0" tIns="0" bIns="0"/>
-          <a:p>
-            <a:endParaRPr b="0" lang="en-GB" sz="3200" spc="-1" strike="noStrike">
-              <a:solidFill>
-                <a:srgbClr val="000000"/>
-              </a:solidFill>
-              <a:uFill>
-                <a:solidFill>
-                  <a:srgbClr val="ffffff"/>
+          <a:bodyPr lIns="0" tIns="0" rIns="0" bIns="0"/>
+          <a:lstStyle/>
+          <a:p>
+            <a:endParaRPr lang="en-GB" sz="3200" b="0" strike="noStrike" spc="-1">
+              <a:solidFill>
+                <a:srgbClr val="000000"/>
+              </a:solidFill>
+              <a:uFill>
+                <a:solidFill>
+                  <a:srgbClr val="FFFFFF"/>
                 </a:solidFill>
               </a:uFill>
               <a:latin typeface="Arial"/>
@@ -3006,15 +3194,16 @@
           </a:prstGeom>
         </p:spPr>
         <p:txBody>
-          <a:bodyPr lIns="0" rIns="0" tIns="0" bIns="0"/>
-          <a:p>
-            <a:endParaRPr b="0" lang="en-GB" sz="3200" spc="-1" strike="noStrike">
-              <a:solidFill>
-                <a:srgbClr val="000000"/>
-              </a:solidFill>
-              <a:uFill>
-                <a:solidFill>
-                  <a:srgbClr val="ffffff"/>
+          <a:bodyPr lIns="0" tIns="0" rIns="0" bIns="0"/>
+          <a:lstStyle/>
+          <a:p>
+            <a:endParaRPr lang="en-GB" sz="3200" b="0" strike="noStrike" spc="-1">
+              <a:solidFill>
+                <a:srgbClr val="000000"/>
+              </a:solidFill>
+              <a:uFill>
+                <a:solidFill>
+                  <a:srgbClr val="FFFFFF"/>
                 </a:solidFill>
               </a:uFill>
               <a:latin typeface="Arial"/>
@@ -3042,15 +3231,16 @@
           </a:prstGeom>
         </p:spPr>
         <p:txBody>
-          <a:bodyPr lIns="0" rIns="0" tIns="0" bIns="0"/>
-          <a:p>
-            <a:endParaRPr b="0" lang="en-GB" sz="3200" spc="-1" strike="noStrike">
-              <a:solidFill>
-                <a:srgbClr val="000000"/>
-              </a:solidFill>
-              <a:uFill>
-                <a:solidFill>
-                  <a:srgbClr val="ffffff"/>
+          <a:bodyPr lIns="0" tIns="0" rIns="0" bIns="0"/>
+          <a:lstStyle/>
+          <a:p>
+            <a:endParaRPr lang="en-GB" sz="3200" b="0" strike="noStrike" spc="-1">
+              <a:solidFill>
+                <a:srgbClr val="000000"/>
+              </a:solidFill>
+              <a:uFill>
+                <a:solidFill>
+                  <a:srgbClr val="FFFFFF"/>
                 </a:solidFill>
               </a:uFill>
               <a:latin typeface="Arial"/>
@@ -3060,11 +3250,14 @@
       </p:sp>
     </p:spTree>
   </p:cSld>
+  <p:clrMapOvr>
+    <a:masterClrMapping/>
+  </p:clrMapOvr>
 </p:sldLayout>
 </file>
 
 <file path=ppt/slideLayouts/slideLayout24.xml><?xml version="1.0" encoding="utf-8"?>
-<p:sldLayout xmlns:a="http://schemas.openxmlformats.org/drawingml/2006/main" xmlns:p="http://schemas.openxmlformats.org/presentationml/2006/main" xmlns:r="http://schemas.openxmlformats.org/officeDocument/2006/relationships" xmlns:p14="http://schemas.microsoft.com/office/powerpoint/2010/main" xmlns:p15="http://schemas.microsoft.com/office/powerpoint/2012/main" xmlns:mc="http://schemas.openxmlformats.org/markup-compatibility/2006" type="blank" preserve="1">
+<p:sldLayout xmlns:a="http://schemas.openxmlformats.org/drawingml/2006/main" xmlns:r="http://schemas.openxmlformats.org/officeDocument/2006/relationships" xmlns:p="http://schemas.openxmlformats.org/presentationml/2006/main" type="blank" preserve="1">
   <p:cSld name="Title, 6 Content">
     <p:spTree>
       <p:nvGrpSpPr>
@@ -3100,16 +3293,17 @@
           </a:prstGeom>
         </p:spPr>
         <p:txBody>
-          <a:bodyPr lIns="0" rIns="0" tIns="0" bIns="0" anchor="ctr"/>
+          <a:bodyPr lIns="0" tIns="0" rIns="0" bIns="0" anchor="ctr"/>
+          <a:lstStyle/>
           <a:p>
             <a:pPr algn="ctr"/>
-            <a:endParaRPr b="0" lang="en-GB" sz="4400" spc="-1" strike="noStrike">
-              <a:solidFill>
-                <a:srgbClr val="000000"/>
-              </a:solidFill>
-              <a:uFill>
-                <a:solidFill>
-                  <a:srgbClr val="ffffff"/>
+            <a:endParaRPr lang="en-GB" sz="4400" b="0" strike="noStrike" spc="-1">
+              <a:solidFill>
+                <a:srgbClr val="000000"/>
+              </a:solidFill>
+              <a:uFill>
+                <a:solidFill>
+                  <a:srgbClr val="FFFFFF"/>
                 </a:solidFill>
               </a:uFill>
               <a:latin typeface="Arial"/>
@@ -3137,15 +3331,16 @@
           </a:prstGeom>
         </p:spPr>
         <p:txBody>
-          <a:bodyPr lIns="0" rIns="0" tIns="0" bIns="0"/>
-          <a:p>
-            <a:endParaRPr b="0" lang="en-GB" sz="3200" spc="-1" strike="noStrike">
-              <a:solidFill>
-                <a:srgbClr val="000000"/>
-              </a:solidFill>
-              <a:uFill>
-                <a:solidFill>
-                  <a:srgbClr val="ffffff"/>
+          <a:bodyPr lIns="0" tIns="0" rIns="0" bIns="0"/>
+          <a:lstStyle/>
+          <a:p>
+            <a:endParaRPr lang="en-GB" sz="3200" b="0" strike="noStrike" spc="-1">
+              <a:solidFill>
+                <a:srgbClr val="000000"/>
+              </a:solidFill>
+              <a:uFill>
+                <a:solidFill>
+                  <a:srgbClr val="FFFFFF"/>
                 </a:solidFill>
               </a:uFill>
               <a:latin typeface="Arial"/>
@@ -3173,15 +3368,16 @@
           </a:prstGeom>
         </p:spPr>
         <p:txBody>
-          <a:bodyPr lIns="0" rIns="0" tIns="0" bIns="0"/>
-          <a:p>
-            <a:endParaRPr b="0" lang="en-GB" sz="3200" spc="-1" strike="noStrike">
-              <a:solidFill>
-                <a:srgbClr val="000000"/>
-              </a:solidFill>
-              <a:uFill>
-                <a:solidFill>
-                  <a:srgbClr val="ffffff"/>
+          <a:bodyPr lIns="0" tIns="0" rIns="0" bIns="0"/>
+          <a:lstStyle/>
+          <a:p>
+            <a:endParaRPr lang="en-GB" sz="3200" b="0" strike="noStrike" spc="-1">
+              <a:solidFill>
+                <a:srgbClr val="000000"/>
+              </a:solidFill>
+              <a:uFill>
+                <a:solidFill>
+                  <a:srgbClr val="FFFFFF"/>
                 </a:solidFill>
               </a:uFill>
               <a:latin typeface="Arial"/>
@@ -3191,7 +3387,7 @@
       </p:sp>
       <p:pic>
         <p:nvPicPr>
-          <p:cNvPr id="70" name="" descr=""/>
+          <p:cNvPr id="70" name="Picture 69"/>
           <p:cNvPicPr/>
           <p:nvPr/>
         </p:nvPicPr>
@@ -3214,12 +3410,12 @@
       </p:pic>
       <p:pic>
         <p:nvPicPr>
-          <p:cNvPr id="71" name="" descr=""/>
+          <p:cNvPr id="71" name="Picture 70"/>
           <p:cNvPicPr/>
           <p:nvPr/>
         </p:nvPicPr>
         <p:blipFill>
-          <a:blip r:embed="rId3"/>
+          <a:blip r:embed="rId2"/>
           <a:stretch/>
         </p:blipFill>
         <p:spPr>
@@ -3237,11 +3433,14 @@
       </p:pic>
     </p:spTree>
   </p:cSld>
+  <p:clrMapOvr>
+    <a:masterClrMapping/>
+  </p:clrMapOvr>
 </p:sldLayout>
 </file>
 
 <file path=ppt/slideLayouts/slideLayout3.xml><?xml version="1.0" encoding="utf-8"?>
-<p:sldLayout xmlns:a="http://schemas.openxmlformats.org/drawingml/2006/main" xmlns:p="http://schemas.openxmlformats.org/presentationml/2006/main" xmlns:r="http://schemas.openxmlformats.org/officeDocument/2006/relationships" xmlns:p14="http://schemas.microsoft.com/office/powerpoint/2010/main" xmlns:p15="http://schemas.microsoft.com/office/powerpoint/2012/main" xmlns:mc="http://schemas.openxmlformats.org/markup-compatibility/2006" type="obj" preserve="1">
+<p:sldLayout xmlns:a="http://schemas.openxmlformats.org/drawingml/2006/main" xmlns:r="http://schemas.openxmlformats.org/officeDocument/2006/relationships" xmlns:p="http://schemas.openxmlformats.org/presentationml/2006/main" type="obj" preserve="1">
   <p:cSld name="Title, Content">
     <p:spTree>
       <p:nvGrpSpPr>
@@ -3277,16 +3476,17 @@
           </a:prstGeom>
         </p:spPr>
         <p:txBody>
-          <a:bodyPr lIns="0" rIns="0" tIns="0" bIns="0" anchor="ctr"/>
+          <a:bodyPr lIns="0" tIns="0" rIns="0" bIns="0" anchor="ctr"/>
+          <a:lstStyle/>
           <a:p>
             <a:pPr algn="ctr"/>
-            <a:endParaRPr b="0" lang="en-GB" sz="4400" spc="-1" strike="noStrike">
-              <a:solidFill>
-                <a:srgbClr val="000000"/>
-              </a:solidFill>
-              <a:uFill>
-                <a:solidFill>
-                  <a:srgbClr val="ffffff"/>
+            <a:endParaRPr lang="en-GB" sz="4400" b="0" strike="noStrike" spc="-1">
+              <a:solidFill>
+                <a:srgbClr val="000000"/>
+              </a:solidFill>
+              <a:uFill>
+                <a:solidFill>
+                  <a:srgbClr val="FFFFFF"/>
                 </a:solidFill>
               </a:uFill>
               <a:latin typeface="Arial"/>
@@ -3314,15 +3514,16 @@
           </a:prstGeom>
         </p:spPr>
         <p:txBody>
-          <a:bodyPr lIns="0" rIns="0" tIns="0" bIns="0"/>
-          <a:p>
-            <a:endParaRPr b="0" lang="en-GB" sz="3200" spc="-1" strike="noStrike">
-              <a:solidFill>
-                <a:srgbClr val="000000"/>
-              </a:solidFill>
-              <a:uFill>
-                <a:solidFill>
-                  <a:srgbClr val="ffffff"/>
+          <a:bodyPr lIns="0" tIns="0" rIns="0" bIns="0"/>
+          <a:lstStyle/>
+          <a:p>
+            <a:endParaRPr lang="en-GB" sz="3200" b="0" strike="noStrike" spc="-1">
+              <a:solidFill>
+                <a:srgbClr val="000000"/>
+              </a:solidFill>
+              <a:uFill>
+                <a:solidFill>
+                  <a:srgbClr val="FFFFFF"/>
                 </a:solidFill>
               </a:uFill>
               <a:latin typeface="Arial"/>
@@ -3332,11 +3533,14 @@
       </p:sp>
     </p:spTree>
   </p:cSld>
+  <p:clrMapOvr>
+    <a:masterClrMapping/>
+  </p:clrMapOvr>
 </p:sldLayout>
 </file>
 
 <file path=ppt/slideLayouts/slideLayout4.xml><?xml version="1.0" encoding="utf-8"?>
-<p:sldLayout xmlns:a="http://schemas.openxmlformats.org/drawingml/2006/main" xmlns:p="http://schemas.openxmlformats.org/presentationml/2006/main" xmlns:r="http://schemas.openxmlformats.org/officeDocument/2006/relationships" xmlns:p14="http://schemas.microsoft.com/office/powerpoint/2010/main" xmlns:p15="http://schemas.microsoft.com/office/powerpoint/2012/main" xmlns:mc="http://schemas.openxmlformats.org/markup-compatibility/2006" type="twoObj" preserve="1">
+<p:sldLayout xmlns:a="http://schemas.openxmlformats.org/drawingml/2006/main" xmlns:r="http://schemas.openxmlformats.org/officeDocument/2006/relationships" xmlns:p="http://schemas.openxmlformats.org/presentationml/2006/main" type="twoObj" preserve="1">
   <p:cSld name="Title, 2 Content">
     <p:spTree>
       <p:nvGrpSpPr>
@@ -3372,16 +3576,17 @@
           </a:prstGeom>
         </p:spPr>
         <p:txBody>
-          <a:bodyPr lIns="0" rIns="0" tIns="0" bIns="0" anchor="ctr"/>
+          <a:bodyPr lIns="0" tIns="0" rIns="0" bIns="0" anchor="ctr"/>
+          <a:lstStyle/>
           <a:p>
             <a:pPr algn="ctr"/>
-            <a:endParaRPr b="0" lang="en-GB" sz="4400" spc="-1" strike="noStrike">
-              <a:solidFill>
-                <a:srgbClr val="000000"/>
-              </a:solidFill>
-              <a:uFill>
-                <a:solidFill>
-                  <a:srgbClr val="ffffff"/>
+            <a:endParaRPr lang="en-GB" sz="4400" b="0" strike="noStrike" spc="-1">
+              <a:solidFill>
+                <a:srgbClr val="000000"/>
+              </a:solidFill>
+              <a:uFill>
+                <a:solidFill>
+                  <a:srgbClr val="FFFFFF"/>
                 </a:solidFill>
               </a:uFill>
               <a:latin typeface="Arial"/>
@@ -3409,15 +3614,16 @@
           </a:prstGeom>
         </p:spPr>
         <p:txBody>
-          <a:bodyPr lIns="0" rIns="0" tIns="0" bIns="0"/>
-          <a:p>
-            <a:endParaRPr b="0" lang="en-GB" sz="3200" spc="-1" strike="noStrike">
-              <a:solidFill>
-                <a:srgbClr val="000000"/>
-              </a:solidFill>
-              <a:uFill>
-                <a:solidFill>
-                  <a:srgbClr val="ffffff"/>
+          <a:bodyPr lIns="0" tIns="0" rIns="0" bIns="0"/>
+          <a:lstStyle/>
+          <a:p>
+            <a:endParaRPr lang="en-GB" sz="3200" b="0" strike="noStrike" spc="-1">
+              <a:solidFill>
+                <a:srgbClr val="000000"/>
+              </a:solidFill>
+              <a:uFill>
+                <a:solidFill>
+                  <a:srgbClr val="FFFFFF"/>
                 </a:solidFill>
               </a:uFill>
               <a:latin typeface="Arial"/>
@@ -3445,15 +3651,16 @@
           </a:prstGeom>
         </p:spPr>
         <p:txBody>
-          <a:bodyPr lIns="0" rIns="0" tIns="0" bIns="0"/>
-          <a:p>
-            <a:endParaRPr b="0" lang="en-GB" sz="3200" spc="-1" strike="noStrike">
-              <a:solidFill>
-                <a:srgbClr val="000000"/>
-              </a:solidFill>
-              <a:uFill>
-                <a:solidFill>
-                  <a:srgbClr val="ffffff"/>
+          <a:bodyPr lIns="0" tIns="0" rIns="0" bIns="0"/>
+          <a:lstStyle/>
+          <a:p>
+            <a:endParaRPr lang="en-GB" sz="3200" b="0" strike="noStrike" spc="-1">
+              <a:solidFill>
+                <a:srgbClr val="000000"/>
+              </a:solidFill>
+              <a:uFill>
+                <a:solidFill>
+                  <a:srgbClr val="FFFFFF"/>
                 </a:solidFill>
               </a:uFill>
               <a:latin typeface="Arial"/>
@@ -3463,11 +3670,14 @@
       </p:sp>
     </p:spTree>
   </p:cSld>
+  <p:clrMapOvr>
+    <a:masterClrMapping/>
+  </p:clrMapOvr>
 </p:sldLayout>
 </file>
 
 <file path=ppt/slideLayouts/slideLayout5.xml><?xml version="1.0" encoding="utf-8"?>
-<p:sldLayout xmlns:a="http://schemas.openxmlformats.org/drawingml/2006/main" xmlns:p="http://schemas.openxmlformats.org/presentationml/2006/main" xmlns:r="http://schemas.openxmlformats.org/officeDocument/2006/relationships" xmlns:p14="http://schemas.microsoft.com/office/powerpoint/2010/main" xmlns:p15="http://schemas.microsoft.com/office/powerpoint/2012/main" xmlns:mc="http://schemas.openxmlformats.org/markup-compatibility/2006" type="titleOnly" preserve="1">
+<p:sldLayout xmlns:a="http://schemas.openxmlformats.org/drawingml/2006/main" xmlns:r="http://schemas.openxmlformats.org/officeDocument/2006/relationships" xmlns:p="http://schemas.openxmlformats.org/presentationml/2006/main" type="titleOnly" preserve="1">
   <p:cSld name="Title Only">
     <p:spTree>
       <p:nvGrpSpPr>
@@ -3503,16 +3713,17 @@
           </a:prstGeom>
         </p:spPr>
         <p:txBody>
-          <a:bodyPr lIns="0" rIns="0" tIns="0" bIns="0" anchor="ctr"/>
+          <a:bodyPr lIns="0" tIns="0" rIns="0" bIns="0" anchor="ctr"/>
+          <a:lstStyle/>
           <a:p>
             <a:pPr algn="ctr"/>
-            <a:endParaRPr b="0" lang="en-GB" sz="4400" spc="-1" strike="noStrike">
-              <a:solidFill>
-                <a:srgbClr val="000000"/>
-              </a:solidFill>
-              <a:uFill>
-                <a:solidFill>
-                  <a:srgbClr val="ffffff"/>
+            <a:endParaRPr lang="en-GB" sz="4400" b="0" strike="noStrike" spc="-1">
+              <a:solidFill>
+                <a:srgbClr val="000000"/>
+              </a:solidFill>
+              <a:uFill>
+                <a:solidFill>
+                  <a:srgbClr val="FFFFFF"/>
                 </a:solidFill>
               </a:uFill>
               <a:latin typeface="Arial"/>
@@ -3522,11 +3733,14 @@
       </p:sp>
     </p:spTree>
   </p:cSld>
+  <p:clrMapOvr>
+    <a:masterClrMapping/>
+  </p:clrMapOvr>
 </p:sldLayout>
 </file>
 
 <file path=ppt/slideLayouts/slideLayout6.xml><?xml version="1.0" encoding="utf-8"?>
-<p:sldLayout xmlns:a="http://schemas.openxmlformats.org/drawingml/2006/main" xmlns:p="http://schemas.openxmlformats.org/presentationml/2006/main" xmlns:r="http://schemas.openxmlformats.org/officeDocument/2006/relationships" xmlns:p14="http://schemas.microsoft.com/office/powerpoint/2010/main" xmlns:p15="http://schemas.microsoft.com/office/powerpoint/2012/main" xmlns:mc="http://schemas.openxmlformats.org/markup-compatibility/2006" type="objOnly" preserve="1">
+<p:sldLayout xmlns:a="http://schemas.openxmlformats.org/drawingml/2006/main" xmlns:r="http://schemas.openxmlformats.org/officeDocument/2006/relationships" xmlns:p="http://schemas.openxmlformats.org/presentationml/2006/main" type="objOnly" preserve="1">
   <p:cSld name="Centered Text">
     <p:spTree>
       <p:nvGrpSpPr>
@@ -3562,16 +3776,17 @@
           </a:prstGeom>
         </p:spPr>
         <p:txBody>
-          <a:bodyPr lIns="0" rIns="0" tIns="0" bIns="0" anchor="ctr"/>
+          <a:bodyPr lIns="0" tIns="0" rIns="0" bIns="0" anchor="ctr"/>
+          <a:lstStyle/>
           <a:p>
             <a:pPr algn="ctr"/>
-            <a:endParaRPr b="0" lang="en-GB" sz="3200" spc="-1" strike="noStrike">
-              <a:solidFill>
-                <a:srgbClr val="000000"/>
-              </a:solidFill>
-              <a:uFill>
-                <a:solidFill>
-                  <a:srgbClr val="ffffff"/>
+            <a:endParaRPr lang="en-GB" sz="3200" b="0" strike="noStrike" spc="-1">
+              <a:solidFill>
+                <a:srgbClr val="000000"/>
+              </a:solidFill>
+              <a:uFill>
+                <a:solidFill>
+                  <a:srgbClr val="FFFFFF"/>
                 </a:solidFill>
               </a:uFill>
               <a:latin typeface="Arial"/>
@@ -3581,11 +3796,14 @@
       </p:sp>
     </p:spTree>
   </p:cSld>
+  <p:clrMapOvr>
+    <a:masterClrMapping/>
+  </p:clrMapOvr>
 </p:sldLayout>
 </file>
 
 <file path=ppt/slideLayouts/slideLayout7.xml><?xml version="1.0" encoding="utf-8"?>
-<p:sldLayout xmlns:a="http://schemas.openxmlformats.org/drawingml/2006/main" xmlns:p="http://schemas.openxmlformats.org/presentationml/2006/main" xmlns:r="http://schemas.openxmlformats.org/officeDocument/2006/relationships" xmlns:p14="http://schemas.microsoft.com/office/powerpoint/2010/main" xmlns:p15="http://schemas.microsoft.com/office/powerpoint/2012/main" xmlns:mc="http://schemas.openxmlformats.org/markup-compatibility/2006" type="twoObjAndObj" preserve="1">
+<p:sldLayout xmlns:a="http://schemas.openxmlformats.org/drawingml/2006/main" xmlns:r="http://schemas.openxmlformats.org/officeDocument/2006/relationships" xmlns:p="http://schemas.openxmlformats.org/presentationml/2006/main" type="twoObjAndObj" preserve="1">
   <p:cSld name="Title, 2 Content and Content">
     <p:spTree>
       <p:nvGrpSpPr>
@@ -3621,16 +3839,17 @@
           </a:prstGeom>
         </p:spPr>
         <p:txBody>
-          <a:bodyPr lIns="0" rIns="0" tIns="0" bIns="0" anchor="ctr"/>
+          <a:bodyPr lIns="0" tIns="0" rIns="0" bIns="0" anchor="ctr"/>
+          <a:lstStyle/>
           <a:p>
             <a:pPr algn="ctr"/>
-            <a:endParaRPr b="0" lang="en-GB" sz="4400" spc="-1" strike="noStrike">
-              <a:solidFill>
-                <a:srgbClr val="000000"/>
-              </a:solidFill>
-              <a:uFill>
-                <a:solidFill>
-                  <a:srgbClr val="ffffff"/>
+            <a:endParaRPr lang="en-GB" sz="4400" b="0" strike="noStrike" spc="-1">
+              <a:solidFill>
+                <a:srgbClr val="000000"/>
+              </a:solidFill>
+              <a:uFill>
+                <a:solidFill>
+                  <a:srgbClr val="FFFFFF"/>
                 </a:solidFill>
               </a:uFill>
               <a:latin typeface="Arial"/>
@@ -3658,15 +3877,16 @@
           </a:prstGeom>
         </p:spPr>
         <p:txBody>
-          <a:bodyPr lIns="0" rIns="0" tIns="0" bIns="0"/>
-          <a:p>
-            <a:endParaRPr b="0" lang="en-GB" sz="3200" spc="-1" strike="noStrike">
-              <a:solidFill>
-                <a:srgbClr val="000000"/>
-              </a:solidFill>
-              <a:uFill>
-                <a:solidFill>
-                  <a:srgbClr val="ffffff"/>
+          <a:bodyPr lIns="0" tIns="0" rIns="0" bIns="0"/>
+          <a:lstStyle/>
+          <a:p>
+            <a:endParaRPr lang="en-GB" sz="3200" b="0" strike="noStrike" spc="-1">
+              <a:solidFill>
+                <a:srgbClr val="000000"/>
+              </a:solidFill>
+              <a:uFill>
+                <a:solidFill>
+                  <a:srgbClr val="FFFFFF"/>
                 </a:solidFill>
               </a:uFill>
               <a:latin typeface="Arial"/>
@@ -3694,15 +3914,16 @@
           </a:prstGeom>
         </p:spPr>
         <p:txBody>
-          <a:bodyPr lIns="0" rIns="0" tIns="0" bIns="0"/>
-          <a:p>
-            <a:endParaRPr b="0" lang="en-GB" sz="3200" spc="-1" strike="noStrike">
-              <a:solidFill>
-                <a:srgbClr val="000000"/>
-              </a:solidFill>
-              <a:uFill>
-                <a:solidFill>
-                  <a:srgbClr val="ffffff"/>
+          <a:bodyPr lIns="0" tIns="0" rIns="0" bIns="0"/>
+          <a:lstStyle/>
+          <a:p>
+            <a:endParaRPr lang="en-GB" sz="3200" b="0" strike="noStrike" spc="-1">
+              <a:solidFill>
+                <a:srgbClr val="000000"/>
+              </a:solidFill>
+              <a:uFill>
+                <a:solidFill>
+                  <a:srgbClr val="FFFFFF"/>
                 </a:solidFill>
               </a:uFill>
               <a:latin typeface="Arial"/>
@@ -3730,15 +3951,16 @@
           </a:prstGeom>
         </p:spPr>
         <p:txBody>
-          <a:bodyPr lIns="0" rIns="0" tIns="0" bIns="0"/>
-          <a:p>
-            <a:endParaRPr b="0" lang="en-GB" sz="3200" spc="-1" strike="noStrike">
-              <a:solidFill>
-                <a:srgbClr val="000000"/>
-              </a:solidFill>
-              <a:uFill>
-                <a:solidFill>
-                  <a:srgbClr val="ffffff"/>
+          <a:bodyPr lIns="0" tIns="0" rIns="0" bIns="0"/>
+          <a:lstStyle/>
+          <a:p>
+            <a:endParaRPr lang="en-GB" sz="3200" b="0" strike="noStrike" spc="-1">
+              <a:solidFill>
+                <a:srgbClr val="000000"/>
+              </a:solidFill>
+              <a:uFill>
+                <a:solidFill>
+                  <a:srgbClr val="FFFFFF"/>
                 </a:solidFill>
               </a:uFill>
               <a:latin typeface="Arial"/>
@@ -3748,11 +3970,14 @@
       </p:sp>
     </p:spTree>
   </p:cSld>
+  <p:clrMapOvr>
+    <a:masterClrMapping/>
+  </p:clrMapOvr>
 </p:sldLayout>
 </file>
 
 <file path=ppt/slideLayouts/slideLayout8.xml><?xml version="1.0" encoding="utf-8"?>
-<p:sldLayout xmlns:a="http://schemas.openxmlformats.org/drawingml/2006/main" xmlns:p="http://schemas.openxmlformats.org/presentationml/2006/main" xmlns:r="http://schemas.openxmlformats.org/officeDocument/2006/relationships" xmlns:p14="http://schemas.microsoft.com/office/powerpoint/2010/main" xmlns:p15="http://schemas.microsoft.com/office/powerpoint/2012/main" xmlns:mc="http://schemas.openxmlformats.org/markup-compatibility/2006" type="objAndTwoObj" preserve="1">
+<p:sldLayout xmlns:a="http://schemas.openxmlformats.org/drawingml/2006/main" xmlns:r="http://schemas.openxmlformats.org/officeDocument/2006/relationships" xmlns:p="http://schemas.openxmlformats.org/presentationml/2006/main" type="objAndTwoObj" preserve="1">
   <p:cSld name="Title Content and 2 Content">
     <p:spTree>
       <p:nvGrpSpPr>
@@ -3788,16 +4013,17 @@
           </a:prstGeom>
         </p:spPr>
         <p:txBody>
-          <a:bodyPr lIns="0" rIns="0" tIns="0" bIns="0" anchor="ctr"/>
+          <a:bodyPr lIns="0" tIns="0" rIns="0" bIns="0" anchor="ctr"/>
+          <a:lstStyle/>
           <a:p>
             <a:pPr algn="ctr"/>
-            <a:endParaRPr b="0" lang="en-GB" sz="4400" spc="-1" strike="noStrike">
-              <a:solidFill>
-                <a:srgbClr val="000000"/>
-              </a:solidFill>
-              <a:uFill>
-                <a:solidFill>
-                  <a:srgbClr val="ffffff"/>
+            <a:endParaRPr lang="en-GB" sz="4400" b="0" strike="noStrike" spc="-1">
+              <a:solidFill>
+                <a:srgbClr val="000000"/>
+              </a:solidFill>
+              <a:uFill>
+                <a:solidFill>
+                  <a:srgbClr val="FFFFFF"/>
                 </a:solidFill>
               </a:uFill>
               <a:latin typeface="Arial"/>
@@ -3825,15 +4051,16 @@
           </a:prstGeom>
         </p:spPr>
         <p:txBody>
-          <a:bodyPr lIns="0" rIns="0" tIns="0" bIns="0"/>
-          <a:p>
-            <a:endParaRPr b="0" lang="en-GB" sz="3200" spc="-1" strike="noStrike">
-              <a:solidFill>
-                <a:srgbClr val="000000"/>
-              </a:solidFill>
-              <a:uFill>
-                <a:solidFill>
-                  <a:srgbClr val="ffffff"/>
+          <a:bodyPr lIns="0" tIns="0" rIns="0" bIns="0"/>
+          <a:lstStyle/>
+          <a:p>
+            <a:endParaRPr lang="en-GB" sz="3200" b="0" strike="noStrike" spc="-1">
+              <a:solidFill>
+                <a:srgbClr val="000000"/>
+              </a:solidFill>
+              <a:uFill>
+                <a:solidFill>
+                  <a:srgbClr val="FFFFFF"/>
                 </a:solidFill>
               </a:uFill>
               <a:latin typeface="Arial"/>
@@ -3861,15 +4088,16 @@
           </a:prstGeom>
         </p:spPr>
         <p:txBody>
-          <a:bodyPr lIns="0" rIns="0" tIns="0" bIns="0"/>
-          <a:p>
-            <a:endParaRPr b="0" lang="en-GB" sz="3200" spc="-1" strike="noStrike">
-              <a:solidFill>
-                <a:srgbClr val="000000"/>
-              </a:solidFill>
-              <a:uFill>
-                <a:solidFill>
-                  <a:srgbClr val="ffffff"/>
+          <a:bodyPr lIns="0" tIns="0" rIns="0" bIns="0"/>
+          <a:lstStyle/>
+          <a:p>
+            <a:endParaRPr lang="en-GB" sz="3200" b="0" strike="noStrike" spc="-1">
+              <a:solidFill>
+                <a:srgbClr val="000000"/>
+              </a:solidFill>
+              <a:uFill>
+                <a:solidFill>
+                  <a:srgbClr val="FFFFFF"/>
                 </a:solidFill>
               </a:uFill>
               <a:latin typeface="Arial"/>
@@ -3897,15 +4125,16 @@
           </a:prstGeom>
         </p:spPr>
         <p:txBody>
-          <a:bodyPr lIns="0" rIns="0" tIns="0" bIns="0"/>
-          <a:p>
-            <a:endParaRPr b="0" lang="en-GB" sz="3200" spc="-1" strike="noStrike">
-              <a:solidFill>
-                <a:srgbClr val="000000"/>
-              </a:solidFill>
-              <a:uFill>
-                <a:solidFill>
-                  <a:srgbClr val="ffffff"/>
+          <a:bodyPr lIns="0" tIns="0" rIns="0" bIns="0"/>
+          <a:lstStyle/>
+          <a:p>
+            <a:endParaRPr lang="en-GB" sz="3200" b="0" strike="noStrike" spc="-1">
+              <a:solidFill>
+                <a:srgbClr val="000000"/>
+              </a:solidFill>
+              <a:uFill>
+                <a:solidFill>
+                  <a:srgbClr val="FFFFFF"/>
                 </a:solidFill>
               </a:uFill>
               <a:latin typeface="Arial"/>
@@ -3915,11 +4144,14 @@
       </p:sp>
     </p:spTree>
   </p:cSld>
+  <p:clrMapOvr>
+    <a:masterClrMapping/>
+  </p:clrMapOvr>
 </p:sldLayout>
 </file>
 
 <file path=ppt/slideLayouts/slideLayout9.xml><?xml version="1.0" encoding="utf-8"?>
-<p:sldLayout xmlns:a="http://schemas.openxmlformats.org/drawingml/2006/main" xmlns:p="http://schemas.openxmlformats.org/presentationml/2006/main" xmlns:r="http://schemas.openxmlformats.org/officeDocument/2006/relationships" xmlns:p14="http://schemas.microsoft.com/office/powerpoint/2010/main" xmlns:p15="http://schemas.microsoft.com/office/powerpoint/2012/main" xmlns:mc="http://schemas.openxmlformats.org/markup-compatibility/2006" type="twoObjOverTx" preserve="1">
+<p:sldLayout xmlns:a="http://schemas.openxmlformats.org/drawingml/2006/main" xmlns:r="http://schemas.openxmlformats.org/officeDocument/2006/relationships" xmlns:p="http://schemas.openxmlformats.org/presentationml/2006/main" type="twoObjOverTx" preserve="1">
   <p:cSld name="Title, 2 Content over Content">
     <p:spTree>
       <p:nvGrpSpPr>
@@ -3955,16 +4187,17 @@
           </a:prstGeom>
         </p:spPr>
         <p:txBody>
-          <a:bodyPr lIns="0" rIns="0" tIns="0" bIns="0" anchor="ctr"/>
+          <a:bodyPr lIns="0" tIns="0" rIns="0" bIns="0" anchor="ctr"/>
+          <a:lstStyle/>
           <a:p>
             <a:pPr algn="ctr"/>
-            <a:endParaRPr b="0" lang="en-GB" sz="4400" spc="-1" strike="noStrike">
-              <a:solidFill>
-                <a:srgbClr val="000000"/>
-              </a:solidFill>
-              <a:uFill>
-                <a:solidFill>
-                  <a:srgbClr val="ffffff"/>
+            <a:endParaRPr lang="en-GB" sz="4400" b="0" strike="noStrike" spc="-1">
+              <a:solidFill>
+                <a:srgbClr val="000000"/>
+              </a:solidFill>
+              <a:uFill>
+                <a:solidFill>
+                  <a:srgbClr val="FFFFFF"/>
                 </a:solidFill>
               </a:uFill>
               <a:latin typeface="Arial"/>
@@ -3992,15 +4225,16 @@
           </a:prstGeom>
         </p:spPr>
         <p:txBody>
-          <a:bodyPr lIns="0" rIns="0" tIns="0" bIns="0"/>
-          <a:p>
-            <a:endParaRPr b="0" lang="en-GB" sz="3200" spc="-1" strike="noStrike">
-              <a:solidFill>
-                <a:srgbClr val="000000"/>
-              </a:solidFill>
-              <a:uFill>
-                <a:solidFill>
-                  <a:srgbClr val="ffffff"/>
+          <a:bodyPr lIns="0" tIns="0" rIns="0" bIns="0"/>
+          <a:lstStyle/>
+          <a:p>
+            <a:endParaRPr lang="en-GB" sz="3200" b="0" strike="noStrike" spc="-1">
+              <a:solidFill>
+                <a:srgbClr val="000000"/>
+              </a:solidFill>
+              <a:uFill>
+                <a:solidFill>
+                  <a:srgbClr val="FFFFFF"/>
                 </a:solidFill>
               </a:uFill>
               <a:latin typeface="Arial"/>
@@ -4028,15 +4262,16 @@
           </a:prstGeom>
         </p:spPr>
         <p:txBody>
-          <a:bodyPr lIns="0" rIns="0" tIns="0" bIns="0"/>
-          <a:p>
-            <a:endParaRPr b="0" lang="en-GB" sz="3200" spc="-1" strike="noStrike">
-              <a:solidFill>
-                <a:srgbClr val="000000"/>
-              </a:solidFill>
-              <a:uFill>
-                <a:solidFill>
-                  <a:srgbClr val="ffffff"/>
+          <a:bodyPr lIns="0" tIns="0" rIns="0" bIns="0"/>
+          <a:lstStyle/>
+          <a:p>
+            <a:endParaRPr lang="en-GB" sz="3200" b="0" strike="noStrike" spc="-1">
+              <a:solidFill>
+                <a:srgbClr val="000000"/>
+              </a:solidFill>
+              <a:uFill>
+                <a:solidFill>
+                  <a:srgbClr val="FFFFFF"/>
                 </a:solidFill>
               </a:uFill>
               <a:latin typeface="Arial"/>
@@ -4064,15 +4299,16 @@
           </a:prstGeom>
         </p:spPr>
         <p:txBody>
-          <a:bodyPr lIns="0" rIns="0" tIns="0" bIns="0"/>
-          <a:p>
-            <a:endParaRPr b="0" lang="en-GB" sz="3200" spc="-1" strike="noStrike">
-              <a:solidFill>
-                <a:srgbClr val="000000"/>
-              </a:solidFill>
-              <a:uFill>
-                <a:solidFill>
-                  <a:srgbClr val="ffffff"/>
+          <a:bodyPr lIns="0" tIns="0" rIns="0" bIns="0"/>
+          <a:lstStyle/>
+          <a:p>
+            <a:endParaRPr lang="en-GB" sz="3200" b="0" strike="noStrike" spc="-1">
+              <a:solidFill>
+                <a:srgbClr val="000000"/>
+              </a:solidFill>
+              <a:uFill>
+                <a:solidFill>
+                  <a:srgbClr val="FFFFFF"/>
                 </a:solidFill>
               </a:uFill>
               <a:latin typeface="Arial"/>
@@ -4082,17 +4318,21 @@
       </p:sp>
     </p:spTree>
   </p:cSld>
+  <p:clrMapOvr>
+    <a:masterClrMapping/>
+  </p:clrMapOvr>
 </p:sldLayout>
 </file>
 
 <file path=ppt/slideMasters/slideMaster1.xml><?xml version="1.0" encoding="utf-8"?>
-<p:sldMaster xmlns:a="http://schemas.openxmlformats.org/drawingml/2006/main" xmlns:p="http://schemas.openxmlformats.org/presentationml/2006/main" xmlns:r="http://schemas.openxmlformats.org/officeDocument/2006/relationships" xmlns:p14="http://schemas.microsoft.com/office/powerpoint/2010/main" xmlns:p15="http://schemas.microsoft.com/office/powerpoint/2012/main" xmlns:mc="http://schemas.openxmlformats.org/markup-compatibility/2006">
+<p:sldMaster xmlns:a="http://schemas.openxmlformats.org/drawingml/2006/main" xmlns:r="http://schemas.openxmlformats.org/officeDocument/2006/relationships" xmlns:p="http://schemas.openxmlformats.org/presentationml/2006/main">
   <p:cSld>
     <p:bg>
       <p:bgPr>
         <a:solidFill>
-          <a:srgbClr val="ffffff"/>
+          <a:srgbClr val="FFFFFF"/>
         </a:solidFill>
+        <a:effectLst/>
       </p:bgPr>
     </p:bg>
     <p:spTree>
@@ -4111,7 +4351,7 @@
       </p:grpSpPr>
       <p:sp>
         <p:nvSpPr>
-          <p:cNvPr id="0" name="PlaceHolder 1"/>
+          <p:cNvPr id="2" name="PlaceHolder 1"/>
           <p:cNvSpPr>
             <a:spLocks noGrp="1"/>
           </p:cNvSpPr>
@@ -4129,40 +4369,30 @@
           </a:prstGeom>
         </p:spPr>
         <p:txBody>
-          <a:bodyPr lIns="0" rIns="0" tIns="0" bIns="0" anchor="ctr"/>
+          <a:bodyPr lIns="0" tIns="0" rIns="0" bIns="0" anchor="ctr"/>
+          <a:lstStyle/>
           <a:p>
             <a:pPr algn="ctr"/>
             <a:r>
-              <a:rPr b="0" lang="en-GB" sz="4400" spc="-1" strike="noStrike">
+              <a:rPr lang="en-GB" sz="4400" b="0" strike="noStrike" spc="-1">
                 <a:solidFill>
                   <a:srgbClr val="000000"/>
                 </a:solidFill>
                 <a:uFill>
                   <a:solidFill>
-                    <a:srgbClr val="ffffff"/>
+                    <a:srgbClr val="FFFFFF"/>
                   </a:solidFill>
                 </a:uFill>
                 <a:latin typeface="Arial"/>
               </a:rPr>
               <a:t>Click to edit the title text format</a:t>
             </a:r>
-            <a:endParaRPr b="0" lang="en-GB" sz="4400" spc="-1" strike="noStrike">
-              <a:solidFill>
-                <a:srgbClr val="000000"/>
-              </a:solidFill>
-              <a:uFill>
-                <a:solidFill>
-                  <a:srgbClr val="ffffff"/>
-                </a:solidFill>
-              </a:uFill>
-              <a:latin typeface="Arial"/>
-            </a:endParaRPr>
-          </a:p>
-        </p:txBody>
-      </p:sp>
-      <p:sp>
-        <p:nvSpPr>
-          <p:cNvPr id="1" name="PlaceHolder 2"/>
+          </a:p>
+        </p:txBody>
+      </p:sp>
+      <p:sp>
+        <p:nvSpPr>
+          <p:cNvPr id="3" name="PlaceHolder 2"/>
           <p:cNvSpPr>
             <a:spLocks noGrp="1"/>
           </p:cNvSpPr>
@@ -4180,7 +4410,8 @@
           </a:prstGeom>
         </p:spPr>
         <p:txBody>
-          <a:bodyPr lIns="0" rIns="0" tIns="0" bIns="0"/>
+          <a:bodyPr lIns="0" tIns="0" rIns="0" bIns="0"/>
+          <a:lstStyle/>
           <a:p>
             <a:pPr marL="432000" indent="-324000">
               <a:buClr>
@@ -4191,33 +4422,22 @@
               <a:buChar char=""/>
             </a:pPr>
             <a:r>
-              <a:rPr b="0" lang="en-GB" sz="3200" spc="-1" strike="noStrike">
+              <a:rPr lang="en-GB" sz="3200" b="0" strike="noStrike" spc="-1">
                 <a:solidFill>
                   <a:srgbClr val="000000"/>
                 </a:solidFill>
                 <a:uFill>
                   <a:solidFill>
-                    <a:srgbClr val="ffffff"/>
+                    <a:srgbClr val="FFFFFF"/>
                   </a:solidFill>
                 </a:uFill>
                 <a:latin typeface="Arial"/>
               </a:rPr>
               <a:t>Click to edit the outline text format</a:t>
             </a:r>
-            <a:endParaRPr b="0" lang="en-GB" sz="3200" spc="-1" strike="noStrike">
-              <a:solidFill>
-                <a:srgbClr val="000000"/>
-              </a:solidFill>
-              <a:uFill>
-                <a:solidFill>
-                  <a:srgbClr val="ffffff"/>
-                </a:solidFill>
-              </a:uFill>
-              <a:latin typeface="Arial"/>
-            </a:endParaRPr>
-          </a:p>
-          <a:p>
-            <a:pPr lvl="1" marL="864000" indent="-324000">
+          </a:p>
+          <a:p>
+            <a:pPr marL="864000" lvl="1" indent="-324000">
               <a:buClr>
                 <a:srgbClr val="000000"/>
               </a:buClr>
@@ -4226,33 +4446,22 @@
               <a:buChar char=""/>
             </a:pPr>
             <a:r>
-              <a:rPr b="0" lang="en-GB" sz="2800" spc="-1" strike="noStrike">
+              <a:rPr lang="en-GB" sz="2800" b="0" strike="noStrike" spc="-1">
                 <a:solidFill>
                   <a:srgbClr val="000000"/>
                 </a:solidFill>
                 <a:uFill>
                   <a:solidFill>
-                    <a:srgbClr val="ffffff"/>
+                    <a:srgbClr val="FFFFFF"/>
                   </a:solidFill>
                 </a:uFill>
                 <a:latin typeface="Arial"/>
               </a:rPr>
               <a:t>Second Outline Level</a:t>
             </a:r>
-            <a:endParaRPr b="0" lang="en-GB" sz="2800" spc="-1" strike="noStrike">
-              <a:solidFill>
-                <a:srgbClr val="000000"/>
-              </a:solidFill>
-              <a:uFill>
-                <a:solidFill>
-                  <a:srgbClr val="ffffff"/>
-                </a:solidFill>
-              </a:uFill>
-              <a:latin typeface="Arial"/>
-            </a:endParaRPr>
-          </a:p>
-          <a:p>
-            <a:pPr lvl="2" marL="1296000" indent="-288000">
+          </a:p>
+          <a:p>
+            <a:pPr marL="1296000" lvl="2" indent="-288000">
               <a:buClr>
                 <a:srgbClr val="000000"/>
               </a:buClr>
@@ -4261,33 +4470,22 @@
               <a:buChar char=""/>
             </a:pPr>
             <a:r>
-              <a:rPr b="0" lang="en-GB" sz="2400" spc="-1" strike="noStrike">
+              <a:rPr lang="en-GB" sz="2400" b="0" strike="noStrike" spc="-1">
                 <a:solidFill>
                   <a:srgbClr val="000000"/>
                 </a:solidFill>
                 <a:uFill>
                   <a:solidFill>
-                    <a:srgbClr val="ffffff"/>
+                    <a:srgbClr val="FFFFFF"/>
                   </a:solidFill>
                 </a:uFill>
                 <a:latin typeface="Arial"/>
               </a:rPr>
               <a:t>Third Outline Level</a:t>
             </a:r>
-            <a:endParaRPr b="0" lang="en-GB" sz="2400" spc="-1" strike="noStrike">
-              <a:solidFill>
-                <a:srgbClr val="000000"/>
-              </a:solidFill>
-              <a:uFill>
-                <a:solidFill>
-                  <a:srgbClr val="ffffff"/>
-                </a:solidFill>
-              </a:uFill>
-              <a:latin typeface="Arial"/>
-            </a:endParaRPr>
-          </a:p>
-          <a:p>
-            <a:pPr lvl="3" marL="1728000" indent="-216000">
+          </a:p>
+          <a:p>
+            <a:pPr marL="1728000" lvl="3" indent="-216000">
               <a:buClr>
                 <a:srgbClr val="000000"/>
               </a:buClr>
@@ -4296,33 +4494,22 @@
               <a:buChar char=""/>
             </a:pPr>
             <a:r>
-              <a:rPr b="0" lang="en-GB" sz="2000" spc="-1" strike="noStrike">
+              <a:rPr lang="en-GB" sz="2000" b="0" strike="noStrike" spc="-1">
                 <a:solidFill>
                   <a:srgbClr val="000000"/>
                 </a:solidFill>
                 <a:uFill>
                   <a:solidFill>
-                    <a:srgbClr val="ffffff"/>
+                    <a:srgbClr val="FFFFFF"/>
                   </a:solidFill>
                 </a:uFill>
                 <a:latin typeface="Arial"/>
               </a:rPr>
               <a:t>Fourth Outline Level</a:t>
             </a:r>
-            <a:endParaRPr b="0" lang="en-GB" sz="2000" spc="-1" strike="noStrike">
-              <a:solidFill>
-                <a:srgbClr val="000000"/>
-              </a:solidFill>
-              <a:uFill>
-                <a:solidFill>
-                  <a:srgbClr val="ffffff"/>
-                </a:solidFill>
-              </a:uFill>
-              <a:latin typeface="Arial"/>
-            </a:endParaRPr>
-          </a:p>
-          <a:p>
-            <a:pPr lvl="4" marL="2160000" indent="-216000">
+          </a:p>
+          <a:p>
+            <a:pPr marL="2160000" lvl="4" indent="-216000">
               <a:buClr>
                 <a:srgbClr val="000000"/>
               </a:buClr>
@@ -4331,33 +4518,22 @@
               <a:buChar char=""/>
             </a:pPr>
             <a:r>
-              <a:rPr b="0" lang="en-GB" sz="2000" spc="-1" strike="noStrike">
+              <a:rPr lang="en-GB" sz="2000" b="0" strike="noStrike" spc="-1">
                 <a:solidFill>
                   <a:srgbClr val="000000"/>
                 </a:solidFill>
                 <a:uFill>
                   <a:solidFill>
-                    <a:srgbClr val="ffffff"/>
+                    <a:srgbClr val="FFFFFF"/>
                   </a:solidFill>
                 </a:uFill>
                 <a:latin typeface="Arial"/>
               </a:rPr>
               <a:t>Fifth Outline Level</a:t>
             </a:r>
-            <a:endParaRPr b="0" lang="en-GB" sz="2000" spc="-1" strike="noStrike">
-              <a:solidFill>
-                <a:srgbClr val="000000"/>
-              </a:solidFill>
-              <a:uFill>
-                <a:solidFill>
-                  <a:srgbClr val="ffffff"/>
-                </a:solidFill>
-              </a:uFill>
-              <a:latin typeface="Arial"/>
-            </a:endParaRPr>
-          </a:p>
-          <a:p>
-            <a:pPr lvl="5" marL="2592000" indent="-216000">
+          </a:p>
+          <a:p>
+            <a:pPr marL="2592000" lvl="5" indent="-216000">
               <a:buClr>
                 <a:srgbClr val="000000"/>
               </a:buClr>
@@ -4366,33 +4542,22 @@
               <a:buChar char=""/>
             </a:pPr>
             <a:r>
-              <a:rPr b="0" lang="en-GB" sz="2000" spc="-1" strike="noStrike">
+              <a:rPr lang="en-GB" sz="2000" b="0" strike="noStrike" spc="-1">
                 <a:solidFill>
                   <a:srgbClr val="000000"/>
                 </a:solidFill>
                 <a:uFill>
                   <a:solidFill>
-                    <a:srgbClr val="ffffff"/>
+                    <a:srgbClr val="FFFFFF"/>
                   </a:solidFill>
                 </a:uFill>
                 <a:latin typeface="Arial"/>
               </a:rPr>
               <a:t>Sixth Outline Level</a:t>
             </a:r>
-            <a:endParaRPr b="0" lang="en-GB" sz="2000" spc="-1" strike="noStrike">
-              <a:solidFill>
-                <a:srgbClr val="000000"/>
-              </a:solidFill>
-              <a:uFill>
-                <a:solidFill>
-                  <a:srgbClr val="ffffff"/>
-                </a:solidFill>
-              </a:uFill>
-              <a:latin typeface="Arial"/>
-            </a:endParaRPr>
-          </a:p>
-          <a:p>
-            <a:pPr lvl="6" marL="3024000" indent="-216000">
+          </a:p>
+          <a:p>
+            <a:pPr marL="3024000" lvl="6" indent="-216000">
               <a:buClr>
                 <a:srgbClr val="000000"/>
               </a:buClr>
@@ -4401,61 +4566,331 @@
               <a:buChar char=""/>
             </a:pPr>
             <a:r>
-              <a:rPr b="0" lang="en-GB" sz="2000" spc="-1" strike="noStrike">
+              <a:rPr lang="en-GB" sz="2000" b="0" strike="noStrike" spc="-1">
                 <a:solidFill>
                   <a:srgbClr val="000000"/>
                 </a:solidFill>
                 <a:uFill>
                   <a:solidFill>
-                    <a:srgbClr val="ffffff"/>
+                    <a:srgbClr val="FFFFFF"/>
                   </a:solidFill>
                 </a:uFill>
                 <a:latin typeface="Arial"/>
               </a:rPr>
               <a:t>Seventh Outline Level</a:t>
             </a:r>
-            <a:endParaRPr b="0" lang="en-GB" sz="2000" spc="-1" strike="noStrike">
-              <a:solidFill>
-                <a:srgbClr val="000000"/>
-              </a:solidFill>
-              <a:uFill>
-                <a:solidFill>
-                  <a:srgbClr val="ffffff"/>
-                </a:solidFill>
-              </a:uFill>
-              <a:latin typeface="Arial"/>
-            </a:endParaRPr>
           </a:p>
         </p:txBody>
       </p:sp>
     </p:spTree>
   </p:cSld>
-  <p:clrMap bg1="lt1" bg2="lt2" tx1="dk1" tx2="dk2" accent1="accent1" accent2="accent2" accent3="accent3" accent4="accent4" accent5="accent5" accent6="accent6" hlink="hlink" folHlink="folHlink"/>
+  <p:clrMap bg1="lt1" tx1="dk1" bg2="lt2" tx2="dk2" accent1="accent1" accent2="accent2" accent3="accent3" accent4="accent4" accent5="accent5" accent6="accent6" hlink="hlink" folHlink="folHlink"/>
   <p:sldLayoutIdLst>
-    <p:sldLayoutId id="2147483649" r:id="rId2"/>
-    <p:sldLayoutId id="2147483650" r:id="rId3"/>
-    <p:sldLayoutId id="2147483651" r:id="rId4"/>
-    <p:sldLayoutId id="2147483652" r:id="rId5"/>
-    <p:sldLayoutId id="2147483653" r:id="rId6"/>
-    <p:sldLayoutId id="2147483654" r:id="rId7"/>
-    <p:sldLayoutId id="2147483655" r:id="rId8"/>
-    <p:sldLayoutId id="2147483656" r:id="rId9"/>
-    <p:sldLayoutId id="2147483657" r:id="rId10"/>
-    <p:sldLayoutId id="2147483658" r:id="rId11"/>
-    <p:sldLayoutId id="2147483659" r:id="rId12"/>
-    <p:sldLayoutId id="2147483660" r:id="rId13"/>
+    <p:sldLayoutId id="2147483649" r:id="rId1"/>
+    <p:sldLayoutId id="2147483650" r:id="rId2"/>
+    <p:sldLayoutId id="2147483651" r:id="rId3"/>
+    <p:sldLayoutId id="2147483652" r:id="rId4"/>
+    <p:sldLayoutId id="2147483653" r:id="rId5"/>
+    <p:sldLayoutId id="2147483654" r:id="rId6"/>
+    <p:sldLayoutId id="2147483655" r:id="rId7"/>
+    <p:sldLayoutId id="2147483656" r:id="rId8"/>
+    <p:sldLayoutId id="2147483657" r:id="rId9"/>
+    <p:sldLayoutId id="2147483658" r:id="rId10"/>
+    <p:sldLayoutId id="2147483659" r:id="rId11"/>
+    <p:sldLayoutId id="2147483660" r:id="rId12"/>
   </p:sldLayoutIdLst>
+  <p:txStyles>
+    <p:titleStyle>
+      <a:lvl1pPr algn="l" defTabSz="914400" rtl="0" eaLnBrk="1" latinLnBrk="0" hangingPunct="1">
+        <a:lnSpc>
+          <a:spcPct val="90000"/>
+        </a:lnSpc>
+        <a:spcBef>
+          <a:spcPct val="0"/>
+        </a:spcBef>
+        <a:buNone/>
+        <a:defRPr sz="4400" kern="1200">
+          <a:solidFill>
+            <a:schemeClr val="tx1"/>
+          </a:solidFill>
+          <a:latin typeface="+mj-lt"/>
+          <a:ea typeface="+mj-ea"/>
+          <a:cs typeface="+mj-cs"/>
+        </a:defRPr>
+      </a:lvl1pPr>
+    </p:titleStyle>
+    <p:bodyStyle>
+      <a:lvl1pPr marL="228600" indent="-228600" algn="l" defTabSz="914400" rtl="0" eaLnBrk="1" latinLnBrk="0" hangingPunct="1">
+        <a:lnSpc>
+          <a:spcPct val="90000"/>
+        </a:lnSpc>
+        <a:spcBef>
+          <a:spcPts val="1000"/>
+        </a:spcBef>
+        <a:buFont typeface="Arial"/>
+        <a:buChar char="•"/>
+        <a:defRPr sz="2800" kern="1200">
+          <a:solidFill>
+            <a:schemeClr val="tx1"/>
+          </a:solidFill>
+          <a:latin typeface="+mn-lt"/>
+          <a:ea typeface="+mn-ea"/>
+          <a:cs typeface="+mn-cs"/>
+        </a:defRPr>
+      </a:lvl1pPr>
+      <a:lvl2pPr marL="685800" indent="-228600" algn="l" defTabSz="914400" rtl="0" eaLnBrk="1" latinLnBrk="0" hangingPunct="1">
+        <a:lnSpc>
+          <a:spcPct val="90000"/>
+        </a:lnSpc>
+        <a:spcBef>
+          <a:spcPts val="500"/>
+        </a:spcBef>
+        <a:buFont typeface="Arial"/>
+        <a:buChar char="•"/>
+        <a:defRPr sz="2400" kern="1200">
+          <a:solidFill>
+            <a:schemeClr val="tx1"/>
+          </a:solidFill>
+          <a:latin typeface="+mn-lt"/>
+          <a:ea typeface="+mn-ea"/>
+          <a:cs typeface="+mn-cs"/>
+        </a:defRPr>
+      </a:lvl2pPr>
+      <a:lvl3pPr marL="1143000" indent="-228600" algn="l" defTabSz="914400" rtl="0" eaLnBrk="1" latinLnBrk="0" hangingPunct="1">
+        <a:lnSpc>
+          <a:spcPct val="90000"/>
+        </a:lnSpc>
+        <a:spcBef>
+          <a:spcPts val="500"/>
+        </a:spcBef>
+        <a:buFont typeface="Arial"/>
+        <a:buChar char="•"/>
+        <a:defRPr sz="2000" kern="1200">
+          <a:solidFill>
+            <a:schemeClr val="tx1"/>
+          </a:solidFill>
+          <a:latin typeface="+mn-lt"/>
+          <a:ea typeface="+mn-ea"/>
+          <a:cs typeface="+mn-cs"/>
+        </a:defRPr>
+      </a:lvl3pPr>
+      <a:lvl4pPr marL="1600200" indent="-228600" algn="l" defTabSz="914400" rtl="0" eaLnBrk="1" latinLnBrk="0" hangingPunct="1">
+        <a:lnSpc>
+          <a:spcPct val="90000"/>
+        </a:lnSpc>
+        <a:spcBef>
+          <a:spcPts val="500"/>
+        </a:spcBef>
+        <a:buFont typeface="Arial"/>
+        <a:buChar char="•"/>
+        <a:defRPr sz="1800" kern="1200">
+          <a:solidFill>
+            <a:schemeClr val="tx1"/>
+          </a:solidFill>
+          <a:latin typeface="+mn-lt"/>
+          <a:ea typeface="+mn-ea"/>
+          <a:cs typeface="+mn-cs"/>
+        </a:defRPr>
+      </a:lvl4pPr>
+      <a:lvl5pPr marL="2057400" indent="-228600" algn="l" defTabSz="914400" rtl="0" eaLnBrk="1" latinLnBrk="0" hangingPunct="1">
+        <a:lnSpc>
+          <a:spcPct val="90000"/>
+        </a:lnSpc>
+        <a:spcBef>
+          <a:spcPts val="500"/>
+        </a:spcBef>
+        <a:buFont typeface="Arial"/>
+        <a:buChar char="•"/>
+        <a:defRPr sz="1800" kern="1200">
+          <a:solidFill>
+            <a:schemeClr val="tx1"/>
+          </a:solidFill>
+          <a:latin typeface="+mn-lt"/>
+          <a:ea typeface="+mn-ea"/>
+          <a:cs typeface="+mn-cs"/>
+        </a:defRPr>
+      </a:lvl5pPr>
+      <a:lvl6pPr marL="2514600" indent="-228600" algn="l" defTabSz="914400" rtl="0" eaLnBrk="1" latinLnBrk="0" hangingPunct="1">
+        <a:lnSpc>
+          <a:spcPct val="90000"/>
+        </a:lnSpc>
+        <a:spcBef>
+          <a:spcPts val="500"/>
+        </a:spcBef>
+        <a:buFont typeface="Arial"/>
+        <a:buChar char="•"/>
+        <a:defRPr sz="1800" kern="1200">
+          <a:solidFill>
+            <a:schemeClr val="tx1"/>
+          </a:solidFill>
+          <a:latin typeface="+mn-lt"/>
+          <a:ea typeface="+mn-ea"/>
+          <a:cs typeface="+mn-cs"/>
+        </a:defRPr>
+      </a:lvl6pPr>
+      <a:lvl7pPr marL="2971800" indent="-228600" algn="l" defTabSz="914400" rtl="0" eaLnBrk="1" latinLnBrk="0" hangingPunct="1">
+        <a:lnSpc>
+          <a:spcPct val="90000"/>
+        </a:lnSpc>
+        <a:spcBef>
+          <a:spcPts val="500"/>
+        </a:spcBef>
+        <a:buFont typeface="Arial"/>
+        <a:buChar char="•"/>
+        <a:defRPr sz="1800" kern="1200">
+          <a:solidFill>
+            <a:schemeClr val="tx1"/>
+          </a:solidFill>
+          <a:latin typeface="+mn-lt"/>
+          <a:ea typeface="+mn-ea"/>
+          <a:cs typeface="+mn-cs"/>
+        </a:defRPr>
+      </a:lvl7pPr>
+      <a:lvl8pPr marL="3429000" indent="-228600" algn="l" defTabSz="914400" rtl="0" eaLnBrk="1" latinLnBrk="0" hangingPunct="1">
+        <a:lnSpc>
+          <a:spcPct val="90000"/>
+        </a:lnSpc>
+        <a:spcBef>
+          <a:spcPts val="500"/>
+        </a:spcBef>
+        <a:buFont typeface="Arial"/>
+        <a:buChar char="•"/>
+        <a:defRPr sz="1800" kern="1200">
+          <a:solidFill>
+            <a:schemeClr val="tx1"/>
+          </a:solidFill>
+          <a:latin typeface="+mn-lt"/>
+          <a:ea typeface="+mn-ea"/>
+          <a:cs typeface="+mn-cs"/>
+        </a:defRPr>
+      </a:lvl8pPr>
+      <a:lvl9pPr marL="3886200" indent="-228600" algn="l" defTabSz="914400" rtl="0" eaLnBrk="1" latinLnBrk="0" hangingPunct="1">
+        <a:lnSpc>
+          <a:spcPct val="90000"/>
+        </a:lnSpc>
+        <a:spcBef>
+          <a:spcPts val="500"/>
+        </a:spcBef>
+        <a:buFont typeface="Arial"/>
+        <a:buChar char="•"/>
+        <a:defRPr sz="1800" kern="1200">
+          <a:solidFill>
+            <a:schemeClr val="tx1"/>
+          </a:solidFill>
+          <a:latin typeface="+mn-lt"/>
+          <a:ea typeface="+mn-ea"/>
+          <a:cs typeface="+mn-cs"/>
+        </a:defRPr>
+      </a:lvl9pPr>
+    </p:bodyStyle>
+    <p:otherStyle>
+      <a:defPPr>
+        <a:defRPr lang="en-US"/>
+      </a:defPPr>
+      <a:lvl1pPr marL="0" algn="l" defTabSz="914400" rtl="0" eaLnBrk="1" latinLnBrk="0" hangingPunct="1">
+        <a:defRPr sz="1800" kern="1200">
+          <a:solidFill>
+            <a:schemeClr val="tx1"/>
+          </a:solidFill>
+          <a:latin typeface="+mn-lt"/>
+          <a:ea typeface="+mn-ea"/>
+          <a:cs typeface="+mn-cs"/>
+        </a:defRPr>
+      </a:lvl1pPr>
+      <a:lvl2pPr marL="457200" algn="l" defTabSz="914400" rtl="0" eaLnBrk="1" latinLnBrk="0" hangingPunct="1">
+        <a:defRPr sz="1800" kern="1200">
+          <a:solidFill>
+            <a:schemeClr val="tx1"/>
+          </a:solidFill>
+          <a:latin typeface="+mn-lt"/>
+          <a:ea typeface="+mn-ea"/>
+          <a:cs typeface="+mn-cs"/>
+        </a:defRPr>
+      </a:lvl2pPr>
+      <a:lvl3pPr marL="914400" algn="l" defTabSz="914400" rtl="0" eaLnBrk="1" latinLnBrk="0" hangingPunct="1">
+        <a:defRPr sz="1800" kern="1200">
+          <a:solidFill>
+            <a:schemeClr val="tx1"/>
+          </a:solidFill>
+          <a:latin typeface="+mn-lt"/>
+          <a:ea typeface="+mn-ea"/>
+          <a:cs typeface="+mn-cs"/>
+        </a:defRPr>
+      </a:lvl3pPr>
+      <a:lvl4pPr marL="1371600" algn="l" defTabSz="914400" rtl="0" eaLnBrk="1" latinLnBrk="0" hangingPunct="1">
+        <a:defRPr sz="1800" kern="1200">
+          <a:solidFill>
+            <a:schemeClr val="tx1"/>
+          </a:solidFill>
+          <a:latin typeface="+mn-lt"/>
+          <a:ea typeface="+mn-ea"/>
+          <a:cs typeface="+mn-cs"/>
+        </a:defRPr>
+      </a:lvl4pPr>
+      <a:lvl5pPr marL="1828800" algn="l" defTabSz="914400" rtl="0" eaLnBrk="1" latinLnBrk="0" hangingPunct="1">
+        <a:defRPr sz="1800" kern="1200">
+          <a:solidFill>
+            <a:schemeClr val="tx1"/>
+          </a:solidFill>
+          <a:latin typeface="+mn-lt"/>
+          <a:ea typeface="+mn-ea"/>
+          <a:cs typeface="+mn-cs"/>
+        </a:defRPr>
+      </a:lvl5pPr>
+      <a:lvl6pPr marL="2286000" algn="l" defTabSz="914400" rtl="0" eaLnBrk="1" latinLnBrk="0" hangingPunct="1">
+        <a:defRPr sz="1800" kern="1200">
+          <a:solidFill>
+            <a:schemeClr val="tx1"/>
+          </a:solidFill>
+          <a:latin typeface="+mn-lt"/>
+          <a:ea typeface="+mn-ea"/>
+          <a:cs typeface="+mn-cs"/>
+        </a:defRPr>
+      </a:lvl6pPr>
+      <a:lvl7pPr marL="2743200" algn="l" defTabSz="914400" rtl="0" eaLnBrk="1" latinLnBrk="0" hangingPunct="1">
+        <a:defRPr sz="1800" kern="1200">
+          <a:solidFill>
+            <a:schemeClr val="tx1"/>
+          </a:solidFill>
+          <a:latin typeface="+mn-lt"/>
+          <a:ea typeface="+mn-ea"/>
+          <a:cs typeface="+mn-cs"/>
+        </a:defRPr>
+      </a:lvl7pPr>
+      <a:lvl8pPr marL="3200400" algn="l" defTabSz="914400" rtl="0" eaLnBrk="1" latinLnBrk="0" hangingPunct="1">
+        <a:defRPr sz="1800" kern="1200">
+          <a:solidFill>
+            <a:schemeClr val="tx1"/>
+          </a:solidFill>
+          <a:latin typeface="+mn-lt"/>
+          <a:ea typeface="+mn-ea"/>
+          <a:cs typeface="+mn-cs"/>
+        </a:defRPr>
+      </a:lvl8pPr>
+      <a:lvl9pPr marL="3657600" algn="l" defTabSz="914400" rtl="0" eaLnBrk="1" latinLnBrk="0" hangingPunct="1">
+        <a:defRPr sz="1800" kern="1200">
+          <a:solidFill>
+            <a:schemeClr val="tx1"/>
+          </a:solidFill>
+          <a:latin typeface="+mn-lt"/>
+          <a:ea typeface="+mn-ea"/>
+          <a:cs typeface="+mn-cs"/>
+        </a:defRPr>
+      </a:lvl9pPr>
+    </p:otherStyle>
+  </p:txStyles>
 </p:sldMaster>
 </file>
 
 <file path=ppt/slideMasters/slideMaster2.xml><?xml version="1.0" encoding="utf-8"?>
-<p:sldMaster xmlns:a="http://schemas.openxmlformats.org/drawingml/2006/main" xmlns:p="http://schemas.openxmlformats.org/presentationml/2006/main" xmlns:r="http://schemas.openxmlformats.org/officeDocument/2006/relationships" xmlns:p14="http://schemas.microsoft.com/office/powerpoint/2010/main" xmlns:p15="http://schemas.microsoft.com/office/powerpoint/2012/main" xmlns:mc="http://schemas.openxmlformats.org/markup-compatibility/2006">
+<p:sldMaster xmlns:a="http://schemas.openxmlformats.org/drawingml/2006/main" xmlns:r="http://schemas.openxmlformats.org/officeDocument/2006/relationships" xmlns:p="http://schemas.openxmlformats.org/presentationml/2006/main">
   <p:cSld>
     <p:bg>
       <p:bgPr>
         <a:solidFill>
-          <a:srgbClr val="ffffff"/>
+          <a:srgbClr val="FFFFFF"/>
         </a:solidFill>
+        <a:effectLst/>
       </p:bgPr>
     </p:bg>
     <p:spTree>
@@ -4492,34 +4927,24 @@
           </a:prstGeom>
         </p:spPr>
         <p:txBody>
-          <a:bodyPr lIns="0" rIns="0" tIns="0" bIns="0" anchor="ctr"/>
+          <a:bodyPr lIns="0" tIns="0" rIns="0" bIns="0" anchor="ctr"/>
+          <a:lstStyle/>
           <a:p>
             <a:pPr algn="ctr"/>
             <a:r>
-              <a:rPr b="0" lang="en-GB" sz="4400" spc="-1" strike="noStrike">
+              <a:rPr lang="en-GB" sz="4400" b="0" strike="noStrike" spc="-1">
                 <a:solidFill>
                   <a:srgbClr val="000000"/>
                 </a:solidFill>
                 <a:uFill>
                   <a:solidFill>
-                    <a:srgbClr val="ffffff"/>
+                    <a:srgbClr val="FFFFFF"/>
                   </a:solidFill>
                 </a:uFill>
                 <a:latin typeface="Arial"/>
               </a:rPr>
               <a:t>Click to edit the title text format</a:t>
             </a:r>
-            <a:endParaRPr b="0" lang="en-GB" sz="4400" spc="-1" strike="noStrike">
-              <a:solidFill>
-                <a:srgbClr val="000000"/>
-              </a:solidFill>
-              <a:uFill>
-                <a:solidFill>
-                  <a:srgbClr val="ffffff"/>
-                </a:solidFill>
-              </a:uFill>
-              <a:latin typeface="Arial"/>
-            </a:endParaRPr>
           </a:p>
         </p:txBody>
       </p:sp>
@@ -4543,7 +4968,8 @@
           </a:prstGeom>
         </p:spPr>
         <p:txBody>
-          <a:bodyPr lIns="0" rIns="0" tIns="0" bIns="0"/>
+          <a:bodyPr lIns="0" tIns="0" rIns="0" bIns="0"/>
+          <a:lstStyle/>
           <a:p>
             <a:pPr marL="432000" indent="-324000">
               <a:buClr>
@@ -4554,33 +4980,22 @@
               <a:buChar char=""/>
             </a:pPr>
             <a:r>
-              <a:rPr b="0" lang="en-GB" sz="3200" spc="-1" strike="noStrike">
+              <a:rPr lang="en-GB" sz="3200" b="0" strike="noStrike" spc="-1">
                 <a:solidFill>
                   <a:srgbClr val="000000"/>
                 </a:solidFill>
                 <a:uFill>
                   <a:solidFill>
-                    <a:srgbClr val="ffffff"/>
+                    <a:srgbClr val="FFFFFF"/>
                   </a:solidFill>
                 </a:uFill>
                 <a:latin typeface="Arial"/>
               </a:rPr>
               <a:t>Click to edit the outline text format</a:t>
             </a:r>
-            <a:endParaRPr b="0" lang="en-GB" sz="3200" spc="-1" strike="noStrike">
-              <a:solidFill>
-                <a:srgbClr val="000000"/>
-              </a:solidFill>
-              <a:uFill>
-                <a:solidFill>
-                  <a:srgbClr val="ffffff"/>
-                </a:solidFill>
-              </a:uFill>
-              <a:latin typeface="Arial"/>
-            </a:endParaRPr>
-          </a:p>
-          <a:p>
-            <a:pPr lvl="1" marL="864000" indent="-324000">
+          </a:p>
+          <a:p>
+            <a:pPr marL="864000" lvl="1" indent="-324000">
               <a:buClr>
                 <a:srgbClr val="000000"/>
               </a:buClr>
@@ -4589,33 +5004,22 @@
               <a:buChar char=""/>
             </a:pPr>
             <a:r>
-              <a:rPr b="0" lang="en-GB" sz="2800" spc="-1" strike="noStrike">
+              <a:rPr lang="en-GB" sz="2800" b="0" strike="noStrike" spc="-1">
                 <a:solidFill>
                   <a:srgbClr val="000000"/>
                 </a:solidFill>
                 <a:uFill>
                   <a:solidFill>
-                    <a:srgbClr val="ffffff"/>
+                    <a:srgbClr val="FFFFFF"/>
                   </a:solidFill>
                 </a:uFill>
                 <a:latin typeface="Arial"/>
               </a:rPr>
               <a:t>Second Outline Level</a:t>
             </a:r>
-            <a:endParaRPr b="0" lang="en-GB" sz="2800" spc="-1" strike="noStrike">
-              <a:solidFill>
-                <a:srgbClr val="000000"/>
-              </a:solidFill>
-              <a:uFill>
-                <a:solidFill>
-                  <a:srgbClr val="ffffff"/>
-                </a:solidFill>
-              </a:uFill>
-              <a:latin typeface="Arial"/>
-            </a:endParaRPr>
-          </a:p>
-          <a:p>
-            <a:pPr lvl="2" marL="1296000" indent="-288000">
+          </a:p>
+          <a:p>
+            <a:pPr marL="1296000" lvl="2" indent="-288000">
               <a:buClr>
                 <a:srgbClr val="000000"/>
               </a:buClr>
@@ -4624,33 +5028,22 @@
               <a:buChar char=""/>
             </a:pPr>
             <a:r>
-              <a:rPr b="0" lang="en-GB" sz="2400" spc="-1" strike="noStrike">
+              <a:rPr lang="en-GB" sz="2400" b="0" strike="noStrike" spc="-1">
                 <a:solidFill>
                   <a:srgbClr val="000000"/>
                 </a:solidFill>
                 <a:uFill>
                   <a:solidFill>
-                    <a:srgbClr val="ffffff"/>
+                    <a:srgbClr val="FFFFFF"/>
                   </a:solidFill>
                 </a:uFill>
                 <a:latin typeface="Arial"/>
               </a:rPr>
               <a:t>Third Outline Level</a:t>
             </a:r>
-            <a:endParaRPr b="0" lang="en-GB" sz="2400" spc="-1" strike="noStrike">
-              <a:solidFill>
-                <a:srgbClr val="000000"/>
-              </a:solidFill>
-              <a:uFill>
-                <a:solidFill>
-                  <a:srgbClr val="ffffff"/>
-                </a:solidFill>
-              </a:uFill>
-              <a:latin typeface="Arial"/>
-            </a:endParaRPr>
-          </a:p>
-          <a:p>
-            <a:pPr lvl="3" marL="1728000" indent="-216000">
+          </a:p>
+          <a:p>
+            <a:pPr marL="1728000" lvl="3" indent="-216000">
               <a:buClr>
                 <a:srgbClr val="000000"/>
               </a:buClr>
@@ -4659,33 +5052,22 @@
               <a:buChar char=""/>
             </a:pPr>
             <a:r>
-              <a:rPr b="0" lang="en-GB" sz="2000" spc="-1" strike="noStrike">
+              <a:rPr lang="en-GB" sz="2000" b="0" strike="noStrike" spc="-1">
                 <a:solidFill>
                   <a:srgbClr val="000000"/>
                 </a:solidFill>
                 <a:uFill>
                   <a:solidFill>
-                    <a:srgbClr val="ffffff"/>
+                    <a:srgbClr val="FFFFFF"/>
                   </a:solidFill>
                 </a:uFill>
                 <a:latin typeface="Arial"/>
               </a:rPr>
               <a:t>Fourth Outline Level</a:t>
             </a:r>
-            <a:endParaRPr b="0" lang="en-GB" sz="2000" spc="-1" strike="noStrike">
-              <a:solidFill>
-                <a:srgbClr val="000000"/>
-              </a:solidFill>
-              <a:uFill>
-                <a:solidFill>
-                  <a:srgbClr val="ffffff"/>
-                </a:solidFill>
-              </a:uFill>
-              <a:latin typeface="Arial"/>
-            </a:endParaRPr>
-          </a:p>
-          <a:p>
-            <a:pPr lvl="4" marL="2160000" indent="-216000">
+          </a:p>
+          <a:p>
+            <a:pPr marL="2160000" lvl="4" indent="-216000">
               <a:buClr>
                 <a:srgbClr val="000000"/>
               </a:buClr>
@@ -4694,33 +5076,22 @@
               <a:buChar char=""/>
             </a:pPr>
             <a:r>
-              <a:rPr b="0" lang="en-GB" sz="2000" spc="-1" strike="noStrike">
+              <a:rPr lang="en-GB" sz="2000" b="0" strike="noStrike" spc="-1">
                 <a:solidFill>
                   <a:srgbClr val="000000"/>
                 </a:solidFill>
                 <a:uFill>
                   <a:solidFill>
-                    <a:srgbClr val="ffffff"/>
+                    <a:srgbClr val="FFFFFF"/>
                   </a:solidFill>
                 </a:uFill>
                 <a:latin typeface="Arial"/>
               </a:rPr>
               <a:t>Fifth Outline Level</a:t>
             </a:r>
-            <a:endParaRPr b="0" lang="en-GB" sz="2000" spc="-1" strike="noStrike">
-              <a:solidFill>
-                <a:srgbClr val="000000"/>
-              </a:solidFill>
-              <a:uFill>
-                <a:solidFill>
-                  <a:srgbClr val="ffffff"/>
-                </a:solidFill>
-              </a:uFill>
-              <a:latin typeface="Arial"/>
-            </a:endParaRPr>
-          </a:p>
-          <a:p>
-            <a:pPr lvl="5" marL="2592000" indent="-216000">
+          </a:p>
+          <a:p>
+            <a:pPr marL="2592000" lvl="5" indent="-216000">
               <a:buClr>
                 <a:srgbClr val="000000"/>
               </a:buClr>
@@ -4729,33 +5100,22 @@
               <a:buChar char=""/>
             </a:pPr>
             <a:r>
-              <a:rPr b="0" lang="en-GB" sz="2000" spc="-1" strike="noStrike">
+              <a:rPr lang="en-GB" sz="2000" b="0" strike="noStrike" spc="-1">
                 <a:solidFill>
                   <a:srgbClr val="000000"/>
                 </a:solidFill>
                 <a:uFill>
                   <a:solidFill>
-                    <a:srgbClr val="ffffff"/>
+                    <a:srgbClr val="FFFFFF"/>
                   </a:solidFill>
                 </a:uFill>
                 <a:latin typeface="Arial"/>
               </a:rPr>
               <a:t>Sixth Outline Level</a:t>
             </a:r>
-            <a:endParaRPr b="0" lang="en-GB" sz="2000" spc="-1" strike="noStrike">
-              <a:solidFill>
-                <a:srgbClr val="000000"/>
-              </a:solidFill>
-              <a:uFill>
-                <a:solidFill>
-                  <a:srgbClr val="ffffff"/>
-                </a:solidFill>
-              </a:uFill>
-              <a:latin typeface="Arial"/>
-            </a:endParaRPr>
-          </a:p>
-          <a:p>
-            <a:pPr lvl="6" marL="3024000" indent="-216000">
+          </a:p>
+          <a:p>
+            <a:pPr marL="3024000" lvl="6" indent="-216000">
               <a:buClr>
                 <a:srgbClr val="000000"/>
               </a:buClr>
@@ -4764,55 +5124,324 @@
               <a:buChar char=""/>
             </a:pPr>
             <a:r>
-              <a:rPr b="0" lang="en-GB" sz="2000" spc="-1" strike="noStrike">
+              <a:rPr lang="en-GB" sz="2000" b="0" strike="noStrike" spc="-1">
                 <a:solidFill>
                   <a:srgbClr val="000000"/>
                 </a:solidFill>
                 <a:uFill>
                   <a:solidFill>
-                    <a:srgbClr val="ffffff"/>
+                    <a:srgbClr val="FFFFFF"/>
                   </a:solidFill>
                 </a:uFill>
                 <a:latin typeface="Arial"/>
               </a:rPr>
               <a:t>Seventh Outline Level</a:t>
             </a:r>
-            <a:endParaRPr b="0" lang="en-GB" sz="2000" spc="-1" strike="noStrike">
-              <a:solidFill>
-                <a:srgbClr val="000000"/>
-              </a:solidFill>
-              <a:uFill>
-                <a:solidFill>
-                  <a:srgbClr val="ffffff"/>
-                </a:solidFill>
-              </a:uFill>
-              <a:latin typeface="Arial"/>
-            </a:endParaRPr>
           </a:p>
         </p:txBody>
       </p:sp>
     </p:spTree>
   </p:cSld>
-  <p:clrMap bg1="lt1" bg2="lt2" tx1="dk1" tx2="dk2" accent1="accent1" accent2="accent2" accent3="accent3" accent4="accent4" accent5="accent5" accent6="accent6" hlink="hlink" folHlink="folHlink"/>
+  <p:clrMap bg1="lt1" tx1="dk1" bg2="lt2" tx2="dk2" accent1="accent1" accent2="accent2" accent3="accent3" accent4="accent4" accent5="accent5" accent6="accent6" hlink="hlink" folHlink="folHlink"/>
   <p:sldLayoutIdLst>
-    <p:sldLayoutId id="2147483662" r:id="rId2"/>
-    <p:sldLayoutId id="2147483663" r:id="rId3"/>
-    <p:sldLayoutId id="2147483664" r:id="rId4"/>
-    <p:sldLayoutId id="2147483665" r:id="rId5"/>
-    <p:sldLayoutId id="2147483666" r:id="rId6"/>
-    <p:sldLayoutId id="2147483667" r:id="rId7"/>
-    <p:sldLayoutId id="2147483668" r:id="rId8"/>
-    <p:sldLayoutId id="2147483669" r:id="rId9"/>
-    <p:sldLayoutId id="2147483670" r:id="rId10"/>
-    <p:sldLayoutId id="2147483671" r:id="rId11"/>
-    <p:sldLayoutId id="2147483672" r:id="rId12"/>
-    <p:sldLayoutId id="2147483673" r:id="rId13"/>
+    <p:sldLayoutId id="2147483662" r:id="rId1"/>
+    <p:sldLayoutId id="2147483663" r:id="rId2"/>
+    <p:sldLayoutId id="2147483664" r:id="rId3"/>
+    <p:sldLayoutId id="2147483665" r:id="rId4"/>
+    <p:sldLayoutId id="2147483666" r:id="rId5"/>
+    <p:sldLayoutId id="2147483667" r:id="rId6"/>
+    <p:sldLayoutId id="2147483668" r:id="rId7"/>
+    <p:sldLayoutId id="2147483669" r:id="rId8"/>
+    <p:sldLayoutId id="2147483670" r:id="rId9"/>
+    <p:sldLayoutId id="2147483671" r:id="rId10"/>
+    <p:sldLayoutId id="2147483672" r:id="rId11"/>
+    <p:sldLayoutId id="2147483673" r:id="rId12"/>
   </p:sldLayoutIdLst>
+  <p:txStyles>
+    <p:titleStyle>
+      <a:lvl1pPr algn="l" defTabSz="914400" rtl="0" eaLnBrk="1" latinLnBrk="0" hangingPunct="1">
+        <a:lnSpc>
+          <a:spcPct val="90000"/>
+        </a:lnSpc>
+        <a:spcBef>
+          <a:spcPct val="0"/>
+        </a:spcBef>
+        <a:buNone/>
+        <a:defRPr sz="4400" kern="1200">
+          <a:solidFill>
+            <a:schemeClr val="tx1"/>
+          </a:solidFill>
+          <a:latin typeface="+mj-lt"/>
+          <a:ea typeface="+mj-ea"/>
+          <a:cs typeface="+mj-cs"/>
+        </a:defRPr>
+      </a:lvl1pPr>
+    </p:titleStyle>
+    <p:bodyStyle>
+      <a:lvl1pPr marL="228600" indent="-228600" algn="l" defTabSz="914400" rtl="0" eaLnBrk="1" latinLnBrk="0" hangingPunct="1">
+        <a:lnSpc>
+          <a:spcPct val="90000"/>
+        </a:lnSpc>
+        <a:spcBef>
+          <a:spcPts val="1000"/>
+        </a:spcBef>
+        <a:buFont typeface="Arial"/>
+        <a:buChar char="•"/>
+        <a:defRPr sz="2800" kern="1200">
+          <a:solidFill>
+            <a:schemeClr val="tx1"/>
+          </a:solidFill>
+          <a:latin typeface="+mn-lt"/>
+          <a:ea typeface="+mn-ea"/>
+          <a:cs typeface="+mn-cs"/>
+        </a:defRPr>
+      </a:lvl1pPr>
+      <a:lvl2pPr marL="685800" indent="-228600" algn="l" defTabSz="914400" rtl="0" eaLnBrk="1" latinLnBrk="0" hangingPunct="1">
+        <a:lnSpc>
+          <a:spcPct val="90000"/>
+        </a:lnSpc>
+        <a:spcBef>
+          <a:spcPts val="500"/>
+        </a:spcBef>
+        <a:buFont typeface="Arial"/>
+        <a:buChar char="•"/>
+        <a:defRPr sz="2400" kern="1200">
+          <a:solidFill>
+            <a:schemeClr val="tx1"/>
+          </a:solidFill>
+          <a:latin typeface="+mn-lt"/>
+          <a:ea typeface="+mn-ea"/>
+          <a:cs typeface="+mn-cs"/>
+        </a:defRPr>
+      </a:lvl2pPr>
+      <a:lvl3pPr marL="1143000" indent="-228600" algn="l" defTabSz="914400" rtl="0" eaLnBrk="1" latinLnBrk="0" hangingPunct="1">
+        <a:lnSpc>
+          <a:spcPct val="90000"/>
+        </a:lnSpc>
+        <a:spcBef>
+          <a:spcPts val="500"/>
+        </a:spcBef>
+        <a:buFont typeface="Arial"/>
+        <a:buChar char="•"/>
+        <a:defRPr sz="2000" kern="1200">
+          <a:solidFill>
+            <a:schemeClr val="tx1"/>
+          </a:solidFill>
+          <a:latin typeface="+mn-lt"/>
+          <a:ea typeface="+mn-ea"/>
+          <a:cs typeface="+mn-cs"/>
+        </a:defRPr>
+      </a:lvl3pPr>
+      <a:lvl4pPr marL="1600200" indent="-228600" algn="l" defTabSz="914400" rtl="0" eaLnBrk="1" latinLnBrk="0" hangingPunct="1">
+        <a:lnSpc>
+          <a:spcPct val="90000"/>
+        </a:lnSpc>
+        <a:spcBef>
+          <a:spcPts val="500"/>
+        </a:spcBef>
+        <a:buFont typeface="Arial"/>
+        <a:buChar char="•"/>
+        <a:defRPr sz="1800" kern="1200">
+          <a:solidFill>
+            <a:schemeClr val="tx1"/>
+          </a:solidFill>
+          <a:latin typeface="+mn-lt"/>
+          <a:ea typeface="+mn-ea"/>
+          <a:cs typeface="+mn-cs"/>
+        </a:defRPr>
+      </a:lvl4pPr>
+      <a:lvl5pPr marL="2057400" indent="-228600" algn="l" defTabSz="914400" rtl="0" eaLnBrk="1" latinLnBrk="0" hangingPunct="1">
+        <a:lnSpc>
+          <a:spcPct val="90000"/>
+        </a:lnSpc>
+        <a:spcBef>
+          <a:spcPts val="500"/>
+        </a:spcBef>
+        <a:buFont typeface="Arial"/>
+        <a:buChar char="•"/>
+        <a:defRPr sz="1800" kern="1200">
+          <a:solidFill>
+            <a:schemeClr val="tx1"/>
+          </a:solidFill>
+          <a:latin typeface="+mn-lt"/>
+          <a:ea typeface="+mn-ea"/>
+          <a:cs typeface="+mn-cs"/>
+        </a:defRPr>
+      </a:lvl5pPr>
+      <a:lvl6pPr marL="2514600" indent="-228600" algn="l" defTabSz="914400" rtl="0" eaLnBrk="1" latinLnBrk="0" hangingPunct="1">
+        <a:lnSpc>
+          <a:spcPct val="90000"/>
+        </a:lnSpc>
+        <a:spcBef>
+          <a:spcPts val="500"/>
+        </a:spcBef>
+        <a:buFont typeface="Arial"/>
+        <a:buChar char="•"/>
+        <a:defRPr sz="1800" kern="1200">
+          <a:solidFill>
+            <a:schemeClr val="tx1"/>
+          </a:solidFill>
+          <a:latin typeface="+mn-lt"/>
+          <a:ea typeface="+mn-ea"/>
+          <a:cs typeface="+mn-cs"/>
+        </a:defRPr>
+      </a:lvl6pPr>
+      <a:lvl7pPr marL="2971800" indent="-228600" algn="l" defTabSz="914400" rtl="0" eaLnBrk="1" latinLnBrk="0" hangingPunct="1">
+        <a:lnSpc>
+          <a:spcPct val="90000"/>
+        </a:lnSpc>
+        <a:spcBef>
+          <a:spcPts val="500"/>
+        </a:spcBef>
+        <a:buFont typeface="Arial"/>
+        <a:buChar char="•"/>
+        <a:defRPr sz="1800" kern="1200">
+          <a:solidFill>
+            <a:schemeClr val="tx1"/>
+          </a:solidFill>
+          <a:latin typeface="+mn-lt"/>
+          <a:ea typeface="+mn-ea"/>
+          <a:cs typeface="+mn-cs"/>
+        </a:defRPr>
+      </a:lvl7pPr>
+      <a:lvl8pPr marL="3429000" indent="-228600" algn="l" defTabSz="914400" rtl="0" eaLnBrk="1" latinLnBrk="0" hangingPunct="1">
+        <a:lnSpc>
+          <a:spcPct val="90000"/>
+        </a:lnSpc>
+        <a:spcBef>
+          <a:spcPts val="500"/>
+        </a:spcBef>
+        <a:buFont typeface="Arial"/>
+        <a:buChar char="•"/>
+        <a:defRPr sz="1800" kern="1200">
+          <a:solidFill>
+            <a:schemeClr val="tx1"/>
+          </a:solidFill>
+          <a:latin typeface="+mn-lt"/>
+          <a:ea typeface="+mn-ea"/>
+          <a:cs typeface="+mn-cs"/>
+        </a:defRPr>
+      </a:lvl8pPr>
+      <a:lvl9pPr marL="3886200" indent="-228600" algn="l" defTabSz="914400" rtl="0" eaLnBrk="1" latinLnBrk="0" hangingPunct="1">
+        <a:lnSpc>
+          <a:spcPct val="90000"/>
+        </a:lnSpc>
+        <a:spcBef>
+          <a:spcPts val="500"/>
+        </a:spcBef>
+        <a:buFont typeface="Arial"/>
+        <a:buChar char="•"/>
+        <a:defRPr sz="1800" kern="1200">
+          <a:solidFill>
+            <a:schemeClr val="tx1"/>
+          </a:solidFill>
+          <a:latin typeface="+mn-lt"/>
+          <a:ea typeface="+mn-ea"/>
+          <a:cs typeface="+mn-cs"/>
+        </a:defRPr>
+      </a:lvl9pPr>
+    </p:bodyStyle>
+    <p:otherStyle>
+      <a:defPPr>
+        <a:defRPr lang="en-US"/>
+      </a:defPPr>
+      <a:lvl1pPr marL="0" algn="l" defTabSz="914400" rtl="0" eaLnBrk="1" latinLnBrk="0" hangingPunct="1">
+        <a:defRPr sz="1800" kern="1200">
+          <a:solidFill>
+            <a:schemeClr val="tx1"/>
+          </a:solidFill>
+          <a:latin typeface="+mn-lt"/>
+          <a:ea typeface="+mn-ea"/>
+          <a:cs typeface="+mn-cs"/>
+        </a:defRPr>
+      </a:lvl1pPr>
+      <a:lvl2pPr marL="457200" algn="l" defTabSz="914400" rtl="0" eaLnBrk="1" latinLnBrk="0" hangingPunct="1">
+        <a:defRPr sz="1800" kern="1200">
+          <a:solidFill>
+            <a:schemeClr val="tx1"/>
+          </a:solidFill>
+          <a:latin typeface="+mn-lt"/>
+          <a:ea typeface="+mn-ea"/>
+          <a:cs typeface="+mn-cs"/>
+        </a:defRPr>
+      </a:lvl2pPr>
+      <a:lvl3pPr marL="914400" algn="l" defTabSz="914400" rtl="0" eaLnBrk="1" latinLnBrk="0" hangingPunct="1">
+        <a:defRPr sz="1800" kern="1200">
+          <a:solidFill>
+            <a:schemeClr val="tx1"/>
+          </a:solidFill>
+          <a:latin typeface="+mn-lt"/>
+          <a:ea typeface="+mn-ea"/>
+          <a:cs typeface="+mn-cs"/>
+        </a:defRPr>
+      </a:lvl3pPr>
+      <a:lvl4pPr marL="1371600" algn="l" defTabSz="914400" rtl="0" eaLnBrk="1" latinLnBrk="0" hangingPunct="1">
+        <a:defRPr sz="1800" kern="1200">
+          <a:solidFill>
+            <a:schemeClr val="tx1"/>
+          </a:solidFill>
+          <a:latin typeface="+mn-lt"/>
+          <a:ea typeface="+mn-ea"/>
+          <a:cs typeface="+mn-cs"/>
+        </a:defRPr>
+      </a:lvl4pPr>
+      <a:lvl5pPr marL="1828800" algn="l" defTabSz="914400" rtl="0" eaLnBrk="1" latinLnBrk="0" hangingPunct="1">
+        <a:defRPr sz="1800" kern="1200">
+          <a:solidFill>
+            <a:schemeClr val="tx1"/>
+          </a:solidFill>
+          <a:latin typeface="+mn-lt"/>
+          <a:ea typeface="+mn-ea"/>
+          <a:cs typeface="+mn-cs"/>
+        </a:defRPr>
+      </a:lvl5pPr>
+      <a:lvl6pPr marL="2286000" algn="l" defTabSz="914400" rtl="0" eaLnBrk="1" latinLnBrk="0" hangingPunct="1">
+        <a:defRPr sz="1800" kern="1200">
+          <a:solidFill>
+            <a:schemeClr val="tx1"/>
+          </a:solidFill>
+          <a:latin typeface="+mn-lt"/>
+          <a:ea typeface="+mn-ea"/>
+          <a:cs typeface="+mn-cs"/>
+        </a:defRPr>
+      </a:lvl6pPr>
+      <a:lvl7pPr marL="2743200" algn="l" defTabSz="914400" rtl="0" eaLnBrk="1" latinLnBrk="0" hangingPunct="1">
+        <a:defRPr sz="1800" kern="1200">
+          <a:solidFill>
+            <a:schemeClr val="tx1"/>
+          </a:solidFill>
+          <a:latin typeface="+mn-lt"/>
+          <a:ea typeface="+mn-ea"/>
+          <a:cs typeface="+mn-cs"/>
+        </a:defRPr>
+      </a:lvl7pPr>
+      <a:lvl8pPr marL="3200400" algn="l" defTabSz="914400" rtl="0" eaLnBrk="1" latinLnBrk="0" hangingPunct="1">
+        <a:defRPr sz="1800" kern="1200">
+          <a:solidFill>
+            <a:schemeClr val="tx1"/>
+          </a:solidFill>
+          <a:latin typeface="+mn-lt"/>
+          <a:ea typeface="+mn-ea"/>
+          <a:cs typeface="+mn-cs"/>
+        </a:defRPr>
+      </a:lvl8pPr>
+      <a:lvl9pPr marL="3657600" algn="l" defTabSz="914400" rtl="0" eaLnBrk="1" latinLnBrk="0" hangingPunct="1">
+        <a:defRPr sz="1800" kern="1200">
+          <a:solidFill>
+            <a:schemeClr val="tx1"/>
+          </a:solidFill>
+          <a:latin typeface="+mn-lt"/>
+          <a:ea typeface="+mn-ea"/>
+          <a:cs typeface="+mn-cs"/>
+        </a:defRPr>
+      </a:lvl9pPr>
+    </p:otherStyle>
+  </p:txStyles>
 </p:sldMaster>
 </file>
 
 <file path=ppt/slides/slide1.xml><?xml version="1.0" encoding="utf-8"?>
-<p:sld xmlns:a="http://schemas.openxmlformats.org/drawingml/2006/main" xmlns:p="http://schemas.openxmlformats.org/presentationml/2006/main" xmlns:r="http://schemas.openxmlformats.org/officeDocument/2006/relationships" xmlns:p14="http://schemas.microsoft.com/office/powerpoint/2010/main" xmlns:p15="http://schemas.microsoft.com/office/powerpoint/2012/main" xmlns:mc="http://schemas.openxmlformats.org/markup-compatibility/2006">
+<p:sld xmlns:a="http://schemas.openxmlformats.org/drawingml/2006/main" xmlns:r="http://schemas.openxmlformats.org/officeDocument/2006/relationships" xmlns:p="http://schemas.openxmlformats.org/presentationml/2006/main">
   <p:cSld>
     <p:spTree>
       <p:nvGrpSpPr>
@@ -4836,8 +5465,8 @@
         </p:nvSpPr>
         <p:spPr>
           <a:xfrm>
-            <a:off x="503280" y="1474920"/>
-            <a:ext cx="9069840" cy="1261080"/>
+            <a:off x="503280" y="0"/>
+            <a:ext cx="9069840" cy="2377440"/>
           </a:xfrm>
           <a:prstGeom prst="rect">
             <a:avLst/>
@@ -4848,13 +5477,20 @@
           </a:ln>
         </p:spPr>
         <p:style>
-          <a:lnRef idx="0"/>
-          <a:fillRef idx="0"/>
-          <a:effectRef idx="0"/>
+          <a:lnRef idx="0">
+            <a:scrgbClr r="0" g="0" b="0"/>
+          </a:lnRef>
+          <a:fillRef idx="0">
+            <a:scrgbClr r="0" g="0" b="0"/>
+          </a:fillRef>
+          <a:effectRef idx="0">
+            <a:scrgbClr r="0" g="0" b="0"/>
+          </a:effectRef>
           <a:fontRef idx="minor"/>
         </p:style>
         <p:txBody>
-          <a:bodyPr lIns="0" rIns="0" tIns="39240" bIns="0" anchor="ctr"/>
+          <a:bodyPr lIns="0" tIns="39240" rIns="0" bIns="0" anchor="ctr"/>
+          <a:lstStyle/>
           <a:p>
             <a:pPr algn="ctr">
               <a:lnSpc>
@@ -4862,27 +5498,42 @@
               </a:lnSpc>
             </a:pPr>
             <a:r>
-              <a:rPr b="0" lang="en-GB" sz="4400" spc="-1" strike="noStrike">
+              <a:rPr lang="en-GB" sz="4400" b="0" strike="noStrike" spc="-1" dirty="0" err="1">
                 <a:solidFill>
                   <a:srgbClr val="800000"/>
                 </a:solidFill>
                 <a:uFill>
                   <a:solidFill>
-                    <a:srgbClr val="ffffff"/>
+                    <a:srgbClr val="FFFFFF"/>
                   </a:solidFill>
                 </a:uFill>
                 <a:latin typeface="Arial"/>
                 <a:ea typeface="Noto Sans CJK SC Regular"/>
               </a:rPr>
-              <a:t>Neuroinformatics resources for computational modellers</a:t>
+              <a:t>Neuroinformatics</a:t>
             </a:r>
-            <a:endParaRPr b="0" lang="en-GB" sz="1800" spc="-1" strike="noStrike">
-              <a:solidFill>
-                <a:srgbClr val="000000"/>
-              </a:solidFill>
-              <a:uFill>
-                <a:solidFill>
-                  <a:srgbClr val="ffffff"/>
+            <a:r>
+              <a:rPr lang="en-GB" sz="4400" b="0" strike="noStrike" spc="-1" dirty="0">
+                <a:solidFill>
+                  <a:srgbClr val="800000"/>
+                </a:solidFill>
+                <a:uFill>
+                  <a:solidFill>
+                    <a:srgbClr val="FFFFFF"/>
+                  </a:solidFill>
+                </a:uFill>
+                <a:latin typeface="Arial"/>
+                <a:ea typeface="Noto Sans CJK SC Regular"/>
+              </a:rPr>
+              <a:t> resources for computational modellers</a:t>
+            </a:r>
+            <a:endParaRPr lang="en-GB" sz="1800" b="0" strike="noStrike" spc="-1" dirty="0">
+              <a:solidFill>
+                <a:srgbClr val="000000"/>
+              </a:solidFill>
+              <a:uFill>
+                <a:solidFill>
+                  <a:srgbClr val="FFFFFF"/>
                 </a:solidFill>
               </a:uFill>
               <a:latin typeface="Arial"/>
@@ -4910,13 +5561,20 @@
           </a:ln>
         </p:spPr>
         <p:style>
-          <a:lnRef idx="0"/>
-          <a:fillRef idx="0"/>
-          <a:effectRef idx="0"/>
+          <a:lnRef idx="0">
+            <a:scrgbClr r="0" g="0" b="0"/>
+          </a:lnRef>
+          <a:fillRef idx="0">
+            <a:scrgbClr r="0" g="0" b="0"/>
+          </a:fillRef>
+          <a:effectRef idx="0">
+            <a:scrgbClr r="0" g="0" b="0"/>
+          </a:effectRef>
           <a:fontRef idx="minor"/>
         </p:style>
         <p:txBody>
-          <a:bodyPr lIns="0" rIns="0" tIns="35640" bIns="0" anchor="ctr"/>
+          <a:bodyPr lIns="0" tIns="35640" rIns="0" bIns="0" anchor="ctr"/>
+          <a:lstStyle/>
           <a:p>
             <a:pPr>
               <a:lnSpc>
@@ -4924,13 +5582,13 @@
               </a:lnSpc>
             </a:pPr>
             <a:r>
-              <a:rPr b="1" lang="en-GB" sz="1800" spc="-1" strike="noStrike">
+              <a:rPr lang="en-GB" sz="1800" b="1" strike="noStrike" spc="-1">
                 <a:solidFill>
                   <a:srgbClr val="808080"/>
                 </a:solidFill>
                 <a:uFill>
                   <a:solidFill>
-                    <a:srgbClr val="ffffff"/>
+                    <a:srgbClr val="FFFFFF"/>
                   </a:solidFill>
                 </a:uFill>
                 <a:latin typeface="Arial"/>
@@ -4938,13 +5596,13 @@
               </a:rPr>
               <a:t>Neuroinformatics tutorial</a:t>
             </a:r>
-            <a:endParaRPr b="0" lang="en-GB" sz="1800" spc="-1" strike="noStrike">
-              <a:solidFill>
-                <a:srgbClr val="000000"/>
-              </a:solidFill>
-              <a:uFill>
-                <a:solidFill>
-                  <a:srgbClr val="ffffff"/>
+            <a:endParaRPr lang="en-GB" sz="1800" b="0" strike="noStrike" spc="-1">
+              <a:solidFill>
+                <a:srgbClr val="000000"/>
+              </a:solidFill>
+              <a:uFill>
+                <a:solidFill>
+                  <a:srgbClr val="FFFFFF"/>
                 </a:solidFill>
               </a:uFill>
               <a:latin typeface="Arial"/>
@@ -4960,8 +5618,8 @@
         </p:nvSpPr>
         <p:spPr>
           <a:xfrm>
-            <a:off x="648000" y="3816000"/>
-            <a:ext cx="8567640" cy="2735640"/>
+            <a:off x="648000" y="5692140"/>
+            <a:ext cx="8567640" cy="1042740"/>
           </a:xfrm>
           <a:prstGeom prst="rect">
             <a:avLst/>
@@ -4972,13 +5630,20 @@
           </a:ln>
         </p:spPr>
         <p:style>
-          <a:lnRef idx="0"/>
-          <a:fillRef idx="0"/>
-          <a:effectRef idx="0"/>
+          <a:lnRef idx="0">
+            <a:scrgbClr r="0" g="0" b="0"/>
+          </a:lnRef>
+          <a:fillRef idx="0">
+            <a:scrgbClr r="0" g="0" b="0"/>
+          </a:fillRef>
+          <a:effectRef idx="0">
+            <a:scrgbClr r="0" g="0" b="0"/>
+          </a:effectRef>
           <a:fontRef idx="minor"/>
         </p:style>
         <p:txBody>
-          <a:bodyPr lIns="90000" rIns="90000" tIns="60840" bIns="45000"/>
+          <a:bodyPr lIns="90000" tIns="60840" rIns="90000" bIns="45000"/>
+          <a:lstStyle/>
           <a:p>
             <a:pPr algn="just">
               <a:lnSpc>
@@ -4986,13 +5651,13 @@
               </a:lnSpc>
             </a:pPr>
             <a:r>
-              <a:rPr b="0" lang="en-GB" sz="1800" spc="-1" strike="noStrike">
+              <a:rPr lang="en-GB" sz="1800" b="0" strike="noStrike" spc="-1" dirty="0">
                 <a:solidFill>
                   <a:srgbClr val="000000"/>
                 </a:solidFill>
                 <a:uFill>
                   <a:solidFill>
-                    <a:srgbClr val="ffffff"/>
+                    <a:srgbClr val="FFFFFF"/>
                   </a:solidFill>
                 </a:uFill>
                 <a:latin typeface="Arial"/>
@@ -5000,13 +5665,13 @@
               </a:rPr>
               <a:t>Padraig Gleeson (University College London, UK)</a:t>
             </a:r>
-            <a:endParaRPr b="0" lang="en-GB" sz="1800" spc="-1" strike="noStrike">
-              <a:solidFill>
-                <a:srgbClr val="000000"/>
-              </a:solidFill>
-              <a:uFill>
-                <a:solidFill>
-                  <a:srgbClr val="ffffff"/>
+            <a:endParaRPr lang="en-GB" sz="1800" b="0" strike="noStrike" spc="-1" dirty="0">
+              <a:solidFill>
+                <a:srgbClr val="000000"/>
+              </a:solidFill>
+              <a:uFill>
+                <a:solidFill>
+                  <a:srgbClr val="FFFFFF"/>
                 </a:solidFill>
               </a:uFill>
               <a:latin typeface="Arial"/>
@@ -5019,27 +5684,42 @@
               </a:lnSpc>
             </a:pPr>
             <a:r>
-              <a:rPr b="0" lang="en-GB" sz="1800" spc="-1" strike="noStrike">
+              <a:rPr lang="en-GB" sz="1800" b="0" strike="noStrike" spc="-1" dirty="0">
                 <a:solidFill>
                   <a:srgbClr val="000000"/>
                 </a:solidFill>
                 <a:uFill>
                   <a:solidFill>
-                    <a:srgbClr val="ffffff"/>
+                    <a:srgbClr val="FFFFFF"/>
                   </a:solidFill>
                 </a:uFill>
                 <a:latin typeface="Arial"/>
                 <a:ea typeface="Noto Sans CJK SC Regular"/>
               </a:rPr>
-              <a:t>Andrew Davison (CNRS, Gif-sur-Yvette, France)</a:t>
+              <a:t>Andrew Davison (CNRS, Gif-sur-Yvette, France</a:t>
             </a:r>
-            <a:endParaRPr b="0" lang="en-GB" sz="1800" spc="-1" strike="noStrike">
-              <a:solidFill>
-                <a:srgbClr val="000000"/>
-              </a:solidFill>
-              <a:uFill>
-                <a:solidFill>
-                  <a:srgbClr val="ffffff"/>
+            <a:r>
+              <a:rPr lang="en-GB" sz="1800" b="0" strike="noStrike" spc="-1" dirty="0" smtClean="0">
+                <a:solidFill>
+                  <a:srgbClr val="000000"/>
+                </a:solidFill>
+                <a:uFill>
+                  <a:solidFill>
+                    <a:srgbClr val="FFFFFF"/>
+                  </a:solidFill>
+                </a:uFill>
+                <a:latin typeface="Arial"/>
+                <a:ea typeface="Noto Sans CJK SC Regular"/>
+              </a:rPr>
+              <a:t>) &amp;</a:t>
+            </a:r>
+            <a:endParaRPr lang="en-GB" sz="1800" b="0" strike="noStrike" spc="-1" dirty="0">
+              <a:solidFill>
+                <a:srgbClr val="000000"/>
+              </a:solidFill>
+              <a:uFill>
+                <a:solidFill>
+                  <a:srgbClr val="FFFFFF"/>
                 </a:solidFill>
               </a:uFill>
               <a:latin typeface="Arial"/>
@@ -5052,62 +5732,29 @@
               </a:lnSpc>
             </a:pPr>
             <a:r>
-              <a:rPr b="0" lang="en-GB" sz="1800" spc="-1" strike="noStrike">
-                <a:solidFill>
-                  <a:srgbClr val="000000"/>
+              <a:rPr lang="en-GB" sz="1500" b="0" u="sng" strike="noStrike" spc="-1" dirty="0">
+                <a:solidFill>
+                  <a:srgbClr val="0000FF"/>
                 </a:solidFill>
                 <a:uFill>
                   <a:solidFill>
-                    <a:srgbClr val="ffffff"/>
+                    <a:srgbClr val="FFFFFF"/>
                   </a:solidFill>
                 </a:uFill>
                 <a:latin typeface="Arial"/>
                 <a:ea typeface="Noto Sans CJK SC Regular"/>
-              </a:rPr>
-              <a:t>&amp;</a:t>
-            </a:r>
-            <a:endParaRPr b="0" lang="en-GB" sz="1800" spc="-1" strike="noStrike">
-              <a:solidFill>
-                <a:srgbClr val="000000"/>
-              </a:solidFill>
-              <a:uFill>
-                <a:solidFill>
-                  <a:srgbClr val="ffffff"/>
-                </a:solidFill>
-              </a:uFill>
-              <a:latin typeface="Arial"/>
-            </a:endParaRPr>
-          </a:p>
-          <a:p>
-            <a:pPr algn="just">
-              <a:lnSpc>
-                <a:spcPct val="93000"/>
-              </a:lnSpc>
-            </a:pPr>
-            <a:r>
-              <a:rPr b="0" lang="en-GB" sz="1500" spc="-1" strike="noStrike" u="sng">
-                <a:solidFill>
-                  <a:srgbClr val="0000ff"/>
-                </a:solidFill>
-                <a:uFill>
-                  <a:solidFill>
-                    <a:srgbClr val="ffffff"/>
-                  </a:solidFill>
-                </a:uFill>
-                <a:latin typeface="Arial"/>
-                <a:ea typeface="Noto Sans CJK SC Regular"/>
-                <a:hlinkClick r:id="rId1"/>
+                <a:hlinkClick r:id="rId3"/>
               </a:rPr>
               <a:t>https://github.com/NeuralEnsemble/NeuroinformaticsTutorial/blob/master/CONTRIBUTORS.md</a:t>
             </a:r>
             <a:r>
-              <a:rPr b="0" lang="en-GB" sz="1500" spc="-1" strike="noStrike">
-                <a:solidFill>
-                  <a:srgbClr val="3333ff"/>
+              <a:rPr lang="en-GB" sz="1500" b="0" strike="noStrike" spc="-1" dirty="0">
+                <a:solidFill>
+                  <a:srgbClr val="3333FF"/>
                 </a:solidFill>
                 <a:uFill>
                   <a:solidFill>
-                    <a:srgbClr val="ffffff"/>
+                    <a:srgbClr val="FFFFFF"/>
                   </a:solidFill>
                 </a:uFill>
                 <a:latin typeface="Arial"/>
@@ -5115,13 +5762,13 @@
               </a:rPr>
               <a:t> </a:t>
             </a:r>
-            <a:endParaRPr b="0" lang="en-GB" sz="1800" spc="-1" strike="noStrike">
-              <a:solidFill>
-                <a:srgbClr val="000000"/>
-              </a:solidFill>
-              <a:uFill>
-                <a:solidFill>
-                  <a:srgbClr val="ffffff"/>
+            <a:endParaRPr lang="en-GB" sz="1800" b="0" strike="noStrike" spc="-1" dirty="0">
+              <a:solidFill>
+                <a:srgbClr val="000000"/>
+              </a:solidFill>
+              <a:uFill>
+                <a:solidFill>
+                  <a:srgbClr val="FFFFFF"/>
                 </a:solidFill>
               </a:uFill>
               <a:latin typeface="Arial"/>
@@ -5151,20 +5798,26 @@
           </a:ln>
         </p:spPr>
         <p:style>
-          <a:lnRef idx="0"/>
-          <a:fillRef idx="0"/>
-          <a:effectRef idx="0"/>
+          <a:lnRef idx="0">
+            <a:scrgbClr r="0" g="0" b="0"/>
+          </a:lnRef>
+          <a:fillRef idx="0">
+            <a:scrgbClr r="0" g="0" b="0"/>
+          </a:fillRef>
+          <a:effectRef idx="0">
+            <a:scrgbClr r="0" g="0" b="0"/>
+          </a:effectRef>
           <a:fontRef idx="minor"/>
         </p:style>
       </p:sp>
       <p:pic>
         <p:nvPicPr>
-          <p:cNvPr id="81" name="" descr=""/>
+          <p:cNvPr id="81" name="Picture 80"/>
           <p:cNvPicPr/>
           <p:nvPr/>
         </p:nvPicPr>
         <p:blipFill>
-          <a:blip r:embed="rId2"/>
+          <a:blip r:embed="rId4"/>
           <a:stretch/>
         </p:blipFill>
         <p:spPr>
@@ -5180,8 +5833,41 @@
           </a:ln>
         </p:spPr>
       </p:pic>
+      <p:pic>
+        <p:nvPicPr>
+          <p:cNvPr id="2" name="Picture 1"/>
+          <p:cNvPicPr>
+            <a:picLocks noChangeAspect="1"/>
+          </p:cNvPicPr>
+          <p:nvPr/>
+        </p:nvPicPr>
+        <p:blipFill>
+          <a:blip r:embed="rId5">
+            <a:extLst>
+              <a:ext uri="{28A0092B-C50C-407E-A947-70E740481C1C}">
+                <a14:useLocalDpi xmlns:a14="http://schemas.microsoft.com/office/drawing/2010/main" val="0"/>
+              </a:ext>
+            </a:extLst>
+          </a:blip>
+          <a:stretch>
+            <a:fillRect/>
+          </a:stretch>
+        </p:blipFill>
+        <p:spPr>
+          <a:xfrm>
+            <a:off x="1604790" y="2467530"/>
+            <a:ext cx="6522951" cy="2617110"/>
+          </a:xfrm>
+          <a:prstGeom prst="rect">
+            <a:avLst/>
+          </a:prstGeom>
+        </p:spPr>
+      </p:pic>
     </p:spTree>
   </p:cSld>
+  <p:clrMapOvr>
+    <a:masterClrMapping/>
+  </p:clrMapOvr>
   <p:timing>
     <p:tnLst>
       <p:par>
@@ -5190,14 +5876,14 @@
             <p:seq>
               <p:cTn id="2" nodeType="mainSeq"/>
               <p:prevCondLst>
-                <p:cond delay="0" evt="onPrev">
+                <p:cond evt="onPrev" delay="0">
                   <p:tgtEl>
                     <p:sldTgt/>
                   </p:tgtEl>
                 </p:cond>
               </p:prevCondLst>
               <p:nextCondLst>
-                <p:cond delay="0" evt="onNext">
+                <p:cond evt="onNext" delay="0">
                   <p:tgtEl>
                     <p:sldTgt/>
                   </p:tgtEl>
@@ -5213,7 +5899,7 @@
 </file>
 
 <file path=ppt/slides/slide2.xml><?xml version="1.0" encoding="utf-8"?>
-<p:sld xmlns:a="http://schemas.openxmlformats.org/drawingml/2006/main" xmlns:p="http://schemas.openxmlformats.org/presentationml/2006/main" xmlns:r="http://schemas.openxmlformats.org/officeDocument/2006/relationships" xmlns:p14="http://schemas.microsoft.com/office/powerpoint/2010/main" xmlns:p15="http://schemas.microsoft.com/office/powerpoint/2012/main" xmlns:mc="http://schemas.openxmlformats.org/markup-compatibility/2006">
+<p:sld xmlns:a="http://schemas.openxmlformats.org/drawingml/2006/main" xmlns:r="http://schemas.openxmlformats.org/officeDocument/2006/relationships" xmlns:p="http://schemas.openxmlformats.org/presentationml/2006/main">
   <p:cSld>
     <p:spTree>
       <p:nvGrpSpPr>
@@ -5238,7 +5924,7 @@
         <p:spPr>
           <a:xfrm>
             <a:off x="503280" y="301680"/>
-            <a:ext cx="9068400" cy="1259280"/>
+            <a:ext cx="9068400" cy="1050454"/>
           </a:xfrm>
           <a:prstGeom prst="rect">
             <a:avLst/>
@@ -5249,13 +5935,20 @@
           </a:ln>
         </p:spPr>
         <p:style>
-          <a:lnRef idx="0"/>
-          <a:fillRef idx="0"/>
-          <a:effectRef idx="0"/>
+          <a:lnRef idx="0">
+            <a:scrgbClr r="0" g="0" b="0"/>
+          </a:lnRef>
+          <a:fillRef idx="0">
+            <a:scrgbClr r="0" g="0" b="0"/>
+          </a:fillRef>
+          <a:effectRef idx="0">
+            <a:scrgbClr r="0" g="0" b="0"/>
+          </a:effectRef>
           <a:fontRef idx="minor"/>
         </p:style>
         <p:txBody>
-          <a:bodyPr lIns="0" rIns="0" tIns="0" bIns="0" anchor="ctr"/>
+          <a:bodyPr lIns="0" tIns="0" rIns="0" bIns="0" anchor="ctr"/>
+          <a:lstStyle/>
           <a:p>
             <a:pPr algn="ctr">
               <a:lnSpc>
@@ -5263,13 +5956,13 @@
               </a:lnSpc>
             </a:pPr>
             <a:r>
-              <a:rPr b="0" lang="en-GB" sz="4400" spc="-1" strike="noStrike">
+              <a:rPr lang="en-GB" sz="4400" b="0" strike="noStrike" spc="-1">
                 <a:solidFill>
                   <a:srgbClr val="000000"/>
                 </a:solidFill>
                 <a:uFill>
                   <a:solidFill>
-                    <a:srgbClr val="ffffff"/>
+                    <a:srgbClr val="FFFFFF"/>
                   </a:solidFill>
                 </a:uFill>
                 <a:latin typeface="Arial"/>
@@ -5277,13 +5970,13 @@
               </a:rPr>
               <a:t>Introduction</a:t>
             </a:r>
-            <a:endParaRPr b="0" lang="en-GB" sz="1800" spc="-1" strike="noStrike">
-              <a:solidFill>
-                <a:srgbClr val="000000"/>
-              </a:solidFill>
-              <a:uFill>
-                <a:solidFill>
-                  <a:srgbClr val="ffffff"/>
+            <a:endParaRPr lang="en-GB" sz="1800" b="0" strike="noStrike" spc="-1">
+              <a:solidFill>
+                <a:srgbClr val="000000"/>
+              </a:solidFill>
+              <a:uFill>
+                <a:solidFill>
+                  <a:srgbClr val="FFFFFF"/>
                 </a:solidFill>
               </a:uFill>
               <a:latin typeface="Arial"/>
@@ -5299,8 +5992,8 @@
         </p:nvSpPr>
         <p:spPr>
           <a:xfrm>
-            <a:off x="503280" y="1768320"/>
-            <a:ext cx="9068400" cy="4381920"/>
+            <a:off x="503280" y="1474470"/>
+            <a:ext cx="9068400" cy="4675770"/>
           </a:xfrm>
           <a:prstGeom prst="rect">
             <a:avLst/>
@@ -5311,13 +6004,20 @@
           </a:ln>
         </p:spPr>
         <p:style>
-          <a:lnRef idx="0"/>
-          <a:fillRef idx="0"/>
-          <a:effectRef idx="0"/>
+          <a:lnRef idx="0">
+            <a:scrgbClr r="0" g="0" b="0"/>
+          </a:lnRef>
+          <a:fillRef idx="0">
+            <a:scrgbClr r="0" g="0" b="0"/>
+          </a:fillRef>
+          <a:effectRef idx="0">
+            <a:scrgbClr r="0" g="0" b="0"/>
+          </a:effectRef>
           <a:fontRef idx="minor"/>
         </p:style>
         <p:txBody>
-          <a:bodyPr lIns="0" rIns="0" tIns="28440" bIns="0"/>
+          <a:bodyPr lIns="0" tIns="28440" rIns="0" bIns="0"/>
+          <a:lstStyle/>
           <a:p>
             <a:pPr marL="343080" indent="-342000">
               <a:lnSpc>
@@ -5325,27 +6025,72 @@
               </a:lnSpc>
             </a:pPr>
             <a:r>
-              <a:rPr b="0" lang="en-GB" sz="2600" spc="-1" strike="noStrike">
+              <a:rPr lang="en-GB" sz="2600" b="0" strike="noStrike" spc="-1" dirty="0" err="1">
                 <a:solidFill>
                   <a:srgbClr val="000000"/>
                 </a:solidFill>
                 <a:uFill>
                   <a:solidFill>
-                    <a:srgbClr val="ffffff"/>
+                    <a:srgbClr val="FFFFFF"/>
                   </a:solidFill>
                 </a:uFill>
                 <a:latin typeface="Arial"/>
                 <a:ea typeface="Noto Sans CJK SC Regular"/>
               </a:rPr>
-              <a:t>Neuroinformatics (like computational neuroscience, connectomics, etc.) means many different things to different people… </a:t>
+              <a:t>Neuroinformatics</a:t>
             </a:r>
-            <a:endParaRPr b="0" lang="en-GB" sz="1800" spc="-1" strike="noStrike">
-              <a:solidFill>
-                <a:srgbClr val="000000"/>
-              </a:solidFill>
-              <a:uFill>
-                <a:solidFill>
-                  <a:srgbClr val="ffffff"/>
+            <a:r>
+              <a:rPr lang="en-GB" sz="2600" b="0" strike="noStrike" spc="-1" dirty="0">
+                <a:solidFill>
+                  <a:srgbClr val="000000"/>
+                </a:solidFill>
+                <a:uFill>
+                  <a:solidFill>
+                    <a:srgbClr val="FFFFFF"/>
+                  </a:solidFill>
+                </a:uFill>
+                <a:latin typeface="Arial"/>
+                <a:ea typeface="Noto Sans CJK SC Regular"/>
+              </a:rPr>
+              <a:t> (like computational neuroscience, </a:t>
+            </a:r>
+            <a:r>
+              <a:rPr lang="en-GB" sz="2600" b="0" strike="noStrike" spc="-1" dirty="0" err="1">
+                <a:solidFill>
+                  <a:srgbClr val="000000"/>
+                </a:solidFill>
+                <a:uFill>
+                  <a:solidFill>
+                    <a:srgbClr val="FFFFFF"/>
+                  </a:solidFill>
+                </a:uFill>
+                <a:latin typeface="Arial"/>
+                <a:ea typeface="Noto Sans CJK SC Regular"/>
+              </a:rPr>
+              <a:t>connectomics</a:t>
+            </a:r>
+            <a:r>
+              <a:rPr lang="en-GB" sz="2600" b="0" strike="noStrike" spc="-1" dirty="0">
+                <a:solidFill>
+                  <a:srgbClr val="000000"/>
+                </a:solidFill>
+                <a:uFill>
+                  <a:solidFill>
+                    <a:srgbClr val="FFFFFF"/>
+                  </a:solidFill>
+                </a:uFill>
+                <a:latin typeface="Arial"/>
+                <a:ea typeface="Noto Sans CJK SC Regular"/>
+              </a:rPr>
+              <a:t>, etc.) means many different things to different people… </a:t>
+            </a:r>
+            <a:endParaRPr lang="en-GB" sz="1800" b="0" strike="noStrike" spc="-1" dirty="0">
+              <a:solidFill>
+                <a:srgbClr val="000000"/>
+              </a:solidFill>
+              <a:uFill>
+                <a:solidFill>
+                  <a:srgbClr val="FFFFFF"/>
                 </a:solidFill>
               </a:uFill>
               <a:latin typeface="Arial"/>
@@ -5357,13 +6102,13 @@
                 <a:spcPct val="93000"/>
               </a:lnSpc>
             </a:pPr>
-            <a:endParaRPr b="0" lang="en-GB" sz="1800" spc="-1" strike="noStrike">
-              <a:solidFill>
-                <a:srgbClr val="000000"/>
-              </a:solidFill>
-              <a:uFill>
-                <a:solidFill>
-                  <a:srgbClr val="ffffff"/>
+            <a:endParaRPr lang="en-GB" sz="1800" b="0" strike="noStrike" spc="-1" dirty="0">
+              <a:solidFill>
+                <a:srgbClr val="000000"/>
+              </a:solidFill>
+              <a:uFill>
+                <a:solidFill>
+                  <a:srgbClr val="FFFFFF"/>
                 </a:solidFill>
               </a:uFill>
               <a:latin typeface="Arial"/>
@@ -5375,13 +6120,13 @@
                 <a:spcPct val="93000"/>
               </a:lnSpc>
             </a:pPr>
-            <a:endParaRPr b="0" lang="en-GB" sz="1800" spc="-1" strike="noStrike">
-              <a:solidFill>
-                <a:srgbClr val="000000"/>
-              </a:solidFill>
-              <a:uFill>
-                <a:solidFill>
-                  <a:srgbClr val="ffffff"/>
+            <a:endParaRPr lang="en-GB" sz="1800" b="0" strike="noStrike" spc="-1" dirty="0">
+              <a:solidFill>
+                <a:srgbClr val="000000"/>
+              </a:solidFill>
+              <a:uFill>
+                <a:solidFill>
+                  <a:srgbClr val="FFFFFF"/>
                 </a:solidFill>
               </a:uFill>
               <a:latin typeface="Arial"/>
@@ -5397,14 +6142,14 @@
         </p:nvSpPr>
         <p:spPr>
           <a:xfrm rot="20785800">
-            <a:off x="287280" y="3527640"/>
+            <a:off x="143607" y="3284997"/>
             <a:ext cx="3455640" cy="1079640"/>
           </a:xfrm>
           <a:prstGeom prst="ellipse">
             <a:avLst/>
           </a:prstGeom>
           <a:solidFill>
-            <a:srgbClr val="faebb0"/>
+            <a:srgbClr val="FAEBB0"/>
           </a:solidFill>
           <a:ln w="36000">
             <a:solidFill>
@@ -5414,13 +6159,20 @@
           </a:ln>
         </p:spPr>
         <p:style>
-          <a:lnRef idx="0"/>
-          <a:fillRef idx="0"/>
-          <a:effectRef idx="0"/>
+          <a:lnRef idx="0">
+            <a:scrgbClr r="0" g="0" b="0"/>
+          </a:lnRef>
+          <a:fillRef idx="0">
+            <a:scrgbClr r="0" g="0" b="0"/>
+          </a:fillRef>
+          <a:effectRef idx="0">
+            <a:scrgbClr r="0" g="0" b="0"/>
+          </a:effectRef>
           <a:fontRef idx="minor"/>
         </p:style>
         <p:txBody>
-          <a:bodyPr wrap="none" lIns="108000" rIns="108000" tIns="63000" bIns="63000" anchor="ctr"/>
+          <a:bodyPr wrap="none" lIns="108000" tIns="63000" rIns="108000" bIns="63000" anchor="ctr"/>
+          <a:lstStyle/>
           <a:p>
             <a:pPr algn="ctr">
               <a:lnSpc>
@@ -5428,13 +6180,13 @@
               </a:lnSpc>
             </a:pPr>
             <a:r>
-              <a:rPr b="1" lang="en-GB" sz="1800" spc="-1" strike="noStrike">
+              <a:rPr lang="en-GB" sz="1800" b="1" strike="noStrike" spc="-1">
                 <a:solidFill>
                   <a:srgbClr val="333333"/>
                 </a:solidFill>
                 <a:uFill>
                   <a:solidFill>
-                    <a:srgbClr val="ffffff"/>
+                    <a:srgbClr val="FFFFFF"/>
                   </a:solidFill>
                 </a:uFill>
                 <a:latin typeface="Arial"/>
@@ -5442,13 +6194,13 @@
               </a:rPr>
               <a:t>Brain Atlases</a:t>
             </a:r>
-            <a:endParaRPr b="0" lang="en-GB" sz="1800" spc="-1" strike="noStrike">
-              <a:solidFill>
-                <a:srgbClr val="000000"/>
-              </a:solidFill>
-              <a:uFill>
-                <a:solidFill>
-                  <a:srgbClr val="ffffff"/>
+            <a:endParaRPr lang="en-GB" sz="1800" b="0" strike="noStrike" spc="-1">
+              <a:solidFill>
+                <a:srgbClr val="000000"/>
+              </a:solidFill>
+              <a:uFill>
+                <a:solidFill>
+                  <a:srgbClr val="FFFFFF"/>
                 </a:solidFill>
               </a:uFill>
               <a:latin typeface="Arial"/>
@@ -5471,7 +6223,7 @@
             <a:avLst/>
           </a:prstGeom>
           <a:solidFill>
-            <a:srgbClr val="cc9900"/>
+            <a:srgbClr val="CC9900"/>
           </a:solidFill>
           <a:ln w="36000">
             <a:solidFill>
@@ -5481,13 +6233,20 @@
           </a:ln>
         </p:spPr>
         <p:style>
-          <a:lnRef idx="0"/>
-          <a:fillRef idx="0"/>
-          <a:effectRef idx="0"/>
+          <a:lnRef idx="0">
+            <a:scrgbClr r="0" g="0" b="0"/>
+          </a:lnRef>
+          <a:fillRef idx="0">
+            <a:scrgbClr r="0" g="0" b="0"/>
+          </a:fillRef>
+          <a:effectRef idx="0">
+            <a:scrgbClr r="0" g="0" b="0"/>
+          </a:effectRef>
           <a:fontRef idx="minor"/>
         </p:style>
         <p:txBody>
-          <a:bodyPr wrap="none" lIns="108000" rIns="108000" tIns="63000" bIns="63000" anchor="ctr"/>
+          <a:bodyPr wrap="none" lIns="108000" tIns="63000" rIns="108000" bIns="63000" anchor="ctr"/>
+          <a:lstStyle/>
           <a:p>
             <a:pPr algn="ctr">
               <a:lnSpc>
@@ -5495,13 +6254,13 @@
               </a:lnSpc>
             </a:pPr>
             <a:r>
-              <a:rPr b="1" lang="en-GB" sz="1800" spc="-1" strike="noStrike">
+              <a:rPr lang="en-GB" sz="1800" b="1" strike="noStrike" spc="-1">
                 <a:solidFill>
                   <a:srgbClr val="333333"/>
                 </a:solidFill>
                 <a:uFill>
                   <a:solidFill>
-                    <a:srgbClr val="ffffff"/>
+                    <a:srgbClr val="FFFFFF"/>
                   </a:solidFill>
                 </a:uFill>
                 <a:latin typeface="Arial"/>
@@ -5509,13 +6268,13 @@
               </a:rPr>
               <a:t>Electrophysiology</a:t>
             </a:r>
-            <a:endParaRPr b="0" lang="en-GB" sz="1800" spc="-1" strike="noStrike">
-              <a:solidFill>
-                <a:srgbClr val="000000"/>
-              </a:solidFill>
-              <a:uFill>
-                <a:solidFill>
-                  <a:srgbClr val="ffffff"/>
+            <a:endParaRPr lang="en-GB" sz="1800" b="0" strike="noStrike" spc="-1">
+              <a:solidFill>
+                <a:srgbClr val="000000"/>
+              </a:solidFill>
+              <a:uFill>
+                <a:solidFill>
+                  <a:srgbClr val="FFFFFF"/>
                 </a:solidFill>
               </a:uFill>
               <a:latin typeface="Arial"/>
@@ -5528,42 +6287,27 @@
               </a:lnSpc>
             </a:pPr>
             <a:r>
-              <a:rPr b="1" lang="en-GB" sz="1800" spc="-1" strike="noStrike">
+              <a:rPr lang="en-GB" sz="1800" b="1" strike="noStrike" spc="-1">
                 <a:solidFill>
                   <a:srgbClr val="333333"/>
                 </a:solidFill>
                 <a:uFill>
                   <a:solidFill>
-                    <a:srgbClr val="ffffff"/>
+                    <a:srgbClr val="FFFFFF"/>
                   </a:solidFill>
                 </a:uFill>
                 <a:latin typeface="Arial"/>
                 <a:ea typeface="DejaVu Sans"/>
               </a:rPr>
-              <a:t> </a:t>
+              <a:t> data sharing</a:t>
             </a:r>
-            <a:r>
-              <a:rPr b="1" lang="en-GB" sz="1800" spc="-1" strike="noStrike">
-                <a:solidFill>
-                  <a:srgbClr val="333333"/>
-                </a:solidFill>
-                <a:uFill>
-                  <a:solidFill>
-                    <a:srgbClr val="ffffff"/>
-                  </a:solidFill>
-                </a:uFill>
-                <a:latin typeface="Arial"/>
-                <a:ea typeface="DejaVu Sans"/>
-              </a:rPr>
-              <a:t>data sharing</a:t>
-            </a:r>
-            <a:endParaRPr b="0" lang="en-GB" sz="1800" spc="-1" strike="noStrike">
-              <a:solidFill>
-                <a:srgbClr val="000000"/>
-              </a:solidFill>
-              <a:uFill>
-                <a:solidFill>
-                  <a:srgbClr val="ffffff"/>
+            <a:endParaRPr lang="en-GB" sz="1800" b="0" strike="noStrike" spc="-1">
+              <a:solidFill>
+                <a:srgbClr val="000000"/>
+              </a:solidFill>
+              <a:uFill>
+                <a:solidFill>
+                  <a:srgbClr val="FFFFFF"/>
                 </a:solidFill>
               </a:uFill>
               <a:latin typeface="Arial"/>
@@ -5579,14 +6323,14 @@
         </p:nvSpPr>
         <p:spPr>
           <a:xfrm rot="275400">
-            <a:off x="6369840" y="3031200"/>
-            <a:ext cx="3455640" cy="1079640"/>
+            <a:off x="6376500" y="3017219"/>
+            <a:ext cx="3455640" cy="1024596"/>
           </a:xfrm>
           <a:prstGeom prst="ellipse">
             <a:avLst/>
           </a:prstGeom>
           <a:solidFill>
-            <a:srgbClr val="99ffff"/>
+            <a:srgbClr val="99FFFF"/>
           </a:solidFill>
           <a:ln w="36000">
             <a:solidFill>
@@ -5596,13 +6340,20 @@
           </a:ln>
         </p:spPr>
         <p:style>
-          <a:lnRef idx="0"/>
-          <a:fillRef idx="0"/>
-          <a:effectRef idx="0"/>
+          <a:lnRef idx="0">
+            <a:scrgbClr r="0" g="0" b="0"/>
+          </a:lnRef>
+          <a:fillRef idx="0">
+            <a:scrgbClr r="0" g="0" b="0"/>
+          </a:fillRef>
+          <a:effectRef idx="0">
+            <a:scrgbClr r="0" g="0" b="0"/>
+          </a:effectRef>
           <a:fontRef idx="minor"/>
         </p:style>
         <p:txBody>
-          <a:bodyPr wrap="none" lIns="108000" rIns="108000" tIns="63000" bIns="63000" anchor="ctr"/>
+          <a:bodyPr wrap="none" lIns="108000" tIns="63000" rIns="108000" bIns="63000" anchor="ctr"/>
+          <a:lstStyle/>
           <a:p>
             <a:pPr algn="ctr">
               <a:lnSpc>
@@ -5610,13 +6361,13 @@
               </a:lnSpc>
             </a:pPr>
             <a:r>
-              <a:rPr b="1" lang="en-GB" sz="1800" spc="-1" strike="noStrike">
+              <a:rPr lang="en-GB" sz="1800" b="1" strike="noStrike" spc="-1">
                 <a:solidFill>
                   <a:srgbClr val="333333"/>
                 </a:solidFill>
                 <a:uFill>
                   <a:solidFill>
-                    <a:srgbClr val="ffffff"/>
+                    <a:srgbClr val="FFFFFF"/>
                   </a:solidFill>
                 </a:uFill>
                 <a:latin typeface="Arial"/>
@@ -5624,38 +6375,995 @@
               </a:rPr>
               <a:t>Neuroimaging</a:t>
             </a:r>
-            <a:endParaRPr b="0" lang="en-GB" sz="1800" spc="-1" strike="noStrike">
-              <a:solidFill>
-                <a:srgbClr val="000000"/>
-              </a:solidFill>
-              <a:uFill>
-                <a:solidFill>
-                  <a:srgbClr val="ffffff"/>
-                </a:solidFill>
-              </a:uFill>
-              <a:latin typeface="Arial"/>
-            </a:endParaRPr>
+            <a:endParaRPr lang="en-GB" sz="1800" b="0" strike="noStrike" spc="-1">
+              <a:solidFill>
+                <a:srgbClr val="000000"/>
+              </a:solidFill>
+              <a:uFill>
+                <a:solidFill>
+                  <a:srgbClr val="FFFFFF"/>
+                </a:solidFill>
+              </a:uFill>
+              <a:latin typeface="Arial"/>
+            </a:endParaRPr>
+          </a:p>
+        </p:txBody>
+      </p:sp>
+      <p:sp>
+        <p:nvSpPr>
+          <p:cNvPr id="7" name="CustomShape 3"/>
+          <p:cNvSpPr/>
+          <p:nvPr/>
+        </p:nvSpPr>
+        <p:spPr>
+          <a:xfrm rot="478738">
+            <a:off x="5990121" y="5219789"/>
+            <a:ext cx="3264847" cy="913548"/>
+          </a:xfrm>
+          <a:prstGeom prst="ellipse">
+            <a:avLst/>
+          </a:prstGeom>
+          <a:solidFill>
+            <a:schemeClr val="accent5">
+              <a:lumMod val="20000"/>
+              <a:lumOff val="80000"/>
+            </a:schemeClr>
+          </a:solidFill>
+          <a:ln w="36000">
+            <a:solidFill>
+              <a:srgbClr val="666666"/>
+            </a:solidFill>
+            <a:round/>
+          </a:ln>
+        </p:spPr>
+        <p:style>
+          <a:lnRef idx="0">
+            <a:scrgbClr r="0" g="0" b="0"/>
+          </a:lnRef>
+          <a:fillRef idx="0">
+            <a:scrgbClr r="0" g="0" b="0"/>
+          </a:fillRef>
+          <a:effectRef idx="0">
+            <a:scrgbClr r="0" g="0" b="0"/>
+          </a:effectRef>
+          <a:fontRef idx="minor"/>
+        </p:style>
+        <p:txBody>
+          <a:bodyPr wrap="none" lIns="108000" tIns="63000" rIns="108000" bIns="63000" anchor="ctr"/>
+          <a:lstStyle/>
+          <a:p>
+            <a:pPr algn="ctr">
+              <a:lnSpc>
+                <a:spcPct val="100000"/>
+              </a:lnSpc>
+            </a:pPr>
+            <a:r>
+              <a:rPr lang="en-GB" sz="1800" b="1" strike="noStrike" spc="-1" smtClean="0">
+                <a:solidFill>
+                  <a:srgbClr val="333333"/>
+                </a:solidFill>
+                <a:uFill>
+                  <a:solidFill>
+                    <a:srgbClr val="FFFFFF"/>
+                  </a:solidFill>
+                </a:uFill>
+                <a:latin typeface="Arial"/>
+                <a:ea typeface="DejaVu Sans"/>
+              </a:rPr>
+              <a:t>Model sharing</a:t>
+            </a:r>
+            <a:endParaRPr lang="en-GB" sz="1800" b="0" strike="noStrike" spc="-1" dirty="0">
+              <a:solidFill>
+                <a:srgbClr val="000000"/>
+              </a:solidFill>
+              <a:uFill>
+                <a:solidFill>
+                  <a:srgbClr val="FFFFFF"/>
+                </a:solidFill>
+              </a:uFill>
+              <a:latin typeface="Arial"/>
+            </a:endParaRPr>
+          </a:p>
+        </p:txBody>
+      </p:sp>
+      <p:sp>
+        <p:nvSpPr>
+          <p:cNvPr id="8" name="CustomShape 3"/>
+          <p:cNvSpPr/>
+          <p:nvPr/>
+        </p:nvSpPr>
+        <p:spPr>
+          <a:xfrm rot="186951">
+            <a:off x="6849137" y="4288687"/>
+            <a:ext cx="2847729" cy="833343"/>
+          </a:xfrm>
+          <a:prstGeom prst="ellipse">
+            <a:avLst/>
+          </a:prstGeom>
+          <a:solidFill>
+            <a:schemeClr val="bg1">
+              <a:lumMod val="75000"/>
+            </a:schemeClr>
+          </a:solidFill>
+          <a:ln w="36000">
+            <a:solidFill>
+              <a:srgbClr val="666666"/>
+            </a:solidFill>
+            <a:round/>
+          </a:ln>
+        </p:spPr>
+        <p:style>
+          <a:lnRef idx="0">
+            <a:scrgbClr r="0" g="0" b="0"/>
+          </a:lnRef>
+          <a:fillRef idx="0">
+            <a:scrgbClr r="0" g="0" b="0"/>
+          </a:fillRef>
+          <a:effectRef idx="0">
+            <a:scrgbClr r="0" g="0" b="0"/>
+          </a:effectRef>
+          <a:fontRef idx="minor"/>
+        </p:style>
+        <p:txBody>
+          <a:bodyPr wrap="none" lIns="108000" tIns="63000" rIns="108000" bIns="63000" anchor="ctr"/>
+          <a:lstStyle/>
+          <a:p>
+            <a:pPr algn="ctr">
+              <a:lnSpc>
+                <a:spcPct val="100000"/>
+              </a:lnSpc>
+            </a:pPr>
+            <a:r>
+              <a:rPr lang="en-GB" b="1" spc="-1" smtClean="0">
+                <a:solidFill>
+                  <a:srgbClr val="333333"/>
+                </a:solidFill>
+                <a:uFill>
+                  <a:solidFill>
+                    <a:srgbClr val="FFFFFF"/>
+                  </a:solidFill>
+                </a:uFill>
+                <a:latin typeface="Arial"/>
+                <a:ea typeface="DejaVu Sans"/>
+              </a:rPr>
+              <a:t>Anatomical datasets</a:t>
+            </a:r>
+            <a:endParaRPr lang="en-GB" sz="1800" b="0" strike="noStrike" spc="-1" dirty="0">
+              <a:solidFill>
+                <a:srgbClr val="000000"/>
+              </a:solidFill>
+              <a:uFill>
+                <a:solidFill>
+                  <a:srgbClr val="FFFFFF"/>
+                </a:solidFill>
+              </a:uFill>
+              <a:latin typeface="Arial"/>
+            </a:endParaRPr>
+          </a:p>
+        </p:txBody>
+      </p:sp>
+      <p:sp>
+        <p:nvSpPr>
+          <p:cNvPr id="9" name="CustomShape 3"/>
+          <p:cNvSpPr/>
+          <p:nvPr/>
+        </p:nvSpPr>
+        <p:spPr>
+          <a:xfrm rot="413439">
+            <a:off x="510854" y="4374361"/>
+            <a:ext cx="3455640" cy="869001"/>
+          </a:xfrm>
+          <a:prstGeom prst="ellipse">
+            <a:avLst/>
+          </a:prstGeom>
+          <a:solidFill>
+            <a:schemeClr val="accent2">
+              <a:lumMod val="20000"/>
+              <a:lumOff val="80000"/>
+            </a:schemeClr>
+          </a:solidFill>
+          <a:ln w="36000">
+            <a:solidFill>
+              <a:srgbClr val="666666"/>
+            </a:solidFill>
+            <a:round/>
+          </a:ln>
+        </p:spPr>
+        <p:style>
+          <a:lnRef idx="0">
+            <a:scrgbClr r="0" g="0" b="0"/>
+          </a:lnRef>
+          <a:fillRef idx="0">
+            <a:scrgbClr r="0" g="0" b="0"/>
+          </a:fillRef>
+          <a:effectRef idx="0">
+            <a:scrgbClr r="0" g="0" b="0"/>
+          </a:effectRef>
+          <a:fontRef idx="minor"/>
+        </p:style>
+        <p:txBody>
+          <a:bodyPr wrap="none" lIns="108000" tIns="63000" rIns="108000" bIns="63000" anchor="ctr"/>
+          <a:lstStyle/>
+          <a:p>
+            <a:pPr algn="ctr">
+              <a:lnSpc>
+                <a:spcPct val="100000"/>
+              </a:lnSpc>
+            </a:pPr>
+            <a:r>
+              <a:rPr lang="en-GB" sz="1800" b="1" strike="noStrike" spc="-1" smtClean="0">
+                <a:solidFill>
+                  <a:srgbClr val="333333"/>
+                </a:solidFill>
+                <a:uFill>
+                  <a:solidFill>
+                    <a:srgbClr val="FFFFFF"/>
+                  </a:solidFill>
+                </a:uFill>
+                <a:latin typeface="Arial"/>
+                <a:ea typeface="DejaVu Sans"/>
+              </a:rPr>
+              <a:t>Computing resources</a:t>
+            </a:r>
+            <a:endParaRPr lang="en-GB" sz="1800" b="0" strike="noStrike" spc="-1" dirty="0">
+              <a:solidFill>
+                <a:srgbClr val="000000"/>
+              </a:solidFill>
+              <a:uFill>
+                <a:solidFill>
+                  <a:srgbClr val="FFFFFF"/>
+                </a:solidFill>
+              </a:uFill>
+              <a:latin typeface="Arial"/>
+            </a:endParaRPr>
+          </a:p>
+        </p:txBody>
+      </p:sp>
+      <p:sp>
+        <p:nvSpPr>
+          <p:cNvPr id="10" name="CustomShape 3"/>
+          <p:cNvSpPr/>
+          <p:nvPr/>
+        </p:nvSpPr>
+        <p:spPr>
+          <a:xfrm rot="803892">
+            <a:off x="5269544" y="6355512"/>
+            <a:ext cx="3455640" cy="869001"/>
+          </a:xfrm>
+          <a:prstGeom prst="ellipse">
+            <a:avLst/>
+          </a:prstGeom>
+          <a:solidFill>
+            <a:schemeClr val="bg2">
+              <a:lumMod val="75000"/>
+            </a:schemeClr>
+          </a:solidFill>
+          <a:ln w="36000">
+            <a:solidFill>
+              <a:srgbClr val="666666"/>
+            </a:solidFill>
+            <a:round/>
+          </a:ln>
+        </p:spPr>
+        <p:style>
+          <a:lnRef idx="0">
+            <a:scrgbClr r="0" g="0" b="0"/>
+          </a:lnRef>
+          <a:fillRef idx="0">
+            <a:scrgbClr r="0" g="0" b="0"/>
+          </a:fillRef>
+          <a:effectRef idx="0">
+            <a:scrgbClr r="0" g="0" b="0"/>
+          </a:effectRef>
+          <a:fontRef idx="minor"/>
+        </p:style>
+        <p:txBody>
+          <a:bodyPr wrap="none" lIns="108000" tIns="63000" rIns="108000" bIns="63000" anchor="ctr"/>
+          <a:lstStyle/>
+          <a:p>
+            <a:pPr algn="ctr">
+              <a:lnSpc>
+                <a:spcPct val="100000"/>
+              </a:lnSpc>
+            </a:pPr>
+            <a:r>
+              <a:rPr lang="en-GB" sz="1800" b="1" strike="noStrike" spc="-1" smtClean="0">
+                <a:solidFill>
+                  <a:srgbClr val="333333"/>
+                </a:solidFill>
+                <a:uFill>
+                  <a:solidFill>
+                    <a:srgbClr val="FFFFFF"/>
+                  </a:solidFill>
+                </a:uFill>
+                <a:latin typeface="Arial"/>
+                <a:ea typeface="DejaVu Sans"/>
+              </a:rPr>
+              <a:t>Gene expression</a:t>
+            </a:r>
+            <a:endParaRPr lang="en-GB" sz="1800" b="0" strike="noStrike" spc="-1" dirty="0">
+              <a:solidFill>
+                <a:srgbClr val="000000"/>
+              </a:solidFill>
+              <a:uFill>
+                <a:solidFill>
+                  <a:srgbClr val="FFFFFF"/>
+                </a:solidFill>
+              </a:uFill>
+              <a:latin typeface="Arial"/>
+            </a:endParaRPr>
+          </a:p>
+        </p:txBody>
+      </p:sp>
+      <p:sp>
+        <p:nvSpPr>
+          <p:cNvPr id="11" name="CustomShape 3"/>
+          <p:cNvSpPr/>
+          <p:nvPr/>
+        </p:nvSpPr>
+        <p:spPr>
+          <a:xfrm rot="20619890">
+            <a:off x="3226686" y="3305571"/>
+            <a:ext cx="3455640" cy="869001"/>
+          </a:xfrm>
+          <a:prstGeom prst="ellipse">
+            <a:avLst/>
+          </a:prstGeom>
+          <a:solidFill>
+            <a:schemeClr val="accent3">
+              <a:lumMod val="60000"/>
+              <a:lumOff val="40000"/>
+            </a:schemeClr>
+          </a:solidFill>
+          <a:ln w="36000">
+            <a:solidFill>
+              <a:srgbClr val="666666"/>
+            </a:solidFill>
+            <a:round/>
+          </a:ln>
+        </p:spPr>
+        <p:style>
+          <a:lnRef idx="0">
+            <a:scrgbClr r="0" g="0" b="0"/>
+          </a:lnRef>
+          <a:fillRef idx="0">
+            <a:scrgbClr r="0" g="0" b="0"/>
+          </a:fillRef>
+          <a:effectRef idx="0">
+            <a:scrgbClr r="0" g="0" b="0"/>
+          </a:effectRef>
+          <a:fontRef idx="minor"/>
+        </p:style>
+        <p:txBody>
+          <a:bodyPr wrap="none" lIns="108000" tIns="63000" rIns="108000" bIns="63000" anchor="ctr"/>
+          <a:lstStyle/>
+          <a:p>
+            <a:pPr algn="ctr">
+              <a:lnSpc>
+                <a:spcPct val="100000"/>
+              </a:lnSpc>
+            </a:pPr>
+            <a:r>
+              <a:rPr lang="en-GB" sz="1800" b="1" strike="noStrike" spc="-1" dirty="0" smtClean="0">
+                <a:solidFill>
+                  <a:srgbClr val="333333"/>
+                </a:solidFill>
+                <a:uFill>
+                  <a:solidFill>
+                    <a:srgbClr val="FFFFFF"/>
+                  </a:solidFill>
+                </a:uFill>
+                <a:latin typeface="Arial"/>
+                <a:ea typeface="DejaVu Sans"/>
+              </a:rPr>
+              <a:t>Open source tools</a:t>
+            </a:r>
+            <a:endParaRPr lang="en-GB" sz="1800" b="0" strike="noStrike" spc="-1" dirty="0">
+              <a:solidFill>
+                <a:srgbClr val="000000"/>
+              </a:solidFill>
+              <a:uFill>
+                <a:solidFill>
+                  <a:srgbClr val="FFFFFF"/>
+                </a:solidFill>
+              </a:uFill>
+              <a:latin typeface="Arial"/>
+            </a:endParaRPr>
+          </a:p>
+        </p:txBody>
+      </p:sp>
+      <p:sp>
+        <p:nvSpPr>
+          <p:cNvPr id="12" name="CustomShape 3"/>
+          <p:cNvSpPr/>
+          <p:nvPr/>
+        </p:nvSpPr>
+        <p:spPr>
+          <a:xfrm rot="21093807">
+            <a:off x="3449793" y="4508677"/>
+            <a:ext cx="3455640" cy="869001"/>
+          </a:xfrm>
+          <a:prstGeom prst="ellipse">
+            <a:avLst/>
+          </a:prstGeom>
+          <a:solidFill>
+            <a:schemeClr val="accent6">
+              <a:lumMod val="40000"/>
+              <a:lumOff val="60000"/>
+            </a:schemeClr>
+          </a:solidFill>
+          <a:ln w="36000">
+            <a:solidFill>
+              <a:srgbClr val="666666"/>
+            </a:solidFill>
+            <a:round/>
+          </a:ln>
+        </p:spPr>
+        <p:style>
+          <a:lnRef idx="0">
+            <a:scrgbClr r="0" g="0" b="0"/>
+          </a:lnRef>
+          <a:fillRef idx="0">
+            <a:scrgbClr r="0" g="0" b="0"/>
+          </a:fillRef>
+          <a:effectRef idx="0">
+            <a:scrgbClr r="0" g="0" b="0"/>
+          </a:effectRef>
+          <a:fontRef idx="minor"/>
+        </p:style>
+        <p:txBody>
+          <a:bodyPr wrap="none" lIns="108000" tIns="63000" rIns="108000" bIns="63000" anchor="ctr"/>
+          <a:lstStyle/>
+          <a:p>
+            <a:pPr algn="ctr">
+              <a:lnSpc>
+                <a:spcPct val="100000"/>
+              </a:lnSpc>
+            </a:pPr>
+            <a:r>
+              <a:rPr lang="en-GB" sz="1800" b="1" strike="noStrike" spc="-1" dirty="0" smtClean="0">
+                <a:solidFill>
+                  <a:srgbClr val="333333"/>
+                </a:solidFill>
+                <a:uFill>
+                  <a:solidFill>
+                    <a:srgbClr val="FFFFFF"/>
+                  </a:solidFill>
+                </a:uFill>
+                <a:latin typeface="Arial"/>
+                <a:ea typeface="DejaVu Sans"/>
+              </a:rPr>
+              <a:t>Connectivity data</a:t>
+            </a:r>
+            <a:endParaRPr lang="en-GB" sz="1800" b="0" strike="noStrike" spc="-1" dirty="0">
+              <a:solidFill>
+                <a:srgbClr val="000000"/>
+              </a:solidFill>
+              <a:uFill>
+                <a:solidFill>
+                  <a:srgbClr val="FFFFFF"/>
+                </a:solidFill>
+              </a:uFill>
+              <a:latin typeface="Arial"/>
+            </a:endParaRPr>
+          </a:p>
+        </p:txBody>
+      </p:sp>
+      <p:sp>
+        <p:nvSpPr>
+          <p:cNvPr id="2" name="Rectangle 1"/>
+          <p:cNvSpPr/>
+          <p:nvPr/>
+        </p:nvSpPr>
+        <p:spPr>
+          <a:xfrm>
+            <a:off x="631261" y="468630"/>
+            <a:ext cx="603179" cy="228600"/>
+          </a:xfrm>
+          <a:prstGeom prst="rect">
+            <a:avLst/>
+          </a:prstGeom>
+          <a:ln>
+            <a:noFill/>
+          </a:ln>
+        </p:spPr>
+        <p:style>
+          <a:lnRef idx="2">
+            <a:schemeClr val="accent6"/>
+          </a:lnRef>
+          <a:fillRef idx="1">
+            <a:schemeClr val="lt1"/>
+          </a:fillRef>
+          <a:effectRef idx="0">
+            <a:schemeClr val="accent6"/>
+          </a:effectRef>
+          <a:fontRef idx="minor">
+            <a:schemeClr val="dk1"/>
+          </a:fontRef>
+        </p:style>
+        <p:txBody>
+          <a:bodyPr rtlCol="0" anchor="ctr"/>
+          <a:lstStyle/>
+          <a:p>
+            <a:pPr algn="ctr"/>
+            <a:endParaRPr lang="en-US"/>
           </a:p>
         </p:txBody>
       </p:sp>
     </p:spTree>
   </p:cSld>
+  <p:clrMapOvr>
+    <a:masterClrMapping/>
+  </p:clrMapOvr>
   <p:timing>
     <p:tnLst>
       <p:par>
-        <p:cTn id="3" dur="indefinite" restart="never" nodeType="tmRoot">
+        <p:cTn id="1" dur="indefinite" restart="never" nodeType="tmRoot">
           <p:childTnLst>
             <p:seq>
-              <p:cTn id="4" nodeType="mainSeq"/>
+              <p:cTn id="2" nodeType="mainSeq">
+                <p:childTnLst>
+                  <p:par>
+                    <p:cTn id="3" fill="hold">
+                      <p:stCondLst>
+                        <p:cond delay="indefinite"/>
+                      </p:stCondLst>
+                      <p:childTnLst>
+                        <p:par>
+                          <p:cTn id="4" fill="hold">
+                            <p:stCondLst>
+                              <p:cond delay="0"/>
+                            </p:stCondLst>
+                            <p:childTnLst>
+                              <p:par>
+                                <p:cTn id="5" presetID="1" presetClass="entr" presetSubtype="0" fill="hold" grpId="0" nodeType="clickEffect">
+                                  <p:stCondLst>
+                                    <p:cond delay="0"/>
+                                  </p:stCondLst>
+                                  <p:childTnLst>
+                                    <p:set>
+                                      <p:cBhvr>
+                                        <p:cTn id="6" dur="1" fill="hold">
+                                          <p:stCondLst>
+                                            <p:cond delay="0"/>
+                                          </p:stCondLst>
+                                        </p:cTn>
+                                        <p:tgtEl>
+                                          <p:spTgt spid="84"/>
+                                        </p:tgtEl>
+                                        <p:attrNameLst>
+                                          <p:attrName>style.visibility</p:attrName>
+                                        </p:attrNameLst>
+                                      </p:cBhvr>
+                                      <p:to>
+                                        <p:strVal val="visible"/>
+                                      </p:to>
+                                    </p:set>
+                                  </p:childTnLst>
+                                </p:cTn>
+                              </p:par>
+                            </p:childTnLst>
+                          </p:cTn>
+                        </p:par>
+                      </p:childTnLst>
+                    </p:cTn>
+                  </p:par>
+                  <p:par>
+                    <p:cTn id="7" fill="hold">
+                      <p:stCondLst>
+                        <p:cond delay="indefinite"/>
+                      </p:stCondLst>
+                      <p:childTnLst>
+                        <p:par>
+                          <p:cTn id="8" fill="hold">
+                            <p:stCondLst>
+                              <p:cond delay="0"/>
+                            </p:stCondLst>
+                            <p:childTnLst>
+                              <p:par>
+                                <p:cTn id="9" presetID="1" presetClass="entr" presetSubtype="0" fill="hold" grpId="0" nodeType="clickEffect">
+                                  <p:stCondLst>
+                                    <p:cond delay="0"/>
+                                  </p:stCondLst>
+                                  <p:childTnLst>
+                                    <p:set>
+                                      <p:cBhvr>
+                                        <p:cTn id="10" dur="1" fill="hold">
+                                          <p:stCondLst>
+                                            <p:cond delay="0"/>
+                                          </p:stCondLst>
+                                        </p:cTn>
+                                        <p:tgtEl>
+                                          <p:spTgt spid="85"/>
+                                        </p:tgtEl>
+                                        <p:attrNameLst>
+                                          <p:attrName>style.visibility</p:attrName>
+                                        </p:attrNameLst>
+                                      </p:cBhvr>
+                                      <p:to>
+                                        <p:strVal val="visible"/>
+                                      </p:to>
+                                    </p:set>
+                                  </p:childTnLst>
+                                </p:cTn>
+                              </p:par>
+                            </p:childTnLst>
+                          </p:cTn>
+                        </p:par>
+                      </p:childTnLst>
+                    </p:cTn>
+                  </p:par>
+                  <p:par>
+                    <p:cTn id="11" fill="hold">
+                      <p:stCondLst>
+                        <p:cond delay="indefinite"/>
+                      </p:stCondLst>
+                      <p:childTnLst>
+                        <p:par>
+                          <p:cTn id="12" fill="hold">
+                            <p:stCondLst>
+                              <p:cond delay="0"/>
+                            </p:stCondLst>
+                            <p:childTnLst>
+                              <p:par>
+                                <p:cTn id="13" presetID="1" presetClass="entr" presetSubtype="0" fill="hold" grpId="0" nodeType="clickEffect">
+                                  <p:stCondLst>
+                                    <p:cond delay="0"/>
+                                  </p:stCondLst>
+                                  <p:childTnLst>
+                                    <p:set>
+                                      <p:cBhvr>
+                                        <p:cTn id="14" dur="1" fill="hold">
+                                          <p:stCondLst>
+                                            <p:cond delay="0"/>
+                                          </p:stCondLst>
+                                        </p:cTn>
+                                        <p:tgtEl>
+                                          <p:spTgt spid="86"/>
+                                        </p:tgtEl>
+                                        <p:attrNameLst>
+                                          <p:attrName>style.visibility</p:attrName>
+                                        </p:attrNameLst>
+                                      </p:cBhvr>
+                                      <p:to>
+                                        <p:strVal val="visible"/>
+                                      </p:to>
+                                    </p:set>
+                                  </p:childTnLst>
+                                </p:cTn>
+                              </p:par>
+                            </p:childTnLst>
+                          </p:cTn>
+                        </p:par>
+                      </p:childTnLst>
+                    </p:cTn>
+                  </p:par>
+                  <p:par>
+                    <p:cTn id="15" fill="hold">
+                      <p:stCondLst>
+                        <p:cond delay="indefinite"/>
+                      </p:stCondLst>
+                      <p:childTnLst>
+                        <p:par>
+                          <p:cTn id="16" fill="hold">
+                            <p:stCondLst>
+                              <p:cond delay="0"/>
+                            </p:stCondLst>
+                            <p:childTnLst>
+                              <p:par>
+                                <p:cTn id="17" presetID="1" presetClass="entr" presetSubtype="0" fill="hold" grpId="0" nodeType="clickEffect">
+                                  <p:stCondLst>
+                                    <p:cond delay="0"/>
+                                  </p:stCondLst>
+                                  <p:childTnLst>
+                                    <p:set>
+                                      <p:cBhvr>
+                                        <p:cTn id="18" dur="1" fill="hold">
+                                          <p:stCondLst>
+                                            <p:cond delay="0"/>
+                                          </p:stCondLst>
+                                        </p:cTn>
+                                        <p:tgtEl>
+                                          <p:spTgt spid="7"/>
+                                        </p:tgtEl>
+                                        <p:attrNameLst>
+                                          <p:attrName>style.visibility</p:attrName>
+                                        </p:attrNameLst>
+                                      </p:cBhvr>
+                                      <p:to>
+                                        <p:strVal val="visible"/>
+                                      </p:to>
+                                    </p:set>
+                                  </p:childTnLst>
+                                </p:cTn>
+                              </p:par>
+                            </p:childTnLst>
+                          </p:cTn>
+                        </p:par>
+                      </p:childTnLst>
+                    </p:cTn>
+                  </p:par>
+                  <p:par>
+                    <p:cTn id="19" fill="hold">
+                      <p:stCondLst>
+                        <p:cond delay="indefinite"/>
+                      </p:stCondLst>
+                      <p:childTnLst>
+                        <p:par>
+                          <p:cTn id="20" fill="hold">
+                            <p:stCondLst>
+                              <p:cond delay="0"/>
+                            </p:stCondLst>
+                            <p:childTnLst>
+                              <p:par>
+                                <p:cTn id="21" presetID="1" presetClass="entr" presetSubtype="0" fill="hold" grpId="0" nodeType="clickEffect">
+                                  <p:stCondLst>
+                                    <p:cond delay="0"/>
+                                  </p:stCondLst>
+                                  <p:childTnLst>
+                                    <p:set>
+                                      <p:cBhvr>
+                                        <p:cTn id="22" dur="1" fill="hold">
+                                          <p:stCondLst>
+                                            <p:cond delay="0"/>
+                                          </p:stCondLst>
+                                        </p:cTn>
+                                        <p:tgtEl>
+                                          <p:spTgt spid="8"/>
+                                        </p:tgtEl>
+                                        <p:attrNameLst>
+                                          <p:attrName>style.visibility</p:attrName>
+                                        </p:attrNameLst>
+                                      </p:cBhvr>
+                                      <p:to>
+                                        <p:strVal val="visible"/>
+                                      </p:to>
+                                    </p:set>
+                                  </p:childTnLst>
+                                </p:cTn>
+                              </p:par>
+                            </p:childTnLst>
+                          </p:cTn>
+                        </p:par>
+                      </p:childTnLst>
+                    </p:cTn>
+                  </p:par>
+                  <p:par>
+                    <p:cTn id="23" fill="hold">
+                      <p:stCondLst>
+                        <p:cond delay="indefinite"/>
+                      </p:stCondLst>
+                      <p:childTnLst>
+                        <p:par>
+                          <p:cTn id="24" fill="hold">
+                            <p:stCondLst>
+                              <p:cond delay="0"/>
+                            </p:stCondLst>
+                            <p:childTnLst>
+                              <p:par>
+                                <p:cTn id="25" presetID="1" presetClass="entr" presetSubtype="0" fill="hold" grpId="0" nodeType="clickEffect">
+                                  <p:stCondLst>
+                                    <p:cond delay="0"/>
+                                  </p:stCondLst>
+                                  <p:childTnLst>
+                                    <p:set>
+                                      <p:cBhvr>
+                                        <p:cTn id="26" dur="1" fill="hold">
+                                          <p:stCondLst>
+                                            <p:cond delay="0"/>
+                                          </p:stCondLst>
+                                        </p:cTn>
+                                        <p:tgtEl>
+                                          <p:spTgt spid="9"/>
+                                        </p:tgtEl>
+                                        <p:attrNameLst>
+                                          <p:attrName>style.visibility</p:attrName>
+                                        </p:attrNameLst>
+                                      </p:cBhvr>
+                                      <p:to>
+                                        <p:strVal val="visible"/>
+                                      </p:to>
+                                    </p:set>
+                                  </p:childTnLst>
+                                </p:cTn>
+                              </p:par>
+                            </p:childTnLst>
+                          </p:cTn>
+                        </p:par>
+                      </p:childTnLst>
+                    </p:cTn>
+                  </p:par>
+                  <p:par>
+                    <p:cTn id="27" fill="hold">
+                      <p:stCondLst>
+                        <p:cond delay="indefinite"/>
+                      </p:stCondLst>
+                      <p:childTnLst>
+                        <p:par>
+                          <p:cTn id="28" fill="hold">
+                            <p:stCondLst>
+                              <p:cond delay="0"/>
+                            </p:stCondLst>
+                            <p:childTnLst>
+                              <p:par>
+                                <p:cTn id="29" presetID="1" presetClass="entr" presetSubtype="0" fill="hold" grpId="0" nodeType="clickEffect">
+                                  <p:stCondLst>
+                                    <p:cond delay="0"/>
+                                  </p:stCondLst>
+                                  <p:childTnLst>
+                                    <p:set>
+                                      <p:cBhvr>
+                                        <p:cTn id="30" dur="1" fill="hold">
+                                          <p:stCondLst>
+                                            <p:cond delay="0"/>
+                                          </p:stCondLst>
+                                        </p:cTn>
+                                        <p:tgtEl>
+                                          <p:spTgt spid="10"/>
+                                        </p:tgtEl>
+                                        <p:attrNameLst>
+                                          <p:attrName>style.visibility</p:attrName>
+                                        </p:attrNameLst>
+                                      </p:cBhvr>
+                                      <p:to>
+                                        <p:strVal val="visible"/>
+                                      </p:to>
+                                    </p:set>
+                                  </p:childTnLst>
+                                </p:cTn>
+                              </p:par>
+                            </p:childTnLst>
+                          </p:cTn>
+                        </p:par>
+                      </p:childTnLst>
+                    </p:cTn>
+                  </p:par>
+                  <p:par>
+                    <p:cTn id="31" fill="hold">
+                      <p:stCondLst>
+                        <p:cond delay="indefinite"/>
+                      </p:stCondLst>
+                      <p:childTnLst>
+                        <p:par>
+                          <p:cTn id="32" fill="hold">
+                            <p:stCondLst>
+                              <p:cond delay="0"/>
+                            </p:stCondLst>
+                            <p:childTnLst>
+                              <p:par>
+                                <p:cTn id="33" presetID="1" presetClass="entr" presetSubtype="0" fill="hold" grpId="0" nodeType="clickEffect">
+                                  <p:stCondLst>
+                                    <p:cond delay="0"/>
+                                  </p:stCondLst>
+                                  <p:childTnLst>
+                                    <p:set>
+                                      <p:cBhvr>
+                                        <p:cTn id="34" dur="1" fill="hold">
+                                          <p:stCondLst>
+                                            <p:cond delay="0"/>
+                                          </p:stCondLst>
+                                        </p:cTn>
+                                        <p:tgtEl>
+                                          <p:spTgt spid="11"/>
+                                        </p:tgtEl>
+                                        <p:attrNameLst>
+                                          <p:attrName>style.visibility</p:attrName>
+                                        </p:attrNameLst>
+                                      </p:cBhvr>
+                                      <p:to>
+                                        <p:strVal val="visible"/>
+                                      </p:to>
+                                    </p:set>
+                                  </p:childTnLst>
+                                </p:cTn>
+                              </p:par>
+                            </p:childTnLst>
+                          </p:cTn>
+                        </p:par>
+                      </p:childTnLst>
+                    </p:cTn>
+                  </p:par>
+                  <p:par>
+                    <p:cTn id="35" fill="hold">
+                      <p:stCondLst>
+                        <p:cond delay="indefinite"/>
+                      </p:stCondLst>
+                      <p:childTnLst>
+                        <p:par>
+                          <p:cTn id="36" fill="hold">
+                            <p:stCondLst>
+                              <p:cond delay="0"/>
+                            </p:stCondLst>
+                            <p:childTnLst>
+                              <p:par>
+                                <p:cTn id="37" presetID="1" presetClass="entr" presetSubtype="0" fill="hold" grpId="0" nodeType="clickEffect">
+                                  <p:stCondLst>
+                                    <p:cond delay="0"/>
+                                  </p:stCondLst>
+                                  <p:childTnLst>
+                                    <p:set>
+                                      <p:cBhvr>
+                                        <p:cTn id="38" dur="1" fill="hold">
+                                          <p:stCondLst>
+                                            <p:cond delay="0"/>
+                                          </p:stCondLst>
+                                        </p:cTn>
+                                        <p:tgtEl>
+                                          <p:spTgt spid="12"/>
+                                        </p:tgtEl>
+                                        <p:attrNameLst>
+                                          <p:attrName>style.visibility</p:attrName>
+                                        </p:attrNameLst>
+                                      </p:cBhvr>
+                                      <p:to>
+                                        <p:strVal val="visible"/>
+                                      </p:to>
+                                    </p:set>
+                                  </p:childTnLst>
+                                </p:cTn>
+                              </p:par>
+                            </p:childTnLst>
+                          </p:cTn>
+                        </p:par>
+                      </p:childTnLst>
+                    </p:cTn>
+                  </p:par>
+                  <p:par>
+                    <p:cTn id="39" fill="hold">
+                      <p:stCondLst>
+                        <p:cond delay="indefinite"/>
+                      </p:stCondLst>
+                      <p:childTnLst>
+                        <p:par>
+                          <p:cTn id="40" fill="hold">
+                            <p:stCondLst>
+                              <p:cond delay="0"/>
+                            </p:stCondLst>
+                            <p:childTnLst>
+                              <p:par>
+                                <p:cTn id="41" presetID="1" presetClass="entr" presetSubtype="0" fill="hold" grpId="0" nodeType="clickEffect">
+                                  <p:stCondLst>
+                                    <p:cond delay="0"/>
+                                  </p:stCondLst>
+                                  <p:childTnLst>
+                                    <p:set>
+                                      <p:cBhvr>
+                                        <p:cTn id="42" dur="1" fill="hold">
+                                          <p:stCondLst>
+                                            <p:cond delay="0"/>
+                                          </p:stCondLst>
+                                        </p:cTn>
+                                        <p:tgtEl>
+                                          <p:spTgt spid="2"/>
+                                        </p:tgtEl>
+                                        <p:attrNameLst>
+                                          <p:attrName>style.visibility</p:attrName>
+                                        </p:attrNameLst>
+                                      </p:cBhvr>
+                                      <p:to>
+                                        <p:strVal val="visible"/>
+                                      </p:to>
+                                    </p:set>
+                                  </p:childTnLst>
+                                </p:cTn>
+                              </p:par>
+                            </p:childTnLst>
+                          </p:cTn>
+                        </p:par>
+                      </p:childTnLst>
+                    </p:cTn>
+                  </p:par>
+                </p:childTnLst>
+              </p:cTn>
               <p:prevCondLst>
-                <p:cond delay="0" evt="onPrev">
+                <p:cond evt="onPrev" delay="0">
                   <p:tgtEl>
                     <p:sldTgt/>
                   </p:tgtEl>
                 </p:cond>
               </p:prevCondLst>
               <p:nextCondLst>
-                <p:cond delay="0" evt="onNext">
+                <p:cond evt="onNext" delay="0">
                   <p:tgtEl>
                     <p:sldTgt/>
                   </p:tgtEl>
@@ -5666,12 +7374,24 @@
         </p:cTn>
       </p:par>
     </p:tnLst>
+    <p:bldLst>
+      <p:bldP spid="84" grpId="0" animBg="1"/>
+      <p:bldP spid="85" grpId="0" animBg="1"/>
+      <p:bldP spid="86" grpId="0" animBg="1"/>
+      <p:bldP spid="7" grpId="0" animBg="1"/>
+      <p:bldP spid="8" grpId="0" animBg="1"/>
+      <p:bldP spid="9" grpId="0" animBg="1"/>
+      <p:bldP spid="10" grpId="0" animBg="1"/>
+      <p:bldP spid="11" grpId="0" animBg="1"/>
+      <p:bldP spid="12" grpId="0" animBg="1"/>
+      <p:bldP spid="2" grpId="0" animBg="1"/>
+    </p:bldLst>
   </p:timing>
 </p:sld>
 </file>
 
 <file path=ppt/slides/slide3.xml><?xml version="1.0" encoding="utf-8"?>
-<p:sld xmlns:a="http://schemas.openxmlformats.org/drawingml/2006/main" xmlns:p="http://schemas.openxmlformats.org/presentationml/2006/main" xmlns:r="http://schemas.openxmlformats.org/officeDocument/2006/relationships" xmlns:p14="http://schemas.microsoft.com/office/powerpoint/2010/main" xmlns:p15="http://schemas.microsoft.com/office/powerpoint/2012/main" xmlns:mc="http://schemas.openxmlformats.org/markup-compatibility/2006">
+<p:sld xmlns:a="http://schemas.openxmlformats.org/drawingml/2006/main" xmlns:r="http://schemas.openxmlformats.org/officeDocument/2006/relationships" xmlns:p="http://schemas.openxmlformats.org/presentationml/2006/main">
   <p:cSld>
     <p:spTree>
       <p:nvGrpSpPr>
@@ -5695,7 +7415,7 @@
         </p:nvSpPr>
         <p:spPr>
           <a:xfrm>
-            <a:off x="503280" y="301680"/>
+            <a:off x="503280" y="1273230"/>
             <a:ext cx="9068400" cy="1259280"/>
           </a:xfrm>
           <a:prstGeom prst="rect">
@@ -5707,13 +7427,20 @@
           </a:ln>
         </p:spPr>
         <p:style>
-          <a:lnRef idx="0"/>
-          <a:fillRef idx="0"/>
-          <a:effectRef idx="0"/>
+          <a:lnRef idx="0">
+            <a:scrgbClr r="0" g="0" b="0"/>
+          </a:lnRef>
+          <a:fillRef idx="0">
+            <a:scrgbClr r="0" g="0" b="0"/>
+          </a:fillRef>
+          <a:effectRef idx="0">
+            <a:scrgbClr r="0" g="0" b="0"/>
+          </a:effectRef>
           <a:fontRef idx="minor"/>
         </p:style>
         <p:txBody>
-          <a:bodyPr lIns="0" rIns="0" tIns="0" bIns="0" anchor="ctr"/>
+          <a:bodyPr lIns="0" tIns="0" rIns="0" bIns="0" anchor="ctr"/>
+          <a:lstStyle/>
           <a:p>
             <a:pPr algn="ctr">
               <a:lnSpc>
@@ -5721,13 +7448,13 @@
               </a:lnSpc>
             </a:pPr>
             <a:r>
-              <a:rPr b="0" lang="en-GB" sz="4400" spc="-1" strike="noStrike">
+              <a:rPr lang="en-GB" sz="4400" b="0" strike="noStrike" spc="-1">
                 <a:solidFill>
                   <a:srgbClr val="000000"/>
                 </a:solidFill>
                 <a:uFill>
                   <a:solidFill>
-                    <a:srgbClr val="ffffff"/>
+                    <a:srgbClr val="FFFFFF"/>
                   </a:solidFill>
                 </a:uFill>
                 <a:latin typeface="Arial"/>
@@ -5735,13 +7462,13 @@
               </a:rPr>
               <a:t>Current tutorial</a:t>
             </a:r>
-            <a:endParaRPr b="0" lang="en-GB" sz="1800" spc="-1" strike="noStrike">
-              <a:solidFill>
-                <a:srgbClr val="000000"/>
-              </a:solidFill>
-              <a:uFill>
-                <a:solidFill>
-                  <a:srgbClr val="ffffff"/>
+            <a:endParaRPr lang="en-GB" sz="1800" b="0" strike="noStrike" spc="-1">
+              <a:solidFill>
+                <a:srgbClr val="000000"/>
+              </a:solidFill>
+              <a:uFill>
+                <a:solidFill>
+                  <a:srgbClr val="FFFFFF"/>
                 </a:solidFill>
               </a:uFill>
               <a:latin typeface="Arial"/>
@@ -5757,8 +7484,8 @@
         </p:nvSpPr>
         <p:spPr>
           <a:xfrm>
-            <a:off x="503280" y="1768320"/>
-            <a:ext cx="9068400" cy="4381920"/>
+            <a:off x="997155" y="2797020"/>
+            <a:ext cx="8080650" cy="4381920"/>
           </a:xfrm>
           <a:prstGeom prst="rect">
             <a:avLst/>
@@ -5769,27 +7496,34 @@
           </a:ln>
         </p:spPr>
         <p:style>
-          <a:lnRef idx="0"/>
-          <a:fillRef idx="0"/>
-          <a:effectRef idx="0"/>
+          <a:lnRef idx="0">
+            <a:scrgbClr r="0" g="0" b="0"/>
+          </a:lnRef>
+          <a:fillRef idx="0">
+            <a:scrgbClr r="0" g="0" b="0"/>
+          </a:fillRef>
+          <a:effectRef idx="0">
+            <a:scrgbClr r="0" g="0" b="0"/>
+          </a:effectRef>
           <a:fontRef idx="minor"/>
         </p:style>
         <p:txBody>
-          <a:bodyPr lIns="0" rIns="0" tIns="28440" bIns="0"/>
-          <a:p>
-            <a:pPr marL="343080" indent="-342000">
+          <a:bodyPr lIns="0" tIns="28440" rIns="0" bIns="0"/>
+          <a:lstStyle/>
+          <a:p>
+            <a:pPr marL="343080" algn="just">
               <a:lnSpc>
                 <a:spcPct val="93000"/>
               </a:lnSpc>
             </a:pPr>
             <a:r>
-              <a:rPr b="0" lang="en-GB" sz="3200" spc="-1" strike="noStrike">
+              <a:rPr lang="en-GB" sz="3200" b="0" i="1" strike="noStrike" spc="-1" dirty="0">
                 <a:solidFill>
                   <a:srgbClr val="000000"/>
                 </a:solidFill>
                 <a:uFill>
                   <a:solidFill>
-                    <a:srgbClr val="ffffff"/>
+                    <a:srgbClr val="FFFFFF"/>
                   </a:solidFill>
                 </a:uFill>
                 <a:latin typeface="Arial"/>
@@ -5798,93 +7532,168 @@
               <a:t>Focus on </a:t>
             </a:r>
             <a:r>
-              <a:rPr b="1" lang="en-GB" sz="3200" spc="-1" strike="noStrike">
+              <a:rPr lang="en-GB" sz="3200" b="1" i="1" strike="noStrike" spc="-1" dirty="0" err="1">
                 <a:solidFill>
                   <a:srgbClr val="000000"/>
                 </a:solidFill>
                 <a:uFill>
                   <a:solidFill>
-                    <a:srgbClr val="ffffff"/>
+                    <a:srgbClr val="FFFFFF"/>
                   </a:solidFill>
                 </a:uFill>
                 <a:latin typeface="Arial"/>
                 <a:ea typeface="Noto Sans CJK SC Regular"/>
               </a:rPr>
-              <a:t>neuroinformatics resources</a:t>
+              <a:t>neuroinformatics</a:t>
             </a:r>
             <a:r>
-              <a:rPr b="0" lang="en-GB" sz="3200" spc="-1" strike="noStrike">
+              <a:rPr lang="en-GB" sz="3200" b="1" i="1" strike="noStrike" spc="-1" dirty="0">
                 <a:solidFill>
                   <a:srgbClr val="000000"/>
                 </a:solidFill>
                 <a:uFill>
                   <a:solidFill>
-                    <a:srgbClr val="ffffff"/>
+                    <a:srgbClr val="FFFFFF"/>
                   </a:solidFill>
                 </a:uFill>
                 <a:latin typeface="Arial"/>
                 <a:ea typeface="Noto Sans CJK SC Regular"/>
               </a:rPr>
-              <a:t> which may be of use for those </a:t>
+              <a:t> resources</a:t>
             </a:r>
             <a:r>
-              <a:rPr b="1" lang="en-GB" sz="3200" spc="-1" strike="noStrike">
+              <a:rPr lang="en-GB" sz="3200" b="0" i="1" strike="noStrike" spc="-1" dirty="0">
                 <a:solidFill>
                   <a:srgbClr val="000000"/>
                 </a:solidFill>
                 <a:uFill>
                   <a:solidFill>
-                    <a:srgbClr val="ffffff"/>
+                    <a:srgbClr val="FFFFFF"/>
                   </a:solidFill>
                 </a:uFill>
                 <a:latin typeface="Arial"/>
                 <a:ea typeface="Noto Sans CJK SC Regular"/>
               </a:rPr>
-              <a:t>creating and analysing computational models of neuronal systems</a:t>
+              <a:t> </a:t>
             </a:r>
-            <a:endParaRPr b="0" lang="en-GB" sz="1800" spc="-1" strike="noStrike">
-              <a:solidFill>
-                <a:srgbClr val="000000"/>
-              </a:solidFill>
-              <a:uFill>
-                <a:solidFill>
-                  <a:srgbClr val="ffffff"/>
-                </a:solidFill>
-              </a:uFill>
-              <a:latin typeface="Arial"/>
-            </a:endParaRPr>
-          </a:p>
-          <a:p>
-            <a:pPr marL="343080" indent="-342000">
+            <a:r>
+              <a:rPr lang="en-GB" sz="3200" b="0" i="1" strike="noStrike" spc="-1" dirty="0" smtClean="0">
+                <a:solidFill>
+                  <a:srgbClr val="000000"/>
+                </a:solidFill>
+                <a:uFill>
+                  <a:solidFill>
+                    <a:srgbClr val="FFFFFF"/>
+                  </a:solidFill>
+                </a:uFill>
+                <a:latin typeface="Arial"/>
+                <a:ea typeface="Noto Sans CJK SC Regular"/>
+              </a:rPr>
+              <a:t>which may </a:t>
+            </a:r>
+            <a:r>
+              <a:rPr lang="en-GB" sz="3200" b="0" i="1" strike="noStrike" spc="-1" dirty="0">
+                <a:solidFill>
+                  <a:srgbClr val="000000"/>
+                </a:solidFill>
+                <a:uFill>
+                  <a:solidFill>
+                    <a:srgbClr val="FFFFFF"/>
+                  </a:solidFill>
+                </a:uFill>
+                <a:latin typeface="Arial"/>
+                <a:ea typeface="Noto Sans CJK SC Regular"/>
+              </a:rPr>
+              <a:t>be of use for those </a:t>
+            </a:r>
+            <a:r>
+              <a:rPr lang="en-GB" sz="3200" b="1" i="1" strike="noStrike" spc="-1" dirty="0">
+                <a:solidFill>
+                  <a:srgbClr val="000000"/>
+                </a:solidFill>
+                <a:uFill>
+                  <a:solidFill>
+                    <a:srgbClr val="FFFFFF"/>
+                  </a:solidFill>
+                </a:uFill>
+                <a:latin typeface="Arial"/>
+                <a:ea typeface="Noto Sans CJK SC Regular"/>
+              </a:rPr>
+              <a:t>creating and </a:t>
+            </a:r>
+            <a:r>
+              <a:rPr lang="en-GB" sz="3200" b="1" i="1" strike="noStrike" spc="-1" dirty="0" smtClean="0">
+                <a:solidFill>
+                  <a:srgbClr val="000000"/>
+                </a:solidFill>
+                <a:uFill>
+                  <a:solidFill>
+                    <a:srgbClr val="FFFFFF"/>
+                  </a:solidFill>
+                </a:uFill>
+                <a:latin typeface="Arial"/>
+                <a:ea typeface="Noto Sans CJK SC Regular"/>
+              </a:rPr>
+              <a:t>analysing computational </a:t>
+            </a:r>
+            <a:r>
+              <a:rPr lang="en-GB" sz="3200" b="1" i="1" strike="noStrike" spc="-1" dirty="0">
+                <a:solidFill>
+                  <a:srgbClr val="000000"/>
+                </a:solidFill>
+                <a:uFill>
+                  <a:solidFill>
+                    <a:srgbClr val="FFFFFF"/>
+                  </a:solidFill>
+                </a:uFill>
+                <a:latin typeface="Arial"/>
+                <a:ea typeface="Noto Sans CJK SC Regular"/>
+              </a:rPr>
+              <a:t>models of neuronal systems</a:t>
+            </a:r>
+            <a:endParaRPr lang="en-GB" sz="1800" b="0" i="1" strike="noStrike" spc="-1" dirty="0">
+              <a:solidFill>
+                <a:srgbClr val="000000"/>
+              </a:solidFill>
+              <a:uFill>
+                <a:solidFill>
+                  <a:srgbClr val="FFFFFF"/>
+                </a:solidFill>
+              </a:uFill>
+              <a:latin typeface="Arial"/>
+            </a:endParaRPr>
+          </a:p>
+          <a:p>
+            <a:pPr marL="343080" indent="-342000" algn="just">
               <a:lnSpc>
                 <a:spcPct val="93000"/>
               </a:lnSpc>
             </a:pPr>
-            <a:endParaRPr b="0" lang="en-GB" sz="1800" spc="-1" strike="noStrike">
-              <a:solidFill>
-                <a:srgbClr val="000000"/>
-              </a:solidFill>
-              <a:uFill>
-                <a:solidFill>
-                  <a:srgbClr val="ffffff"/>
-                </a:solidFill>
-              </a:uFill>
-              <a:latin typeface="Arial"/>
-            </a:endParaRPr>
-          </a:p>
-          <a:p>
-            <a:pPr marL="343080" indent="-342000">
+            <a:endParaRPr lang="en-GB" sz="1800" b="0" i="1" strike="noStrike" spc="-1" dirty="0">
+              <a:solidFill>
+                <a:srgbClr val="000000"/>
+              </a:solidFill>
+              <a:uFill>
+                <a:solidFill>
+                  <a:srgbClr val="FFFFFF"/>
+                </a:solidFill>
+              </a:uFill>
+              <a:latin typeface="Arial"/>
+            </a:endParaRPr>
+          </a:p>
+          <a:p>
+            <a:pPr marL="343080" indent="-342000" algn="just">
               <a:lnSpc>
                 <a:spcPct val="93000"/>
               </a:lnSpc>
             </a:pPr>
-            <a:endParaRPr b="0" lang="en-GB" sz="1800" spc="-1" strike="noStrike">
-              <a:solidFill>
-                <a:srgbClr val="000000"/>
-              </a:solidFill>
-              <a:uFill>
-                <a:solidFill>
-                  <a:srgbClr val="ffffff"/>
+            <a:endParaRPr lang="en-GB" sz="1800" b="0" i="1" strike="noStrike" spc="-1" dirty="0">
+              <a:solidFill>
+                <a:srgbClr val="000000"/>
+              </a:solidFill>
+              <a:uFill>
+                <a:solidFill>
+                  <a:srgbClr val="FFFFFF"/>
                 </a:solidFill>
               </a:uFill>
               <a:latin typeface="Arial"/>
@@ -5894,22 +7703,25 @@
       </p:sp>
     </p:spTree>
   </p:cSld>
+  <p:clrMapOvr>
+    <a:masterClrMapping/>
+  </p:clrMapOvr>
   <p:timing>
     <p:tnLst>
       <p:par>
-        <p:cTn id="5" dur="indefinite" restart="never" nodeType="tmRoot">
+        <p:cTn id="1" dur="indefinite" restart="never" nodeType="tmRoot">
           <p:childTnLst>
             <p:seq>
-              <p:cTn id="6" nodeType="mainSeq"/>
+              <p:cTn id="2" nodeType="mainSeq"/>
               <p:prevCondLst>
-                <p:cond delay="0" evt="onPrev">
+                <p:cond evt="onPrev" delay="0">
                   <p:tgtEl>
                     <p:sldTgt/>
                   </p:tgtEl>
                 </p:cond>
               </p:prevCondLst>
               <p:nextCondLst>
-                <p:cond delay="0" evt="onNext">
+                <p:cond evt="onNext" delay="0">
                   <p:tgtEl>
                     <p:sldTgt/>
                   </p:tgtEl>
@@ -5925,7 +7737,7 @@
 </file>
 
 <file path=ppt/slides/slide4.xml><?xml version="1.0" encoding="utf-8"?>
-<p:sld xmlns:a="http://schemas.openxmlformats.org/drawingml/2006/main" xmlns:p="http://schemas.openxmlformats.org/presentationml/2006/main" xmlns:r="http://schemas.openxmlformats.org/officeDocument/2006/relationships" xmlns:p14="http://schemas.microsoft.com/office/powerpoint/2010/main" xmlns:p15="http://schemas.microsoft.com/office/powerpoint/2012/main" xmlns:mc="http://schemas.openxmlformats.org/markup-compatibility/2006">
+<p:sld xmlns:a="http://schemas.openxmlformats.org/drawingml/2006/main" xmlns:r="http://schemas.openxmlformats.org/officeDocument/2006/relationships" xmlns:p="http://schemas.openxmlformats.org/presentationml/2006/main">
   <p:cSld>
     <p:spTree>
       <p:nvGrpSpPr>
@@ -5961,13 +7773,20 @@
           </a:ln>
         </p:spPr>
         <p:style>
-          <a:lnRef idx="0"/>
-          <a:fillRef idx="0"/>
-          <a:effectRef idx="0"/>
+          <a:lnRef idx="0">
+            <a:scrgbClr r="0" g="0" b="0"/>
+          </a:lnRef>
+          <a:fillRef idx="0">
+            <a:scrgbClr r="0" g="0" b="0"/>
+          </a:fillRef>
+          <a:effectRef idx="0">
+            <a:scrgbClr r="0" g="0" b="0"/>
+          </a:effectRef>
           <a:fontRef idx="minor"/>
         </p:style>
         <p:txBody>
-          <a:bodyPr lIns="0" rIns="0" tIns="0" bIns="0" anchor="ctr"/>
+          <a:bodyPr lIns="0" tIns="0" rIns="0" bIns="0" anchor="ctr"/>
+          <a:lstStyle/>
           <a:p>
             <a:pPr algn="ctr">
               <a:lnSpc>
@@ -5975,13 +7794,13 @@
               </a:lnSpc>
             </a:pPr>
             <a:r>
-              <a:rPr b="0" lang="en-GB" sz="4400" spc="-1" strike="noStrike">
+              <a:rPr lang="en-GB" sz="4400" b="0" strike="noStrike" spc="-1">
                 <a:solidFill>
                   <a:srgbClr val="000000"/>
                 </a:solidFill>
                 <a:uFill>
                   <a:solidFill>
-                    <a:srgbClr val="ffffff"/>
+                    <a:srgbClr val="FFFFFF"/>
                   </a:solidFill>
                 </a:uFill>
                 <a:latin typeface="Arial"/>
@@ -5989,13 +7808,13 @@
               </a:rPr>
               <a:t>Topics</a:t>
             </a:r>
-            <a:endParaRPr b="0" lang="en-GB" sz="1800" spc="-1" strike="noStrike">
-              <a:solidFill>
-                <a:srgbClr val="000000"/>
-              </a:solidFill>
-              <a:uFill>
-                <a:solidFill>
-                  <a:srgbClr val="ffffff"/>
+            <a:endParaRPr lang="en-GB" sz="1800" b="0" strike="noStrike" spc="-1">
+              <a:solidFill>
+                <a:srgbClr val="000000"/>
+              </a:solidFill>
+              <a:uFill>
+                <a:solidFill>
+                  <a:srgbClr val="FFFFFF"/>
                 </a:solidFill>
               </a:uFill>
               <a:latin typeface="Arial"/>
@@ -6023,13 +7842,20 @@
           </a:ln>
         </p:spPr>
         <p:style>
-          <a:lnRef idx="0"/>
-          <a:fillRef idx="0"/>
-          <a:effectRef idx="0"/>
+          <a:lnRef idx="0">
+            <a:scrgbClr r="0" g="0" b="0"/>
+          </a:lnRef>
+          <a:fillRef idx="0">
+            <a:scrgbClr r="0" g="0" b="0"/>
+          </a:fillRef>
+          <a:effectRef idx="0">
+            <a:scrgbClr r="0" g="0" b="0"/>
+          </a:effectRef>
           <a:fontRef idx="minor"/>
         </p:style>
         <p:txBody>
-          <a:bodyPr lIns="0" rIns="0" tIns="28440" bIns="0"/>
+          <a:bodyPr lIns="0" tIns="28440" rIns="0" bIns="0"/>
+          <a:lstStyle/>
           <a:p>
             <a:pPr marL="343080" indent="-342000">
               <a:lnSpc>
@@ -6037,13 +7863,13 @@
               </a:lnSpc>
             </a:pPr>
             <a:r>
-              <a:rPr b="0" lang="en-GB" sz="2800" spc="-1" strike="noStrike">
+              <a:rPr lang="en-GB" sz="2800" b="0" strike="noStrike" spc="-1">
                 <a:solidFill>
                   <a:srgbClr val="000000"/>
                 </a:solidFill>
                 <a:uFill>
                   <a:solidFill>
-                    <a:srgbClr val="ffffff"/>
+                    <a:srgbClr val="FFFFFF"/>
                   </a:solidFill>
                 </a:uFill>
                 <a:latin typeface="Arial"/>
@@ -6051,13 +7877,13 @@
               </a:rPr>
               <a:t>Experimental datasets</a:t>
             </a:r>
-            <a:endParaRPr b="0" lang="en-GB" sz="1800" spc="-1" strike="noStrike">
-              <a:solidFill>
-                <a:srgbClr val="000000"/>
-              </a:solidFill>
-              <a:uFill>
-                <a:solidFill>
-                  <a:srgbClr val="ffffff"/>
+            <a:endParaRPr lang="en-GB" sz="1800" b="0" strike="noStrike" spc="-1">
+              <a:solidFill>
+                <a:srgbClr val="000000"/>
+              </a:solidFill>
+              <a:uFill>
+                <a:solidFill>
+                  <a:srgbClr val="FFFFFF"/>
                 </a:solidFill>
               </a:uFill>
               <a:latin typeface="Arial"/>
@@ -6070,13 +7896,13 @@
               </a:lnSpc>
             </a:pPr>
             <a:r>
-              <a:rPr b="0" lang="en-GB" sz="2800" spc="-1" strike="noStrike">
+              <a:rPr lang="en-GB" sz="2800" b="0" strike="noStrike" spc="-1">
                 <a:solidFill>
                   <a:srgbClr val="000000"/>
                 </a:solidFill>
                 <a:uFill>
                   <a:solidFill>
-                    <a:srgbClr val="ffffff"/>
+                    <a:srgbClr val="FFFFFF"/>
                   </a:solidFill>
                 </a:uFill>
                 <a:latin typeface="Arial"/>
@@ -6084,13 +7910,13 @@
               </a:rPr>
               <a:t>Structured data from literature</a:t>
             </a:r>
-            <a:endParaRPr b="0" lang="en-GB" sz="1800" spc="-1" strike="noStrike">
-              <a:solidFill>
-                <a:srgbClr val="000000"/>
-              </a:solidFill>
-              <a:uFill>
-                <a:solidFill>
-                  <a:srgbClr val="ffffff"/>
+            <a:endParaRPr lang="en-GB" sz="1800" b="0" strike="noStrike" spc="-1">
+              <a:solidFill>
+                <a:srgbClr val="000000"/>
+              </a:solidFill>
+              <a:uFill>
+                <a:solidFill>
+                  <a:srgbClr val="FFFFFF"/>
                 </a:solidFill>
               </a:uFill>
               <a:latin typeface="Arial"/>
@@ -6103,13 +7929,13 @@
               </a:lnSpc>
             </a:pPr>
             <a:r>
-              <a:rPr b="0" lang="en-GB" sz="2800" spc="-1" strike="noStrike">
+              <a:rPr lang="en-GB" sz="2800" b="0" strike="noStrike" spc="-1">
                 <a:solidFill>
                   <a:srgbClr val="000000"/>
                 </a:solidFill>
                 <a:uFill>
                   <a:solidFill>
-                    <a:srgbClr val="ffffff"/>
+                    <a:srgbClr val="FFFFFF"/>
                   </a:solidFill>
                 </a:uFill>
                 <a:latin typeface="Arial"/>
@@ -6117,13 +7943,13 @@
               </a:rPr>
               <a:t>Analysis tools</a:t>
             </a:r>
-            <a:endParaRPr b="0" lang="en-GB" sz="1800" spc="-1" strike="noStrike">
-              <a:solidFill>
-                <a:srgbClr val="000000"/>
-              </a:solidFill>
-              <a:uFill>
-                <a:solidFill>
-                  <a:srgbClr val="ffffff"/>
+            <a:endParaRPr lang="en-GB" sz="1800" b="0" strike="noStrike" spc="-1">
+              <a:solidFill>
+                <a:srgbClr val="000000"/>
+              </a:solidFill>
+              <a:uFill>
+                <a:solidFill>
+                  <a:srgbClr val="FFFFFF"/>
                 </a:solidFill>
               </a:uFill>
               <a:latin typeface="Arial"/>
@@ -6136,13 +7962,13 @@
               </a:lnSpc>
             </a:pPr>
             <a:r>
-              <a:rPr b="0" lang="en-GB" sz="2800" spc="-1" strike="noStrike">
+              <a:rPr lang="en-GB" sz="2800" b="0" strike="noStrike" spc="-1">
                 <a:solidFill>
                   <a:srgbClr val="000000"/>
                 </a:solidFill>
                 <a:uFill>
                   <a:solidFill>
-                    <a:srgbClr val="ffffff"/>
+                    <a:srgbClr val="FFFFFF"/>
                   </a:solidFill>
                 </a:uFill>
                 <a:latin typeface="Arial"/>
@@ -6150,13 +7976,13 @@
               </a:rPr>
               <a:t>Simulation environments</a:t>
             </a:r>
-            <a:endParaRPr b="0" lang="en-GB" sz="1800" spc="-1" strike="noStrike">
-              <a:solidFill>
-                <a:srgbClr val="000000"/>
-              </a:solidFill>
-              <a:uFill>
-                <a:solidFill>
-                  <a:srgbClr val="ffffff"/>
+            <a:endParaRPr lang="en-GB" sz="1800" b="0" strike="noStrike" spc="-1">
+              <a:solidFill>
+                <a:srgbClr val="000000"/>
+              </a:solidFill>
+              <a:uFill>
+                <a:solidFill>
+                  <a:srgbClr val="FFFFFF"/>
                 </a:solidFill>
               </a:uFill>
               <a:latin typeface="Arial"/>
@@ -6169,13 +7995,13 @@
               </a:lnSpc>
             </a:pPr>
             <a:r>
-              <a:rPr b="0" lang="en-GB" sz="2800" spc="-1" strike="noStrike">
+              <a:rPr lang="en-GB" sz="2800" b="0" strike="noStrike" spc="-1">
                 <a:solidFill>
                   <a:srgbClr val="000000"/>
                 </a:solidFill>
                 <a:uFill>
                   <a:solidFill>
-                    <a:srgbClr val="ffffff"/>
+                    <a:srgbClr val="FFFFFF"/>
                   </a:solidFill>
                 </a:uFill>
                 <a:latin typeface="Arial"/>
@@ -6183,13 +8009,13 @@
               </a:rPr>
               <a:t>Model sharing</a:t>
             </a:r>
-            <a:endParaRPr b="0" lang="en-GB" sz="1800" spc="-1" strike="noStrike">
-              <a:solidFill>
-                <a:srgbClr val="000000"/>
-              </a:solidFill>
-              <a:uFill>
-                <a:solidFill>
-                  <a:srgbClr val="ffffff"/>
+            <a:endParaRPr lang="en-GB" sz="1800" b="0" strike="noStrike" spc="-1">
+              <a:solidFill>
+                <a:srgbClr val="000000"/>
+              </a:solidFill>
+              <a:uFill>
+                <a:solidFill>
+                  <a:srgbClr val="FFFFFF"/>
                 </a:solidFill>
               </a:uFill>
               <a:latin typeface="Arial"/>
@@ -6202,13 +8028,13 @@
               </a:lnSpc>
             </a:pPr>
             <a:r>
-              <a:rPr b="0" lang="en-GB" sz="2800" spc="-1" strike="noStrike">
+              <a:rPr lang="en-GB" sz="2800" b="0" strike="noStrike" spc="-1">
                 <a:solidFill>
                   <a:srgbClr val="000000"/>
                 </a:solidFill>
                 <a:uFill>
                   <a:solidFill>
-                    <a:srgbClr val="ffffff"/>
+                    <a:srgbClr val="FFFFFF"/>
                   </a:solidFill>
                 </a:uFill>
                 <a:latin typeface="Arial"/>
@@ -6216,13 +8042,13 @@
               </a:rPr>
               <a:t>Computing infrastructure</a:t>
             </a:r>
-            <a:endParaRPr b="0" lang="en-GB" sz="1800" spc="-1" strike="noStrike">
-              <a:solidFill>
-                <a:srgbClr val="000000"/>
-              </a:solidFill>
-              <a:uFill>
-                <a:solidFill>
-                  <a:srgbClr val="ffffff"/>
+            <a:endParaRPr lang="en-GB" sz="1800" b="0" strike="noStrike" spc="-1">
+              <a:solidFill>
+                <a:srgbClr val="000000"/>
+              </a:solidFill>
+              <a:uFill>
+                <a:solidFill>
+                  <a:srgbClr val="FFFFFF"/>
                 </a:solidFill>
               </a:uFill>
               <a:latin typeface="Arial"/>
@@ -6235,13 +8061,13 @@
               </a:lnSpc>
             </a:pPr>
             <a:r>
-              <a:rPr b="0" lang="en-GB" sz="2800" spc="-1" strike="noStrike">
+              <a:rPr lang="en-GB" sz="2800" b="0" strike="noStrike" spc="-1">
                 <a:solidFill>
                   <a:srgbClr val="000000"/>
                 </a:solidFill>
                 <a:uFill>
                   <a:solidFill>
-                    <a:srgbClr val="ffffff"/>
+                    <a:srgbClr val="FFFFFF"/>
                   </a:solidFill>
                 </a:uFill>
                 <a:latin typeface="Arial"/>
@@ -6249,13 +8075,13 @@
               </a:rPr>
               <a:t>Open source initiatives</a:t>
             </a:r>
-            <a:endParaRPr b="0" lang="en-GB" sz="1800" spc="-1" strike="noStrike">
-              <a:solidFill>
-                <a:srgbClr val="000000"/>
-              </a:solidFill>
-              <a:uFill>
-                <a:solidFill>
-                  <a:srgbClr val="ffffff"/>
+            <a:endParaRPr lang="en-GB" sz="1800" b="0" strike="noStrike" spc="-1">
+              <a:solidFill>
+                <a:srgbClr val="000000"/>
+              </a:solidFill>
+              <a:uFill>
+                <a:solidFill>
+                  <a:srgbClr val="FFFFFF"/>
                 </a:solidFill>
               </a:uFill>
               <a:latin typeface="Arial"/>
@@ -6268,13 +8094,13 @@
               </a:lnSpc>
             </a:pPr>
             <a:r>
-              <a:rPr b="0" lang="en-GB" sz="2800" spc="-1" strike="noStrike">
+              <a:rPr lang="en-GB" sz="2800" b="0" strike="noStrike" spc="-1">
                 <a:solidFill>
                   <a:srgbClr val="000000"/>
                 </a:solidFill>
                 <a:uFill>
                   <a:solidFill>
-                    <a:srgbClr val="ffffff"/>
+                    <a:srgbClr val="FFFFFF"/>
                   </a:solidFill>
                 </a:uFill>
                 <a:latin typeface="Arial"/>
@@ -6282,13 +8108,13 @@
               </a:rPr>
               <a:t>Web portals</a:t>
             </a:r>
-            <a:endParaRPr b="0" lang="en-GB" sz="1800" spc="-1" strike="noStrike">
-              <a:solidFill>
-                <a:srgbClr val="000000"/>
-              </a:solidFill>
-              <a:uFill>
-                <a:solidFill>
-                  <a:srgbClr val="ffffff"/>
+            <a:endParaRPr lang="en-GB" sz="1800" b="0" strike="noStrike" spc="-1">
+              <a:solidFill>
+                <a:srgbClr val="000000"/>
+              </a:solidFill>
+              <a:uFill>
+                <a:solidFill>
+                  <a:srgbClr val="FFFFFF"/>
                 </a:solidFill>
               </a:uFill>
               <a:latin typeface="Arial"/>
@@ -6300,13 +8126,13 @@
                 <a:spcPct val="93000"/>
               </a:lnSpc>
             </a:pPr>
-            <a:endParaRPr b="0" lang="en-GB" sz="1800" spc="-1" strike="noStrike">
-              <a:solidFill>
-                <a:srgbClr val="000000"/>
-              </a:solidFill>
-              <a:uFill>
-                <a:solidFill>
-                  <a:srgbClr val="ffffff"/>
+            <a:endParaRPr lang="en-GB" sz="1800" b="0" strike="noStrike" spc="-1">
+              <a:solidFill>
+                <a:srgbClr val="000000"/>
+              </a:solidFill>
+              <a:uFill>
+                <a:solidFill>
+                  <a:srgbClr val="FFFFFF"/>
                 </a:solidFill>
               </a:uFill>
               <a:latin typeface="Arial"/>
@@ -6318,13 +8144,13 @@
                 <a:spcPct val="93000"/>
               </a:lnSpc>
             </a:pPr>
-            <a:endParaRPr b="0" lang="en-GB" sz="1800" spc="-1" strike="noStrike">
-              <a:solidFill>
-                <a:srgbClr val="000000"/>
-              </a:solidFill>
-              <a:uFill>
-                <a:solidFill>
-                  <a:srgbClr val="ffffff"/>
+            <a:endParaRPr lang="en-GB" sz="1800" b="0" strike="noStrike" spc="-1">
+              <a:solidFill>
+                <a:srgbClr val="000000"/>
+              </a:solidFill>
+              <a:uFill>
+                <a:solidFill>
+                  <a:srgbClr val="FFFFFF"/>
                 </a:solidFill>
               </a:uFill>
               <a:latin typeface="Arial"/>
@@ -6334,22 +8160,25 @@
       </p:sp>
     </p:spTree>
   </p:cSld>
+  <p:clrMapOvr>
+    <a:masterClrMapping/>
+  </p:clrMapOvr>
   <p:timing>
     <p:tnLst>
       <p:par>
-        <p:cTn id="7" dur="indefinite" restart="never" nodeType="tmRoot">
+        <p:cTn id="1" dur="indefinite" restart="never" nodeType="tmRoot">
           <p:childTnLst>
             <p:seq>
-              <p:cTn id="8" nodeType="mainSeq"/>
+              <p:cTn id="2" nodeType="mainSeq"/>
               <p:prevCondLst>
-                <p:cond delay="0" evt="onPrev">
+                <p:cond evt="onPrev" delay="0">
                   <p:tgtEl>
                     <p:sldTgt/>
                   </p:tgtEl>
                 </p:cond>
               </p:prevCondLst>
               <p:nextCondLst>
-                <p:cond delay="0" evt="onNext">
+                <p:cond evt="onNext" delay="0">
                   <p:tgtEl>
                     <p:sldTgt/>
                   </p:tgtEl>
@@ -6365,7 +8194,7 @@
 </file>
 
 <file path=ppt/slides/slide5.xml><?xml version="1.0" encoding="utf-8"?>
-<p:sld xmlns:a="http://schemas.openxmlformats.org/drawingml/2006/main" xmlns:p="http://schemas.openxmlformats.org/presentationml/2006/main" xmlns:r="http://schemas.openxmlformats.org/officeDocument/2006/relationships" xmlns:p14="http://schemas.microsoft.com/office/powerpoint/2010/main" xmlns:p15="http://schemas.microsoft.com/office/powerpoint/2012/main" xmlns:mc="http://schemas.openxmlformats.org/markup-compatibility/2006">
+<p:sld xmlns:a="http://schemas.openxmlformats.org/drawingml/2006/main" xmlns:r="http://schemas.openxmlformats.org/officeDocument/2006/relationships" xmlns:p="http://schemas.openxmlformats.org/presentationml/2006/main">
   <p:cSld>
     <p:spTree>
       <p:nvGrpSpPr>
@@ -6401,13 +8230,20 @@
           </a:ln>
         </p:spPr>
         <p:style>
-          <a:lnRef idx="0"/>
-          <a:fillRef idx="0"/>
-          <a:effectRef idx="0"/>
+          <a:lnRef idx="0">
+            <a:scrgbClr r="0" g="0" b="0"/>
+          </a:lnRef>
+          <a:fillRef idx="0">
+            <a:scrgbClr r="0" g="0" b="0"/>
+          </a:fillRef>
+          <a:effectRef idx="0">
+            <a:scrgbClr r="0" g="0" b="0"/>
+          </a:effectRef>
           <a:fontRef idx="minor"/>
         </p:style>
         <p:txBody>
-          <a:bodyPr lIns="0" rIns="0" tIns="0" bIns="0" anchor="ctr"/>
+          <a:bodyPr lIns="0" tIns="0" rIns="0" bIns="0" anchor="ctr"/>
+          <a:lstStyle/>
           <a:p>
             <a:pPr algn="ctr">
               <a:lnSpc>
@@ -6415,27 +8251,42 @@
               </a:lnSpc>
             </a:pPr>
             <a:r>
-              <a:rPr b="0" lang="en-GB" sz="4400" spc="-1" strike="noStrike">
+              <a:rPr lang="en-GB" sz="4400" b="0" strike="noStrike" spc="-1" dirty="0">
                 <a:solidFill>
                   <a:srgbClr val="000000"/>
                 </a:solidFill>
                 <a:uFill>
                   <a:solidFill>
-                    <a:srgbClr val="ffffff"/>
+                    <a:srgbClr val="FFFFFF"/>
                   </a:solidFill>
                 </a:uFill>
                 <a:latin typeface="Arial"/>
                 <a:ea typeface="Noto Sans CJK SC Regular"/>
               </a:rPr>
-              <a:t>Online tutorial</a:t>
+              <a:t>Online </a:t>
             </a:r>
-            <a:endParaRPr b="0" lang="en-GB" sz="1800" spc="-1" strike="noStrike">
-              <a:solidFill>
-                <a:srgbClr val="000000"/>
-              </a:solidFill>
-              <a:uFill>
-                <a:solidFill>
-                  <a:srgbClr val="ffffff"/>
+            <a:r>
+              <a:rPr lang="en-GB" sz="4400" b="0" strike="noStrike" spc="-1" dirty="0" smtClean="0">
+                <a:solidFill>
+                  <a:srgbClr val="000000"/>
+                </a:solidFill>
+                <a:uFill>
+                  <a:solidFill>
+                    <a:srgbClr val="FFFFFF"/>
+                  </a:solidFill>
+                </a:uFill>
+                <a:latin typeface="Arial"/>
+                <a:ea typeface="Noto Sans CJK SC Regular"/>
+              </a:rPr>
+              <a:t>tutorial materials</a:t>
+            </a:r>
+            <a:endParaRPr lang="en-GB" sz="1800" b="0" strike="noStrike" spc="-1" dirty="0">
+              <a:solidFill>
+                <a:srgbClr val="000000"/>
+              </a:solidFill>
+              <a:uFill>
+                <a:solidFill>
+                  <a:srgbClr val="FFFFFF"/>
                 </a:solidFill>
               </a:uFill>
               <a:latin typeface="Arial"/>
@@ -6463,26 +8314,33 @@
           </a:ln>
         </p:spPr>
         <p:style>
-          <a:lnRef idx="0"/>
-          <a:fillRef idx="0"/>
-          <a:effectRef idx="0"/>
+          <a:lnRef idx="0">
+            <a:scrgbClr r="0" g="0" b="0"/>
+          </a:lnRef>
+          <a:fillRef idx="0">
+            <a:scrgbClr r="0" g="0" b="0"/>
+          </a:fillRef>
+          <a:effectRef idx="0">
+            <a:scrgbClr r="0" g="0" b="0"/>
+          </a:effectRef>
           <a:fontRef idx="minor"/>
         </p:style>
         <p:txBody>
-          <a:bodyPr lIns="0" rIns="0" tIns="28440" bIns="0"/>
+          <a:bodyPr lIns="0" tIns="28440" rIns="0" bIns="0"/>
+          <a:lstStyle/>
           <a:p>
             <a:pPr marL="343080" indent="-342000">
               <a:lnSpc>
                 <a:spcPct val="150000"/>
               </a:lnSpc>
             </a:pPr>
-            <a:endParaRPr b="0" lang="en-GB" sz="1800" spc="-1" strike="noStrike">
-              <a:solidFill>
-                <a:srgbClr val="000000"/>
-              </a:solidFill>
-              <a:uFill>
-                <a:solidFill>
-                  <a:srgbClr val="ffffff"/>
+            <a:endParaRPr lang="en-GB" sz="1800" b="0" strike="noStrike" spc="-1">
+              <a:solidFill>
+                <a:srgbClr val="000000"/>
+              </a:solidFill>
+              <a:uFill>
+                <a:solidFill>
+                  <a:srgbClr val="FFFFFF"/>
                 </a:solidFill>
               </a:uFill>
               <a:latin typeface="Arial"/>
@@ -6494,13 +8352,13 @@
                 <a:spcPct val="93000"/>
               </a:lnSpc>
             </a:pPr>
-            <a:endParaRPr b="0" lang="en-GB" sz="1800" spc="-1" strike="noStrike">
-              <a:solidFill>
-                <a:srgbClr val="000000"/>
-              </a:solidFill>
-              <a:uFill>
-                <a:solidFill>
-                  <a:srgbClr val="ffffff"/>
+            <a:endParaRPr lang="en-GB" sz="1800" b="0" strike="noStrike" spc="-1">
+              <a:solidFill>
+                <a:srgbClr val="000000"/>
+              </a:solidFill>
+              <a:uFill>
+                <a:solidFill>
+                  <a:srgbClr val="FFFFFF"/>
                 </a:solidFill>
               </a:uFill>
               <a:latin typeface="Arial"/>
@@ -6512,13 +8370,13 @@
                 <a:spcPct val="93000"/>
               </a:lnSpc>
             </a:pPr>
-            <a:endParaRPr b="0" lang="en-GB" sz="1800" spc="-1" strike="noStrike">
-              <a:solidFill>
-                <a:srgbClr val="000000"/>
-              </a:solidFill>
-              <a:uFill>
-                <a:solidFill>
-                  <a:srgbClr val="ffffff"/>
+            <a:endParaRPr lang="en-GB" sz="1800" b="0" strike="noStrike" spc="-1">
+              <a:solidFill>
+                <a:srgbClr val="000000"/>
+              </a:solidFill>
+              <a:uFill>
+                <a:solidFill>
+                  <a:srgbClr val="FFFFFF"/>
                 </a:solidFill>
               </a:uFill>
               <a:latin typeface="Arial"/>
@@ -6528,12 +8386,12 @@
       </p:sp>
       <p:pic>
         <p:nvPicPr>
-          <p:cNvPr id="93" name="" descr=""/>
+          <p:cNvPr id="93" name="Picture 92"/>
           <p:cNvPicPr/>
           <p:nvPr/>
         </p:nvPicPr>
         <p:blipFill>
-          <a:blip r:embed="rId1"/>
+          <a:blip r:embed="rId3"/>
           <a:stretch/>
         </p:blipFill>
         <p:spPr>
@@ -6551,22 +8409,25 @@
       </p:pic>
     </p:spTree>
   </p:cSld>
+  <p:clrMapOvr>
+    <a:masterClrMapping/>
+  </p:clrMapOvr>
   <p:timing>
     <p:tnLst>
       <p:par>
-        <p:cTn id="9" dur="indefinite" restart="never" nodeType="tmRoot">
+        <p:cTn id="1" dur="indefinite" restart="never" nodeType="tmRoot">
           <p:childTnLst>
             <p:seq>
-              <p:cTn id="10" nodeType="mainSeq"/>
+              <p:cTn id="2" nodeType="mainSeq"/>
               <p:prevCondLst>
-                <p:cond delay="0" evt="onPrev">
+                <p:cond evt="onPrev" delay="0">
                   <p:tgtEl>
                     <p:sldTgt/>
                   </p:tgtEl>
                 </p:cond>
               </p:prevCondLst>
               <p:nextCondLst>
-                <p:cond delay="0" evt="onNext">
+                <p:cond evt="onNext" delay="0">
                   <p:tgtEl>
                     <p:sldTgt/>
                   </p:tgtEl>
@@ -6582,7 +8443,7 @@
 </file>
 
 <file path=ppt/slides/slide6.xml><?xml version="1.0" encoding="utf-8"?>
-<p:sld xmlns:a="http://schemas.openxmlformats.org/drawingml/2006/main" xmlns:p="http://schemas.openxmlformats.org/presentationml/2006/main" xmlns:r="http://schemas.openxmlformats.org/officeDocument/2006/relationships" xmlns:p14="http://schemas.microsoft.com/office/powerpoint/2010/main" xmlns:p15="http://schemas.microsoft.com/office/powerpoint/2012/main" xmlns:mc="http://schemas.openxmlformats.org/markup-compatibility/2006">
+<p:sld xmlns:a="http://schemas.openxmlformats.org/drawingml/2006/main" xmlns:r="http://schemas.openxmlformats.org/officeDocument/2006/relationships" xmlns:p="http://schemas.openxmlformats.org/presentationml/2006/main">
   <p:cSld>
     <p:spTree>
       <p:nvGrpSpPr>
@@ -6607,7 +8468,7 @@
         <p:spPr>
           <a:xfrm>
             <a:off x="503280" y="301680"/>
-            <a:ext cx="9068400" cy="1259280"/>
+            <a:ext cx="9068400" cy="1069920"/>
           </a:xfrm>
           <a:prstGeom prst="rect">
             <a:avLst/>
@@ -6618,13 +8479,20 @@
           </a:ln>
         </p:spPr>
         <p:style>
-          <a:lnRef idx="0"/>
-          <a:fillRef idx="0"/>
-          <a:effectRef idx="0"/>
+          <a:lnRef idx="0">
+            <a:scrgbClr r="0" g="0" b="0"/>
+          </a:lnRef>
+          <a:fillRef idx="0">
+            <a:scrgbClr r="0" g="0" b="0"/>
+          </a:fillRef>
+          <a:effectRef idx="0">
+            <a:scrgbClr r="0" g="0" b="0"/>
+          </a:effectRef>
           <a:fontRef idx="minor"/>
         </p:style>
         <p:txBody>
-          <a:bodyPr lIns="0" rIns="0" tIns="0" bIns="0" anchor="ctr"/>
+          <a:bodyPr lIns="0" tIns="0" rIns="0" bIns="0" anchor="ctr"/>
+          <a:lstStyle/>
           <a:p>
             <a:pPr algn="ctr">
               <a:lnSpc>
@@ -6632,13 +8500,13 @@
               </a:lnSpc>
             </a:pPr>
             <a:r>
-              <a:rPr b="0" lang="en-GB" sz="4400" spc="-1" strike="noStrike">
+              <a:rPr lang="en-GB" sz="4400" b="0" strike="noStrike" spc="-1">
                 <a:solidFill>
                   <a:srgbClr val="000000"/>
                 </a:solidFill>
                 <a:uFill>
                   <a:solidFill>
-                    <a:srgbClr val="ffffff"/>
+                    <a:srgbClr val="FFFFFF"/>
                   </a:solidFill>
                 </a:uFill>
                 <a:latin typeface="Arial"/>
@@ -6646,13 +8514,13 @@
               </a:rPr>
               <a:t>Exercises</a:t>
             </a:r>
-            <a:endParaRPr b="0" lang="en-GB" sz="1800" spc="-1" strike="noStrike">
-              <a:solidFill>
-                <a:srgbClr val="000000"/>
-              </a:solidFill>
-              <a:uFill>
-                <a:solidFill>
-                  <a:srgbClr val="ffffff"/>
+            <a:endParaRPr lang="en-GB" sz="1800" b="0" strike="noStrike" spc="-1">
+              <a:solidFill>
+                <a:srgbClr val="000000"/>
+              </a:solidFill>
+              <a:uFill>
+                <a:solidFill>
+                  <a:srgbClr val="FFFFFF"/>
                 </a:solidFill>
               </a:uFill>
               <a:latin typeface="Arial"/>
@@ -6680,26 +8548,33 @@
           </a:ln>
         </p:spPr>
         <p:style>
-          <a:lnRef idx="0"/>
-          <a:fillRef idx="0"/>
-          <a:effectRef idx="0"/>
+          <a:lnRef idx="0">
+            <a:scrgbClr r="0" g="0" b="0"/>
+          </a:lnRef>
+          <a:fillRef idx="0">
+            <a:scrgbClr r="0" g="0" b="0"/>
+          </a:fillRef>
+          <a:effectRef idx="0">
+            <a:scrgbClr r="0" g="0" b="0"/>
+          </a:effectRef>
           <a:fontRef idx="minor"/>
         </p:style>
         <p:txBody>
-          <a:bodyPr lIns="0" rIns="0" tIns="28440" bIns="0"/>
+          <a:bodyPr lIns="0" tIns="28440" rIns="0" bIns="0"/>
+          <a:lstStyle/>
           <a:p>
             <a:pPr marL="343080" indent="-342000">
               <a:lnSpc>
                 <a:spcPct val="150000"/>
               </a:lnSpc>
             </a:pPr>
-            <a:endParaRPr b="0" lang="en-GB" sz="1800" spc="-1" strike="noStrike">
-              <a:solidFill>
-                <a:srgbClr val="000000"/>
-              </a:solidFill>
-              <a:uFill>
-                <a:solidFill>
-                  <a:srgbClr val="ffffff"/>
+            <a:endParaRPr lang="en-GB" sz="1800" b="0" strike="noStrike" spc="-1">
+              <a:solidFill>
+                <a:srgbClr val="000000"/>
+              </a:solidFill>
+              <a:uFill>
+                <a:solidFill>
+                  <a:srgbClr val="FFFFFF"/>
                 </a:solidFill>
               </a:uFill>
               <a:latin typeface="Arial"/>
@@ -6711,13 +8586,13 @@
                 <a:spcPct val="93000"/>
               </a:lnSpc>
             </a:pPr>
-            <a:endParaRPr b="0" lang="en-GB" sz="1800" spc="-1" strike="noStrike">
-              <a:solidFill>
-                <a:srgbClr val="000000"/>
-              </a:solidFill>
-              <a:uFill>
-                <a:solidFill>
-                  <a:srgbClr val="ffffff"/>
+            <a:endParaRPr lang="en-GB" sz="1800" b="0" strike="noStrike" spc="-1">
+              <a:solidFill>
+                <a:srgbClr val="000000"/>
+              </a:solidFill>
+              <a:uFill>
+                <a:solidFill>
+                  <a:srgbClr val="FFFFFF"/>
                 </a:solidFill>
               </a:uFill>
               <a:latin typeface="Arial"/>
@@ -6729,313 +8604,174 @@
                 <a:spcPct val="93000"/>
               </a:lnSpc>
             </a:pPr>
-            <a:endParaRPr b="0" lang="en-GB" sz="1800" spc="-1" strike="noStrike">
-              <a:solidFill>
-                <a:srgbClr val="000000"/>
-              </a:solidFill>
-              <a:uFill>
-                <a:solidFill>
-                  <a:srgbClr val="ffffff"/>
-                </a:solidFill>
-              </a:uFill>
-              <a:latin typeface="Arial"/>
-            </a:endParaRPr>
+            <a:endParaRPr lang="en-GB" sz="1800" b="0" strike="noStrike" spc="-1">
+              <a:solidFill>
+                <a:srgbClr val="000000"/>
+              </a:solidFill>
+              <a:uFill>
+                <a:solidFill>
+                  <a:srgbClr val="FFFFFF"/>
+                </a:solidFill>
+              </a:uFill>
+              <a:latin typeface="Arial"/>
+            </a:endParaRPr>
+          </a:p>
+        </p:txBody>
+      </p:sp>
+      <p:sp>
+        <p:nvSpPr>
+          <p:cNvPr id="2" name="Rectangle 1"/>
+          <p:cNvSpPr/>
+          <p:nvPr/>
+        </p:nvSpPr>
+        <p:spPr>
+          <a:xfrm>
+            <a:off x="503280" y="1291590"/>
+            <a:ext cx="8743590" cy="4832092"/>
+          </a:xfrm>
+          <a:prstGeom prst="rect">
+            <a:avLst/>
+          </a:prstGeom>
+        </p:spPr>
+        <p:txBody>
+          <a:bodyPr wrap="square">
+            <a:spAutoFit/>
+          </a:bodyPr>
+          <a:lstStyle/>
+          <a:p>
+            <a:r>
+              <a:rPr lang="en-US" sz="2400" b="1" dirty="0" smtClean="0"/>
+              <a:t>Hands on demonstrations</a:t>
+            </a:r>
+          </a:p>
+          <a:p>
+            <a:endParaRPr lang="en-US" sz="2000" dirty="0" smtClean="0"/>
+          </a:p>
+          <a:p>
+            <a:r>
+              <a:rPr lang="en-US" sz="2000" dirty="0" smtClean="0"/>
+              <a:t>Human Brain Project </a:t>
+            </a:r>
+            <a:r>
+              <a:rPr lang="en-US" sz="2000" dirty="0" err="1" smtClean="0"/>
+              <a:t>Collaboratory</a:t>
+            </a:r>
+            <a:endParaRPr lang="en-US" sz="2000" dirty="0"/>
+          </a:p>
+          <a:p>
+            <a:endParaRPr lang="en-US" sz="2000" dirty="0" smtClean="0"/>
+          </a:p>
+          <a:p>
+            <a:r>
+              <a:rPr lang="en-US" sz="2000" dirty="0" smtClean="0"/>
+              <a:t>Run Allen Institute cell model on NSG via OSB</a:t>
+            </a:r>
+          </a:p>
+          <a:p>
+            <a:endParaRPr lang="en-US" sz="2000" dirty="0" smtClean="0"/>
+          </a:p>
+          <a:p>
+            <a:r>
+              <a:rPr lang="en-US" sz="2000" dirty="0" smtClean="0"/>
+              <a:t>Demonstration of Neo/</a:t>
+            </a:r>
+            <a:r>
+              <a:rPr lang="en-US" sz="2000" dirty="0" err="1" smtClean="0"/>
+              <a:t>PyNN</a:t>
+            </a:r>
+            <a:r>
+              <a:rPr lang="en-US" sz="2000" dirty="0" smtClean="0"/>
+              <a:t> using </a:t>
+            </a:r>
+            <a:r>
+              <a:rPr lang="en-US" sz="2000" dirty="0" err="1" smtClean="0"/>
+              <a:t>Jupyter</a:t>
+            </a:r>
+            <a:r>
+              <a:rPr lang="en-US" sz="2000" dirty="0" smtClean="0"/>
+              <a:t> notebooks</a:t>
+            </a:r>
+          </a:p>
+          <a:p>
+            <a:endParaRPr lang="en-US" sz="2000" b="1" dirty="0" smtClean="0"/>
+          </a:p>
+          <a:p>
+            <a:r>
+              <a:rPr lang="en-US" sz="2400" b="1" dirty="0" smtClean="0"/>
+              <a:t>Participant Exercises</a:t>
+            </a:r>
+          </a:p>
+          <a:p>
+            <a:endParaRPr lang="en-US" sz="2000" dirty="0" smtClean="0"/>
+          </a:p>
+          <a:p>
+            <a:r>
+              <a:rPr lang="en-US" sz="2000" dirty="0" smtClean="0"/>
+              <a:t>Cell morphology from </a:t>
+            </a:r>
+            <a:r>
+              <a:rPr lang="en-US" sz="2000" dirty="0" err="1" smtClean="0"/>
+              <a:t>NeuroMorpho.Org</a:t>
+            </a:r>
+            <a:r>
+              <a:rPr lang="en-US" sz="2000" dirty="0" smtClean="0"/>
+              <a:t> </a:t>
+            </a:r>
+            <a:r>
+              <a:rPr lang="en-US" sz="2000" dirty="0" err="1" smtClean="0"/>
+              <a:t>visualised</a:t>
+            </a:r>
+            <a:r>
+              <a:rPr lang="en-US" sz="2000" dirty="0" smtClean="0"/>
+              <a:t> on Open Source Brain</a:t>
+            </a:r>
+          </a:p>
+          <a:p>
+            <a:endParaRPr lang="en-US" sz="2000" dirty="0" smtClean="0"/>
+          </a:p>
+          <a:p>
+            <a:r>
+              <a:rPr lang="en-US" sz="2000" dirty="0" smtClean="0"/>
+              <a:t>Exploring Brain Circuits with the Fruit Fly Brain Observatory</a:t>
+            </a:r>
+          </a:p>
+          <a:p>
+            <a:endParaRPr lang="en-US" sz="2000" dirty="0" smtClean="0"/>
+          </a:p>
+          <a:p>
+            <a:r>
+              <a:rPr lang="en-US" sz="2000" dirty="0" err="1" smtClean="0"/>
+              <a:t>OpenWorm</a:t>
+            </a:r>
+            <a:r>
+              <a:rPr lang="en-US" sz="2000" dirty="0" smtClean="0"/>
+              <a:t> tutorials</a:t>
+            </a:r>
+            <a:endParaRPr lang="en-US" sz="2000" dirty="0"/>
           </a:p>
         </p:txBody>
       </p:sp>
     </p:spTree>
   </p:cSld>
+  <p:clrMapOvr>
+    <a:masterClrMapping/>
+  </p:clrMapOvr>
   <p:timing>
     <p:tnLst>
       <p:par>
-        <p:cTn id="11" dur="indefinite" restart="never" nodeType="tmRoot">
+        <p:cTn id="1" dur="indefinite" restart="never" nodeType="tmRoot">
           <p:childTnLst>
             <p:seq>
-              <p:cTn id="12" nodeType="mainSeq"/>
+              <p:cTn id="2" nodeType="mainSeq"/>
               <p:prevCondLst>
-                <p:cond delay="0" evt="onPrev">
+                <p:cond evt="onPrev" delay="0">
                   <p:tgtEl>
                     <p:sldTgt/>
                   </p:tgtEl>
                 </p:cond>
               </p:prevCondLst>
               <p:nextCondLst>
-                <p:cond delay="0" evt="onNext">
-                  <p:tgtEl>
-                    <p:sldTgt/>
-                  </p:tgtEl>
-                </p:cond>
-              </p:nextCondLst>
-            </p:seq>
-          </p:childTnLst>
-        </p:cTn>
-      </p:par>
-    </p:tnLst>
-  </p:timing>
-</p:sld>
-</file>
-
-<file path=ppt/slides/slide7.xml><?xml version="1.0" encoding="utf-8"?>
-<p:sld xmlns:a="http://schemas.openxmlformats.org/drawingml/2006/main" xmlns:p="http://schemas.openxmlformats.org/presentationml/2006/main" xmlns:r="http://schemas.openxmlformats.org/officeDocument/2006/relationships" xmlns:p14="http://schemas.microsoft.com/office/powerpoint/2010/main" xmlns:p15="http://schemas.microsoft.com/office/powerpoint/2012/main" xmlns:mc="http://schemas.openxmlformats.org/markup-compatibility/2006">
-  <p:cSld>
-    <p:spTree>
-      <p:nvGrpSpPr>
-        <p:cNvPr id="1" name=""/>
-        <p:cNvGrpSpPr/>
-        <p:nvPr/>
-      </p:nvGrpSpPr>
-      <p:grpSpPr>
-        <a:xfrm>
-          <a:off x="0" y="0"/>
-          <a:ext cx="0" cy="0"/>
-          <a:chOff x="0" y="0"/>
-          <a:chExt cx="0" cy="0"/>
-        </a:xfrm>
-      </p:grpSpPr>
-      <p:sp>
-        <p:nvSpPr>
-          <p:cNvPr id="96" name="CustomShape 1"/>
-          <p:cNvSpPr/>
-          <p:nvPr/>
-        </p:nvSpPr>
-        <p:spPr>
-          <a:xfrm>
-            <a:off x="503280" y="301680"/>
-            <a:ext cx="9068400" cy="1259280"/>
-          </a:xfrm>
-          <a:prstGeom prst="rect">
-            <a:avLst/>
-          </a:prstGeom>
-          <a:noFill/>
-          <a:ln>
-            <a:noFill/>
-          </a:ln>
-        </p:spPr>
-        <p:style>
-          <a:lnRef idx="0"/>
-          <a:fillRef idx="0"/>
-          <a:effectRef idx="0"/>
-          <a:fontRef idx="minor"/>
-        </p:style>
-        <p:txBody>
-          <a:bodyPr lIns="0" rIns="0" tIns="0" bIns="0" anchor="ctr"/>
-          <a:p>
-            <a:pPr algn="ctr">
-              <a:lnSpc>
-                <a:spcPct val="93000"/>
-              </a:lnSpc>
-            </a:pPr>
-            <a:r>
-              <a:rPr b="0" lang="en-GB" sz="4400" spc="-1" strike="noStrike">
-                <a:solidFill>
-                  <a:srgbClr val="000000"/>
-                </a:solidFill>
-                <a:uFill>
-                  <a:solidFill>
-                    <a:srgbClr val="ffffff"/>
-                  </a:solidFill>
-                </a:uFill>
-                <a:latin typeface="Arial"/>
-                <a:ea typeface="Noto Sans CJK SC Regular"/>
-              </a:rPr>
-              <a:t>Practicalities</a:t>
-            </a:r>
-            <a:endParaRPr b="0" lang="en-GB" sz="1800" spc="-1" strike="noStrike">
-              <a:solidFill>
-                <a:srgbClr val="000000"/>
-              </a:solidFill>
-              <a:uFill>
-                <a:solidFill>
-                  <a:srgbClr val="ffffff"/>
-                </a:solidFill>
-              </a:uFill>
-              <a:latin typeface="Arial"/>
-            </a:endParaRPr>
-          </a:p>
-        </p:txBody>
-      </p:sp>
-      <p:sp>
-        <p:nvSpPr>
-          <p:cNvPr id="97" name="CustomShape 2"/>
-          <p:cNvSpPr/>
-          <p:nvPr/>
-        </p:nvSpPr>
-        <p:spPr>
-          <a:xfrm>
-            <a:off x="503280" y="1768320"/>
-            <a:ext cx="9068400" cy="4381920"/>
-          </a:xfrm>
-          <a:prstGeom prst="rect">
-            <a:avLst/>
-          </a:prstGeom>
-          <a:noFill/>
-          <a:ln>
-            <a:noFill/>
-          </a:ln>
-        </p:spPr>
-        <p:style>
-          <a:lnRef idx="0"/>
-          <a:fillRef idx="0"/>
-          <a:effectRef idx="0"/>
-          <a:fontRef idx="minor"/>
-        </p:style>
-        <p:txBody>
-          <a:bodyPr lIns="0" rIns="0" tIns="28440" bIns="0"/>
-          <a:p>
-            <a:pPr marL="343080" indent="-342000">
-              <a:lnSpc>
-                <a:spcPct val="150000"/>
-              </a:lnSpc>
-            </a:pPr>
-            <a:r>
-              <a:rPr b="0" lang="en-GB" sz="2800" spc="-1" strike="noStrike">
-                <a:solidFill>
-                  <a:srgbClr val="000000"/>
-                </a:solidFill>
-                <a:uFill>
-                  <a:solidFill>
-                    <a:srgbClr val="ffffff"/>
-                  </a:solidFill>
-                </a:uFill>
-                <a:latin typeface="Arial"/>
-                <a:ea typeface="Noto Sans CJK SC Regular"/>
-              </a:rPr>
-              <a:t>(CNS Antwerp 15</a:t>
-            </a:r>
-            <a:r>
-              <a:rPr b="0" lang="en-GB" sz="2800" spc="-1" strike="noStrike" baseline="101000">
-                <a:solidFill>
-                  <a:srgbClr val="000000"/>
-                </a:solidFill>
-                <a:uFill>
-                  <a:solidFill>
-                    <a:srgbClr val="ffffff"/>
-                  </a:solidFill>
-                </a:uFill>
-                <a:latin typeface="Arial"/>
-                <a:ea typeface="Noto Sans CJK SC Regular"/>
-              </a:rPr>
-              <a:t>th</a:t>
-            </a:r>
-            <a:r>
-              <a:rPr b="0" lang="en-GB" sz="2800" spc="-1" strike="noStrike">
-                <a:solidFill>
-                  <a:srgbClr val="000000"/>
-                </a:solidFill>
-                <a:uFill>
-                  <a:solidFill>
-                    <a:srgbClr val="ffffff"/>
-                  </a:solidFill>
-                </a:uFill>
-                <a:latin typeface="Arial"/>
-                <a:ea typeface="Noto Sans CJK SC Regular"/>
-              </a:rPr>
-              <a:t> July 2017)</a:t>
-            </a:r>
-            <a:endParaRPr b="0" lang="en-GB" sz="1800" spc="-1" strike="noStrike">
-              <a:solidFill>
-                <a:srgbClr val="000000"/>
-              </a:solidFill>
-              <a:uFill>
-                <a:solidFill>
-                  <a:srgbClr val="ffffff"/>
-                </a:solidFill>
-              </a:uFill>
-              <a:latin typeface="Arial"/>
-            </a:endParaRPr>
-          </a:p>
-          <a:p>
-            <a:pPr marL="343080" indent="-342000">
-              <a:lnSpc>
-                <a:spcPct val="150000"/>
-              </a:lnSpc>
-            </a:pPr>
-            <a:endParaRPr b="0" lang="en-GB" sz="1800" spc="-1" strike="noStrike">
-              <a:solidFill>
-                <a:srgbClr val="000000"/>
-              </a:solidFill>
-              <a:uFill>
-                <a:solidFill>
-                  <a:srgbClr val="ffffff"/>
-                </a:solidFill>
-              </a:uFill>
-              <a:latin typeface="Arial"/>
-            </a:endParaRPr>
-          </a:p>
-          <a:p>
-            <a:pPr marL="343080" indent="-342000">
-              <a:lnSpc>
-                <a:spcPct val="150000"/>
-              </a:lnSpc>
-            </a:pPr>
-            <a:endParaRPr b="0" lang="en-GB" sz="1800" spc="-1" strike="noStrike">
-              <a:solidFill>
-                <a:srgbClr val="000000"/>
-              </a:solidFill>
-              <a:uFill>
-                <a:solidFill>
-                  <a:srgbClr val="ffffff"/>
-                </a:solidFill>
-              </a:uFill>
-              <a:latin typeface="Arial"/>
-            </a:endParaRPr>
-          </a:p>
-          <a:p>
-            <a:pPr marL="343080" indent="-342000">
-              <a:lnSpc>
-                <a:spcPct val="93000"/>
-              </a:lnSpc>
-            </a:pPr>
-            <a:endParaRPr b="0" lang="en-GB" sz="1800" spc="-1" strike="noStrike">
-              <a:solidFill>
-                <a:srgbClr val="000000"/>
-              </a:solidFill>
-              <a:uFill>
-                <a:solidFill>
-                  <a:srgbClr val="ffffff"/>
-                </a:solidFill>
-              </a:uFill>
-              <a:latin typeface="Arial"/>
-            </a:endParaRPr>
-          </a:p>
-          <a:p>
-            <a:pPr marL="343080" indent="-342000">
-              <a:lnSpc>
-                <a:spcPct val="93000"/>
-              </a:lnSpc>
-            </a:pPr>
-            <a:endParaRPr b="0" lang="en-GB" sz="1800" spc="-1" strike="noStrike">
-              <a:solidFill>
-                <a:srgbClr val="000000"/>
-              </a:solidFill>
-              <a:uFill>
-                <a:solidFill>
-                  <a:srgbClr val="ffffff"/>
-                </a:solidFill>
-              </a:uFill>
-              <a:latin typeface="Arial"/>
-            </a:endParaRPr>
-          </a:p>
-        </p:txBody>
-      </p:sp>
-    </p:spTree>
-  </p:cSld>
-  <p:timing>
-    <p:tnLst>
-      <p:par>
-        <p:cTn id="13" dur="indefinite" restart="never" nodeType="tmRoot">
-          <p:childTnLst>
-            <p:seq>
-              <p:cTn id="14" nodeType="mainSeq"/>
-              <p:prevCondLst>
-                <p:cond delay="0" evt="onPrev">
-                  <p:tgtEl>
-                    <p:sldTgt/>
-                  </p:tgtEl>
-                </p:cond>
-              </p:prevCondLst>
-              <p:nextCondLst>
-                <p:cond delay="0" evt="onNext">
+                <p:cond evt="onNext" delay="0">
                   <p:tgtEl>
                     <p:sldTgt/>
                   </p:tgtEl>
@@ -7270,6 +9006,8 @@
       </a:bgFillStyleLst>
     </a:fmtScheme>
   </a:themeElements>
+  <a:objectDefaults/>
+  <a:extraClrSchemeLst/>
 </a:theme>
 </file>
 
@@ -7493,6 +9231,8 @@
       </a:bgFillStyleLst>
     </a:fmtScheme>
   </a:themeElements>
+  <a:objectDefaults/>
+  <a:extraClrSchemeLst/>
 </a:theme>
 </file>
 
@@ -7716,5 +9456,7 @@
       </a:bgFillStyleLst>
     </a:fmtScheme>
   </a:themeElements>
+  <a:objectDefaults/>
+  <a:extraClrSchemeLst/>
 </a:theme>
 </file>
--- a/Part_1_Resources_for_computational_modellers/Introduction/Introduction.pptx
+++ b/Part_1_Resources_for_computational_modellers/Introduction/Introduction.pptx
@@ -8407,6 +8407,86 @@
           </a:ln>
         </p:spPr>
       </p:pic>
+      <p:sp>
+        <p:nvSpPr>
+          <p:cNvPr id="2" name="AutoShape 2" descr="mage result for cc by"/>
+          <p:cNvSpPr>
+            <a:spLocks noChangeAspect="1" noChangeArrowheads="1"/>
+          </p:cNvSpPr>
+          <p:nvPr/>
+        </p:nvSpPr>
+        <p:spPr bwMode="auto">
+          <a:xfrm>
+            <a:off x="0" y="0"/>
+            <a:ext cx="304800" cy="304800"/>
+          </a:xfrm>
+          <a:prstGeom prst="rect">
+            <a:avLst/>
+          </a:prstGeom>
+          <a:noFill/>
+          <a:extLst>
+            <a:ext uri="{909E8E84-426E-40DD-AFC4-6F175D3DCCD1}">
+              <a14:hiddenFill xmlns:a14="http://schemas.microsoft.com/office/drawing/2010/main">
+                <a:solidFill>
+                  <a:srgbClr val="FFFFFF"/>
+                </a:solidFill>
+              </a14:hiddenFill>
+            </a:ext>
+          </a:extLst>
+        </p:spPr>
+        <p:txBody>
+          <a:bodyPr vert="horz" wrap="square" lIns="91440" tIns="45720" rIns="91440" bIns="45720" numCol="1" anchor="t" anchorCtr="0" compatLnSpc="1">
+            <a:prstTxWarp prst="textNoShape">
+              <a:avLst/>
+            </a:prstTxWarp>
+          </a:bodyPr>
+          <a:lstStyle/>
+          <a:p>
+            <a:endParaRPr lang="en-US"/>
+          </a:p>
+        </p:txBody>
+      </p:sp>
+      <p:pic>
+        <p:nvPicPr>
+          <p:cNvPr id="1028" name="Picture 4" descr="mage result for cc by"/>
+          <p:cNvPicPr>
+            <a:picLocks noChangeAspect="1" noChangeArrowheads="1"/>
+          </p:cNvPicPr>
+          <p:nvPr/>
+        </p:nvPicPr>
+        <p:blipFill>
+          <a:blip r:embed="rId4">
+            <a:extLst>
+              <a:ext uri="{28A0092B-C50C-407E-A947-70E740481C1C}">
+                <a14:useLocalDpi xmlns:a14="http://schemas.microsoft.com/office/drawing/2010/main" val="0"/>
+              </a:ext>
+            </a:extLst>
+          </a:blip>
+          <a:srcRect/>
+          <a:stretch>
+            <a:fillRect/>
+          </a:stretch>
+        </p:blipFill>
+        <p:spPr bwMode="auto">
+          <a:xfrm>
+            <a:off x="7292340" y="3493142"/>
+            <a:ext cx="2103120" cy="739378"/>
+          </a:xfrm>
+          <a:prstGeom prst="rect">
+            <a:avLst/>
+          </a:prstGeom>
+          <a:noFill/>
+          <a:extLst>
+            <a:ext uri="{909E8E84-426E-40DD-AFC4-6F175D3DCCD1}">
+              <a14:hiddenFill xmlns:a14="http://schemas.microsoft.com/office/drawing/2010/main">
+                <a:solidFill>
+                  <a:srgbClr val="FFFFFF"/>
+                </a:solidFill>
+              </a14:hiddenFill>
+            </a:ext>
+          </a:extLst>
+        </p:spPr>
+      </p:pic>
     </p:spTree>
   </p:cSld>
   <p:clrMapOvr>
@@ -8417,8 +8497,102 @@
       <p:par>
         <p:cTn id="1" dur="indefinite" restart="never" nodeType="tmRoot">
           <p:childTnLst>
-            <p:seq>
-              <p:cTn id="2" nodeType="mainSeq"/>
+            <p:seq concurrent="1" nextAc="seek">
+              <p:cTn id="2" dur="indefinite" nodeType="mainSeq">
+                <p:childTnLst>
+                  <p:par>
+                    <p:cTn id="3" fill="hold">
+                      <p:stCondLst>
+                        <p:cond delay="indefinite"/>
+                      </p:stCondLst>
+                      <p:childTnLst>
+                        <p:par>
+                          <p:cTn id="4" fill="hold">
+                            <p:stCondLst>
+                              <p:cond delay="0"/>
+                            </p:stCondLst>
+                            <p:childTnLst>
+                              <p:par>
+                                <p:cTn id="5" presetID="2" presetClass="entr" presetSubtype="4" fill="hold" nodeType="clickEffect">
+                                  <p:stCondLst>
+                                    <p:cond delay="0"/>
+                                  </p:stCondLst>
+                                  <p:childTnLst>
+                                    <p:set>
+                                      <p:cBhvr>
+                                        <p:cTn id="6" dur="1" fill="hold">
+                                          <p:stCondLst>
+                                            <p:cond delay="0"/>
+                                          </p:stCondLst>
+                                        </p:cTn>
+                                        <p:tgtEl>
+                                          <p:spTgt spid="1028"/>
+                                        </p:tgtEl>
+                                        <p:attrNameLst>
+                                          <p:attrName>style.visibility</p:attrName>
+                                        </p:attrNameLst>
+                                      </p:cBhvr>
+                                      <p:to>
+                                        <p:strVal val="visible"/>
+                                      </p:to>
+                                    </p:set>
+                                    <p:anim calcmode="lin" valueType="num">
+                                      <p:cBhvr additive="base">
+                                        <p:cTn id="7" dur="500" fill="hold"/>
+                                        <p:tgtEl>
+                                          <p:spTgt spid="1028"/>
+                                        </p:tgtEl>
+                                        <p:attrNameLst>
+                                          <p:attrName>ppt_x</p:attrName>
+                                        </p:attrNameLst>
+                                      </p:cBhvr>
+                                      <p:tavLst>
+                                        <p:tav tm="0">
+                                          <p:val>
+                                            <p:strVal val="#ppt_x"/>
+                                          </p:val>
+                                        </p:tav>
+                                        <p:tav tm="100000">
+                                          <p:val>
+                                            <p:strVal val="#ppt_x"/>
+                                          </p:val>
+                                        </p:tav>
+                                      </p:tavLst>
+                                    </p:anim>
+                                    <p:anim calcmode="lin" valueType="num">
+                                      <p:cBhvr additive="base">
+                                        <p:cTn id="8" dur="500" fill="hold"/>
+                                        <p:tgtEl>
+                                          <p:spTgt spid="1028"/>
+                                        </p:tgtEl>
+                                        <p:attrNameLst>
+                                          <p:attrName>ppt_y</p:attrName>
+                                        </p:attrNameLst>
+                                      </p:cBhvr>
+                                      <p:tavLst>
+                                        <p:tav tm="0">
+                                          <p:val>
+                                            <p:strVal val="1+#ppt_h/2"/>
+                                          </p:val>
+                                        </p:tav>
+                                        <p:tav tm="100000">
+                                          <p:val>
+                                            <p:strVal val="#ppt_y"/>
+                                          </p:val>
+                                        </p:tav>
+                                      </p:tavLst>
+                                    </p:anim>
+                                  </p:childTnLst>
+                                </p:cTn>
+                              </p:par>
+                            </p:childTnLst>
+                          </p:cTn>
+                        </p:par>
+                      </p:childTnLst>
+                    </p:cTn>
+                  </p:par>
+                </p:childTnLst>
+              </p:cTn>
               <p:prevCondLst>
                 <p:cond evt="onPrev" delay="0">
                   <p:tgtEl>

--- a/Part_1_Resources_for_computational_modellers/Introduction/Introduction.pptx
+++ b/Part_1_Resources_for_computational_modellers/Introduction/Introduction.pptx
@@ -6,7 +6,7 @@
     <p:sldMasterId id="2147483661" r:id="rId2"/>
   </p:sldMasterIdLst>
   <p:notesMasterIdLst>
-    <p:notesMasterId r:id="rId9"/>
+    <p:notesMasterId r:id="rId10"/>
   </p:notesMasterIdLst>
   <p:sldIdLst>
     <p:sldId id="256" r:id="rId3"/>
@@ -15,6 +15,7 @@
     <p:sldId id="259" r:id="rId6"/>
     <p:sldId id="260" r:id="rId7"/>
     <p:sldId id="261" r:id="rId8"/>
+    <p:sldId id="262" r:id="rId9"/>
   </p:sldIdLst>
   <p:sldSz cx="10080625" cy="7559675"/>
   <p:notesSz cx="7559675" cy="10691813"/>
@@ -8487,6 +8488,152 @@
           </a:extLst>
         </p:spPr>
       </p:pic>
+      <p:sp>
+        <p:nvSpPr>
+          <p:cNvPr id="3" name="Rounded Rectangle 2"/>
+          <p:cNvSpPr/>
+          <p:nvPr/>
+        </p:nvSpPr>
+        <p:spPr>
+          <a:xfrm>
+            <a:off x="714335" y="6407640"/>
+            <a:ext cx="8646289" cy="787079"/>
+          </a:xfrm>
+          <a:prstGeom prst="roundRect">
+            <a:avLst/>
+          </a:prstGeom>
+        </p:spPr>
+        <p:style>
+          <a:lnRef idx="2">
+            <a:schemeClr val="accent6"/>
+          </a:lnRef>
+          <a:fillRef idx="1">
+            <a:schemeClr val="lt1"/>
+          </a:fillRef>
+          <a:effectRef idx="0">
+            <a:schemeClr val="accent6"/>
+          </a:effectRef>
+          <a:fontRef idx="minor">
+            <a:schemeClr val="dk1"/>
+          </a:fontRef>
+        </p:style>
+        <p:txBody>
+          <a:bodyPr rtlCol="0" anchor="ctr"/>
+          <a:lstStyle/>
+          <a:p>
+            <a:pPr algn="ctr"/>
+            <a:r>
+              <a:rPr lang="en-US" sz="2400" dirty="0">
+                <a:ln w="0"/>
+                <a:solidFill>
+                  <a:schemeClr val="accent1"/>
+                </a:solidFill>
+                <a:effectLst>
+                  <a:outerShdw blurRad="38100" dist="25400" dir="5400000" algn="ctr" rotWithShape="0">
+                    <a:srgbClr val="6E747A">
+                      <a:alpha val="43000"/>
+                    </a:srgbClr>
+                  </a:outerShdw>
+                </a:effectLst>
+              </a:rPr>
+              <a:t>https://</a:t>
+            </a:r>
+            <a:r>
+              <a:rPr lang="en-US" sz="2400" dirty="0" err="1">
+                <a:ln w="0"/>
+                <a:solidFill>
+                  <a:schemeClr val="accent1"/>
+                </a:solidFill>
+                <a:effectLst>
+                  <a:outerShdw blurRad="38100" dist="25400" dir="5400000" algn="ctr" rotWithShape="0">
+                    <a:srgbClr val="6E747A">
+                      <a:alpha val="43000"/>
+                    </a:srgbClr>
+                  </a:outerShdw>
+                </a:effectLst>
+              </a:rPr>
+              <a:t>github.com</a:t>
+            </a:r>
+            <a:r>
+              <a:rPr lang="en-US" sz="2400" dirty="0">
+                <a:ln w="0"/>
+                <a:solidFill>
+                  <a:schemeClr val="accent1"/>
+                </a:solidFill>
+                <a:effectLst>
+                  <a:outerShdw blurRad="38100" dist="25400" dir="5400000" algn="ctr" rotWithShape="0">
+                    <a:srgbClr val="6E747A">
+                      <a:alpha val="43000"/>
+                    </a:srgbClr>
+                  </a:outerShdw>
+                </a:effectLst>
+              </a:rPr>
+              <a:t>/</a:t>
+            </a:r>
+            <a:r>
+              <a:rPr lang="en-US" sz="2400" dirty="0" err="1">
+                <a:ln w="0"/>
+                <a:solidFill>
+                  <a:schemeClr val="accent1"/>
+                </a:solidFill>
+                <a:effectLst>
+                  <a:outerShdw blurRad="38100" dist="25400" dir="5400000" algn="ctr" rotWithShape="0">
+                    <a:srgbClr val="6E747A">
+                      <a:alpha val="43000"/>
+                    </a:srgbClr>
+                  </a:outerShdw>
+                </a:effectLst>
+              </a:rPr>
+              <a:t>NeuralEnsemble</a:t>
+            </a:r>
+            <a:r>
+              <a:rPr lang="en-US" sz="2400" dirty="0">
+                <a:ln w="0"/>
+                <a:solidFill>
+                  <a:schemeClr val="accent1"/>
+                </a:solidFill>
+                <a:effectLst>
+                  <a:outerShdw blurRad="38100" dist="25400" dir="5400000" algn="ctr" rotWithShape="0">
+                    <a:srgbClr val="6E747A">
+                      <a:alpha val="43000"/>
+                    </a:srgbClr>
+                  </a:outerShdw>
+                </a:effectLst>
+              </a:rPr>
+              <a:t>/</a:t>
+            </a:r>
+            <a:r>
+              <a:rPr lang="en-US" sz="2400" dirty="0" err="1">
+                <a:ln w="0"/>
+                <a:solidFill>
+                  <a:schemeClr val="accent1"/>
+                </a:solidFill>
+                <a:effectLst>
+                  <a:outerShdw blurRad="38100" dist="25400" dir="5400000" algn="ctr" rotWithShape="0">
+                    <a:srgbClr val="6E747A">
+                      <a:alpha val="43000"/>
+                    </a:srgbClr>
+                  </a:outerShdw>
+                </a:effectLst>
+              </a:rPr>
+              <a:t>NeuroinformaticsTutorial</a:t>
+            </a:r>
+            <a:endParaRPr lang="en-US" sz="2400" dirty="0">
+              <a:ln w="0"/>
+              <a:solidFill>
+                <a:schemeClr val="accent1"/>
+              </a:solidFill>
+              <a:effectLst>
+                <a:outerShdw blurRad="38100" dist="25400" dir="5400000" algn="ctr" rotWithShape="0">
+                  <a:srgbClr val="6E747A">
+                    <a:alpha val="43000"/>
+                  </a:srgbClr>
+                </a:outerShdw>
+              </a:effectLst>
+            </a:endParaRPr>
+          </a:p>
+        </p:txBody>
+      </p:sp>
     </p:spTree>
   </p:cSld>
   <p:clrMapOvr>
@@ -8957,6 +9104,258 @@
       </p:par>
     </p:tnLst>
   </p:timing>
+</p:sld>
+</file>
+
+<file path=ppt/slides/slide7.xml><?xml version="1.0" encoding="utf-8"?>
+<p:sld xmlns:a="http://schemas.openxmlformats.org/drawingml/2006/main" xmlns:r="http://schemas.openxmlformats.org/officeDocument/2006/relationships" xmlns:p="http://schemas.openxmlformats.org/presentationml/2006/main">
+  <p:cSld>
+    <p:spTree>
+      <p:nvGrpSpPr>
+        <p:cNvPr id="1" name=""/>
+        <p:cNvGrpSpPr/>
+        <p:nvPr/>
+      </p:nvGrpSpPr>
+      <p:grpSpPr>
+        <a:xfrm>
+          <a:off x="0" y="0"/>
+          <a:ext cx="0" cy="0"/>
+          <a:chOff x="0" y="0"/>
+          <a:chExt cx="0" cy="0"/>
+        </a:xfrm>
+      </p:grpSpPr>
+      <p:sp>
+        <p:nvSpPr>
+          <p:cNvPr id="2" name="Title 1"/>
+          <p:cNvSpPr>
+            <a:spLocks noGrp="1"/>
+          </p:cNvSpPr>
+          <p:nvPr>
+            <p:ph type="title"/>
+          </p:nvPr>
+        </p:nvSpPr>
+        <p:spPr/>
+        <p:txBody>
+          <a:bodyPr/>
+          <a:lstStyle/>
+          <a:p>
+            <a:endParaRPr lang="en-US"/>
+          </a:p>
+        </p:txBody>
+      </p:sp>
+      <p:sp>
+        <p:nvSpPr>
+          <p:cNvPr id="3" name="Subtitle 2"/>
+          <p:cNvSpPr>
+            <a:spLocks noGrp="1"/>
+          </p:cNvSpPr>
+          <p:nvPr>
+            <p:ph type="subTitle"/>
+          </p:nvPr>
+        </p:nvSpPr>
+        <p:spPr/>
+        <p:txBody>
+          <a:bodyPr/>
+          <a:lstStyle/>
+          <a:p>
+            <a:endParaRPr lang="en-US"/>
+          </a:p>
+        </p:txBody>
+      </p:sp>
+      <p:pic>
+        <p:nvPicPr>
+          <p:cNvPr id="4" name="Picture 3"/>
+          <p:cNvPicPr>
+            <a:picLocks noChangeAspect="1"/>
+          </p:cNvPicPr>
+          <p:nvPr/>
+        </p:nvPicPr>
+        <p:blipFill>
+          <a:blip r:embed="rId2">
+            <a:extLst>
+              <a:ext uri="{28A0092B-C50C-407E-A947-70E740481C1C}">
+                <a14:useLocalDpi xmlns:a14="http://schemas.microsoft.com/office/drawing/2010/main" val="0"/>
+              </a:ext>
+            </a:extLst>
+          </a:blip>
+          <a:stretch>
+            <a:fillRect/>
+          </a:stretch>
+        </p:blipFill>
+        <p:spPr>
+          <a:xfrm>
+            <a:off x="0" y="0"/>
+            <a:ext cx="10080625" cy="7817113"/>
+          </a:xfrm>
+          <a:prstGeom prst="rect">
+            <a:avLst/>
+          </a:prstGeom>
+        </p:spPr>
+      </p:pic>
+      <p:sp>
+        <p:nvSpPr>
+          <p:cNvPr id="5" name="Oval 4"/>
+          <p:cNvSpPr/>
+          <p:nvPr/>
+        </p:nvSpPr>
+        <p:spPr>
+          <a:xfrm>
+            <a:off x="1277622" y="806921"/>
+            <a:ext cx="1465943" cy="624115"/>
+          </a:xfrm>
+          <a:prstGeom prst="ellipse">
+            <a:avLst/>
+          </a:prstGeom>
+          <a:noFill/>
+          <a:ln w="41275">
+            <a:solidFill>
+              <a:srgbClr val="FF0000"/>
+            </a:solidFill>
+          </a:ln>
+        </p:spPr>
+        <p:style>
+          <a:lnRef idx="2">
+            <a:schemeClr val="accent6"/>
+          </a:lnRef>
+          <a:fillRef idx="1">
+            <a:schemeClr val="lt1"/>
+          </a:fillRef>
+          <a:effectRef idx="0">
+            <a:schemeClr val="accent6"/>
+          </a:effectRef>
+          <a:fontRef idx="minor">
+            <a:schemeClr val="dk1"/>
+          </a:fontRef>
+        </p:style>
+        <p:txBody>
+          <a:bodyPr rtlCol="0" anchor="ctr"/>
+          <a:lstStyle/>
+          <a:p>
+            <a:pPr algn="ctr"/>
+            <a:endParaRPr lang="en-US"/>
+          </a:p>
+        </p:txBody>
+      </p:sp>
+      <p:sp>
+        <p:nvSpPr>
+          <p:cNvPr id="6" name="Rectangle 5"/>
+          <p:cNvSpPr/>
+          <p:nvPr/>
+        </p:nvSpPr>
+        <p:spPr>
+          <a:xfrm rot="20724527">
+            <a:off x="3678402" y="3441282"/>
+            <a:ext cx="2723823" cy="1200329"/>
+          </a:xfrm>
+          <a:prstGeom prst="rect">
+            <a:avLst/>
+          </a:prstGeom>
+          <a:noFill/>
+        </p:spPr>
+        <p:txBody>
+          <a:bodyPr wrap="none" lIns="91440" tIns="45720" rIns="91440" bIns="45720">
+            <a:spAutoFit/>
+          </a:bodyPr>
+          <a:lstStyle/>
+          <a:p>
+            <a:pPr algn="ctr"/>
+            <a:r>
+              <a:rPr lang="en-US" sz="3600" b="0" cap="none" spc="0" dirty="0" smtClean="0">
+                <a:ln w="0"/>
+                <a:solidFill>
+                  <a:srgbClr val="FF0000"/>
+                </a:solidFill>
+                <a:effectLst>
+                  <a:outerShdw blurRad="38100" dist="19050" dir="2700000" algn="tl" rotWithShape="0">
+                    <a:schemeClr val="dk1">
+                      <a:alpha val="40000"/>
+                    </a:schemeClr>
+                  </a:outerShdw>
+                </a:effectLst>
+              </a:rPr>
+              <a:t>Suggestions</a:t>
+            </a:r>
+          </a:p>
+          <a:p>
+            <a:pPr algn="ctr"/>
+            <a:r>
+              <a:rPr lang="en-US" sz="3600" b="0" cap="none" spc="0" dirty="0" smtClean="0">
+                <a:ln w="0"/>
+                <a:solidFill>
+                  <a:srgbClr val="FF0000"/>
+                </a:solidFill>
+                <a:effectLst>
+                  <a:outerShdw blurRad="38100" dist="19050" dir="2700000" algn="tl" rotWithShape="0">
+                    <a:schemeClr val="dk1">
+                      <a:alpha val="40000"/>
+                    </a:schemeClr>
+                  </a:outerShdw>
+                </a:effectLst>
+              </a:rPr>
+              <a:t>welcome!</a:t>
+            </a:r>
+            <a:endParaRPr lang="en-US" sz="3600" b="0" cap="none" spc="0" dirty="0">
+              <a:ln w="0"/>
+              <a:solidFill>
+                <a:srgbClr val="FF0000"/>
+              </a:solidFill>
+              <a:effectLst>
+                <a:outerShdw blurRad="38100" dist="19050" dir="2700000" algn="tl" rotWithShape="0">
+                  <a:schemeClr val="dk1">
+                    <a:alpha val="40000"/>
+                  </a:schemeClr>
+                </a:outerShdw>
+              </a:effectLst>
+            </a:endParaRPr>
+          </a:p>
+        </p:txBody>
+      </p:sp>
+      <p:cxnSp>
+        <p:nvCxnSpPr>
+          <p:cNvPr id="8" name="Straight Arrow Connector 7"/>
+          <p:cNvCxnSpPr/>
+          <p:nvPr/>
+        </p:nvCxnSpPr>
+        <p:spPr>
+          <a:xfrm flipH="1" flipV="1">
+            <a:off x="2604304" y="1330592"/>
+            <a:ext cx="2231856" cy="2154288"/>
+          </a:xfrm>
+          <a:prstGeom prst="straightConnector1">
+            <a:avLst/>
+          </a:prstGeom>
+          <a:ln w="47625">
+            <a:solidFill>
+              <a:srgbClr val="FF0000"/>
+            </a:solidFill>
+            <a:tailEnd type="triangle"/>
+          </a:ln>
+        </p:spPr>
+        <p:style>
+          <a:lnRef idx="1">
+            <a:schemeClr val="accent1"/>
+          </a:lnRef>
+          <a:fillRef idx="0">
+            <a:schemeClr val="accent1"/>
+          </a:fillRef>
+          <a:effectRef idx="0">
+            <a:schemeClr val="accent1"/>
+          </a:effectRef>
+          <a:fontRef idx="minor">
+            <a:schemeClr val="tx1"/>
+          </a:fontRef>
+        </p:style>
+      </p:cxnSp>
+    </p:spTree>
+    <p:extLst>
+      <p:ext uri="{BB962C8B-B14F-4D97-AF65-F5344CB8AC3E}">
+        <p14:creationId xmlns:p14="http://schemas.microsoft.com/office/powerpoint/2010/main" val="1790907982"/>
+      </p:ext>
+    </p:extLst>
+  </p:cSld>
+  <p:clrMapOvr>
+    <a:masterClrMapping/>
+  </p:clrMapOvr>
 </p:sld>
 </file>
 
